--- a/Narvis.pptx
+++ b/Narvis.pptx
@@ -6,51 +6,55 @@
     <p:sldMasterId id="2147483709" r:id="rId2"/>
   </p:sldMasterIdLst>
   <p:notesMasterIdLst>
-    <p:notesMasterId r:id="rId42"/>
+    <p:notesMasterId r:id="rId46"/>
   </p:notesMasterIdLst>
   <p:handoutMasterIdLst>
-    <p:handoutMasterId r:id="rId43"/>
+    <p:handoutMasterId r:id="rId47"/>
   </p:handoutMasterIdLst>
   <p:sldIdLst>
     <p:sldId id="256" r:id="rId3"/>
     <p:sldId id="279" r:id="rId4"/>
     <p:sldId id="280" r:id="rId5"/>
-    <p:sldId id="281" r:id="rId6"/>
-    <p:sldId id="273" r:id="rId7"/>
-    <p:sldId id="262" r:id="rId8"/>
-    <p:sldId id="282" r:id="rId9"/>
-    <p:sldId id="309" r:id="rId10"/>
+    <p:sldId id="336" r:id="rId6"/>
+    <p:sldId id="281" r:id="rId7"/>
+    <p:sldId id="273" r:id="rId8"/>
+    <p:sldId id="262" r:id="rId9"/>
+    <p:sldId id="282" r:id="rId10"/>
     <p:sldId id="310" r:id="rId11"/>
-    <p:sldId id="259" r:id="rId12"/>
-    <p:sldId id="290" r:id="rId13"/>
-    <p:sldId id="324" r:id="rId14"/>
-    <p:sldId id="323" r:id="rId15"/>
-    <p:sldId id="327" r:id="rId16"/>
-    <p:sldId id="325" r:id="rId17"/>
-    <p:sldId id="326" r:id="rId18"/>
-    <p:sldId id="276" r:id="rId19"/>
-    <p:sldId id="314" r:id="rId20"/>
-    <p:sldId id="322" r:id="rId21"/>
-    <p:sldId id="313" r:id="rId22"/>
-    <p:sldId id="319" r:id="rId23"/>
-    <p:sldId id="320" r:id="rId24"/>
-    <p:sldId id="315" r:id="rId25"/>
-    <p:sldId id="316" r:id="rId26"/>
-    <p:sldId id="317" r:id="rId27"/>
-    <p:sldId id="318" r:id="rId28"/>
-    <p:sldId id="304" r:id="rId29"/>
-    <p:sldId id="328" r:id="rId30"/>
-    <p:sldId id="330" r:id="rId31"/>
-    <p:sldId id="329" r:id="rId32"/>
-    <p:sldId id="331" r:id="rId33"/>
-    <p:sldId id="332" r:id="rId34"/>
-    <p:sldId id="306" r:id="rId35"/>
-    <p:sldId id="311" r:id="rId36"/>
-    <p:sldId id="312" r:id="rId37"/>
-    <p:sldId id="305" r:id="rId38"/>
-    <p:sldId id="266" r:id="rId39"/>
-    <p:sldId id="307" r:id="rId40"/>
-    <p:sldId id="308" r:id="rId41"/>
+    <p:sldId id="309" r:id="rId12"/>
+    <p:sldId id="259" r:id="rId13"/>
+    <p:sldId id="290" r:id="rId14"/>
+    <p:sldId id="324" r:id="rId15"/>
+    <p:sldId id="323" r:id="rId16"/>
+    <p:sldId id="327" r:id="rId17"/>
+    <p:sldId id="325" r:id="rId18"/>
+    <p:sldId id="326" r:id="rId19"/>
+    <p:sldId id="276" r:id="rId20"/>
+    <p:sldId id="314" r:id="rId21"/>
+    <p:sldId id="322" r:id="rId22"/>
+    <p:sldId id="313" r:id="rId23"/>
+    <p:sldId id="319" r:id="rId24"/>
+    <p:sldId id="320" r:id="rId25"/>
+    <p:sldId id="315" r:id="rId26"/>
+    <p:sldId id="316" r:id="rId27"/>
+    <p:sldId id="317" r:id="rId28"/>
+    <p:sldId id="318" r:id="rId29"/>
+    <p:sldId id="304" r:id="rId30"/>
+    <p:sldId id="328" r:id="rId31"/>
+    <p:sldId id="330" r:id="rId32"/>
+    <p:sldId id="329" r:id="rId33"/>
+    <p:sldId id="331" r:id="rId34"/>
+    <p:sldId id="333" r:id="rId35"/>
+    <p:sldId id="334" r:id="rId36"/>
+    <p:sldId id="335" r:id="rId37"/>
+    <p:sldId id="332" r:id="rId38"/>
+    <p:sldId id="306" r:id="rId39"/>
+    <p:sldId id="311" r:id="rId40"/>
+    <p:sldId id="312" r:id="rId41"/>
+    <p:sldId id="305" r:id="rId42"/>
+    <p:sldId id="266" r:id="rId43"/>
+    <p:sldId id="307" r:id="rId44"/>
+    <p:sldId id="308" r:id="rId45"/>
   </p:sldIdLst>
   <p:sldSz cx="12192000" cy="6858000"/>
   <p:notesSz cx="6858000" cy="9144000"/>
@@ -6754,7 +6758,7 @@
                   </a:schemeClr>
                 </a:solidFill>
               </a:rPr>
-              <a:t>New problem or old problem?</a:t>
+              <a:t>Related Works</a:t>
             </a:r>
             <a:endParaRPr kumimoji="1" lang="zh-CN" altLang="en-US" b="1" dirty="0">
               <a:solidFill>
@@ -6767,162 +6771,554 @@
           </a:p>
         </p:txBody>
       </p:sp>
-      <p:sp>
-        <p:nvSpPr>
-          <p:cNvPr id="3" name="内容占位符 2"/>
-          <p:cNvSpPr>
-            <a:spLocks noGrp="1"/>
-          </p:cNvSpPr>
+      <p:graphicFrame>
+        <p:nvGraphicFramePr>
+          <p:cNvPr id="9" name="内容占位符 8"/>
+          <p:cNvGraphicFramePr>
+            <a:graphicFrameLocks noGrp="1"/>
+          </p:cNvGraphicFramePr>
           <p:nvPr>
             <p:ph idx="1"/>
+            <p:extLst>
+              <p:ext uri="{D42A27DB-BD31-4B8C-83A1-F6EECF244321}">
+                <p14:modId xmlns:p14="http://schemas.microsoft.com/office/powerpoint/2010/main" val="1892313709"/>
+              </p:ext>
+            </p:extLst>
           </p:nvPr>
+        </p:nvGraphicFramePr>
+        <p:xfrm>
+          <a:off x="838200" y="2088858"/>
+          <a:ext cx="10515600" cy="3056690"/>
+        </p:xfrm>
+        <a:graphic>
+          <a:graphicData uri="http://schemas.openxmlformats.org/drawingml/2006/table">
+            <a:tbl>
+              <a:tblPr firstRow="1" bandRow="1">
+                <a:tableStyleId>{5C22544A-7EE6-4342-B048-85BDC9FD1C3A}</a:tableStyleId>
+              </a:tblPr>
+              <a:tblGrid>
+                <a:gridCol w="3505200"/>
+                <a:gridCol w="3505200"/>
+                <a:gridCol w="3505200"/>
+              </a:tblGrid>
+              <a:tr h="370840">
+                <a:tc>
+                  <a:txBody>
+                    <a:bodyPr/>
+                    <a:lstStyle/>
+                    <a:p>
+                      <a:r>
+                        <a:rPr lang="en-US" altLang="zh-CN" dirty="0" smtClean="0"/>
+                        <a:t>Paper</a:t>
+                      </a:r>
+                      <a:endParaRPr lang="zh-CN" altLang="en-US" dirty="0"/>
+                    </a:p>
+                  </a:txBody>
+                  <a:tcPr/>
+                </a:tc>
+                <a:tc>
+                  <a:txBody>
+                    <a:bodyPr/>
+                    <a:lstStyle/>
+                    <a:p>
+                      <a:r>
+                        <a:rPr lang="en-US" altLang="zh-CN" dirty="0" smtClean="0"/>
+                        <a:t>Useful Content</a:t>
+                      </a:r>
+                      <a:endParaRPr lang="zh-CN" altLang="en-US" dirty="0"/>
+                    </a:p>
+                  </a:txBody>
+                  <a:tcPr/>
+                </a:tc>
+                <a:tc>
+                  <a:txBody>
+                    <a:bodyPr/>
+                    <a:lstStyle/>
+                    <a:p>
+                      <a:r>
+                        <a:rPr lang="en-US" altLang="zh-CN" dirty="0" smtClean="0"/>
+                        <a:t>But</a:t>
+                      </a:r>
+                      <a:r>
+                        <a:rPr lang="is-IS" altLang="zh-CN" dirty="0" smtClean="0"/>
+                        <a:t>…..</a:t>
+                      </a:r>
+                      <a:endParaRPr lang="zh-CN" altLang="en-US" dirty="0"/>
+                    </a:p>
+                  </a:txBody>
+                  <a:tcPr/>
+                </a:tc>
+              </a:tr>
+              <a:tr h="370840">
+                <a:tc>
+                  <a:txBody>
+                    <a:bodyPr/>
+                    <a:lstStyle/>
+                    <a:p>
+                      <a:r>
+                        <a:rPr lang="en-US" altLang="zh-CN" sz="900" b="0" i="0" kern="1200" dirty="0" smtClean="0">
+                          <a:solidFill>
+                            <a:schemeClr val="dk1"/>
+                          </a:solidFill>
+                          <a:effectLst/>
+                          <a:latin typeface="+mn-lt"/>
+                          <a:ea typeface="+mn-ea"/>
+                          <a:cs typeface="+mn-cs"/>
+                        </a:rPr>
+                        <a:t>Power point and keynote, less interactivity</a:t>
+                      </a:r>
+                    </a:p>
+                    <a:p>
+                      <a:r>
+                        <a:rPr lang="en-US" altLang="zh-CN" sz="900" b="0" i="0" kern="1200" dirty="0" smtClean="0">
+                          <a:solidFill>
+                            <a:schemeClr val="dk1"/>
+                          </a:solidFill>
+                          <a:effectLst/>
+                          <a:latin typeface="+mn-lt"/>
+                          <a:ea typeface="+mn-ea"/>
+                          <a:cs typeface="+mn-cs"/>
+                        </a:rPr>
+                        <a:t>In </a:t>
+                      </a:r>
+                      <a:r>
+                        <a:rPr lang="en-US" altLang="zh-CN" sz="900" b="1" i="0" kern="1200" dirty="0" smtClean="0">
+                          <a:solidFill>
+                            <a:schemeClr val="dk1"/>
+                          </a:solidFill>
+                          <a:effectLst/>
+                          <a:latin typeface="+mn-lt"/>
+                          <a:ea typeface="+mn-ea"/>
+                          <a:cs typeface="+mn-cs"/>
+                        </a:rPr>
+                        <a:t>Tableau,</a:t>
+                      </a:r>
+                      <a:r>
+                        <a:rPr lang="en-US" altLang="zh-CN" sz="900" b="0" i="0" kern="1200" dirty="0" smtClean="0">
+                          <a:solidFill>
+                            <a:schemeClr val="dk1"/>
+                          </a:solidFill>
+                          <a:effectLst/>
+                          <a:latin typeface="+mn-lt"/>
+                          <a:ea typeface="+mn-ea"/>
+                          <a:cs typeface="+mn-cs"/>
+                        </a:rPr>
+                        <a:t> </a:t>
+                      </a:r>
+                      <a:r>
+                        <a:rPr lang="en-US" altLang="zh-CN" sz="900" b="1" i="0" kern="1200" dirty="0" smtClean="0">
+                          <a:solidFill>
+                            <a:schemeClr val="dk1"/>
+                          </a:solidFill>
+                          <a:effectLst/>
+                          <a:latin typeface="+mn-lt"/>
+                          <a:ea typeface="+mn-ea"/>
+                          <a:cs typeface="+mn-cs"/>
+                        </a:rPr>
+                        <a:t>storytelling</a:t>
+                      </a:r>
+                      <a:r>
+                        <a:rPr lang="en-US" altLang="zh-CN" sz="900" b="0" i="0" kern="1200" dirty="0" smtClean="0">
+                          <a:solidFill>
+                            <a:schemeClr val="dk1"/>
+                          </a:solidFill>
+                          <a:effectLst/>
+                          <a:latin typeface="+mn-lt"/>
+                          <a:ea typeface="+mn-ea"/>
+                          <a:cs typeface="+mn-cs"/>
+                        </a:rPr>
+                        <a:t> features are</a:t>
+                      </a:r>
+                      <a:r>
+                        <a:rPr lang="en-US" altLang="zh-CN" sz="900" dirty="0" smtClean="0"/>
+                        <a:t/>
+                      </a:r>
+                      <a:br>
+                        <a:rPr lang="en-US" altLang="zh-CN" sz="900" dirty="0" smtClean="0"/>
+                      </a:br>
+                      <a:r>
+                        <a:rPr lang="en-US" altLang="zh-CN" sz="900" b="0" i="0" kern="1200" dirty="0" smtClean="0">
+                          <a:solidFill>
+                            <a:schemeClr val="dk1"/>
+                          </a:solidFill>
+                          <a:effectLst/>
+                          <a:latin typeface="+mn-lt"/>
+                          <a:ea typeface="+mn-ea"/>
+                          <a:cs typeface="+mn-cs"/>
+                        </a:rPr>
+                        <a:t>integrated using an annotated stepper interface</a:t>
+                      </a:r>
+                      <a:r>
+                        <a:rPr lang="zh-CN" altLang="en-US" sz="900" b="0" i="0" kern="1200" dirty="0" smtClean="0">
+                          <a:solidFill>
+                            <a:schemeClr val="dk1"/>
+                          </a:solidFill>
+                          <a:effectLst/>
+                          <a:latin typeface="+mn-lt"/>
+                          <a:ea typeface="+mn-ea"/>
+                          <a:cs typeface="+mn-cs"/>
+                        </a:rPr>
+                        <a:t> </a:t>
+                      </a:r>
+                      <a:r>
+                        <a:rPr lang="en-US" altLang="zh-CN" sz="900" b="0" i="0" kern="1200" dirty="0" smtClean="0">
+                          <a:solidFill>
+                            <a:schemeClr val="dk1"/>
+                          </a:solidFill>
+                          <a:effectLst/>
+                          <a:latin typeface="+mn-lt"/>
+                          <a:ea typeface="+mn-ea"/>
+                          <a:cs typeface="+mn-cs"/>
+                        </a:rPr>
+                        <a:t>called story point.</a:t>
+                      </a:r>
+                      <a:endParaRPr lang="zh-CN" altLang="en-US" sz="900" dirty="0" smtClean="0"/>
+                    </a:p>
+                  </a:txBody>
+                  <a:tcPr/>
+                </a:tc>
+                <a:tc>
+                  <a:txBody>
+                    <a:bodyPr/>
+                    <a:lstStyle/>
+                    <a:p>
+                      <a:endParaRPr lang="zh-CN" altLang="en-US" sz="900" dirty="0"/>
+                    </a:p>
+                  </a:txBody>
+                  <a:tcPr/>
+                </a:tc>
+                <a:tc>
+                  <a:txBody>
+                    <a:bodyPr/>
+                    <a:lstStyle/>
+                    <a:p>
+                      <a:endParaRPr lang="zh-CN" altLang="en-US" sz="900"/>
+                    </a:p>
+                  </a:txBody>
+                  <a:tcPr/>
+                </a:tc>
+              </a:tr>
+              <a:tr h="370840">
+                <a:tc>
+                  <a:txBody>
+                    <a:bodyPr/>
+                    <a:lstStyle/>
+                    <a:p>
+                      <a:pPr marL="0" marR="0" indent="0" algn="l" defTabSz="914400" rtl="0" eaLnBrk="1" fontAlgn="auto" latinLnBrk="0" hangingPunct="1">
+                        <a:lnSpc>
+                          <a:spcPct val="100000"/>
+                        </a:lnSpc>
+                        <a:spcBef>
+                          <a:spcPts val="0"/>
+                        </a:spcBef>
+                        <a:spcAft>
+                          <a:spcPts val="0"/>
+                        </a:spcAft>
+                        <a:buClrTx/>
+                        <a:buSzTx/>
+                        <a:buFontTx/>
+                        <a:buNone/>
+                        <a:tabLst/>
+                        <a:defRPr/>
+                      </a:pPr>
+                      <a:r>
+                        <a:rPr lang="en-US" altLang="zh-CN" sz="900" kern="1200" dirty="0" smtClean="0">
+                          <a:solidFill>
+                            <a:schemeClr val="dk1"/>
+                          </a:solidFill>
+                          <a:effectLst/>
+                          <a:latin typeface="+mn-lt"/>
+                          <a:ea typeface="+mn-ea"/>
+                          <a:cs typeface="+mn-cs"/>
+                        </a:rPr>
+                        <a:t>Temporal Summary Images: An Approach to Narrative Visualization via Interactive Annotation Generation and Placement </a:t>
+                      </a:r>
+                      <a:endParaRPr lang="en-US" altLang="zh-CN" sz="900" dirty="0" smtClean="0"/>
+                    </a:p>
+                  </a:txBody>
+                  <a:tcPr/>
+                </a:tc>
+                <a:tc>
+                  <a:txBody>
+                    <a:bodyPr/>
+                    <a:lstStyle/>
+                    <a:p>
+                      <a:endParaRPr lang="zh-CN" altLang="en-US" sz="900"/>
+                    </a:p>
+                  </a:txBody>
+                  <a:tcPr/>
+                </a:tc>
+                <a:tc>
+                  <a:txBody>
+                    <a:bodyPr/>
+                    <a:lstStyle/>
+                    <a:p>
+                      <a:endParaRPr lang="zh-CN" altLang="en-US" sz="900" dirty="0"/>
+                    </a:p>
+                  </a:txBody>
+                  <a:tcPr/>
+                </a:tc>
+              </a:tr>
+              <a:tr h="180291">
+                <a:tc>
+                  <a:txBody>
+                    <a:bodyPr/>
+                    <a:lstStyle/>
+                    <a:p>
+                      <a:r>
+                        <a:rPr lang="en-US" altLang="zh-CN" sz="900" dirty="0" smtClean="0"/>
+                        <a:t>Stories in Geo Time</a:t>
+                      </a:r>
+                      <a:endParaRPr lang="zh-CN" altLang="en-US" sz="900" dirty="0"/>
+                    </a:p>
+                  </a:txBody>
+                  <a:tcPr/>
+                </a:tc>
+                <a:tc>
+                  <a:txBody>
+                    <a:bodyPr/>
+                    <a:lstStyle/>
+                    <a:p>
+                      <a:endParaRPr lang="zh-CN" altLang="en-US" sz="900"/>
+                    </a:p>
+                  </a:txBody>
+                  <a:tcPr/>
+                </a:tc>
+                <a:tc>
+                  <a:txBody>
+                    <a:bodyPr/>
+                    <a:lstStyle/>
+                    <a:p>
+                      <a:endParaRPr lang="zh-CN" altLang="en-US" sz="900" dirty="0"/>
+                    </a:p>
+                  </a:txBody>
+                  <a:tcPr/>
+                </a:tc>
+              </a:tr>
+              <a:tr h="370840">
+                <a:tc>
+                  <a:txBody>
+                    <a:bodyPr/>
+                    <a:lstStyle/>
+                    <a:p>
+                      <a:pPr marL="0" marR="0" indent="0" algn="l" defTabSz="914400" rtl="0" eaLnBrk="1" fontAlgn="auto" latinLnBrk="0" hangingPunct="1">
+                        <a:lnSpc>
+                          <a:spcPct val="100000"/>
+                        </a:lnSpc>
+                        <a:spcBef>
+                          <a:spcPts val="0"/>
+                        </a:spcBef>
+                        <a:spcAft>
+                          <a:spcPts val="0"/>
+                        </a:spcAft>
+                        <a:buClrTx/>
+                        <a:buSzTx/>
+                        <a:buFontTx/>
+                        <a:buNone/>
+                        <a:tabLst/>
+                        <a:defRPr/>
+                      </a:pPr>
+                      <a:r>
+                        <a:rPr lang="en-US" altLang="zh-CN" sz="900" dirty="0" smtClean="0"/>
+                        <a:t>Authoring Data-Driven Videos with </a:t>
+                      </a:r>
+                      <a:r>
+                        <a:rPr lang="en-US" altLang="zh-CN" sz="900" dirty="0" err="1" smtClean="0"/>
+                        <a:t>DataClips</a:t>
+                      </a:r>
+                      <a:endParaRPr lang="zh-CN" altLang="en-US" sz="900" dirty="0" smtClean="0"/>
+                    </a:p>
+                  </a:txBody>
+                  <a:tcPr/>
+                </a:tc>
+                <a:tc>
+                  <a:txBody>
+                    <a:bodyPr/>
+                    <a:lstStyle/>
+                    <a:p>
+                      <a:endParaRPr lang="zh-CN" altLang="en-US" sz="900"/>
+                    </a:p>
+                  </a:txBody>
+                  <a:tcPr/>
+                </a:tc>
+                <a:tc>
+                  <a:txBody>
+                    <a:bodyPr/>
+                    <a:lstStyle/>
+                    <a:p>
+                      <a:endParaRPr lang="zh-CN" altLang="en-US" sz="900" dirty="0"/>
+                    </a:p>
+                  </a:txBody>
+                  <a:tcPr/>
+                </a:tc>
+              </a:tr>
+              <a:tr h="370840">
+                <a:tc>
+                  <a:txBody>
+                    <a:bodyPr/>
+                    <a:lstStyle/>
+                    <a:p>
+                      <a:r>
+                        <a:rPr lang="en-US" altLang="zh-CN" sz="900" dirty="0" err="1" smtClean="0"/>
+                        <a:t>SketchStory</a:t>
+                      </a:r>
+                      <a:r>
+                        <a:rPr lang="en-US" altLang="zh-CN" sz="900" dirty="0" smtClean="0"/>
+                        <a:t>: Telling More Engaging Stories with Data through Freeform Sketching</a:t>
+                      </a:r>
+                      <a:endParaRPr lang="zh-CN" altLang="en-US" sz="900" dirty="0"/>
+                    </a:p>
+                  </a:txBody>
+                  <a:tcPr/>
+                </a:tc>
+                <a:tc>
+                  <a:txBody>
+                    <a:bodyPr/>
+                    <a:lstStyle/>
+                    <a:p>
+                      <a:r>
+                        <a:rPr lang="en-US" altLang="zh-CN" sz="900" dirty="0" smtClean="0"/>
+                        <a:t>Sketch-based</a:t>
+                      </a:r>
+                      <a:r>
+                        <a:rPr lang="en-US" altLang="zh-CN" sz="900" baseline="0" dirty="0" smtClean="0"/>
+                        <a:t> interaction for real time storytelling</a:t>
+                      </a:r>
+                      <a:endParaRPr lang="zh-CN" altLang="en-US" sz="900" dirty="0"/>
+                    </a:p>
+                  </a:txBody>
+                  <a:tcPr/>
+                </a:tc>
+                <a:tc>
+                  <a:txBody>
+                    <a:bodyPr/>
+                    <a:lstStyle/>
+                    <a:p>
+                      <a:endParaRPr lang="zh-CN" altLang="en-US" sz="900" dirty="0"/>
+                    </a:p>
+                  </a:txBody>
+                  <a:tcPr/>
+                </a:tc>
+              </a:tr>
+              <a:tr h="343970">
+                <a:tc>
+                  <a:txBody>
+                    <a:bodyPr/>
+                    <a:lstStyle/>
+                    <a:p>
+                      <a:r>
+                        <a:rPr lang="en-US" altLang="zh-CN" sz="900" dirty="0" smtClean="0"/>
+                        <a:t>Authoring Narrative Visualizations with Ellipsis</a:t>
+                      </a:r>
+                      <a:endParaRPr lang="zh-CN" altLang="en-US" sz="900" dirty="0"/>
+                    </a:p>
+                  </a:txBody>
+                  <a:tcPr/>
+                </a:tc>
+                <a:tc>
+                  <a:txBody>
+                    <a:bodyPr/>
+                    <a:lstStyle/>
+                    <a:p>
+                      <a:endParaRPr lang="zh-CN" altLang="en-US" sz="900"/>
+                    </a:p>
+                  </a:txBody>
+                  <a:tcPr/>
+                </a:tc>
+                <a:tc>
+                  <a:txBody>
+                    <a:bodyPr/>
+                    <a:lstStyle/>
+                    <a:p>
+                      <a:endParaRPr lang="zh-CN" altLang="en-US" sz="900" dirty="0"/>
+                    </a:p>
+                  </a:txBody>
+                  <a:tcPr/>
+                </a:tc>
+              </a:tr>
+              <a:tr h="220560">
+                <a:tc>
+                  <a:txBody>
+                    <a:bodyPr/>
+                    <a:lstStyle/>
+                    <a:p>
+                      <a:endParaRPr lang="zh-CN" altLang="en-US" sz="900" dirty="0"/>
+                    </a:p>
+                  </a:txBody>
+                  <a:tcPr/>
+                </a:tc>
+                <a:tc>
+                  <a:txBody>
+                    <a:bodyPr/>
+                    <a:lstStyle/>
+                    <a:p>
+                      <a:endParaRPr lang="zh-CN" altLang="en-US" sz="900" dirty="0"/>
+                    </a:p>
+                  </a:txBody>
+                  <a:tcPr/>
+                </a:tc>
+                <a:tc>
+                  <a:txBody>
+                    <a:bodyPr/>
+                    <a:lstStyle/>
+                    <a:p>
+                      <a:endParaRPr lang="zh-CN" altLang="en-US" sz="900" dirty="0"/>
+                    </a:p>
+                  </a:txBody>
+                  <a:tcPr/>
+                </a:tc>
+              </a:tr>
+            </a:tbl>
+          </a:graphicData>
+        </a:graphic>
+      </p:graphicFrame>
+      <p:sp>
+        <p:nvSpPr>
+          <p:cNvPr id="10" name="文本框 9"/>
+          <p:cNvSpPr txBox="1"/>
+          <p:nvPr/>
         </p:nvSpPr>
         <p:spPr>
           <a:xfrm>
-            <a:off x="838200" y="1825625"/>
-            <a:ext cx="8084127" cy="4351338"/>
+            <a:off x="838200" y="1588212"/>
+            <a:ext cx="9112623" cy="584775"/>
           </a:xfrm>
+          <a:prstGeom prst="rect">
+            <a:avLst/>
+          </a:prstGeom>
+          <a:noFill/>
         </p:spPr>
         <p:txBody>
-          <a:bodyPr/>
-          <a:lstStyle/>
-          <a:p>
-            <a:r>
-              <a:rPr kumimoji="1" lang="en-US" altLang="zh-CN" dirty="0" smtClean="0"/>
-              <a:t>Old problem: </a:t>
-            </a:r>
-          </a:p>
-          <a:p>
-            <a:pPr marL="0" indent="0">
-              <a:buNone/>
-            </a:pPr>
-            <a:r>
-              <a:rPr kumimoji="1" lang="en-US" altLang="zh-CN" dirty="0"/>
-              <a:t> </a:t>
-            </a:r>
-            <a:r>
-              <a:rPr kumimoji="1" lang="en-US" altLang="zh-CN" dirty="0" smtClean="0"/>
-              <a:t>  </a:t>
-            </a:r>
-            <a:r>
-              <a:rPr kumimoji="1" lang="en-US" altLang="zh-CN" dirty="0" smtClean="0">
+          <a:bodyPr wrap="square" rtlCol="0">
+            <a:spAutoFit/>
+          </a:bodyPr>
+          <a:lstStyle/>
+          <a:p>
+            <a:r>
+              <a:rPr kumimoji="1" lang="en-US" altLang="zh-CN" sz="3200" dirty="0">
                 <a:solidFill>
-                  <a:schemeClr val="bg1">
-                    <a:lumMod val="50000"/>
+                  <a:schemeClr val="tx1">
+                    <a:lumMod val="65000"/>
+                    <a:lumOff val="35000"/>
                   </a:schemeClr>
                 </a:solidFill>
+                <a:latin typeface="Bradley Hand" charset="0"/>
+                <a:ea typeface="Bradley Hand" charset="0"/>
+                <a:cs typeface="Bradley Hand" charset="0"/>
               </a:rPr>
-              <a:t>better understand visualization</a:t>
-            </a:r>
-          </a:p>
-          <a:p>
-            <a:pPr marL="0" indent="0">
-              <a:buNone/>
-            </a:pPr>
-            <a:endParaRPr kumimoji="1" lang="en-US" altLang="zh-CN" dirty="0" smtClean="0"/>
-          </a:p>
-          <a:p>
-            <a:r>
-              <a:rPr kumimoji="1" lang="en-US" altLang="zh-CN" dirty="0" smtClean="0"/>
-              <a:t>New method: </a:t>
-            </a:r>
-          </a:p>
-          <a:p>
-            <a:pPr marL="0" indent="0">
-              <a:buNone/>
-            </a:pPr>
-            <a:r>
-              <a:rPr kumimoji="1" lang="en-US" altLang="zh-CN" dirty="0"/>
-              <a:t> </a:t>
-            </a:r>
-            <a:r>
-              <a:rPr kumimoji="1" lang="en-US" altLang="zh-CN" dirty="0" smtClean="0"/>
-              <a:t>  </a:t>
-            </a:r>
-            <a:r>
-              <a:rPr kumimoji="1" lang="en-US" altLang="zh-CN" dirty="0" smtClean="0">
-                <a:solidFill>
-                  <a:schemeClr val="tx1">
-                    <a:lumMod val="75000"/>
-                    <a:lumOff val="25000"/>
-                  </a:schemeClr>
-                </a:solidFill>
-              </a:rPr>
-              <a:t>The first authoring tool </a:t>
-            </a:r>
-            <a:r>
-              <a:rPr kumimoji="1" lang="en-US" altLang="zh-CN" dirty="0" smtClean="0">
-                <a:solidFill>
-                  <a:schemeClr val="bg1">
-                    <a:lumMod val="50000"/>
-                  </a:schemeClr>
-                </a:solidFill>
-              </a:rPr>
-              <a:t>aiming to </a:t>
-            </a:r>
-            <a:r>
-              <a:rPr kumimoji="1" lang="en-US" altLang="zh-CN" dirty="0" smtClean="0">
-                <a:solidFill>
-                  <a:schemeClr val="tx1">
-                    <a:lumMod val="75000"/>
-                    <a:lumOff val="25000"/>
-                  </a:schemeClr>
-                </a:solidFill>
-              </a:rPr>
-              <a:t>explain</a:t>
-            </a:r>
-            <a:r>
-              <a:rPr kumimoji="1" lang="en-US" altLang="zh-CN" dirty="0" smtClean="0">
-                <a:solidFill>
-                  <a:schemeClr val="bg1">
-                    <a:lumMod val="50000"/>
-                  </a:schemeClr>
-                </a:solidFill>
-              </a:rPr>
-              <a:t> advanced    visualization designs in the form of </a:t>
-            </a:r>
-            <a:r>
-              <a:rPr kumimoji="1" lang="en-US" altLang="zh-CN" dirty="0" smtClean="0">
-                <a:solidFill>
-                  <a:schemeClr val="tx1">
-                    <a:lumMod val="75000"/>
-                    <a:lumOff val="25000"/>
-                  </a:schemeClr>
-                </a:solidFill>
-              </a:rPr>
-              <a:t>narrative slideshow</a:t>
-            </a:r>
-            <a:endParaRPr kumimoji="1" lang="zh-CN" altLang="en-US" dirty="0">
+              <a:t>Authoring tools for narrative visualization</a:t>
+            </a:r>
+            <a:endParaRPr kumimoji="1" lang="zh-CN" altLang="en-US" sz="3200" dirty="0">
               <a:solidFill>
                 <a:schemeClr val="tx1">
-                  <a:lumMod val="75000"/>
-                  <a:lumOff val="25000"/>
+                  <a:lumMod val="65000"/>
+                  <a:lumOff val="35000"/>
                 </a:schemeClr>
               </a:solidFill>
+              <a:latin typeface="Bradley Hand" charset="0"/>
+              <a:ea typeface="Bradley Hand" charset="0"/>
+              <a:cs typeface="Bradley Hand" charset="0"/>
             </a:endParaRPr>
-          </a:p>
-        </p:txBody>
-      </p:sp>
-      <p:sp>
-        <p:nvSpPr>
-          <p:cNvPr id="4" name="幻灯片编号占位符 3"/>
-          <p:cNvSpPr>
-            <a:spLocks noGrp="1"/>
-          </p:cNvSpPr>
-          <p:nvPr>
-            <p:ph type="sldNum" sz="quarter" idx="12"/>
-          </p:nvPr>
-        </p:nvSpPr>
-        <p:spPr/>
-        <p:txBody>
-          <a:bodyPr/>
-          <a:lstStyle/>
-          <a:p>
-            <a:fld id="{1545DBC7-0E7E-5249-BF19-8815E0EED612}" type="slidenum">
-              <a:rPr kumimoji="1" lang="zh-CN" altLang="en-US" smtClean="0"/>
-              <a:t>10</a:t>
-            </a:fld>
-            <a:endParaRPr kumimoji="1" lang="zh-CN" altLang="en-US"/>
           </a:p>
         </p:txBody>
       </p:sp>
@@ -6934,7 +7330,7 @@
         </p:nvSpPr>
         <p:spPr>
           <a:xfrm>
-            <a:off x="838200" y="1260764"/>
+            <a:off x="838200" y="1222664"/>
             <a:ext cx="7550727" cy="83127"/>
           </a:xfrm>
           <a:prstGeom prst="rect">
@@ -6978,7 +7374,7 @@
     </p:spTree>
     <p:extLst>
       <p:ext uri="{BB962C8B-B14F-4D97-AF65-F5344CB8AC3E}">
-        <p14:creationId xmlns:p14="http://schemas.microsoft.com/office/powerpoint/2010/main" val="1662417185"/>
+        <p14:creationId xmlns:p14="http://schemas.microsoft.com/office/powerpoint/2010/main" val="638770320"/>
       </p:ext>
     </p:extLst>
   </p:cSld>
@@ -7014,6 +7410,288 @@
       </p:grpSpPr>
       <p:sp>
         <p:nvSpPr>
+          <p:cNvPr id="2" name="标题 1"/>
+          <p:cNvSpPr>
+            <a:spLocks noGrp="1"/>
+          </p:cNvSpPr>
+          <p:nvPr>
+            <p:ph type="title"/>
+          </p:nvPr>
+        </p:nvSpPr>
+        <p:spPr/>
+        <p:txBody>
+          <a:bodyPr/>
+          <a:lstStyle/>
+          <a:p>
+            <a:r>
+              <a:rPr kumimoji="1" lang="en-US" altLang="zh-CN" b="1" dirty="0" smtClean="0">
+                <a:solidFill>
+                  <a:schemeClr val="tx1">
+                    <a:lumMod val="65000"/>
+                    <a:lumOff val="35000"/>
+                  </a:schemeClr>
+                </a:solidFill>
+              </a:rPr>
+              <a:t>New problem or old problem?</a:t>
+            </a:r>
+            <a:endParaRPr kumimoji="1" lang="zh-CN" altLang="en-US" b="1" dirty="0">
+              <a:solidFill>
+                <a:schemeClr val="tx1">
+                  <a:lumMod val="65000"/>
+                  <a:lumOff val="35000"/>
+                </a:schemeClr>
+              </a:solidFill>
+            </a:endParaRPr>
+          </a:p>
+        </p:txBody>
+      </p:sp>
+      <p:sp>
+        <p:nvSpPr>
+          <p:cNvPr id="3" name="内容占位符 2"/>
+          <p:cNvSpPr>
+            <a:spLocks noGrp="1"/>
+          </p:cNvSpPr>
+          <p:nvPr>
+            <p:ph idx="1"/>
+          </p:nvPr>
+        </p:nvSpPr>
+        <p:spPr>
+          <a:xfrm>
+            <a:off x="838200" y="1825625"/>
+            <a:ext cx="8084127" cy="4351338"/>
+          </a:xfrm>
+        </p:spPr>
+        <p:txBody>
+          <a:bodyPr/>
+          <a:lstStyle/>
+          <a:p>
+            <a:r>
+              <a:rPr kumimoji="1" lang="en-US" altLang="zh-CN" dirty="0" smtClean="0"/>
+              <a:t>Old problem: </a:t>
+            </a:r>
+          </a:p>
+          <a:p>
+            <a:pPr marL="0" indent="0">
+              <a:buNone/>
+            </a:pPr>
+            <a:r>
+              <a:rPr kumimoji="1" lang="en-US" altLang="zh-CN" dirty="0"/>
+              <a:t> </a:t>
+            </a:r>
+            <a:r>
+              <a:rPr kumimoji="1" lang="en-US" altLang="zh-CN" dirty="0" smtClean="0"/>
+              <a:t>  </a:t>
+            </a:r>
+            <a:r>
+              <a:rPr kumimoji="1" lang="en-US" altLang="zh-CN" dirty="0" smtClean="0">
+                <a:solidFill>
+                  <a:schemeClr val="bg1">
+                    <a:lumMod val="50000"/>
+                  </a:schemeClr>
+                </a:solidFill>
+              </a:rPr>
+              <a:t>better understand visualization</a:t>
+            </a:r>
+          </a:p>
+          <a:p>
+            <a:pPr marL="0" indent="0">
+              <a:buNone/>
+            </a:pPr>
+            <a:endParaRPr kumimoji="1" lang="en-US" altLang="zh-CN" dirty="0" smtClean="0"/>
+          </a:p>
+          <a:p>
+            <a:r>
+              <a:rPr kumimoji="1" lang="en-US" altLang="zh-CN" dirty="0" smtClean="0"/>
+              <a:t>New method: </a:t>
+            </a:r>
+          </a:p>
+          <a:p>
+            <a:pPr marL="0" indent="0">
+              <a:buNone/>
+            </a:pPr>
+            <a:r>
+              <a:rPr kumimoji="1" lang="en-US" altLang="zh-CN" dirty="0"/>
+              <a:t> </a:t>
+            </a:r>
+            <a:r>
+              <a:rPr kumimoji="1" lang="en-US" altLang="zh-CN" dirty="0" smtClean="0"/>
+              <a:t>  </a:t>
+            </a:r>
+            <a:r>
+              <a:rPr kumimoji="1" lang="en-US" altLang="zh-CN" dirty="0" smtClean="0">
+                <a:solidFill>
+                  <a:schemeClr val="tx1">
+                    <a:lumMod val="75000"/>
+                    <a:lumOff val="25000"/>
+                  </a:schemeClr>
+                </a:solidFill>
+              </a:rPr>
+              <a:t>The first authoring tool </a:t>
+            </a:r>
+            <a:r>
+              <a:rPr kumimoji="1" lang="en-US" altLang="zh-CN" dirty="0" smtClean="0">
+                <a:solidFill>
+                  <a:schemeClr val="bg1">
+                    <a:lumMod val="50000"/>
+                  </a:schemeClr>
+                </a:solidFill>
+              </a:rPr>
+              <a:t>aiming to </a:t>
+            </a:r>
+            <a:r>
+              <a:rPr kumimoji="1" lang="en-US" altLang="zh-CN" dirty="0" smtClean="0">
+                <a:solidFill>
+                  <a:schemeClr val="tx1">
+                    <a:lumMod val="75000"/>
+                    <a:lumOff val="25000"/>
+                  </a:schemeClr>
+                </a:solidFill>
+              </a:rPr>
+              <a:t>explain</a:t>
+            </a:r>
+            <a:r>
+              <a:rPr kumimoji="1" lang="en-US" altLang="zh-CN" dirty="0" smtClean="0">
+                <a:solidFill>
+                  <a:schemeClr val="bg1">
+                    <a:lumMod val="50000"/>
+                  </a:schemeClr>
+                </a:solidFill>
+              </a:rPr>
+              <a:t> advanced    visualization designs in the form of </a:t>
+            </a:r>
+            <a:r>
+              <a:rPr kumimoji="1" lang="en-US" altLang="zh-CN" dirty="0" smtClean="0">
+                <a:solidFill>
+                  <a:schemeClr val="tx1">
+                    <a:lumMod val="75000"/>
+                    <a:lumOff val="25000"/>
+                  </a:schemeClr>
+                </a:solidFill>
+              </a:rPr>
+              <a:t>narrative slideshow</a:t>
+            </a:r>
+            <a:endParaRPr kumimoji="1" lang="zh-CN" altLang="en-US" dirty="0">
+              <a:solidFill>
+                <a:schemeClr val="tx1">
+                  <a:lumMod val="75000"/>
+                  <a:lumOff val="25000"/>
+                </a:schemeClr>
+              </a:solidFill>
+            </a:endParaRPr>
+          </a:p>
+        </p:txBody>
+      </p:sp>
+      <p:sp>
+        <p:nvSpPr>
+          <p:cNvPr id="4" name="幻灯片编号占位符 3"/>
+          <p:cNvSpPr>
+            <a:spLocks noGrp="1"/>
+          </p:cNvSpPr>
+          <p:nvPr>
+            <p:ph type="sldNum" sz="quarter" idx="12"/>
+          </p:nvPr>
+        </p:nvSpPr>
+        <p:spPr/>
+        <p:txBody>
+          <a:bodyPr/>
+          <a:lstStyle/>
+          <a:p>
+            <a:fld id="{1545DBC7-0E7E-5249-BF19-8815E0EED612}" type="slidenum">
+              <a:rPr kumimoji="1" lang="zh-CN" altLang="en-US" smtClean="0"/>
+              <a:t>11</a:t>
+            </a:fld>
+            <a:endParaRPr kumimoji="1" lang="zh-CN" altLang="en-US"/>
+          </a:p>
+        </p:txBody>
+      </p:sp>
+      <p:sp>
+        <p:nvSpPr>
+          <p:cNvPr id="5" name="矩形 4"/>
+          <p:cNvSpPr/>
+          <p:nvPr/>
+        </p:nvSpPr>
+        <p:spPr>
+          <a:xfrm>
+            <a:off x="838200" y="1260764"/>
+            <a:ext cx="7550727" cy="83127"/>
+          </a:xfrm>
+          <a:prstGeom prst="rect">
+            <a:avLst/>
+          </a:prstGeom>
+          <a:solidFill>
+            <a:schemeClr val="accent1">
+              <a:lumMod val="60000"/>
+              <a:lumOff val="40000"/>
+            </a:schemeClr>
+          </a:solidFill>
+          <a:ln>
+            <a:noFill/>
+          </a:ln>
+        </p:spPr>
+        <p:style>
+          <a:lnRef idx="2">
+            <a:schemeClr val="accent1">
+              <a:shade val="50000"/>
+            </a:schemeClr>
+          </a:lnRef>
+          <a:fillRef idx="1">
+            <a:schemeClr val="accent1"/>
+          </a:fillRef>
+          <a:effectRef idx="0">
+            <a:schemeClr val="accent1"/>
+          </a:effectRef>
+          <a:fontRef idx="minor">
+            <a:schemeClr val="lt1"/>
+          </a:fontRef>
+        </p:style>
+        <p:txBody>
+          <a:bodyPr rtlCol="0" anchor="ctr"/>
+          <a:lstStyle/>
+          <a:p>
+            <a:pPr algn="ctr"/>
+            <a:endParaRPr kumimoji="1" lang="zh-CN" altLang="en-US"/>
+          </a:p>
+        </p:txBody>
+      </p:sp>
+    </p:spTree>
+    <p:extLst>
+      <p:ext uri="{BB962C8B-B14F-4D97-AF65-F5344CB8AC3E}">
+        <p14:creationId xmlns:p14="http://schemas.microsoft.com/office/powerpoint/2010/main" val="1662417185"/>
+      </p:ext>
+    </p:extLst>
+  </p:cSld>
+  <p:clrMapOvr>
+    <a:masterClrMapping/>
+  </p:clrMapOvr>
+  <p:timing>
+    <p:tnLst>
+      <p:par>
+        <p:cTn id="1" dur="indefinite" restart="never" nodeType="tmRoot"/>
+      </p:par>
+    </p:tnLst>
+  </p:timing>
+</p:sld>
+</file>
+
+<file path=ppt/slides/slide12.xml><?xml version="1.0" encoding="utf-8"?>
+<p:sld xmlns:a="http://schemas.openxmlformats.org/drawingml/2006/main" xmlns:r="http://schemas.openxmlformats.org/officeDocument/2006/relationships" xmlns:p="http://schemas.openxmlformats.org/presentationml/2006/main">
+  <p:cSld>
+    <p:spTree>
+      <p:nvGrpSpPr>
+        <p:cNvPr id="1" name=""/>
+        <p:cNvGrpSpPr/>
+        <p:nvPr/>
+      </p:nvGrpSpPr>
+      <p:grpSpPr>
+        <a:xfrm>
+          <a:off x="0" y="0"/>
+          <a:ext cx="0" cy="0"/>
+          <a:chOff x="0" y="0"/>
+          <a:chExt cx="0" cy="0"/>
+        </a:xfrm>
+      </p:grpSpPr>
+      <p:sp>
+        <p:nvSpPr>
           <p:cNvPr id="5" name="矩形 4"/>
           <p:cNvSpPr/>
           <p:nvPr/>
@@ -7255,7 +7933,7 @@
           <a:p>
             <a:fld id="{1545DBC7-0E7E-5249-BF19-8815E0EED612}" type="slidenum">
               <a:rPr kumimoji="1" lang="zh-CN" altLang="en-US" smtClean="0"/>
-              <a:t>11</a:t>
+              <a:t>12</a:t>
             </a:fld>
             <a:endParaRPr kumimoji="1" lang="zh-CN" altLang="en-US"/>
           </a:p>
@@ -7281,7 +7959,7 @@
 </p:sld>
 </file>
 
-<file path=ppt/slides/slide12.xml><?xml version="1.0" encoding="utf-8"?>
+<file path=ppt/slides/slide13.xml><?xml version="1.0" encoding="utf-8"?>
 <p:sld xmlns:a="http://schemas.openxmlformats.org/drawingml/2006/main" xmlns:r="http://schemas.openxmlformats.org/officeDocument/2006/relationships" xmlns:p="http://schemas.openxmlformats.org/presentationml/2006/main">
   <p:cSld>
     <p:spTree>
@@ -7986,7 +8664,7 @@
           <a:p>
             <a:fld id="{1545DBC7-0E7E-5249-BF19-8815E0EED612}" type="slidenum">
               <a:rPr kumimoji="1" lang="zh-CN" altLang="en-US" smtClean="0"/>
-              <a:t>12</a:t>
+              <a:t>13</a:t>
             </a:fld>
             <a:endParaRPr kumimoji="1" lang="zh-CN" altLang="en-US"/>
           </a:p>
@@ -8548,7 +9226,7 @@
 </p:sld>
 </file>
 
-<file path=ppt/slides/slide13.xml><?xml version="1.0" encoding="utf-8"?>
+<file path=ppt/slides/slide14.xml><?xml version="1.0" encoding="utf-8"?>
 <p:sld xmlns:a="http://schemas.openxmlformats.org/drawingml/2006/main" xmlns:r="http://schemas.openxmlformats.org/officeDocument/2006/relationships" xmlns:p="http://schemas.openxmlformats.org/presentationml/2006/main">
   <p:cSld>
     <p:spTree>
@@ -9172,7 +9850,7 @@
           <a:p>
             <a:fld id="{1545DBC7-0E7E-5249-BF19-8815E0EED612}" type="slidenum">
               <a:rPr kumimoji="1" lang="zh-CN" altLang="en-US" smtClean="0"/>
-              <a:t>13</a:t>
+              <a:t>14</a:t>
             </a:fld>
             <a:endParaRPr kumimoji="1" lang="zh-CN" altLang="en-US"/>
           </a:p>
@@ -9198,7 +9876,7 @@
 </p:sld>
 </file>
 
-<file path=ppt/slides/slide14.xml><?xml version="1.0" encoding="utf-8"?>
+<file path=ppt/slides/slide15.xml><?xml version="1.0" encoding="utf-8"?>
 <p:sld xmlns:a="http://schemas.openxmlformats.org/drawingml/2006/main" xmlns:r="http://schemas.openxmlformats.org/officeDocument/2006/relationships" xmlns:p="http://schemas.openxmlformats.org/presentationml/2006/main">
   <p:cSld>
     <p:spTree>
@@ -9783,7 +10461,7 @@
           <a:p>
             <a:fld id="{1545DBC7-0E7E-5249-BF19-8815E0EED612}" type="slidenum">
               <a:rPr kumimoji="1" lang="zh-CN" altLang="en-US" smtClean="0"/>
-              <a:t>14</a:t>
+              <a:t>15</a:t>
             </a:fld>
             <a:endParaRPr kumimoji="1" lang="zh-CN" altLang="en-US"/>
           </a:p>
@@ -9809,7 +10487,7 @@
 </p:sld>
 </file>
 
-<file path=ppt/slides/slide15.xml><?xml version="1.0" encoding="utf-8"?>
+<file path=ppt/slides/slide16.xml><?xml version="1.0" encoding="utf-8"?>
 <p:sld xmlns:a="http://schemas.openxmlformats.org/drawingml/2006/main" xmlns:r="http://schemas.openxmlformats.org/officeDocument/2006/relationships" xmlns:p="http://schemas.openxmlformats.org/presentationml/2006/main">
   <p:cSld>
     <p:spTree>
@@ -11036,7 +11714,7 @@
           <a:p>
             <a:fld id="{1545DBC7-0E7E-5249-BF19-8815E0EED612}" type="slidenum">
               <a:rPr kumimoji="1" lang="zh-CN" altLang="en-US" smtClean="0"/>
-              <a:t>15</a:t>
+              <a:t>16</a:t>
             </a:fld>
             <a:endParaRPr kumimoji="1" lang="zh-CN" altLang="en-US"/>
           </a:p>
@@ -11062,7 +11740,7 @@
 </p:sld>
 </file>
 
-<file path=ppt/slides/slide16.xml><?xml version="1.0" encoding="utf-8"?>
+<file path=ppt/slides/slide17.xml><?xml version="1.0" encoding="utf-8"?>
 <p:sld xmlns:a="http://schemas.openxmlformats.org/drawingml/2006/main" xmlns:r="http://schemas.openxmlformats.org/officeDocument/2006/relationships" xmlns:p="http://schemas.openxmlformats.org/presentationml/2006/main">
   <p:cSld>
     <p:spTree>
@@ -11741,7 +12419,7 @@
           <a:p>
             <a:fld id="{1545DBC7-0E7E-5249-BF19-8815E0EED612}" type="slidenum">
               <a:rPr kumimoji="1" lang="zh-CN" altLang="en-US" smtClean="0"/>
-              <a:t>16</a:t>
+              <a:t>17</a:t>
             </a:fld>
             <a:endParaRPr kumimoji="1" lang="zh-CN" altLang="en-US"/>
           </a:p>
@@ -11751,1079 +12429,6 @@
     <p:extLst>
       <p:ext uri="{BB962C8B-B14F-4D97-AF65-F5344CB8AC3E}">
         <p14:creationId xmlns:p14="http://schemas.microsoft.com/office/powerpoint/2010/main" val="1091028872"/>
-      </p:ext>
-    </p:extLst>
-  </p:cSld>
-  <p:clrMapOvr>
-    <a:masterClrMapping/>
-  </p:clrMapOvr>
-  <p:timing>
-    <p:tnLst>
-      <p:par>
-        <p:cTn id="1" dur="indefinite" restart="never" nodeType="tmRoot"/>
-      </p:par>
-    </p:tnLst>
-  </p:timing>
-</p:sld>
-</file>
-
-<file path=ppt/slides/slide17.xml><?xml version="1.0" encoding="utf-8"?>
-<p:sld xmlns:a="http://schemas.openxmlformats.org/drawingml/2006/main" xmlns:r="http://schemas.openxmlformats.org/officeDocument/2006/relationships" xmlns:p="http://schemas.openxmlformats.org/presentationml/2006/main">
-  <p:cSld>
-    <p:spTree>
-      <p:nvGrpSpPr>
-        <p:cNvPr id="1" name=""/>
-        <p:cNvGrpSpPr/>
-        <p:nvPr/>
-      </p:nvGrpSpPr>
-      <p:grpSpPr>
-        <a:xfrm>
-          <a:off x="0" y="0"/>
-          <a:ext cx="0" cy="0"/>
-          <a:chOff x="0" y="0"/>
-          <a:chExt cx="0" cy="0"/>
-        </a:xfrm>
-      </p:grpSpPr>
-      <p:sp>
-        <p:nvSpPr>
-          <p:cNvPr id="38" name="手杖形箭头 37"/>
-          <p:cNvSpPr/>
-          <p:nvPr/>
-        </p:nvSpPr>
-        <p:spPr>
-          <a:xfrm flipV="1">
-            <a:off x="5541391" y="5557761"/>
-            <a:ext cx="3303563" cy="386613"/>
-          </a:xfrm>
-          <a:prstGeom prst="uturnArrow">
-            <a:avLst/>
-          </a:prstGeom>
-        </p:spPr>
-        <p:style>
-          <a:lnRef idx="2">
-            <a:schemeClr val="accent1">
-              <a:shade val="50000"/>
-            </a:schemeClr>
-          </a:lnRef>
-          <a:fillRef idx="1">
-            <a:schemeClr val="accent1"/>
-          </a:fillRef>
-          <a:effectRef idx="0">
-            <a:schemeClr val="accent1"/>
-          </a:effectRef>
-          <a:fontRef idx="minor">
-            <a:schemeClr val="lt1"/>
-          </a:fontRef>
-        </p:style>
-        <p:txBody>
-          <a:bodyPr rtlCol="0" anchor="ctr"/>
-          <a:lstStyle/>
-          <a:p>
-            <a:pPr algn="ctr"/>
-            <a:endParaRPr kumimoji="1" lang="zh-CN" altLang="en-US" dirty="0">
-              <a:solidFill>
-                <a:schemeClr val="tx1"/>
-              </a:solidFill>
-            </a:endParaRPr>
-          </a:p>
-        </p:txBody>
-      </p:sp>
-      <p:sp>
-        <p:nvSpPr>
-          <p:cNvPr id="2" name="标题 1"/>
-          <p:cNvSpPr>
-            <a:spLocks noGrp="1"/>
-          </p:cNvSpPr>
-          <p:nvPr>
-            <p:ph type="title"/>
-          </p:nvPr>
-        </p:nvSpPr>
-        <p:spPr>
-          <a:xfrm>
-            <a:off x="838200" y="378188"/>
-            <a:ext cx="10515600" cy="1325563"/>
-          </a:xfrm>
-        </p:spPr>
-        <p:txBody>
-          <a:bodyPr/>
-          <a:lstStyle/>
-          <a:p>
-            <a:r>
-              <a:rPr kumimoji="1" lang="en-US" altLang="zh-CN" b="1" dirty="0" smtClean="0">
-                <a:solidFill>
-                  <a:schemeClr val="tx1">
-                    <a:lumMod val="65000"/>
-                    <a:lumOff val="35000"/>
-                  </a:schemeClr>
-                </a:solidFill>
-              </a:rPr>
-              <a:t>Narrative Structure</a:t>
-            </a:r>
-            <a:endParaRPr kumimoji="1" lang="zh-CN" altLang="en-US" b="1" dirty="0">
-              <a:solidFill>
-                <a:schemeClr val="tx1">
-                  <a:lumMod val="65000"/>
-                  <a:lumOff val="35000"/>
-                </a:schemeClr>
-              </a:solidFill>
-            </a:endParaRPr>
-          </a:p>
-        </p:txBody>
-      </p:sp>
-      <p:sp>
-        <p:nvSpPr>
-          <p:cNvPr id="4" name="幻灯片编号占位符 3"/>
-          <p:cNvSpPr>
-            <a:spLocks noGrp="1"/>
-          </p:cNvSpPr>
-          <p:nvPr>
-            <p:ph type="sldNum" sz="quarter" idx="12"/>
-          </p:nvPr>
-        </p:nvSpPr>
-        <p:spPr/>
-        <p:txBody>
-          <a:bodyPr/>
-          <a:lstStyle/>
-          <a:p>
-            <a:fld id="{1545DBC7-0E7E-5249-BF19-8815E0EED612}" type="slidenum">
-              <a:rPr kumimoji="1" lang="zh-CN" altLang="en-US" smtClean="0"/>
-              <a:t>17</a:t>
-            </a:fld>
-            <a:endParaRPr kumimoji="1" lang="zh-CN" altLang="en-US"/>
-          </a:p>
-        </p:txBody>
-      </p:sp>
-      <p:sp>
-        <p:nvSpPr>
-          <p:cNvPr id="5" name="矩形 4"/>
-          <p:cNvSpPr/>
-          <p:nvPr/>
-        </p:nvSpPr>
-        <p:spPr>
-          <a:xfrm>
-            <a:off x="838200" y="1260764"/>
-            <a:ext cx="7550727" cy="83127"/>
-          </a:xfrm>
-          <a:prstGeom prst="rect">
-            <a:avLst/>
-          </a:prstGeom>
-          <a:solidFill>
-            <a:schemeClr val="accent1">
-              <a:lumMod val="60000"/>
-              <a:lumOff val="40000"/>
-            </a:schemeClr>
-          </a:solidFill>
-          <a:ln>
-            <a:noFill/>
-          </a:ln>
-        </p:spPr>
-        <p:style>
-          <a:lnRef idx="2">
-            <a:schemeClr val="accent1">
-              <a:shade val="50000"/>
-            </a:schemeClr>
-          </a:lnRef>
-          <a:fillRef idx="1">
-            <a:schemeClr val="accent1"/>
-          </a:fillRef>
-          <a:effectRef idx="0">
-            <a:schemeClr val="accent1"/>
-          </a:effectRef>
-          <a:fontRef idx="minor">
-            <a:schemeClr val="lt1"/>
-          </a:fontRef>
-        </p:style>
-        <p:txBody>
-          <a:bodyPr rtlCol="0" anchor="ctr"/>
-          <a:lstStyle/>
-          <a:p>
-            <a:pPr algn="ctr"/>
-            <a:endParaRPr kumimoji="1" lang="zh-CN" altLang="en-US"/>
-          </a:p>
-        </p:txBody>
-      </p:sp>
-      <p:sp>
-        <p:nvSpPr>
-          <p:cNvPr id="6" name="矩形 5"/>
-          <p:cNvSpPr/>
-          <p:nvPr/>
-        </p:nvSpPr>
-        <p:spPr>
-          <a:xfrm>
-            <a:off x="838200" y="3109119"/>
-            <a:ext cx="914400" cy="914400"/>
-          </a:xfrm>
-          <a:prstGeom prst="rect">
-            <a:avLst/>
-          </a:prstGeom>
-        </p:spPr>
-        <p:style>
-          <a:lnRef idx="2">
-            <a:schemeClr val="accent1">
-              <a:shade val="50000"/>
-            </a:schemeClr>
-          </a:lnRef>
-          <a:fillRef idx="1">
-            <a:schemeClr val="accent1"/>
-          </a:fillRef>
-          <a:effectRef idx="0">
-            <a:schemeClr val="accent1"/>
-          </a:effectRef>
-          <a:fontRef idx="minor">
-            <a:schemeClr val="lt1"/>
-          </a:fontRef>
-        </p:style>
-        <p:txBody>
-          <a:bodyPr rtlCol="0" anchor="ctr"/>
-          <a:lstStyle/>
-          <a:p>
-            <a:pPr algn="ctr"/>
-            <a:endParaRPr kumimoji="1" lang="zh-CN" altLang="en-US" dirty="0"/>
-          </a:p>
-        </p:txBody>
-      </p:sp>
-      <p:sp>
-        <p:nvSpPr>
-          <p:cNvPr id="9" name="矩形 8"/>
-          <p:cNvSpPr/>
-          <p:nvPr/>
-        </p:nvSpPr>
-        <p:spPr>
-          <a:xfrm>
-            <a:off x="2020259" y="3100157"/>
-            <a:ext cx="914400" cy="914400"/>
-          </a:xfrm>
-          <a:prstGeom prst="rect">
-            <a:avLst/>
-          </a:prstGeom>
-        </p:spPr>
-        <p:style>
-          <a:lnRef idx="2">
-            <a:schemeClr val="accent1">
-              <a:shade val="50000"/>
-            </a:schemeClr>
-          </a:lnRef>
-          <a:fillRef idx="1">
-            <a:schemeClr val="accent1"/>
-          </a:fillRef>
-          <a:effectRef idx="0">
-            <a:schemeClr val="accent1"/>
-          </a:effectRef>
-          <a:fontRef idx="minor">
-            <a:schemeClr val="lt1"/>
-          </a:fontRef>
-        </p:style>
-        <p:txBody>
-          <a:bodyPr rtlCol="0" anchor="ctr"/>
-          <a:lstStyle/>
-          <a:p>
-            <a:pPr algn="ctr"/>
-            <a:endParaRPr kumimoji="1" lang="zh-CN" altLang="en-US"/>
-          </a:p>
-        </p:txBody>
-      </p:sp>
-      <p:sp>
-        <p:nvSpPr>
-          <p:cNvPr id="10" name="矩形 9"/>
-          <p:cNvSpPr/>
-          <p:nvPr/>
-        </p:nvSpPr>
-        <p:spPr>
-          <a:xfrm>
-            <a:off x="3202318" y="3082226"/>
-            <a:ext cx="914400" cy="914400"/>
-          </a:xfrm>
-          <a:prstGeom prst="rect">
-            <a:avLst/>
-          </a:prstGeom>
-        </p:spPr>
-        <p:style>
-          <a:lnRef idx="2">
-            <a:schemeClr val="accent1">
-              <a:shade val="50000"/>
-            </a:schemeClr>
-          </a:lnRef>
-          <a:fillRef idx="1">
-            <a:schemeClr val="accent1"/>
-          </a:fillRef>
-          <a:effectRef idx="0">
-            <a:schemeClr val="accent1"/>
-          </a:effectRef>
-          <a:fontRef idx="minor">
-            <a:schemeClr val="lt1"/>
-          </a:fontRef>
-        </p:style>
-        <p:txBody>
-          <a:bodyPr rtlCol="0" anchor="ctr"/>
-          <a:lstStyle/>
-          <a:p>
-            <a:pPr algn="ctr"/>
-            <a:endParaRPr kumimoji="1" lang="zh-CN" altLang="en-US"/>
-          </a:p>
-        </p:txBody>
-      </p:sp>
-      <p:sp>
-        <p:nvSpPr>
-          <p:cNvPr id="11" name="矩形 10"/>
-          <p:cNvSpPr/>
-          <p:nvPr/>
-        </p:nvSpPr>
-        <p:spPr>
-          <a:xfrm>
-            <a:off x="4384377" y="3118087"/>
-            <a:ext cx="914400" cy="914400"/>
-          </a:xfrm>
-          <a:prstGeom prst="rect">
-            <a:avLst/>
-          </a:prstGeom>
-          <a:solidFill>
-            <a:schemeClr val="bg1">
-              <a:lumMod val="65000"/>
-            </a:schemeClr>
-          </a:solidFill>
-          <a:ln>
-            <a:noFill/>
-          </a:ln>
-        </p:spPr>
-        <p:style>
-          <a:lnRef idx="2">
-            <a:schemeClr val="accent1">
-              <a:shade val="50000"/>
-            </a:schemeClr>
-          </a:lnRef>
-          <a:fillRef idx="1">
-            <a:schemeClr val="accent1"/>
-          </a:fillRef>
-          <a:effectRef idx="0">
-            <a:schemeClr val="accent1"/>
-          </a:effectRef>
-          <a:fontRef idx="minor">
-            <a:schemeClr val="lt1"/>
-          </a:fontRef>
-        </p:style>
-        <p:txBody>
-          <a:bodyPr rtlCol="0" anchor="ctr"/>
-          <a:lstStyle/>
-          <a:p>
-            <a:pPr algn="ctr"/>
-            <a:endParaRPr kumimoji="1" lang="zh-CN" altLang="en-US"/>
-          </a:p>
-        </p:txBody>
-      </p:sp>
-      <p:sp>
-        <p:nvSpPr>
-          <p:cNvPr id="13" name="矩形 12"/>
-          <p:cNvSpPr/>
-          <p:nvPr/>
-        </p:nvSpPr>
-        <p:spPr>
-          <a:xfrm>
-            <a:off x="5566436" y="3127055"/>
-            <a:ext cx="914400" cy="914400"/>
-          </a:xfrm>
-          <a:prstGeom prst="rect">
-            <a:avLst/>
-          </a:prstGeom>
-          <a:solidFill>
-            <a:schemeClr val="bg1">
-              <a:lumMod val="65000"/>
-            </a:schemeClr>
-          </a:solidFill>
-          <a:ln>
-            <a:noFill/>
-          </a:ln>
-        </p:spPr>
-        <p:style>
-          <a:lnRef idx="2">
-            <a:schemeClr val="accent1">
-              <a:shade val="50000"/>
-            </a:schemeClr>
-          </a:lnRef>
-          <a:fillRef idx="1">
-            <a:schemeClr val="accent1"/>
-          </a:fillRef>
-          <a:effectRef idx="0">
-            <a:schemeClr val="accent1"/>
-          </a:effectRef>
-          <a:fontRef idx="minor">
-            <a:schemeClr val="lt1"/>
-          </a:fontRef>
-        </p:style>
-        <p:txBody>
-          <a:bodyPr rtlCol="0" anchor="ctr"/>
-          <a:lstStyle/>
-          <a:p>
-            <a:pPr algn="ctr"/>
-            <a:endParaRPr kumimoji="1" lang="zh-CN" altLang="en-US"/>
-          </a:p>
-        </p:txBody>
-      </p:sp>
-      <p:sp>
-        <p:nvSpPr>
-          <p:cNvPr id="14" name="矩形 13"/>
-          <p:cNvSpPr/>
-          <p:nvPr/>
-        </p:nvSpPr>
-        <p:spPr>
-          <a:xfrm>
-            <a:off x="6748495" y="3127054"/>
-            <a:ext cx="914400" cy="914400"/>
-          </a:xfrm>
-          <a:prstGeom prst="rect">
-            <a:avLst/>
-          </a:prstGeom>
-          <a:solidFill>
-            <a:schemeClr val="accent1">
-              <a:lumMod val="40000"/>
-              <a:lumOff val="60000"/>
-            </a:schemeClr>
-          </a:solidFill>
-          <a:ln>
-            <a:noFill/>
-          </a:ln>
-        </p:spPr>
-        <p:style>
-          <a:lnRef idx="2">
-            <a:schemeClr val="accent1">
-              <a:shade val="50000"/>
-            </a:schemeClr>
-          </a:lnRef>
-          <a:fillRef idx="1">
-            <a:schemeClr val="accent1"/>
-          </a:fillRef>
-          <a:effectRef idx="0">
-            <a:schemeClr val="accent1"/>
-          </a:effectRef>
-          <a:fontRef idx="minor">
-            <a:schemeClr val="lt1"/>
-          </a:fontRef>
-        </p:style>
-        <p:txBody>
-          <a:bodyPr rtlCol="0" anchor="ctr"/>
-          <a:lstStyle/>
-          <a:p>
-            <a:pPr algn="ctr"/>
-            <a:endParaRPr kumimoji="1" lang="zh-CN" altLang="en-US"/>
-          </a:p>
-        </p:txBody>
-      </p:sp>
-      <p:sp>
-        <p:nvSpPr>
-          <p:cNvPr id="15" name="矩形 14"/>
-          <p:cNvSpPr/>
-          <p:nvPr/>
-        </p:nvSpPr>
-        <p:spPr>
-          <a:xfrm>
-            <a:off x="7930554" y="3100161"/>
-            <a:ext cx="914400" cy="914400"/>
-          </a:xfrm>
-          <a:prstGeom prst="rect">
-            <a:avLst/>
-          </a:prstGeom>
-          <a:solidFill>
-            <a:schemeClr val="accent1">
-              <a:lumMod val="40000"/>
-              <a:lumOff val="60000"/>
-            </a:schemeClr>
-          </a:solidFill>
-          <a:ln>
-            <a:noFill/>
-          </a:ln>
-        </p:spPr>
-        <p:style>
-          <a:lnRef idx="2">
-            <a:schemeClr val="accent1">
-              <a:shade val="50000"/>
-            </a:schemeClr>
-          </a:lnRef>
-          <a:fillRef idx="1">
-            <a:schemeClr val="accent1"/>
-          </a:fillRef>
-          <a:effectRef idx="0">
-            <a:schemeClr val="accent1"/>
-          </a:effectRef>
-          <a:fontRef idx="minor">
-            <a:schemeClr val="lt1"/>
-          </a:fontRef>
-        </p:style>
-        <p:txBody>
-          <a:bodyPr rtlCol="0" anchor="ctr"/>
-          <a:lstStyle/>
-          <a:p>
-            <a:pPr algn="ctr"/>
-            <a:endParaRPr kumimoji="1" lang="zh-CN" altLang="en-US"/>
-          </a:p>
-        </p:txBody>
-      </p:sp>
-      <p:sp>
-        <p:nvSpPr>
-          <p:cNvPr id="16" name="矩形 15"/>
-          <p:cNvSpPr/>
-          <p:nvPr/>
-        </p:nvSpPr>
-        <p:spPr>
-          <a:xfrm>
-            <a:off x="9112614" y="3100161"/>
-            <a:ext cx="914400" cy="914400"/>
-          </a:xfrm>
-          <a:prstGeom prst="rect">
-            <a:avLst/>
-          </a:prstGeom>
-          <a:solidFill>
-            <a:schemeClr val="accent1">
-              <a:lumMod val="40000"/>
-              <a:lumOff val="60000"/>
-            </a:schemeClr>
-          </a:solidFill>
-          <a:ln>
-            <a:noFill/>
-          </a:ln>
-        </p:spPr>
-        <p:style>
-          <a:lnRef idx="2">
-            <a:schemeClr val="accent1">
-              <a:shade val="50000"/>
-            </a:schemeClr>
-          </a:lnRef>
-          <a:fillRef idx="1">
-            <a:schemeClr val="accent1"/>
-          </a:fillRef>
-          <a:effectRef idx="0">
-            <a:schemeClr val="accent1"/>
-          </a:effectRef>
-          <a:fontRef idx="minor">
-            <a:schemeClr val="lt1"/>
-          </a:fontRef>
-        </p:style>
-        <p:txBody>
-          <a:bodyPr rtlCol="0" anchor="ctr"/>
-          <a:lstStyle/>
-          <a:p>
-            <a:pPr algn="ctr"/>
-            <a:endParaRPr kumimoji="1" lang="zh-CN" altLang="en-US"/>
-          </a:p>
-        </p:txBody>
-      </p:sp>
-      <p:cxnSp>
-        <p:nvCxnSpPr>
-          <p:cNvPr id="17" name="直线箭头连接符 16"/>
-          <p:cNvCxnSpPr/>
-          <p:nvPr/>
-        </p:nvCxnSpPr>
-        <p:spPr>
-          <a:xfrm flipV="1">
-            <a:off x="1358153" y="4536141"/>
-            <a:ext cx="8018931" cy="4458"/>
-          </a:xfrm>
-          <a:prstGeom prst="straightConnector1">
-            <a:avLst/>
-          </a:prstGeom>
-          <a:ln w="76200">
-            <a:solidFill>
-              <a:schemeClr val="accent1">
-                <a:lumMod val="60000"/>
-                <a:lumOff val="40000"/>
-              </a:schemeClr>
-            </a:solidFill>
-            <a:tailEnd type="triangle"/>
-          </a:ln>
-        </p:spPr>
-        <p:style>
-          <a:lnRef idx="1">
-            <a:schemeClr val="accent1"/>
-          </a:lnRef>
-          <a:fillRef idx="0">
-            <a:schemeClr val="accent1"/>
-          </a:fillRef>
-          <a:effectRef idx="0">
-            <a:schemeClr val="accent1"/>
-          </a:effectRef>
-          <a:fontRef idx="minor">
-            <a:schemeClr val="tx1"/>
-          </a:fontRef>
-        </p:style>
-      </p:cxnSp>
-      <p:sp>
-        <p:nvSpPr>
-          <p:cNvPr id="20" name="左大括号 19"/>
-          <p:cNvSpPr/>
-          <p:nvPr/>
-        </p:nvSpPr>
-        <p:spPr>
-          <a:xfrm rot="16200000">
-            <a:off x="2280236" y="3257711"/>
-            <a:ext cx="432549" cy="3240421"/>
-          </a:xfrm>
-          <a:prstGeom prst="leftBrace">
-            <a:avLst/>
-          </a:prstGeom>
-          <a:ln w="38100"/>
-        </p:spPr>
-        <p:style>
-          <a:lnRef idx="1">
-            <a:schemeClr val="accent1"/>
-          </a:lnRef>
-          <a:fillRef idx="0">
-            <a:schemeClr val="accent1"/>
-          </a:fillRef>
-          <a:effectRef idx="0">
-            <a:schemeClr val="accent1"/>
-          </a:effectRef>
-          <a:fontRef idx="minor">
-            <a:schemeClr val="tx1"/>
-          </a:fontRef>
-        </p:style>
-        <p:txBody>
-          <a:bodyPr rtlCol="0" anchor="ctr"/>
-          <a:lstStyle/>
-          <a:p>
-            <a:pPr algn="ctr"/>
-            <a:endParaRPr kumimoji="1" lang="zh-CN" altLang="en-US" dirty="0"/>
-          </a:p>
-        </p:txBody>
-      </p:sp>
-      <p:sp>
-        <p:nvSpPr>
-          <p:cNvPr id="21" name="文本框 20"/>
-          <p:cNvSpPr txBox="1"/>
-          <p:nvPr/>
-        </p:nvSpPr>
-        <p:spPr>
-          <a:xfrm>
-            <a:off x="2020259" y="5235386"/>
-            <a:ext cx="978153" cy="369332"/>
-          </a:xfrm>
-          <a:prstGeom prst="rect">
-            <a:avLst/>
-          </a:prstGeom>
-          <a:noFill/>
-        </p:spPr>
-        <p:txBody>
-          <a:bodyPr wrap="none" rtlCol="0">
-            <a:spAutoFit/>
-          </a:bodyPr>
-          <a:lstStyle/>
-          <a:p>
-            <a:r>
-              <a:rPr kumimoji="1" lang="en-US" altLang="zh-CN"/>
-              <a:t>m</a:t>
-            </a:r>
-            <a:r>
-              <a:rPr kumimoji="1" lang="en-US" altLang="zh-CN" smtClean="0"/>
-              <a:t>ark A</a:t>
-            </a:r>
-            <a:endParaRPr kumimoji="1" lang="zh-CN" altLang="en-US" dirty="0"/>
-          </a:p>
-        </p:txBody>
-      </p:sp>
-      <p:sp>
-        <p:nvSpPr>
-          <p:cNvPr id="22" name="左大括号 21"/>
-          <p:cNvSpPr/>
-          <p:nvPr/>
-        </p:nvSpPr>
-        <p:spPr>
-          <a:xfrm rot="16200000">
-            <a:off x="5216333" y="3838655"/>
-            <a:ext cx="432549" cy="2096461"/>
-          </a:xfrm>
-          <a:prstGeom prst="leftBrace">
-            <a:avLst/>
-          </a:prstGeom>
-          <a:ln w="38100"/>
-        </p:spPr>
-        <p:style>
-          <a:lnRef idx="1">
-            <a:schemeClr val="accent1"/>
-          </a:lnRef>
-          <a:fillRef idx="0">
-            <a:schemeClr val="accent1"/>
-          </a:fillRef>
-          <a:effectRef idx="0">
-            <a:schemeClr val="accent1"/>
-          </a:effectRef>
-          <a:fontRef idx="minor">
-            <a:schemeClr val="tx1"/>
-          </a:fontRef>
-        </p:style>
-        <p:txBody>
-          <a:bodyPr rtlCol="0" anchor="ctr"/>
-          <a:lstStyle/>
-          <a:p>
-            <a:pPr algn="ctr"/>
-            <a:endParaRPr kumimoji="1" lang="zh-CN" altLang="en-US" dirty="0"/>
-          </a:p>
-        </p:txBody>
-      </p:sp>
-      <p:sp>
-        <p:nvSpPr>
-          <p:cNvPr id="23" name="文本框 22"/>
-          <p:cNvSpPr txBox="1"/>
-          <p:nvPr/>
-        </p:nvSpPr>
-        <p:spPr>
-          <a:xfrm>
-            <a:off x="4957750" y="5197312"/>
-            <a:ext cx="1217372" cy="369332"/>
-          </a:xfrm>
-          <a:prstGeom prst="rect">
-            <a:avLst/>
-          </a:prstGeom>
-          <a:noFill/>
-        </p:spPr>
-        <p:txBody>
-          <a:bodyPr wrap="square" rtlCol="0">
-            <a:spAutoFit/>
-          </a:bodyPr>
-          <a:lstStyle/>
-          <a:p>
-            <a:r>
-              <a:rPr kumimoji="1" lang="en-US" altLang="zh-CN" smtClean="0"/>
-              <a:t>mark B</a:t>
-            </a:r>
-            <a:endParaRPr kumimoji="1" lang="zh-CN" altLang="en-US" dirty="0"/>
-          </a:p>
-        </p:txBody>
-      </p:sp>
-      <p:sp>
-        <p:nvSpPr>
-          <p:cNvPr id="24" name="矩形 23"/>
-          <p:cNvSpPr/>
-          <p:nvPr/>
-        </p:nvSpPr>
-        <p:spPr>
-          <a:xfrm>
-            <a:off x="10286991" y="3109129"/>
-            <a:ext cx="914400" cy="914400"/>
-          </a:xfrm>
-          <a:prstGeom prst="rect">
-            <a:avLst/>
-          </a:prstGeom>
-          <a:solidFill>
-            <a:schemeClr val="accent1">
-              <a:lumMod val="40000"/>
-              <a:lumOff val="60000"/>
-            </a:schemeClr>
-          </a:solidFill>
-          <a:ln>
-            <a:noFill/>
-          </a:ln>
-        </p:spPr>
-        <p:style>
-          <a:lnRef idx="2">
-            <a:schemeClr val="accent1">
-              <a:shade val="50000"/>
-            </a:schemeClr>
-          </a:lnRef>
-          <a:fillRef idx="1">
-            <a:schemeClr val="accent1"/>
-          </a:fillRef>
-          <a:effectRef idx="0">
-            <a:schemeClr val="accent1"/>
-          </a:effectRef>
-          <a:fontRef idx="minor">
-            <a:schemeClr val="lt1"/>
-          </a:fontRef>
-        </p:style>
-        <p:txBody>
-          <a:bodyPr rtlCol="0" anchor="ctr"/>
-          <a:lstStyle/>
-          <a:p>
-            <a:pPr algn="ctr"/>
-            <a:endParaRPr kumimoji="1" lang="zh-CN" altLang="en-US"/>
-          </a:p>
-        </p:txBody>
-      </p:sp>
-      <p:sp>
-        <p:nvSpPr>
-          <p:cNvPr id="26" name="左大括号 25"/>
-          <p:cNvSpPr/>
-          <p:nvPr/>
-        </p:nvSpPr>
-        <p:spPr>
-          <a:xfrm rot="16200000">
-            <a:off x="8758668" y="2660438"/>
-            <a:ext cx="432549" cy="4452896"/>
-          </a:xfrm>
-          <a:prstGeom prst="leftBrace">
-            <a:avLst/>
-          </a:prstGeom>
-          <a:ln w="38100"/>
-        </p:spPr>
-        <p:style>
-          <a:lnRef idx="1">
-            <a:schemeClr val="accent1"/>
-          </a:lnRef>
-          <a:fillRef idx="0">
-            <a:schemeClr val="accent1"/>
-          </a:fillRef>
-          <a:effectRef idx="0">
-            <a:schemeClr val="accent1"/>
-          </a:effectRef>
-          <a:fontRef idx="minor">
-            <a:schemeClr val="tx1"/>
-          </a:fontRef>
-        </p:style>
-        <p:txBody>
-          <a:bodyPr rtlCol="0" anchor="ctr"/>
-          <a:lstStyle/>
-          <a:p>
-            <a:pPr algn="ctr"/>
-            <a:endParaRPr kumimoji="1" lang="zh-CN" altLang="en-US" dirty="0"/>
-          </a:p>
-        </p:txBody>
-      </p:sp>
-      <p:sp>
-        <p:nvSpPr>
-          <p:cNvPr id="27" name="文本框 26"/>
-          <p:cNvSpPr txBox="1"/>
-          <p:nvPr/>
-        </p:nvSpPr>
-        <p:spPr>
-          <a:xfrm>
-            <a:off x="8180128" y="5244352"/>
-            <a:ext cx="1344151" cy="369332"/>
-          </a:xfrm>
-          <a:prstGeom prst="rect">
-            <a:avLst/>
-          </a:prstGeom>
-          <a:noFill/>
-        </p:spPr>
-        <p:txBody>
-          <a:bodyPr wrap="square" rtlCol="0">
-            <a:spAutoFit/>
-          </a:bodyPr>
-          <a:lstStyle/>
-          <a:p>
-            <a:r>
-              <a:rPr kumimoji="1" lang="en-US" altLang="zh-CN" dirty="0"/>
-              <a:t>m</a:t>
-            </a:r>
-            <a:r>
-              <a:rPr kumimoji="1" lang="en-US" altLang="zh-CN" dirty="0" smtClean="0"/>
-              <a:t>ark </a:t>
-            </a:r>
-            <a:r>
-              <a:rPr kumimoji="1" lang="en-US" altLang="zh-CN" dirty="0" smtClean="0"/>
-              <a:t>C</a:t>
-            </a:r>
-            <a:endParaRPr kumimoji="1" lang="zh-CN" altLang="en-US" dirty="0"/>
-          </a:p>
-        </p:txBody>
-      </p:sp>
-      <p:sp>
-        <p:nvSpPr>
-          <p:cNvPr id="28" name="文本框 27"/>
-          <p:cNvSpPr txBox="1"/>
-          <p:nvPr/>
-        </p:nvSpPr>
-        <p:spPr>
-          <a:xfrm>
-            <a:off x="645460" y="2472610"/>
-            <a:ext cx="1321012" cy="646331"/>
-          </a:xfrm>
-          <a:prstGeom prst="rect">
-            <a:avLst/>
-          </a:prstGeom>
-          <a:noFill/>
-        </p:spPr>
-        <p:txBody>
-          <a:bodyPr wrap="square" rtlCol="0">
-            <a:spAutoFit/>
-          </a:bodyPr>
-          <a:lstStyle/>
-          <a:p>
-            <a:r>
-              <a:rPr kumimoji="1" lang="en-US" altLang="zh-CN" smtClean="0"/>
-              <a:t>Channel</a:t>
-            </a:r>
-          </a:p>
-          <a:p>
-            <a:pPr algn="ctr"/>
-            <a:r>
-              <a:rPr kumimoji="1" lang="en-US" altLang="zh-CN" dirty="0" smtClean="0"/>
-              <a:t> X</a:t>
-            </a:r>
-            <a:endParaRPr kumimoji="1" lang="zh-CN" altLang="en-US" dirty="0"/>
-          </a:p>
-        </p:txBody>
-      </p:sp>
-      <p:sp>
-        <p:nvSpPr>
-          <p:cNvPr id="29" name="文本框 28"/>
-          <p:cNvSpPr txBox="1"/>
-          <p:nvPr/>
-        </p:nvSpPr>
-        <p:spPr>
-          <a:xfrm>
-            <a:off x="1909482" y="2481576"/>
-            <a:ext cx="1321012" cy="646331"/>
-          </a:xfrm>
-          <a:prstGeom prst="rect">
-            <a:avLst/>
-          </a:prstGeom>
-          <a:noFill/>
-        </p:spPr>
-        <p:txBody>
-          <a:bodyPr wrap="square" rtlCol="0">
-            <a:spAutoFit/>
-          </a:bodyPr>
-          <a:lstStyle/>
-          <a:p>
-            <a:r>
-              <a:rPr kumimoji="1" lang="en-US" altLang="zh-CN" dirty="0" smtClean="0"/>
-              <a:t>Channel</a:t>
-            </a:r>
-          </a:p>
-          <a:p>
-            <a:pPr algn="ctr"/>
-            <a:r>
-              <a:rPr kumimoji="1" lang="en-US" altLang="zh-CN" dirty="0" smtClean="0"/>
-              <a:t>X+ Y</a:t>
-            </a:r>
-            <a:endParaRPr kumimoji="1" lang="zh-CN" altLang="en-US" dirty="0"/>
-          </a:p>
-        </p:txBody>
-      </p:sp>
-      <p:sp>
-        <p:nvSpPr>
-          <p:cNvPr id="31" name="文本框 30"/>
-          <p:cNvSpPr txBox="1"/>
-          <p:nvPr/>
-        </p:nvSpPr>
-        <p:spPr>
-          <a:xfrm>
-            <a:off x="4499358" y="4166809"/>
-            <a:ext cx="2406428" cy="369332"/>
-          </a:xfrm>
-          <a:prstGeom prst="rect">
-            <a:avLst/>
-          </a:prstGeom>
-          <a:noFill/>
-        </p:spPr>
-        <p:txBody>
-          <a:bodyPr wrap="none" rtlCol="0">
-            <a:spAutoFit/>
-          </a:bodyPr>
-          <a:lstStyle/>
-          <a:p>
-            <a:r>
-              <a:rPr kumimoji="1" lang="en-US" altLang="zh-CN" smtClean="0"/>
-              <a:t>Narrative sequence</a:t>
-            </a:r>
-            <a:endParaRPr kumimoji="1" lang="zh-CN" altLang="en-US" dirty="0"/>
-          </a:p>
-        </p:txBody>
-      </p:sp>
-      <p:sp>
-        <p:nvSpPr>
-          <p:cNvPr id="39" name="文本框 38"/>
-          <p:cNvSpPr txBox="1"/>
-          <p:nvPr/>
-        </p:nvSpPr>
-        <p:spPr>
-          <a:xfrm>
-            <a:off x="5936951" y="5523169"/>
-            <a:ext cx="2385589" cy="369332"/>
-          </a:xfrm>
-          <a:prstGeom prst="rect">
-            <a:avLst/>
-          </a:prstGeom>
-          <a:noFill/>
-        </p:spPr>
-        <p:txBody>
-          <a:bodyPr wrap="none" rtlCol="0">
-            <a:spAutoFit/>
-          </a:bodyPr>
-          <a:lstStyle/>
-          <a:p>
-            <a:r>
-              <a:rPr kumimoji="1" lang="en-US" altLang="zh-CN" dirty="0" smtClean="0"/>
-              <a:t>Attention guidance</a:t>
-            </a:r>
-            <a:endParaRPr kumimoji="1" lang="zh-CN" altLang="en-US" dirty="0"/>
-          </a:p>
-        </p:txBody>
-      </p:sp>
-      <p:sp>
-        <p:nvSpPr>
-          <p:cNvPr id="40" name="手杖形箭头 39"/>
-          <p:cNvSpPr/>
-          <p:nvPr/>
-        </p:nvSpPr>
-        <p:spPr>
-          <a:xfrm>
-            <a:off x="1004047" y="2149065"/>
-            <a:ext cx="1594436" cy="356263"/>
-          </a:xfrm>
-          <a:prstGeom prst="uturnArrow">
-            <a:avLst/>
-          </a:prstGeom>
-        </p:spPr>
-        <p:style>
-          <a:lnRef idx="2">
-            <a:schemeClr val="accent1">
-              <a:shade val="50000"/>
-            </a:schemeClr>
-          </a:lnRef>
-          <a:fillRef idx="1">
-            <a:schemeClr val="accent1"/>
-          </a:fillRef>
-          <a:effectRef idx="0">
-            <a:schemeClr val="accent1"/>
-          </a:effectRef>
-          <a:fontRef idx="minor">
-            <a:schemeClr val="lt1"/>
-          </a:fontRef>
-        </p:style>
-        <p:txBody>
-          <a:bodyPr rtlCol="0" anchor="ctr"/>
-          <a:lstStyle/>
-          <a:p>
-            <a:pPr algn="ctr"/>
-            <a:endParaRPr kumimoji="1" lang="zh-CN" altLang="en-US">
-              <a:solidFill>
-                <a:schemeClr val="tx1"/>
-              </a:solidFill>
-            </a:endParaRPr>
-          </a:p>
-        </p:txBody>
-      </p:sp>
-      <p:sp>
-        <p:nvSpPr>
-          <p:cNvPr id="41" name="文本框 40"/>
-          <p:cNvSpPr txBox="1"/>
-          <p:nvPr/>
-        </p:nvSpPr>
-        <p:spPr>
-          <a:xfrm>
-            <a:off x="725504" y="1810349"/>
-            <a:ext cx="2367956" cy="369332"/>
-          </a:xfrm>
-          <a:prstGeom prst="rect">
-            <a:avLst/>
-          </a:prstGeom>
-          <a:noFill/>
-        </p:spPr>
-        <p:txBody>
-          <a:bodyPr wrap="none" rtlCol="0">
-            <a:spAutoFit/>
-          </a:bodyPr>
-          <a:lstStyle/>
-          <a:p>
-            <a:r>
-              <a:rPr kumimoji="1" lang="en-US" altLang="zh-CN" smtClean="0"/>
-              <a:t>Animated transition</a:t>
-            </a:r>
-            <a:endParaRPr kumimoji="1" lang="zh-CN" altLang="en-US" dirty="0"/>
-          </a:p>
-        </p:txBody>
-      </p:sp>
-    </p:spTree>
-    <p:extLst>
-      <p:ext uri="{BB962C8B-B14F-4D97-AF65-F5344CB8AC3E}">
-        <p14:creationId xmlns:p14="http://schemas.microsoft.com/office/powerpoint/2010/main" val="347880041"/>
       </p:ext>
     </p:extLst>
   </p:cSld>
@@ -12859,6 +12464,1154 @@
       </p:grpSpPr>
       <p:sp>
         <p:nvSpPr>
+          <p:cNvPr id="38" name="手杖形箭头 37"/>
+          <p:cNvSpPr/>
+          <p:nvPr/>
+        </p:nvSpPr>
+        <p:spPr>
+          <a:xfrm flipV="1">
+            <a:off x="5541391" y="5557761"/>
+            <a:ext cx="3303563" cy="386613"/>
+          </a:xfrm>
+          <a:prstGeom prst="uturnArrow">
+            <a:avLst/>
+          </a:prstGeom>
+        </p:spPr>
+        <p:style>
+          <a:lnRef idx="2">
+            <a:schemeClr val="accent1">
+              <a:shade val="50000"/>
+            </a:schemeClr>
+          </a:lnRef>
+          <a:fillRef idx="1">
+            <a:schemeClr val="accent1"/>
+          </a:fillRef>
+          <a:effectRef idx="0">
+            <a:schemeClr val="accent1"/>
+          </a:effectRef>
+          <a:fontRef idx="minor">
+            <a:schemeClr val="lt1"/>
+          </a:fontRef>
+        </p:style>
+        <p:txBody>
+          <a:bodyPr rtlCol="0" anchor="ctr"/>
+          <a:lstStyle/>
+          <a:p>
+            <a:pPr algn="ctr"/>
+            <a:endParaRPr kumimoji="1" lang="zh-CN" altLang="en-US" dirty="0">
+              <a:solidFill>
+                <a:schemeClr val="tx1"/>
+              </a:solidFill>
+            </a:endParaRPr>
+          </a:p>
+        </p:txBody>
+      </p:sp>
+      <p:sp>
+        <p:nvSpPr>
+          <p:cNvPr id="2" name="标题 1"/>
+          <p:cNvSpPr>
+            <a:spLocks noGrp="1"/>
+          </p:cNvSpPr>
+          <p:nvPr>
+            <p:ph type="title"/>
+          </p:nvPr>
+        </p:nvSpPr>
+        <p:spPr>
+          <a:xfrm>
+            <a:off x="838200" y="378188"/>
+            <a:ext cx="10515600" cy="1325563"/>
+          </a:xfrm>
+        </p:spPr>
+        <p:txBody>
+          <a:bodyPr/>
+          <a:lstStyle/>
+          <a:p>
+            <a:r>
+              <a:rPr kumimoji="1" lang="en-US" altLang="zh-CN" b="1" dirty="0" smtClean="0">
+                <a:solidFill>
+                  <a:schemeClr val="tx1">
+                    <a:lumMod val="65000"/>
+                    <a:lumOff val="35000"/>
+                  </a:schemeClr>
+                </a:solidFill>
+              </a:rPr>
+              <a:t>Narrative Structure</a:t>
+            </a:r>
+            <a:endParaRPr kumimoji="1" lang="zh-CN" altLang="en-US" b="1" dirty="0">
+              <a:solidFill>
+                <a:schemeClr val="tx1">
+                  <a:lumMod val="65000"/>
+                  <a:lumOff val="35000"/>
+                </a:schemeClr>
+              </a:solidFill>
+            </a:endParaRPr>
+          </a:p>
+        </p:txBody>
+      </p:sp>
+      <p:sp>
+        <p:nvSpPr>
+          <p:cNvPr id="4" name="幻灯片编号占位符 3"/>
+          <p:cNvSpPr>
+            <a:spLocks noGrp="1"/>
+          </p:cNvSpPr>
+          <p:nvPr>
+            <p:ph type="sldNum" sz="quarter" idx="12"/>
+          </p:nvPr>
+        </p:nvSpPr>
+        <p:spPr/>
+        <p:txBody>
+          <a:bodyPr/>
+          <a:lstStyle/>
+          <a:p>
+            <a:fld id="{1545DBC7-0E7E-5249-BF19-8815E0EED612}" type="slidenum">
+              <a:rPr kumimoji="1" lang="zh-CN" altLang="en-US" smtClean="0"/>
+              <a:t>18</a:t>
+            </a:fld>
+            <a:endParaRPr kumimoji="1" lang="zh-CN" altLang="en-US"/>
+          </a:p>
+        </p:txBody>
+      </p:sp>
+      <p:sp>
+        <p:nvSpPr>
+          <p:cNvPr id="5" name="矩形 4"/>
+          <p:cNvSpPr/>
+          <p:nvPr/>
+        </p:nvSpPr>
+        <p:spPr>
+          <a:xfrm>
+            <a:off x="838200" y="1260764"/>
+            <a:ext cx="7550727" cy="83127"/>
+          </a:xfrm>
+          <a:prstGeom prst="rect">
+            <a:avLst/>
+          </a:prstGeom>
+          <a:solidFill>
+            <a:schemeClr val="accent1">
+              <a:lumMod val="60000"/>
+              <a:lumOff val="40000"/>
+            </a:schemeClr>
+          </a:solidFill>
+          <a:ln>
+            <a:noFill/>
+          </a:ln>
+        </p:spPr>
+        <p:style>
+          <a:lnRef idx="2">
+            <a:schemeClr val="accent1">
+              <a:shade val="50000"/>
+            </a:schemeClr>
+          </a:lnRef>
+          <a:fillRef idx="1">
+            <a:schemeClr val="accent1"/>
+          </a:fillRef>
+          <a:effectRef idx="0">
+            <a:schemeClr val="accent1"/>
+          </a:effectRef>
+          <a:fontRef idx="minor">
+            <a:schemeClr val="lt1"/>
+          </a:fontRef>
+        </p:style>
+        <p:txBody>
+          <a:bodyPr rtlCol="0" anchor="ctr"/>
+          <a:lstStyle/>
+          <a:p>
+            <a:pPr algn="ctr"/>
+            <a:endParaRPr kumimoji="1" lang="zh-CN" altLang="en-US"/>
+          </a:p>
+        </p:txBody>
+      </p:sp>
+      <p:sp>
+        <p:nvSpPr>
+          <p:cNvPr id="6" name="矩形 5"/>
+          <p:cNvSpPr/>
+          <p:nvPr/>
+        </p:nvSpPr>
+        <p:spPr>
+          <a:xfrm>
+            <a:off x="838200" y="3109119"/>
+            <a:ext cx="914400" cy="914400"/>
+          </a:xfrm>
+          <a:prstGeom prst="rect">
+            <a:avLst/>
+          </a:prstGeom>
+        </p:spPr>
+        <p:style>
+          <a:lnRef idx="2">
+            <a:schemeClr val="accent1">
+              <a:shade val="50000"/>
+            </a:schemeClr>
+          </a:lnRef>
+          <a:fillRef idx="1">
+            <a:schemeClr val="accent1"/>
+          </a:fillRef>
+          <a:effectRef idx="0">
+            <a:schemeClr val="accent1"/>
+          </a:effectRef>
+          <a:fontRef idx="minor">
+            <a:schemeClr val="lt1"/>
+          </a:fontRef>
+        </p:style>
+        <p:txBody>
+          <a:bodyPr rtlCol="0" anchor="ctr"/>
+          <a:lstStyle/>
+          <a:p>
+            <a:pPr algn="ctr"/>
+            <a:endParaRPr kumimoji="1" lang="zh-CN" altLang="en-US" dirty="0"/>
+          </a:p>
+        </p:txBody>
+      </p:sp>
+      <p:sp>
+        <p:nvSpPr>
+          <p:cNvPr id="9" name="矩形 8"/>
+          <p:cNvSpPr/>
+          <p:nvPr/>
+        </p:nvSpPr>
+        <p:spPr>
+          <a:xfrm>
+            <a:off x="2020259" y="3100157"/>
+            <a:ext cx="914400" cy="914400"/>
+          </a:xfrm>
+          <a:prstGeom prst="rect">
+            <a:avLst/>
+          </a:prstGeom>
+        </p:spPr>
+        <p:style>
+          <a:lnRef idx="2">
+            <a:schemeClr val="accent1">
+              <a:shade val="50000"/>
+            </a:schemeClr>
+          </a:lnRef>
+          <a:fillRef idx="1">
+            <a:schemeClr val="accent1"/>
+          </a:fillRef>
+          <a:effectRef idx="0">
+            <a:schemeClr val="accent1"/>
+          </a:effectRef>
+          <a:fontRef idx="minor">
+            <a:schemeClr val="lt1"/>
+          </a:fontRef>
+        </p:style>
+        <p:txBody>
+          <a:bodyPr rtlCol="0" anchor="ctr"/>
+          <a:lstStyle/>
+          <a:p>
+            <a:pPr algn="ctr"/>
+            <a:endParaRPr kumimoji="1" lang="zh-CN" altLang="en-US"/>
+          </a:p>
+        </p:txBody>
+      </p:sp>
+      <p:sp>
+        <p:nvSpPr>
+          <p:cNvPr id="10" name="矩形 9"/>
+          <p:cNvSpPr/>
+          <p:nvPr/>
+        </p:nvSpPr>
+        <p:spPr>
+          <a:xfrm>
+            <a:off x="3202318" y="3082226"/>
+            <a:ext cx="914400" cy="914400"/>
+          </a:xfrm>
+          <a:prstGeom prst="rect">
+            <a:avLst/>
+          </a:prstGeom>
+        </p:spPr>
+        <p:style>
+          <a:lnRef idx="2">
+            <a:schemeClr val="accent1">
+              <a:shade val="50000"/>
+            </a:schemeClr>
+          </a:lnRef>
+          <a:fillRef idx="1">
+            <a:schemeClr val="accent1"/>
+          </a:fillRef>
+          <a:effectRef idx="0">
+            <a:schemeClr val="accent1"/>
+          </a:effectRef>
+          <a:fontRef idx="minor">
+            <a:schemeClr val="lt1"/>
+          </a:fontRef>
+        </p:style>
+        <p:txBody>
+          <a:bodyPr rtlCol="0" anchor="ctr"/>
+          <a:lstStyle/>
+          <a:p>
+            <a:pPr algn="ctr"/>
+            <a:endParaRPr kumimoji="1" lang="zh-CN" altLang="en-US"/>
+          </a:p>
+        </p:txBody>
+      </p:sp>
+      <p:sp>
+        <p:nvSpPr>
+          <p:cNvPr id="11" name="矩形 10"/>
+          <p:cNvSpPr/>
+          <p:nvPr/>
+        </p:nvSpPr>
+        <p:spPr>
+          <a:xfrm>
+            <a:off x="4384377" y="3118087"/>
+            <a:ext cx="914400" cy="914400"/>
+          </a:xfrm>
+          <a:prstGeom prst="rect">
+            <a:avLst/>
+          </a:prstGeom>
+          <a:solidFill>
+            <a:schemeClr val="bg1">
+              <a:lumMod val="65000"/>
+            </a:schemeClr>
+          </a:solidFill>
+          <a:ln>
+            <a:noFill/>
+          </a:ln>
+        </p:spPr>
+        <p:style>
+          <a:lnRef idx="2">
+            <a:schemeClr val="accent1">
+              <a:shade val="50000"/>
+            </a:schemeClr>
+          </a:lnRef>
+          <a:fillRef idx="1">
+            <a:schemeClr val="accent1"/>
+          </a:fillRef>
+          <a:effectRef idx="0">
+            <a:schemeClr val="accent1"/>
+          </a:effectRef>
+          <a:fontRef idx="minor">
+            <a:schemeClr val="lt1"/>
+          </a:fontRef>
+        </p:style>
+        <p:txBody>
+          <a:bodyPr rtlCol="0" anchor="ctr"/>
+          <a:lstStyle/>
+          <a:p>
+            <a:pPr algn="ctr"/>
+            <a:endParaRPr kumimoji="1" lang="zh-CN" altLang="en-US"/>
+          </a:p>
+        </p:txBody>
+      </p:sp>
+      <p:sp>
+        <p:nvSpPr>
+          <p:cNvPr id="13" name="矩形 12"/>
+          <p:cNvSpPr/>
+          <p:nvPr/>
+        </p:nvSpPr>
+        <p:spPr>
+          <a:xfrm>
+            <a:off x="5566436" y="3127055"/>
+            <a:ext cx="914400" cy="914400"/>
+          </a:xfrm>
+          <a:prstGeom prst="rect">
+            <a:avLst/>
+          </a:prstGeom>
+          <a:solidFill>
+            <a:schemeClr val="bg1">
+              <a:lumMod val="65000"/>
+            </a:schemeClr>
+          </a:solidFill>
+          <a:ln>
+            <a:noFill/>
+          </a:ln>
+        </p:spPr>
+        <p:style>
+          <a:lnRef idx="2">
+            <a:schemeClr val="accent1">
+              <a:shade val="50000"/>
+            </a:schemeClr>
+          </a:lnRef>
+          <a:fillRef idx="1">
+            <a:schemeClr val="accent1"/>
+          </a:fillRef>
+          <a:effectRef idx="0">
+            <a:schemeClr val="accent1"/>
+          </a:effectRef>
+          <a:fontRef idx="minor">
+            <a:schemeClr val="lt1"/>
+          </a:fontRef>
+        </p:style>
+        <p:txBody>
+          <a:bodyPr rtlCol="0" anchor="ctr"/>
+          <a:lstStyle/>
+          <a:p>
+            <a:pPr algn="ctr"/>
+            <a:endParaRPr kumimoji="1" lang="zh-CN" altLang="en-US"/>
+          </a:p>
+        </p:txBody>
+      </p:sp>
+      <p:sp>
+        <p:nvSpPr>
+          <p:cNvPr id="14" name="矩形 13"/>
+          <p:cNvSpPr/>
+          <p:nvPr/>
+        </p:nvSpPr>
+        <p:spPr>
+          <a:xfrm>
+            <a:off x="6748495" y="3127054"/>
+            <a:ext cx="914400" cy="914400"/>
+          </a:xfrm>
+          <a:prstGeom prst="rect">
+            <a:avLst/>
+          </a:prstGeom>
+          <a:solidFill>
+            <a:schemeClr val="accent1">
+              <a:lumMod val="40000"/>
+              <a:lumOff val="60000"/>
+            </a:schemeClr>
+          </a:solidFill>
+          <a:ln>
+            <a:noFill/>
+          </a:ln>
+        </p:spPr>
+        <p:style>
+          <a:lnRef idx="2">
+            <a:schemeClr val="accent1">
+              <a:shade val="50000"/>
+            </a:schemeClr>
+          </a:lnRef>
+          <a:fillRef idx="1">
+            <a:schemeClr val="accent1"/>
+          </a:fillRef>
+          <a:effectRef idx="0">
+            <a:schemeClr val="accent1"/>
+          </a:effectRef>
+          <a:fontRef idx="minor">
+            <a:schemeClr val="lt1"/>
+          </a:fontRef>
+        </p:style>
+        <p:txBody>
+          <a:bodyPr rtlCol="0" anchor="ctr"/>
+          <a:lstStyle/>
+          <a:p>
+            <a:pPr algn="ctr"/>
+            <a:endParaRPr kumimoji="1" lang="zh-CN" altLang="en-US"/>
+          </a:p>
+        </p:txBody>
+      </p:sp>
+      <p:sp>
+        <p:nvSpPr>
+          <p:cNvPr id="15" name="矩形 14"/>
+          <p:cNvSpPr/>
+          <p:nvPr/>
+        </p:nvSpPr>
+        <p:spPr>
+          <a:xfrm>
+            <a:off x="7930554" y="3100161"/>
+            <a:ext cx="914400" cy="914400"/>
+          </a:xfrm>
+          <a:prstGeom prst="rect">
+            <a:avLst/>
+          </a:prstGeom>
+          <a:solidFill>
+            <a:schemeClr val="accent1">
+              <a:lumMod val="40000"/>
+              <a:lumOff val="60000"/>
+            </a:schemeClr>
+          </a:solidFill>
+          <a:ln>
+            <a:noFill/>
+          </a:ln>
+        </p:spPr>
+        <p:style>
+          <a:lnRef idx="2">
+            <a:schemeClr val="accent1">
+              <a:shade val="50000"/>
+            </a:schemeClr>
+          </a:lnRef>
+          <a:fillRef idx="1">
+            <a:schemeClr val="accent1"/>
+          </a:fillRef>
+          <a:effectRef idx="0">
+            <a:schemeClr val="accent1"/>
+          </a:effectRef>
+          <a:fontRef idx="minor">
+            <a:schemeClr val="lt1"/>
+          </a:fontRef>
+        </p:style>
+        <p:txBody>
+          <a:bodyPr rtlCol="0" anchor="ctr"/>
+          <a:lstStyle/>
+          <a:p>
+            <a:pPr algn="ctr"/>
+            <a:endParaRPr kumimoji="1" lang="zh-CN" altLang="en-US"/>
+          </a:p>
+        </p:txBody>
+      </p:sp>
+      <p:sp>
+        <p:nvSpPr>
+          <p:cNvPr id="16" name="矩形 15"/>
+          <p:cNvSpPr/>
+          <p:nvPr/>
+        </p:nvSpPr>
+        <p:spPr>
+          <a:xfrm>
+            <a:off x="9112614" y="3100161"/>
+            <a:ext cx="914400" cy="914400"/>
+          </a:xfrm>
+          <a:prstGeom prst="rect">
+            <a:avLst/>
+          </a:prstGeom>
+          <a:solidFill>
+            <a:schemeClr val="accent1">
+              <a:lumMod val="40000"/>
+              <a:lumOff val="60000"/>
+            </a:schemeClr>
+          </a:solidFill>
+          <a:ln>
+            <a:noFill/>
+          </a:ln>
+        </p:spPr>
+        <p:style>
+          <a:lnRef idx="2">
+            <a:schemeClr val="accent1">
+              <a:shade val="50000"/>
+            </a:schemeClr>
+          </a:lnRef>
+          <a:fillRef idx="1">
+            <a:schemeClr val="accent1"/>
+          </a:fillRef>
+          <a:effectRef idx="0">
+            <a:schemeClr val="accent1"/>
+          </a:effectRef>
+          <a:fontRef idx="minor">
+            <a:schemeClr val="lt1"/>
+          </a:fontRef>
+        </p:style>
+        <p:txBody>
+          <a:bodyPr rtlCol="0" anchor="ctr"/>
+          <a:lstStyle/>
+          <a:p>
+            <a:pPr algn="ctr"/>
+            <a:endParaRPr kumimoji="1" lang="zh-CN" altLang="en-US"/>
+          </a:p>
+        </p:txBody>
+      </p:sp>
+      <p:cxnSp>
+        <p:nvCxnSpPr>
+          <p:cNvPr id="17" name="直线箭头连接符 16"/>
+          <p:cNvCxnSpPr/>
+          <p:nvPr/>
+        </p:nvCxnSpPr>
+        <p:spPr>
+          <a:xfrm flipV="1">
+            <a:off x="1358153" y="4536141"/>
+            <a:ext cx="8018931" cy="4458"/>
+          </a:xfrm>
+          <a:prstGeom prst="straightConnector1">
+            <a:avLst/>
+          </a:prstGeom>
+          <a:ln w="76200">
+            <a:solidFill>
+              <a:schemeClr val="accent1">
+                <a:lumMod val="60000"/>
+                <a:lumOff val="40000"/>
+              </a:schemeClr>
+            </a:solidFill>
+            <a:tailEnd type="triangle"/>
+          </a:ln>
+        </p:spPr>
+        <p:style>
+          <a:lnRef idx="1">
+            <a:schemeClr val="accent1"/>
+          </a:lnRef>
+          <a:fillRef idx="0">
+            <a:schemeClr val="accent1"/>
+          </a:fillRef>
+          <a:effectRef idx="0">
+            <a:schemeClr val="accent1"/>
+          </a:effectRef>
+          <a:fontRef idx="minor">
+            <a:schemeClr val="tx1"/>
+          </a:fontRef>
+        </p:style>
+      </p:cxnSp>
+      <p:sp>
+        <p:nvSpPr>
+          <p:cNvPr id="20" name="左大括号 19"/>
+          <p:cNvSpPr/>
+          <p:nvPr/>
+        </p:nvSpPr>
+        <p:spPr>
+          <a:xfrm rot="16200000">
+            <a:off x="2280236" y="3257711"/>
+            <a:ext cx="432549" cy="3240421"/>
+          </a:xfrm>
+          <a:prstGeom prst="leftBrace">
+            <a:avLst/>
+          </a:prstGeom>
+          <a:ln w="38100"/>
+        </p:spPr>
+        <p:style>
+          <a:lnRef idx="1">
+            <a:schemeClr val="accent1"/>
+          </a:lnRef>
+          <a:fillRef idx="0">
+            <a:schemeClr val="accent1"/>
+          </a:fillRef>
+          <a:effectRef idx="0">
+            <a:schemeClr val="accent1"/>
+          </a:effectRef>
+          <a:fontRef idx="minor">
+            <a:schemeClr val="tx1"/>
+          </a:fontRef>
+        </p:style>
+        <p:txBody>
+          <a:bodyPr rtlCol="0" anchor="ctr"/>
+          <a:lstStyle/>
+          <a:p>
+            <a:pPr algn="ctr"/>
+            <a:endParaRPr kumimoji="1" lang="zh-CN" altLang="en-US" dirty="0"/>
+          </a:p>
+        </p:txBody>
+      </p:sp>
+      <p:sp>
+        <p:nvSpPr>
+          <p:cNvPr id="21" name="文本框 20"/>
+          <p:cNvSpPr txBox="1"/>
+          <p:nvPr/>
+        </p:nvSpPr>
+        <p:spPr>
+          <a:xfrm>
+            <a:off x="2020259" y="5235386"/>
+            <a:ext cx="978153" cy="369332"/>
+          </a:xfrm>
+          <a:prstGeom prst="rect">
+            <a:avLst/>
+          </a:prstGeom>
+          <a:noFill/>
+        </p:spPr>
+        <p:txBody>
+          <a:bodyPr wrap="none" rtlCol="0">
+            <a:spAutoFit/>
+          </a:bodyPr>
+          <a:lstStyle/>
+          <a:p>
+            <a:r>
+              <a:rPr kumimoji="1" lang="en-US" altLang="zh-CN"/>
+              <a:t>m</a:t>
+            </a:r>
+            <a:r>
+              <a:rPr kumimoji="1" lang="en-US" altLang="zh-CN" smtClean="0"/>
+              <a:t>ark A</a:t>
+            </a:r>
+            <a:endParaRPr kumimoji="1" lang="zh-CN" altLang="en-US" dirty="0"/>
+          </a:p>
+        </p:txBody>
+      </p:sp>
+      <p:sp>
+        <p:nvSpPr>
+          <p:cNvPr id="22" name="左大括号 21"/>
+          <p:cNvSpPr/>
+          <p:nvPr/>
+        </p:nvSpPr>
+        <p:spPr>
+          <a:xfrm rot="16200000">
+            <a:off x="5216333" y="3838655"/>
+            <a:ext cx="432549" cy="2096461"/>
+          </a:xfrm>
+          <a:prstGeom prst="leftBrace">
+            <a:avLst/>
+          </a:prstGeom>
+          <a:ln w="38100"/>
+        </p:spPr>
+        <p:style>
+          <a:lnRef idx="1">
+            <a:schemeClr val="accent1"/>
+          </a:lnRef>
+          <a:fillRef idx="0">
+            <a:schemeClr val="accent1"/>
+          </a:fillRef>
+          <a:effectRef idx="0">
+            <a:schemeClr val="accent1"/>
+          </a:effectRef>
+          <a:fontRef idx="minor">
+            <a:schemeClr val="tx1"/>
+          </a:fontRef>
+        </p:style>
+        <p:txBody>
+          <a:bodyPr rtlCol="0" anchor="ctr"/>
+          <a:lstStyle/>
+          <a:p>
+            <a:pPr algn="ctr"/>
+            <a:endParaRPr kumimoji="1" lang="zh-CN" altLang="en-US" dirty="0"/>
+          </a:p>
+        </p:txBody>
+      </p:sp>
+      <p:sp>
+        <p:nvSpPr>
+          <p:cNvPr id="23" name="文本框 22"/>
+          <p:cNvSpPr txBox="1"/>
+          <p:nvPr/>
+        </p:nvSpPr>
+        <p:spPr>
+          <a:xfrm>
+            <a:off x="4957750" y="5197312"/>
+            <a:ext cx="1217372" cy="369332"/>
+          </a:xfrm>
+          <a:prstGeom prst="rect">
+            <a:avLst/>
+          </a:prstGeom>
+          <a:noFill/>
+        </p:spPr>
+        <p:txBody>
+          <a:bodyPr wrap="square" rtlCol="0">
+            <a:spAutoFit/>
+          </a:bodyPr>
+          <a:lstStyle/>
+          <a:p>
+            <a:r>
+              <a:rPr kumimoji="1" lang="en-US" altLang="zh-CN" smtClean="0"/>
+              <a:t>mark B</a:t>
+            </a:r>
+            <a:endParaRPr kumimoji="1" lang="zh-CN" altLang="en-US" dirty="0"/>
+          </a:p>
+        </p:txBody>
+      </p:sp>
+      <p:sp>
+        <p:nvSpPr>
+          <p:cNvPr id="24" name="矩形 23"/>
+          <p:cNvSpPr/>
+          <p:nvPr/>
+        </p:nvSpPr>
+        <p:spPr>
+          <a:xfrm>
+            <a:off x="10286991" y="3109129"/>
+            <a:ext cx="914400" cy="914400"/>
+          </a:xfrm>
+          <a:prstGeom prst="rect">
+            <a:avLst/>
+          </a:prstGeom>
+          <a:solidFill>
+            <a:schemeClr val="accent1">
+              <a:lumMod val="40000"/>
+              <a:lumOff val="60000"/>
+            </a:schemeClr>
+          </a:solidFill>
+          <a:ln>
+            <a:noFill/>
+          </a:ln>
+        </p:spPr>
+        <p:style>
+          <a:lnRef idx="2">
+            <a:schemeClr val="accent1">
+              <a:shade val="50000"/>
+            </a:schemeClr>
+          </a:lnRef>
+          <a:fillRef idx="1">
+            <a:schemeClr val="accent1"/>
+          </a:fillRef>
+          <a:effectRef idx="0">
+            <a:schemeClr val="accent1"/>
+          </a:effectRef>
+          <a:fontRef idx="minor">
+            <a:schemeClr val="lt1"/>
+          </a:fontRef>
+        </p:style>
+        <p:txBody>
+          <a:bodyPr rtlCol="0" anchor="ctr"/>
+          <a:lstStyle/>
+          <a:p>
+            <a:pPr algn="ctr"/>
+            <a:endParaRPr kumimoji="1" lang="zh-CN" altLang="en-US"/>
+          </a:p>
+        </p:txBody>
+      </p:sp>
+      <p:sp>
+        <p:nvSpPr>
+          <p:cNvPr id="26" name="左大括号 25"/>
+          <p:cNvSpPr/>
+          <p:nvPr/>
+        </p:nvSpPr>
+        <p:spPr>
+          <a:xfrm rot="16200000">
+            <a:off x="8758668" y="2660438"/>
+            <a:ext cx="432549" cy="4452896"/>
+          </a:xfrm>
+          <a:prstGeom prst="leftBrace">
+            <a:avLst/>
+          </a:prstGeom>
+          <a:ln w="38100"/>
+        </p:spPr>
+        <p:style>
+          <a:lnRef idx="1">
+            <a:schemeClr val="accent1"/>
+          </a:lnRef>
+          <a:fillRef idx="0">
+            <a:schemeClr val="accent1"/>
+          </a:fillRef>
+          <a:effectRef idx="0">
+            <a:schemeClr val="accent1"/>
+          </a:effectRef>
+          <a:fontRef idx="minor">
+            <a:schemeClr val="tx1"/>
+          </a:fontRef>
+        </p:style>
+        <p:txBody>
+          <a:bodyPr rtlCol="0" anchor="ctr"/>
+          <a:lstStyle/>
+          <a:p>
+            <a:pPr algn="ctr"/>
+            <a:endParaRPr kumimoji="1" lang="zh-CN" altLang="en-US" dirty="0"/>
+          </a:p>
+        </p:txBody>
+      </p:sp>
+      <p:sp>
+        <p:nvSpPr>
+          <p:cNvPr id="27" name="文本框 26"/>
+          <p:cNvSpPr txBox="1"/>
+          <p:nvPr/>
+        </p:nvSpPr>
+        <p:spPr>
+          <a:xfrm>
+            <a:off x="8180128" y="5244352"/>
+            <a:ext cx="1344151" cy="369332"/>
+          </a:xfrm>
+          <a:prstGeom prst="rect">
+            <a:avLst/>
+          </a:prstGeom>
+          <a:noFill/>
+        </p:spPr>
+        <p:txBody>
+          <a:bodyPr wrap="square" rtlCol="0">
+            <a:spAutoFit/>
+          </a:bodyPr>
+          <a:lstStyle/>
+          <a:p>
+            <a:r>
+              <a:rPr kumimoji="1" lang="en-US" altLang="zh-CN" dirty="0"/>
+              <a:t>m</a:t>
+            </a:r>
+            <a:r>
+              <a:rPr kumimoji="1" lang="en-US" altLang="zh-CN" dirty="0" smtClean="0"/>
+              <a:t>ark </a:t>
+            </a:r>
+            <a:r>
+              <a:rPr kumimoji="1" lang="en-US" altLang="zh-CN" dirty="0" smtClean="0"/>
+              <a:t>C</a:t>
+            </a:r>
+            <a:endParaRPr kumimoji="1" lang="zh-CN" altLang="en-US" dirty="0"/>
+          </a:p>
+        </p:txBody>
+      </p:sp>
+      <p:sp>
+        <p:nvSpPr>
+          <p:cNvPr id="28" name="文本框 27"/>
+          <p:cNvSpPr txBox="1"/>
+          <p:nvPr/>
+        </p:nvSpPr>
+        <p:spPr>
+          <a:xfrm>
+            <a:off x="645460" y="2472610"/>
+            <a:ext cx="1321012" cy="646331"/>
+          </a:xfrm>
+          <a:prstGeom prst="rect">
+            <a:avLst/>
+          </a:prstGeom>
+          <a:noFill/>
+        </p:spPr>
+        <p:txBody>
+          <a:bodyPr wrap="square" rtlCol="0">
+            <a:spAutoFit/>
+          </a:bodyPr>
+          <a:lstStyle/>
+          <a:p>
+            <a:r>
+              <a:rPr kumimoji="1" lang="en-US" altLang="zh-CN" smtClean="0"/>
+              <a:t>Channel</a:t>
+            </a:r>
+          </a:p>
+          <a:p>
+            <a:pPr algn="ctr"/>
+            <a:r>
+              <a:rPr kumimoji="1" lang="en-US" altLang="zh-CN" dirty="0" smtClean="0"/>
+              <a:t> X</a:t>
+            </a:r>
+            <a:endParaRPr kumimoji="1" lang="zh-CN" altLang="en-US" dirty="0"/>
+          </a:p>
+        </p:txBody>
+      </p:sp>
+      <p:sp>
+        <p:nvSpPr>
+          <p:cNvPr id="29" name="文本框 28"/>
+          <p:cNvSpPr txBox="1"/>
+          <p:nvPr/>
+        </p:nvSpPr>
+        <p:spPr>
+          <a:xfrm>
+            <a:off x="1909482" y="2481576"/>
+            <a:ext cx="1321012" cy="646331"/>
+          </a:xfrm>
+          <a:prstGeom prst="rect">
+            <a:avLst/>
+          </a:prstGeom>
+          <a:noFill/>
+        </p:spPr>
+        <p:txBody>
+          <a:bodyPr wrap="square" rtlCol="0">
+            <a:spAutoFit/>
+          </a:bodyPr>
+          <a:lstStyle/>
+          <a:p>
+            <a:r>
+              <a:rPr kumimoji="1" lang="en-US" altLang="zh-CN" dirty="0" smtClean="0"/>
+              <a:t>Channel</a:t>
+            </a:r>
+          </a:p>
+          <a:p>
+            <a:pPr algn="ctr"/>
+            <a:r>
+              <a:rPr kumimoji="1" lang="en-US" altLang="zh-CN" dirty="0" smtClean="0"/>
+              <a:t>X+ Y</a:t>
+            </a:r>
+            <a:endParaRPr kumimoji="1" lang="zh-CN" altLang="en-US" dirty="0"/>
+          </a:p>
+        </p:txBody>
+      </p:sp>
+      <p:sp>
+        <p:nvSpPr>
+          <p:cNvPr id="31" name="文本框 30"/>
+          <p:cNvSpPr txBox="1"/>
+          <p:nvPr/>
+        </p:nvSpPr>
+        <p:spPr>
+          <a:xfrm>
+            <a:off x="4499358" y="4166809"/>
+            <a:ext cx="2406428" cy="369332"/>
+          </a:xfrm>
+          <a:prstGeom prst="rect">
+            <a:avLst/>
+          </a:prstGeom>
+          <a:noFill/>
+        </p:spPr>
+        <p:txBody>
+          <a:bodyPr wrap="none" rtlCol="0">
+            <a:spAutoFit/>
+          </a:bodyPr>
+          <a:lstStyle/>
+          <a:p>
+            <a:r>
+              <a:rPr kumimoji="1" lang="en-US" altLang="zh-CN" smtClean="0"/>
+              <a:t>Narrative sequence</a:t>
+            </a:r>
+            <a:endParaRPr kumimoji="1" lang="zh-CN" altLang="en-US" dirty="0"/>
+          </a:p>
+        </p:txBody>
+      </p:sp>
+      <p:sp>
+        <p:nvSpPr>
+          <p:cNvPr id="39" name="文本框 38"/>
+          <p:cNvSpPr txBox="1"/>
+          <p:nvPr/>
+        </p:nvSpPr>
+        <p:spPr>
+          <a:xfrm>
+            <a:off x="5936951" y="5523169"/>
+            <a:ext cx="2385589" cy="369332"/>
+          </a:xfrm>
+          <a:prstGeom prst="rect">
+            <a:avLst/>
+          </a:prstGeom>
+          <a:noFill/>
+        </p:spPr>
+        <p:txBody>
+          <a:bodyPr wrap="none" rtlCol="0">
+            <a:spAutoFit/>
+          </a:bodyPr>
+          <a:lstStyle/>
+          <a:p>
+            <a:r>
+              <a:rPr kumimoji="1" lang="en-US" altLang="zh-CN" dirty="0" smtClean="0"/>
+              <a:t>Attention guidance</a:t>
+            </a:r>
+            <a:endParaRPr kumimoji="1" lang="zh-CN" altLang="en-US" dirty="0"/>
+          </a:p>
+        </p:txBody>
+      </p:sp>
+      <p:sp>
+        <p:nvSpPr>
+          <p:cNvPr id="40" name="手杖形箭头 39"/>
+          <p:cNvSpPr/>
+          <p:nvPr/>
+        </p:nvSpPr>
+        <p:spPr>
+          <a:xfrm>
+            <a:off x="1004047" y="2149065"/>
+            <a:ext cx="1594436" cy="356263"/>
+          </a:xfrm>
+          <a:prstGeom prst="uturnArrow">
+            <a:avLst/>
+          </a:prstGeom>
+        </p:spPr>
+        <p:style>
+          <a:lnRef idx="2">
+            <a:schemeClr val="accent1">
+              <a:shade val="50000"/>
+            </a:schemeClr>
+          </a:lnRef>
+          <a:fillRef idx="1">
+            <a:schemeClr val="accent1"/>
+          </a:fillRef>
+          <a:effectRef idx="0">
+            <a:schemeClr val="accent1"/>
+          </a:effectRef>
+          <a:fontRef idx="minor">
+            <a:schemeClr val="lt1"/>
+          </a:fontRef>
+        </p:style>
+        <p:txBody>
+          <a:bodyPr rtlCol="0" anchor="ctr"/>
+          <a:lstStyle/>
+          <a:p>
+            <a:pPr algn="ctr"/>
+            <a:endParaRPr kumimoji="1" lang="zh-CN" altLang="en-US">
+              <a:solidFill>
+                <a:schemeClr val="tx1"/>
+              </a:solidFill>
+            </a:endParaRPr>
+          </a:p>
+        </p:txBody>
+      </p:sp>
+      <p:sp>
+        <p:nvSpPr>
+          <p:cNvPr id="41" name="文本框 40"/>
+          <p:cNvSpPr txBox="1"/>
+          <p:nvPr/>
+        </p:nvSpPr>
+        <p:spPr>
+          <a:xfrm>
+            <a:off x="725504" y="1810349"/>
+            <a:ext cx="2367956" cy="369332"/>
+          </a:xfrm>
+          <a:prstGeom prst="rect">
+            <a:avLst/>
+          </a:prstGeom>
+          <a:noFill/>
+        </p:spPr>
+        <p:txBody>
+          <a:bodyPr wrap="none" rtlCol="0">
+            <a:spAutoFit/>
+          </a:bodyPr>
+          <a:lstStyle/>
+          <a:p>
+            <a:r>
+              <a:rPr kumimoji="1" lang="en-US" altLang="zh-CN" smtClean="0"/>
+              <a:t>Animated transition</a:t>
+            </a:r>
+            <a:endParaRPr kumimoji="1" lang="zh-CN" altLang="en-US" dirty="0"/>
+          </a:p>
+        </p:txBody>
+      </p:sp>
+      <p:sp>
+        <p:nvSpPr>
+          <p:cNvPr id="30" name="左大括号 29"/>
+          <p:cNvSpPr/>
+          <p:nvPr/>
+        </p:nvSpPr>
+        <p:spPr>
+          <a:xfrm rot="16200000">
+            <a:off x="3124571" y="2904437"/>
+            <a:ext cx="977157" cy="5473701"/>
+          </a:xfrm>
+          <a:prstGeom prst="leftBrace">
+            <a:avLst/>
+          </a:prstGeom>
+          <a:ln w="38100"/>
+        </p:spPr>
+        <p:style>
+          <a:lnRef idx="1">
+            <a:schemeClr val="accent1"/>
+          </a:lnRef>
+          <a:fillRef idx="0">
+            <a:schemeClr val="accent1"/>
+          </a:fillRef>
+          <a:effectRef idx="0">
+            <a:schemeClr val="accent1"/>
+          </a:effectRef>
+          <a:fontRef idx="minor">
+            <a:schemeClr val="tx1"/>
+          </a:fontRef>
+        </p:style>
+        <p:txBody>
+          <a:bodyPr rtlCol="0" anchor="ctr"/>
+          <a:lstStyle/>
+          <a:p>
+            <a:pPr algn="ctr"/>
+            <a:endParaRPr kumimoji="1" lang="zh-CN" altLang="en-US" dirty="0"/>
+          </a:p>
+        </p:txBody>
+      </p:sp>
+      <p:sp>
+        <p:nvSpPr>
+          <p:cNvPr id="32" name="文本框 31"/>
+          <p:cNvSpPr txBox="1"/>
+          <p:nvPr/>
+        </p:nvSpPr>
+        <p:spPr>
+          <a:xfrm>
+            <a:off x="2077351" y="5806700"/>
+            <a:ext cx="2165224" cy="646331"/>
+          </a:xfrm>
+          <a:prstGeom prst="rect">
+            <a:avLst/>
+          </a:prstGeom>
+          <a:noFill/>
+        </p:spPr>
+        <p:txBody>
+          <a:bodyPr wrap="square" rtlCol="0">
+            <a:spAutoFit/>
+          </a:bodyPr>
+          <a:lstStyle/>
+          <a:p>
+            <a:r>
+              <a:rPr kumimoji="1" lang="en-US" altLang="zh-CN" dirty="0" smtClean="0"/>
+              <a:t>A visual unit </a:t>
+            </a:r>
+          </a:p>
+          <a:p>
+            <a:r>
+              <a:rPr kumimoji="1" lang="en-US" altLang="zh-CN" dirty="0" smtClean="0"/>
+              <a:t>(e.g. word cloud)</a:t>
+            </a:r>
+            <a:endParaRPr kumimoji="1" lang="zh-CN" altLang="en-US" dirty="0"/>
+          </a:p>
+        </p:txBody>
+      </p:sp>
+    </p:spTree>
+    <p:extLst>
+      <p:ext uri="{BB962C8B-B14F-4D97-AF65-F5344CB8AC3E}">
+        <p14:creationId xmlns:p14="http://schemas.microsoft.com/office/powerpoint/2010/main" val="347880041"/>
+      </p:ext>
+    </p:extLst>
+  </p:cSld>
+  <p:clrMapOvr>
+    <a:masterClrMapping/>
+  </p:clrMapOvr>
+  <p:timing>
+    <p:tnLst>
+      <p:par>
+        <p:cTn id="1" dur="indefinite" restart="never" nodeType="tmRoot"/>
+      </p:par>
+    </p:tnLst>
+  </p:timing>
+</p:sld>
+</file>
+
+<file path=ppt/slides/slide19.xml><?xml version="1.0" encoding="utf-8"?>
+<p:sld xmlns:a="http://schemas.openxmlformats.org/drawingml/2006/main" xmlns:r="http://schemas.openxmlformats.org/officeDocument/2006/relationships" xmlns:p="http://schemas.openxmlformats.org/presentationml/2006/main">
+  <p:cSld>
+    <p:spTree>
+      <p:nvGrpSpPr>
+        <p:cNvPr id="1" name=""/>
+        <p:cNvGrpSpPr/>
+        <p:nvPr/>
+      </p:nvGrpSpPr>
+      <p:grpSpPr>
+        <a:xfrm>
+          <a:off x="0" y="0"/>
+          <a:ext cx="0" cy="0"/>
+          <a:chOff x="0" y="0"/>
+          <a:chExt cx="0" cy="0"/>
+        </a:xfrm>
+      </p:grpSpPr>
+      <p:sp>
+        <p:nvSpPr>
           <p:cNvPr id="2" name="标题 1"/>
           <p:cNvSpPr>
             <a:spLocks noGrp="1"/>
@@ -12926,7 +13679,7 @@
           <a:p>
             <a:fld id="{1545DBC7-0E7E-5249-BF19-8815E0EED612}" type="slidenum">
               <a:rPr kumimoji="1" lang="zh-CN" altLang="en-US" smtClean="0"/>
-              <a:t>18</a:t>
+              <a:t>19</a:t>
             </a:fld>
             <a:endParaRPr kumimoji="1" lang="zh-CN" altLang="en-US"/>
           </a:p>
@@ -13227,7 +13980,7 @@
 </p:sld>
 </file>
 
-<file path=ppt/slides/slide19.xml><?xml version="1.0" encoding="utf-8"?>
+<file path=ppt/slides/slide2.xml><?xml version="1.0" encoding="utf-8"?>
 <p:sld xmlns:a="http://schemas.openxmlformats.org/drawingml/2006/main" xmlns:r="http://schemas.openxmlformats.org/officeDocument/2006/relationships" xmlns:p="http://schemas.openxmlformats.org/presentationml/2006/main">
   <p:cSld>
     <p:spTree>
@@ -13256,6 +14009,297 @@
         </p:nvSpPr>
         <p:spPr/>
         <p:txBody>
+          <a:bodyPr>
+            <a:normAutofit/>
+          </a:bodyPr>
+          <a:lstStyle/>
+          <a:p>
+            <a:r>
+              <a:rPr kumimoji="1" lang="en-US" altLang="zh-CN" b="1" dirty="0">
+                <a:solidFill>
+                  <a:schemeClr val="tx1">
+                    <a:lumMod val="65000"/>
+                    <a:lumOff val="35000"/>
+                  </a:schemeClr>
+                </a:solidFill>
+              </a:rPr>
+              <a:t>Motivation</a:t>
+            </a:r>
+            <a:endParaRPr kumimoji="1" lang="zh-CN" altLang="en-US" b="1" dirty="0">
+              <a:solidFill>
+                <a:schemeClr val="tx1">
+                  <a:lumMod val="65000"/>
+                  <a:lumOff val="35000"/>
+                </a:schemeClr>
+              </a:solidFill>
+            </a:endParaRPr>
+          </a:p>
+        </p:txBody>
+      </p:sp>
+      <p:sp>
+        <p:nvSpPr>
+          <p:cNvPr id="3" name="内容占位符 2"/>
+          <p:cNvSpPr>
+            <a:spLocks noGrp="1"/>
+          </p:cNvSpPr>
+          <p:nvPr>
+            <p:ph idx="1"/>
+          </p:nvPr>
+        </p:nvSpPr>
+        <p:spPr>
+          <a:xfrm>
+            <a:off x="907475" y="1340711"/>
+            <a:ext cx="10515600" cy="4351338"/>
+          </a:xfrm>
+        </p:spPr>
+        <p:txBody>
+          <a:bodyPr>
+            <a:normAutofit/>
+          </a:bodyPr>
+          <a:lstStyle/>
+          <a:p>
+            <a:pPr marL="0" indent="0">
+              <a:buNone/>
+            </a:pPr>
+            <a:r>
+              <a:rPr kumimoji="1" lang="en-US" altLang="zh-CN" sz="3200" dirty="0" smtClean="0"/>
+              <a:t>Advanced visualization technology</a:t>
+            </a:r>
+            <a:endParaRPr kumimoji="1" lang="zh-CN" altLang="en-US" sz="3200" dirty="0"/>
+          </a:p>
+        </p:txBody>
+      </p:sp>
+      <p:sp>
+        <p:nvSpPr>
+          <p:cNvPr id="4" name="幻灯片编号占位符 3"/>
+          <p:cNvSpPr>
+            <a:spLocks noGrp="1"/>
+          </p:cNvSpPr>
+          <p:nvPr>
+            <p:ph type="sldNum" sz="quarter" idx="12"/>
+          </p:nvPr>
+        </p:nvSpPr>
+        <p:spPr>
+          <a:xfrm>
+            <a:off x="8679875" y="5871436"/>
+            <a:ext cx="2743200" cy="365125"/>
+          </a:xfrm>
+        </p:spPr>
+        <p:txBody>
+          <a:bodyPr/>
+          <a:lstStyle/>
+          <a:p>
+            <a:fld id="{1545DBC7-0E7E-5249-BF19-8815E0EED612}" type="slidenum">
+              <a:rPr kumimoji="1" lang="zh-CN" altLang="en-US" smtClean="0"/>
+              <a:t>2</a:t>
+            </a:fld>
+            <a:endParaRPr kumimoji="1" lang="zh-CN" altLang="en-US"/>
+          </a:p>
+        </p:txBody>
+      </p:sp>
+      <p:sp>
+        <p:nvSpPr>
+          <p:cNvPr id="5" name="矩形 4"/>
+          <p:cNvSpPr/>
+          <p:nvPr/>
+        </p:nvSpPr>
+        <p:spPr>
+          <a:xfrm>
+            <a:off x="907475" y="1839473"/>
+            <a:ext cx="6211782" cy="1384995"/>
+          </a:xfrm>
+          <a:prstGeom prst="rect">
+            <a:avLst/>
+          </a:prstGeom>
+        </p:spPr>
+        <p:txBody>
+          <a:bodyPr wrap="square">
+            <a:spAutoFit/>
+          </a:bodyPr>
+          <a:lstStyle/>
+          <a:p>
+            <a:pPr marL="457200" indent="-457200">
+              <a:buFont typeface="Arial" charset="0"/>
+              <a:buChar char="•"/>
+            </a:pPr>
+            <a:r>
+              <a:rPr kumimoji="1" lang="en-US" altLang="zh-CN" sz="2800" dirty="0" smtClean="0">
+                <a:solidFill>
+                  <a:schemeClr val="tx1">
+                    <a:lumMod val="65000"/>
+                    <a:lumOff val="35000"/>
+                  </a:schemeClr>
+                </a:solidFill>
+              </a:rPr>
+              <a:t>Data with high dimension</a:t>
+            </a:r>
+          </a:p>
+          <a:p>
+            <a:pPr marL="457200" indent="-457200">
+              <a:buFont typeface="Arial" charset="0"/>
+              <a:buChar char="•"/>
+            </a:pPr>
+            <a:r>
+              <a:rPr kumimoji="1" lang="en-US" altLang="zh-CN" sz="2800" dirty="0" smtClean="0">
+                <a:solidFill>
+                  <a:schemeClr val="tx1">
+                    <a:lumMod val="65000"/>
+                    <a:lumOff val="35000"/>
+                  </a:schemeClr>
+                </a:solidFill>
+              </a:rPr>
+              <a:t>Large datasets</a:t>
+            </a:r>
+          </a:p>
+          <a:p>
+            <a:pPr marL="457200" indent="-457200">
+              <a:buFont typeface="Arial" charset="0"/>
+              <a:buChar char="•"/>
+            </a:pPr>
+            <a:r>
+              <a:rPr kumimoji="1" lang="en-US" altLang="zh-CN" sz="2800" dirty="0" smtClean="0">
+                <a:solidFill>
+                  <a:schemeClr val="tx1">
+                    <a:lumMod val="65000"/>
+                    <a:lumOff val="35000"/>
+                  </a:schemeClr>
+                </a:solidFill>
+              </a:rPr>
+              <a:t>Identify trends, similarities</a:t>
+            </a:r>
+            <a:endParaRPr kumimoji="1" lang="en-US" altLang="zh-CN" sz="2800" dirty="0">
+              <a:solidFill>
+                <a:schemeClr val="tx1">
+                  <a:lumMod val="65000"/>
+                  <a:lumOff val="35000"/>
+                </a:schemeClr>
+              </a:solidFill>
+            </a:endParaRPr>
+          </a:p>
+        </p:txBody>
+      </p:sp>
+      <p:pic>
+        <p:nvPicPr>
+          <p:cNvPr id="9" name="图片 8"/>
+          <p:cNvPicPr>
+            <a:picLocks noChangeAspect="1"/>
+          </p:cNvPicPr>
+          <p:nvPr/>
+        </p:nvPicPr>
+        <p:blipFill>
+          <a:blip r:embed="rId2"/>
+          <a:stretch>
+            <a:fillRect/>
+          </a:stretch>
+        </p:blipFill>
+        <p:spPr>
+          <a:xfrm>
+            <a:off x="1059009" y="3224468"/>
+            <a:ext cx="9464386" cy="3069531"/>
+          </a:xfrm>
+          <a:prstGeom prst="rect">
+            <a:avLst/>
+          </a:prstGeom>
+        </p:spPr>
+      </p:pic>
+      <p:sp>
+        <p:nvSpPr>
+          <p:cNvPr id="8" name="矩形 7"/>
+          <p:cNvSpPr/>
+          <p:nvPr/>
+        </p:nvSpPr>
+        <p:spPr>
+          <a:xfrm>
+            <a:off x="838200" y="1260764"/>
+            <a:ext cx="7550727" cy="83127"/>
+          </a:xfrm>
+          <a:prstGeom prst="rect">
+            <a:avLst/>
+          </a:prstGeom>
+          <a:solidFill>
+            <a:schemeClr val="accent1">
+              <a:lumMod val="60000"/>
+              <a:lumOff val="40000"/>
+            </a:schemeClr>
+          </a:solidFill>
+          <a:ln>
+            <a:noFill/>
+          </a:ln>
+        </p:spPr>
+        <p:style>
+          <a:lnRef idx="2">
+            <a:schemeClr val="accent1">
+              <a:shade val="50000"/>
+            </a:schemeClr>
+          </a:lnRef>
+          <a:fillRef idx="1">
+            <a:schemeClr val="accent1"/>
+          </a:fillRef>
+          <a:effectRef idx="0">
+            <a:schemeClr val="accent1"/>
+          </a:effectRef>
+          <a:fontRef idx="minor">
+            <a:schemeClr val="lt1"/>
+          </a:fontRef>
+        </p:style>
+        <p:txBody>
+          <a:bodyPr rtlCol="0" anchor="ctr"/>
+          <a:lstStyle/>
+          <a:p>
+            <a:pPr algn="ctr"/>
+            <a:endParaRPr kumimoji="1" lang="zh-CN" altLang="en-US"/>
+          </a:p>
+        </p:txBody>
+      </p:sp>
+    </p:spTree>
+    <p:extLst>
+      <p:ext uri="{BB962C8B-B14F-4D97-AF65-F5344CB8AC3E}">
+        <p14:creationId xmlns:p14="http://schemas.microsoft.com/office/powerpoint/2010/main" val="1364828230"/>
+      </p:ext>
+    </p:extLst>
+  </p:cSld>
+  <p:clrMapOvr>
+    <a:masterClrMapping/>
+  </p:clrMapOvr>
+  <p:timing>
+    <p:tnLst>
+      <p:par>
+        <p:cTn id="1" dur="indefinite" restart="never" nodeType="tmRoot"/>
+      </p:par>
+    </p:tnLst>
+  </p:timing>
+</p:sld>
+</file>
+
+<file path=ppt/slides/slide20.xml><?xml version="1.0" encoding="utf-8"?>
+<p:sld xmlns:a="http://schemas.openxmlformats.org/drawingml/2006/main" xmlns:r="http://schemas.openxmlformats.org/officeDocument/2006/relationships" xmlns:p="http://schemas.openxmlformats.org/presentationml/2006/main">
+  <p:cSld>
+    <p:spTree>
+      <p:nvGrpSpPr>
+        <p:cNvPr id="1" name=""/>
+        <p:cNvGrpSpPr/>
+        <p:nvPr/>
+      </p:nvGrpSpPr>
+      <p:grpSpPr>
+        <a:xfrm>
+          <a:off x="0" y="0"/>
+          <a:ext cx="0" cy="0"/>
+          <a:chOff x="0" y="0"/>
+          <a:chExt cx="0" cy="0"/>
+        </a:xfrm>
+      </p:grpSpPr>
+      <p:sp>
+        <p:nvSpPr>
+          <p:cNvPr id="2" name="标题 1"/>
+          <p:cNvSpPr>
+            <a:spLocks noGrp="1"/>
+          </p:cNvSpPr>
+          <p:nvPr>
+            <p:ph type="title"/>
+          </p:nvPr>
+        </p:nvSpPr>
+        <p:spPr/>
+        <p:txBody>
           <a:bodyPr/>
           <a:lstStyle/>
           <a:p>
@@ -13313,7 +14357,7 @@
           <a:p>
             <a:fld id="{1545DBC7-0E7E-5249-BF19-8815E0EED612}" type="slidenum">
               <a:rPr kumimoji="1" lang="zh-CN" altLang="en-US" smtClean="0"/>
-              <a:t>19</a:t>
+              <a:t>20</a:t>
             </a:fld>
             <a:endParaRPr kumimoji="1" lang="zh-CN" altLang="en-US"/>
           </a:p>
@@ -13699,7 +14743,7 @@
 </p:sld>
 </file>
 
-<file path=ppt/slides/slide2.xml><?xml version="1.0" encoding="utf-8"?>
+<file path=ppt/slides/slide21.xml><?xml version="1.0" encoding="utf-8"?>
 <p:sld xmlns:a="http://schemas.openxmlformats.org/drawingml/2006/main" xmlns:r="http://schemas.openxmlformats.org/officeDocument/2006/relationships" xmlns:p="http://schemas.openxmlformats.org/presentationml/2006/main">
   <p:cSld>
     <p:spTree>
@@ -13728,297 +14772,6 @@
         </p:nvSpPr>
         <p:spPr/>
         <p:txBody>
-          <a:bodyPr>
-            <a:normAutofit/>
-          </a:bodyPr>
-          <a:lstStyle/>
-          <a:p>
-            <a:r>
-              <a:rPr kumimoji="1" lang="en-US" altLang="zh-CN" b="1" dirty="0">
-                <a:solidFill>
-                  <a:schemeClr val="tx1">
-                    <a:lumMod val="65000"/>
-                    <a:lumOff val="35000"/>
-                  </a:schemeClr>
-                </a:solidFill>
-              </a:rPr>
-              <a:t>Motivation</a:t>
-            </a:r>
-            <a:endParaRPr kumimoji="1" lang="zh-CN" altLang="en-US" b="1" dirty="0">
-              <a:solidFill>
-                <a:schemeClr val="tx1">
-                  <a:lumMod val="65000"/>
-                  <a:lumOff val="35000"/>
-                </a:schemeClr>
-              </a:solidFill>
-            </a:endParaRPr>
-          </a:p>
-        </p:txBody>
-      </p:sp>
-      <p:sp>
-        <p:nvSpPr>
-          <p:cNvPr id="3" name="内容占位符 2"/>
-          <p:cNvSpPr>
-            <a:spLocks noGrp="1"/>
-          </p:cNvSpPr>
-          <p:nvPr>
-            <p:ph idx="1"/>
-          </p:nvPr>
-        </p:nvSpPr>
-        <p:spPr>
-          <a:xfrm>
-            <a:off x="907475" y="1340711"/>
-            <a:ext cx="10515600" cy="4351338"/>
-          </a:xfrm>
-        </p:spPr>
-        <p:txBody>
-          <a:bodyPr>
-            <a:normAutofit/>
-          </a:bodyPr>
-          <a:lstStyle/>
-          <a:p>
-            <a:pPr marL="0" indent="0">
-              <a:buNone/>
-            </a:pPr>
-            <a:r>
-              <a:rPr kumimoji="1" lang="en-US" altLang="zh-CN" sz="3200" dirty="0" smtClean="0"/>
-              <a:t>Advanced visualization technology</a:t>
-            </a:r>
-            <a:endParaRPr kumimoji="1" lang="zh-CN" altLang="en-US" sz="3200" dirty="0"/>
-          </a:p>
-        </p:txBody>
-      </p:sp>
-      <p:sp>
-        <p:nvSpPr>
-          <p:cNvPr id="4" name="幻灯片编号占位符 3"/>
-          <p:cNvSpPr>
-            <a:spLocks noGrp="1"/>
-          </p:cNvSpPr>
-          <p:nvPr>
-            <p:ph type="sldNum" sz="quarter" idx="12"/>
-          </p:nvPr>
-        </p:nvSpPr>
-        <p:spPr>
-          <a:xfrm>
-            <a:off x="8679875" y="5871436"/>
-            <a:ext cx="2743200" cy="365125"/>
-          </a:xfrm>
-        </p:spPr>
-        <p:txBody>
-          <a:bodyPr/>
-          <a:lstStyle/>
-          <a:p>
-            <a:fld id="{1545DBC7-0E7E-5249-BF19-8815E0EED612}" type="slidenum">
-              <a:rPr kumimoji="1" lang="zh-CN" altLang="en-US" smtClean="0"/>
-              <a:t>2</a:t>
-            </a:fld>
-            <a:endParaRPr kumimoji="1" lang="zh-CN" altLang="en-US"/>
-          </a:p>
-        </p:txBody>
-      </p:sp>
-      <p:sp>
-        <p:nvSpPr>
-          <p:cNvPr id="5" name="矩形 4"/>
-          <p:cNvSpPr/>
-          <p:nvPr/>
-        </p:nvSpPr>
-        <p:spPr>
-          <a:xfrm>
-            <a:off x="907475" y="1839473"/>
-            <a:ext cx="6211782" cy="1384995"/>
-          </a:xfrm>
-          <a:prstGeom prst="rect">
-            <a:avLst/>
-          </a:prstGeom>
-        </p:spPr>
-        <p:txBody>
-          <a:bodyPr wrap="square">
-            <a:spAutoFit/>
-          </a:bodyPr>
-          <a:lstStyle/>
-          <a:p>
-            <a:pPr marL="457200" indent="-457200">
-              <a:buFont typeface="Arial" charset="0"/>
-              <a:buChar char="•"/>
-            </a:pPr>
-            <a:r>
-              <a:rPr kumimoji="1" lang="en-US" altLang="zh-CN" sz="2800" dirty="0" smtClean="0">
-                <a:solidFill>
-                  <a:schemeClr val="tx1">
-                    <a:lumMod val="65000"/>
-                    <a:lumOff val="35000"/>
-                  </a:schemeClr>
-                </a:solidFill>
-              </a:rPr>
-              <a:t>Data with high dimension</a:t>
-            </a:r>
-          </a:p>
-          <a:p>
-            <a:pPr marL="457200" indent="-457200">
-              <a:buFont typeface="Arial" charset="0"/>
-              <a:buChar char="•"/>
-            </a:pPr>
-            <a:r>
-              <a:rPr kumimoji="1" lang="en-US" altLang="zh-CN" sz="2800" dirty="0" smtClean="0">
-                <a:solidFill>
-                  <a:schemeClr val="tx1">
-                    <a:lumMod val="65000"/>
-                    <a:lumOff val="35000"/>
-                  </a:schemeClr>
-                </a:solidFill>
-              </a:rPr>
-              <a:t>Large datasets</a:t>
-            </a:r>
-          </a:p>
-          <a:p>
-            <a:pPr marL="457200" indent="-457200">
-              <a:buFont typeface="Arial" charset="0"/>
-              <a:buChar char="•"/>
-            </a:pPr>
-            <a:r>
-              <a:rPr kumimoji="1" lang="en-US" altLang="zh-CN" sz="2800" dirty="0" smtClean="0">
-                <a:solidFill>
-                  <a:schemeClr val="tx1">
-                    <a:lumMod val="65000"/>
-                    <a:lumOff val="35000"/>
-                  </a:schemeClr>
-                </a:solidFill>
-              </a:rPr>
-              <a:t>Identify trends, similarities</a:t>
-            </a:r>
-            <a:endParaRPr kumimoji="1" lang="en-US" altLang="zh-CN" sz="2800" dirty="0">
-              <a:solidFill>
-                <a:schemeClr val="tx1">
-                  <a:lumMod val="65000"/>
-                  <a:lumOff val="35000"/>
-                </a:schemeClr>
-              </a:solidFill>
-            </a:endParaRPr>
-          </a:p>
-        </p:txBody>
-      </p:sp>
-      <p:pic>
-        <p:nvPicPr>
-          <p:cNvPr id="9" name="图片 8"/>
-          <p:cNvPicPr>
-            <a:picLocks noChangeAspect="1"/>
-          </p:cNvPicPr>
-          <p:nvPr/>
-        </p:nvPicPr>
-        <p:blipFill>
-          <a:blip r:embed="rId2"/>
-          <a:stretch>
-            <a:fillRect/>
-          </a:stretch>
-        </p:blipFill>
-        <p:spPr>
-          <a:xfrm>
-            <a:off x="1059009" y="3224468"/>
-            <a:ext cx="9464386" cy="3069531"/>
-          </a:xfrm>
-          <a:prstGeom prst="rect">
-            <a:avLst/>
-          </a:prstGeom>
-        </p:spPr>
-      </p:pic>
-      <p:sp>
-        <p:nvSpPr>
-          <p:cNvPr id="8" name="矩形 7"/>
-          <p:cNvSpPr/>
-          <p:nvPr/>
-        </p:nvSpPr>
-        <p:spPr>
-          <a:xfrm>
-            <a:off x="838200" y="1260764"/>
-            <a:ext cx="7550727" cy="83127"/>
-          </a:xfrm>
-          <a:prstGeom prst="rect">
-            <a:avLst/>
-          </a:prstGeom>
-          <a:solidFill>
-            <a:schemeClr val="accent1">
-              <a:lumMod val="60000"/>
-              <a:lumOff val="40000"/>
-            </a:schemeClr>
-          </a:solidFill>
-          <a:ln>
-            <a:noFill/>
-          </a:ln>
-        </p:spPr>
-        <p:style>
-          <a:lnRef idx="2">
-            <a:schemeClr val="accent1">
-              <a:shade val="50000"/>
-            </a:schemeClr>
-          </a:lnRef>
-          <a:fillRef idx="1">
-            <a:schemeClr val="accent1"/>
-          </a:fillRef>
-          <a:effectRef idx="0">
-            <a:schemeClr val="accent1"/>
-          </a:effectRef>
-          <a:fontRef idx="minor">
-            <a:schemeClr val="lt1"/>
-          </a:fontRef>
-        </p:style>
-        <p:txBody>
-          <a:bodyPr rtlCol="0" anchor="ctr"/>
-          <a:lstStyle/>
-          <a:p>
-            <a:pPr algn="ctr"/>
-            <a:endParaRPr kumimoji="1" lang="zh-CN" altLang="en-US"/>
-          </a:p>
-        </p:txBody>
-      </p:sp>
-    </p:spTree>
-    <p:extLst>
-      <p:ext uri="{BB962C8B-B14F-4D97-AF65-F5344CB8AC3E}">
-        <p14:creationId xmlns:p14="http://schemas.microsoft.com/office/powerpoint/2010/main" val="1364828230"/>
-      </p:ext>
-    </p:extLst>
-  </p:cSld>
-  <p:clrMapOvr>
-    <a:masterClrMapping/>
-  </p:clrMapOvr>
-  <p:timing>
-    <p:tnLst>
-      <p:par>
-        <p:cTn id="1" dur="indefinite" restart="never" nodeType="tmRoot"/>
-      </p:par>
-    </p:tnLst>
-  </p:timing>
-</p:sld>
-</file>
-
-<file path=ppt/slides/slide20.xml><?xml version="1.0" encoding="utf-8"?>
-<p:sld xmlns:a="http://schemas.openxmlformats.org/drawingml/2006/main" xmlns:r="http://schemas.openxmlformats.org/officeDocument/2006/relationships" xmlns:p="http://schemas.openxmlformats.org/presentationml/2006/main">
-  <p:cSld>
-    <p:spTree>
-      <p:nvGrpSpPr>
-        <p:cNvPr id="1" name=""/>
-        <p:cNvGrpSpPr/>
-        <p:nvPr/>
-      </p:nvGrpSpPr>
-      <p:grpSpPr>
-        <a:xfrm>
-          <a:off x="0" y="0"/>
-          <a:ext cx="0" cy="0"/>
-          <a:chOff x="0" y="0"/>
-          <a:chExt cx="0" cy="0"/>
-        </a:xfrm>
-      </p:grpSpPr>
-      <p:sp>
-        <p:nvSpPr>
-          <p:cNvPr id="2" name="标题 1"/>
-          <p:cNvSpPr>
-            <a:spLocks noGrp="1"/>
-          </p:cNvSpPr>
-          <p:nvPr>
-            <p:ph type="title"/>
-          </p:nvPr>
-        </p:nvSpPr>
-        <p:spPr/>
-        <p:txBody>
           <a:bodyPr/>
           <a:lstStyle/>
           <a:p>
@@ -14076,7 +14829,7 @@
           <a:p>
             <a:fld id="{1545DBC7-0E7E-5249-BF19-8815E0EED612}" type="slidenum">
               <a:rPr kumimoji="1" lang="zh-CN" altLang="en-US" smtClean="0"/>
-              <a:t>20</a:t>
+              <a:t>21</a:t>
             </a:fld>
             <a:endParaRPr kumimoji="1" lang="zh-CN" altLang="en-US"/>
           </a:p>
@@ -14674,742 +15427,6 @@
     <p:extLst>
       <p:ext uri="{BB962C8B-B14F-4D97-AF65-F5344CB8AC3E}">
         <p14:creationId xmlns:p14="http://schemas.microsoft.com/office/powerpoint/2010/main" val="580362198"/>
-      </p:ext>
-    </p:extLst>
-  </p:cSld>
-  <p:clrMapOvr>
-    <a:masterClrMapping/>
-  </p:clrMapOvr>
-  <mc:AlternateContent xmlns:mc="http://schemas.openxmlformats.org/markup-compatibility/2006">
-    <mc:Choice xmlns:p159="http://schemas.microsoft.com/office/powerpoint/2015/09/main" Requires="p159">
-      <p:transition xmlns:p14="http://schemas.microsoft.com/office/powerpoint/2010/main" spd="slow" p14:dur="2000" advClick="0">
-        <p159:morph option="byObject"/>
-      </p:transition>
-    </mc:Choice>
-    <mc:Fallback>
-      <p:transition spd="slow" advClick="0">
-        <p:fade/>
-      </p:transition>
-    </mc:Fallback>
-  </mc:AlternateContent>
-  <p:timing>
-    <p:tnLst>
-      <p:par>
-        <p:cTn id="1" dur="indefinite" restart="never" nodeType="tmRoot"/>
-      </p:par>
-    </p:tnLst>
-  </p:timing>
-</p:sld>
-</file>
-
-<file path=ppt/slides/slide21.xml><?xml version="1.0" encoding="utf-8"?>
-<p:sld xmlns:a="http://schemas.openxmlformats.org/drawingml/2006/main" xmlns:r="http://schemas.openxmlformats.org/officeDocument/2006/relationships" xmlns:p="http://schemas.openxmlformats.org/presentationml/2006/main">
-  <p:cSld>
-    <p:spTree>
-      <p:nvGrpSpPr>
-        <p:cNvPr id="1" name=""/>
-        <p:cNvGrpSpPr/>
-        <p:nvPr/>
-      </p:nvGrpSpPr>
-      <p:grpSpPr>
-        <a:xfrm>
-          <a:off x="0" y="0"/>
-          <a:ext cx="0" cy="0"/>
-          <a:chOff x="0" y="0"/>
-          <a:chExt cx="0" cy="0"/>
-        </a:xfrm>
-      </p:grpSpPr>
-      <p:sp>
-        <p:nvSpPr>
-          <p:cNvPr id="2" name="标题 1"/>
-          <p:cNvSpPr>
-            <a:spLocks noGrp="1"/>
-          </p:cNvSpPr>
-          <p:nvPr>
-            <p:ph type="title"/>
-          </p:nvPr>
-        </p:nvSpPr>
-        <p:spPr/>
-        <p:txBody>
-          <a:bodyPr/>
-          <a:lstStyle/>
-          <a:p>
-            <a:r>
-              <a:rPr kumimoji="1" lang="en-US" altLang="zh-CN" b="1" dirty="0">
-                <a:solidFill>
-                  <a:schemeClr val="tx1">
-                    <a:lumMod val="65000"/>
-                    <a:lumOff val="35000"/>
-                  </a:schemeClr>
-                </a:solidFill>
-              </a:rPr>
-              <a:t>Animated</a:t>
-            </a:r>
-            <a:r>
-              <a:rPr kumimoji="1" lang="en-US" altLang="zh-CN" dirty="0" smtClean="0"/>
-              <a:t> </a:t>
-            </a:r>
-            <a:r>
-              <a:rPr kumimoji="1" lang="en-US" altLang="zh-CN" b="1" dirty="0">
-                <a:solidFill>
-                  <a:schemeClr val="tx1">
-                    <a:lumMod val="65000"/>
-                    <a:lumOff val="35000"/>
-                  </a:schemeClr>
-                </a:solidFill>
-              </a:rPr>
-              <a:t>transition</a:t>
-            </a:r>
-            <a:endParaRPr kumimoji="1" lang="zh-CN" altLang="en-US" b="1" dirty="0">
-              <a:solidFill>
-                <a:schemeClr val="tx1">
-                  <a:lumMod val="65000"/>
-                  <a:lumOff val="35000"/>
-                </a:schemeClr>
-              </a:solidFill>
-            </a:endParaRPr>
-          </a:p>
-        </p:txBody>
-      </p:sp>
-      <p:sp>
-        <p:nvSpPr>
-          <p:cNvPr id="4" name="幻灯片编号占位符 3"/>
-          <p:cNvSpPr>
-            <a:spLocks noGrp="1"/>
-          </p:cNvSpPr>
-          <p:nvPr>
-            <p:ph type="sldNum" sz="quarter" idx="12"/>
-          </p:nvPr>
-        </p:nvSpPr>
-        <p:spPr/>
-        <p:txBody>
-          <a:bodyPr/>
-          <a:lstStyle/>
-          <a:p>
-            <a:fld id="{1545DBC7-0E7E-5249-BF19-8815E0EED612}" type="slidenum">
-              <a:rPr kumimoji="1" lang="zh-CN" altLang="en-US" smtClean="0"/>
-              <a:t>21</a:t>
-            </a:fld>
-            <a:endParaRPr kumimoji="1" lang="zh-CN" altLang="en-US"/>
-          </a:p>
-        </p:txBody>
-      </p:sp>
-      <p:sp>
-        <p:nvSpPr>
-          <p:cNvPr id="5" name="矩形 4"/>
-          <p:cNvSpPr/>
-          <p:nvPr/>
-        </p:nvSpPr>
-        <p:spPr>
-          <a:xfrm>
-            <a:off x="838200" y="1260764"/>
-            <a:ext cx="7550727" cy="83127"/>
-          </a:xfrm>
-          <a:prstGeom prst="rect">
-            <a:avLst/>
-          </a:prstGeom>
-          <a:solidFill>
-            <a:schemeClr val="accent1">
-              <a:lumMod val="60000"/>
-              <a:lumOff val="40000"/>
-            </a:schemeClr>
-          </a:solidFill>
-          <a:ln>
-            <a:noFill/>
-          </a:ln>
-        </p:spPr>
-        <p:style>
-          <a:lnRef idx="2">
-            <a:schemeClr val="accent1">
-              <a:shade val="50000"/>
-            </a:schemeClr>
-          </a:lnRef>
-          <a:fillRef idx="1">
-            <a:schemeClr val="accent1"/>
-          </a:fillRef>
-          <a:effectRef idx="0">
-            <a:schemeClr val="accent1"/>
-          </a:effectRef>
-          <a:fontRef idx="minor">
-            <a:schemeClr val="lt1"/>
-          </a:fontRef>
-        </p:style>
-        <p:txBody>
-          <a:bodyPr rtlCol="0" anchor="ctr"/>
-          <a:lstStyle/>
-          <a:p>
-            <a:pPr algn="ctr"/>
-            <a:endParaRPr kumimoji="1" lang="zh-CN" altLang="en-US"/>
-          </a:p>
-        </p:txBody>
-      </p:sp>
-      <p:cxnSp>
-        <p:nvCxnSpPr>
-          <p:cNvPr id="9" name="直线箭头连接符 8"/>
-          <p:cNvCxnSpPr/>
-          <p:nvPr/>
-        </p:nvCxnSpPr>
-        <p:spPr>
-          <a:xfrm flipV="1">
-            <a:off x="1792939" y="2043950"/>
-            <a:ext cx="0" cy="3101788"/>
-          </a:xfrm>
-          <a:prstGeom prst="straightConnector1">
-            <a:avLst/>
-          </a:prstGeom>
-          <a:ln w="38100">
-            <a:tailEnd type="triangle"/>
-          </a:ln>
-        </p:spPr>
-        <p:style>
-          <a:lnRef idx="1">
-            <a:schemeClr val="accent1"/>
-          </a:lnRef>
-          <a:fillRef idx="0">
-            <a:schemeClr val="accent1"/>
-          </a:fillRef>
-          <a:effectRef idx="0">
-            <a:schemeClr val="accent1"/>
-          </a:effectRef>
-          <a:fontRef idx="minor">
-            <a:schemeClr val="tx1"/>
-          </a:fontRef>
-        </p:style>
-      </p:cxnSp>
-      <p:cxnSp>
-        <p:nvCxnSpPr>
-          <p:cNvPr id="10" name="直线箭头连接符 9"/>
-          <p:cNvCxnSpPr/>
-          <p:nvPr/>
-        </p:nvCxnSpPr>
-        <p:spPr>
-          <a:xfrm flipV="1">
-            <a:off x="1801906" y="5127812"/>
-            <a:ext cx="5334000" cy="0"/>
-          </a:xfrm>
-          <a:prstGeom prst="straightConnector1">
-            <a:avLst/>
-          </a:prstGeom>
-          <a:ln w="38100">
-            <a:tailEnd type="triangle"/>
-          </a:ln>
-        </p:spPr>
-        <p:style>
-          <a:lnRef idx="1">
-            <a:schemeClr val="accent1"/>
-          </a:lnRef>
-          <a:fillRef idx="0">
-            <a:schemeClr val="accent1"/>
-          </a:fillRef>
-          <a:effectRef idx="0">
-            <a:schemeClr val="accent1"/>
-          </a:effectRef>
-          <a:fontRef idx="minor">
-            <a:schemeClr val="tx1"/>
-          </a:fontRef>
-        </p:style>
-      </p:cxnSp>
-      <p:sp>
-        <p:nvSpPr>
-          <p:cNvPr id="7" name="椭圆 6"/>
-          <p:cNvSpPr/>
-          <p:nvPr/>
-        </p:nvSpPr>
-        <p:spPr>
-          <a:xfrm>
-            <a:off x="2761128" y="2846765"/>
-            <a:ext cx="179294" cy="179294"/>
-          </a:xfrm>
-          <a:prstGeom prst="ellipse">
-            <a:avLst/>
-          </a:prstGeom>
-          <a:solidFill>
-            <a:schemeClr val="accent4">
-              <a:lumMod val="60000"/>
-              <a:lumOff val="40000"/>
-            </a:schemeClr>
-          </a:solidFill>
-          <a:ln>
-            <a:noFill/>
-          </a:ln>
-        </p:spPr>
-        <p:style>
-          <a:lnRef idx="2">
-            <a:schemeClr val="accent1">
-              <a:shade val="50000"/>
-            </a:schemeClr>
-          </a:lnRef>
-          <a:fillRef idx="1">
-            <a:schemeClr val="accent1"/>
-          </a:fillRef>
-          <a:effectRef idx="0">
-            <a:schemeClr val="accent1"/>
-          </a:effectRef>
-          <a:fontRef idx="minor">
-            <a:schemeClr val="lt1"/>
-          </a:fontRef>
-        </p:style>
-        <p:txBody>
-          <a:bodyPr rtlCol="0" anchor="ctr"/>
-          <a:lstStyle/>
-          <a:p>
-            <a:pPr algn="ctr"/>
-            <a:endParaRPr kumimoji="1" lang="zh-CN" altLang="en-US"/>
-          </a:p>
-        </p:txBody>
-      </p:sp>
-      <p:sp>
-        <p:nvSpPr>
-          <p:cNvPr id="8" name="椭圆 7"/>
-          <p:cNvSpPr/>
-          <p:nvPr/>
-        </p:nvSpPr>
-        <p:spPr>
-          <a:xfrm>
-            <a:off x="3089238" y="2846765"/>
-            <a:ext cx="179294" cy="179294"/>
-          </a:xfrm>
-          <a:prstGeom prst="ellipse">
-            <a:avLst/>
-          </a:prstGeom>
-          <a:solidFill>
-            <a:schemeClr val="accent4">
-              <a:lumMod val="60000"/>
-              <a:lumOff val="40000"/>
-            </a:schemeClr>
-          </a:solidFill>
-          <a:ln>
-            <a:noFill/>
-          </a:ln>
-        </p:spPr>
-        <p:style>
-          <a:lnRef idx="2">
-            <a:schemeClr val="accent1">
-              <a:shade val="50000"/>
-            </a:schemeClr>
-          </a:lnRef>
-          <a:fillRef idx="1">
-            <a:schemeClr val="accent1"/>
-          </a:fillRef>
-          <a:effectRef idx="0">
-            <a:schemeClr val="accent1"/>
-          </a:effectRef>
-          <a:fontRef idx="minor">
-            <a:schemeClr val="lt1"/>
-          </a:fontRef>
-        </p:style>
-        <p:txBody>
-          <a:bodyPr rtlCol="0" anchor="ctr"/>
-          <a:lstStyle/>
-          <a:p>
-            <a:pPr algn="ctr"/>
-            <a:endParaRPr kumimoji="1" lang="zh-CN" altLang="en-US"/>
-          </a:p>
-        </p:txBody>
-      </p:sp>
-      <p:sp>
-        <p:nvSpPr>
-          <p:cNvPr id="11" name="椭圆 10"/>
-          <p:cNvSpPr/>
-          <p:nvPr/>
-        </p:nvSpPr>
-        <p:spPr>
-          <a:xfrm>
-            <a:off x="3417348" y="2846765"/>
-            <a:ext cx="179294" cy="179294"/>
-          </a:xfrm>
-          <a:prstGeom prst="ellipse">
-            <a:avLst/>
-          </a:prstGeom>
-          <a:solidFill>
-            <a:schemeClr val="accent4">
-              <a:lumMod val="60000"/>
-              <a:lumOff val="40000"/>
-            </a:schemeClr>
-          </a:solidFill>
-          <a:ln>
-            <a:noFill/>
-          </a:ln>
-        </p:spPr>
-        <p:style>
-          <a:lnRef idx="2">
-            <a:schemeClr val="accent1">
-              <a:shade val="50000"/>
-            </a:schemeClr>
-          </a:lnRef>
-          <a:fillRef idx="1">
-            <a:schemeClr val="accent1"/>
-          </a:fillRef>
-          <a:effectRef idx="0">
-            <a:schemeClr val="accent1"/>
-          </a:effectRef>
-          <a:fontRef idx="minor">
-            <a:schemeClr val="lt1"/>
-          </a:fontRef>
-        </p:style>
-        <p:txBody>
-          <a:bodyPr rtlCol="0" anchor="ctr"/>
-          <a:lstStyle/>
-          <a:p>
-            <a:pPr algn="ctr"/>
-            <a:endParaRPr kumimoji="1" lang="zh-CN" altLang="en-US"/>
-          </a:p>
-        </p:txBody>
-      </p:sp>
-      <p:sp>
-        <p:nvSpPr>
-          <p:cNvPr id="12" name="椭圆 11"/>
-          <p:cNvSpPr/>
-          <p:nvPr/>
-        </p:nvSpPr>
-        <p:spPr>
-          <a:xfrm>
-            <a:off x="2762924" y="3164778"/>
-            <a:ext cx="179294" cy="179294"/>
-          </a:xfrm>
-          <a:prstGeom prst="ellipse">
-            <a:avLst/>
-          </a:prstGeom>
-          <a:ln>
-            <a:noFill/>
-          </a:ln>
-        </p:spPr>
-        <p:style>
-          <a:lnRef idx="2">
-            <a:schemeClr val="accent1">
-              <a:shade val="50000"/>
-            </a:schemeClr>
-          </a:lnRef>
-          <a:fillRef idx="1">
-            <a:schemeClr val="accent1"/>
-          </a:fillRef>
-          <a:effectRef idx="0">
-            <a:schemeClr val="accent1"/>
-          </a:effectRef>
-          <a:fontRef idx="minor">
-            <a:schemeClr val="lt1"/>
-          </a:fontRef>
-        </p:style>
-        <p:txBody>
-          <a:bodyPr rtlCol="0" anchor="ctr"/>
-          <a:lstStyle/>
-          <a:p>
-            <a:pPr algn="ctr"/>
-            <a:endParaRPr kumimoji="1" lang="zh-CN" altLang="en-US"/>
-          </a:p>
-        </p:txBody>
-      </p:sp>
-      <p:sp>
-        <p:nvSpPr>
-          <p:cNvPr id="13" name="椭圆 12"/>
-          <p:cNvSpPr/>
-          <p:nvPr/>
-        </p:nvSpPr>
-        <p:spPr>
-          <a:xfrm>
-            <a:off x="3091033" y="3164778"/>
-            <a:ext cx="179294" cy="179294"/>
-          </a:xfrm>
-          <a:prstGeom prst="ellipse">
-            <a:avLst/>
-          </a:prstGeom>
-          <a:ln>
-            <a:noFill/>
-          </a:ln>
-        </p:spPr>
-        <p:style>
-          <a:lnRef idx="2">
-            <a:schemeClr val="accent1">
-              <a:shade val="50000"/>
-            </a:schemeClr>
-          </a:lnRef>
-          <a:fillRef idx="1">
-            <a:schemeClr val="accent1"/>
-          </a:fillRef>
-          <a:effectRef idx="0">
-            <a:schemeClr val="accent1"/>
-          </a:effectRef>
-          <a:fontRef idx="minor">
-            <a:schemeClr val="lt1"/>
-          </a:fontRef>
-        </p:style>
-        <p:txBody>
-          <a:bodyPr rtlCol="0" anchor="ctr"/>
-          <a:lstStyle/>
-          <a:p>
-            <a:pPr algn="ctr"/>
-            <a:endParaRPr kumimoji="1" lang="zh-CN" altLang="en-US"/>
-          </a:p>
-        </p:txBody>
-      </p:sp>
-      <p:sp>
-        <p:nvSpPr>
-          <p:cNvPr id="14" name="椭圆 13"/>
-          <p:cNvSpPr/>
-          <p:nvPr/>
-        </p:nvSpPr>
-        <p:spPr>
-          <a:xfrm>
-            <a:off x="3419142" y="3164778"/>
-            <a:ext cx="179294" cy="179294"/>
-          </a:xfrm>
-          <a:prstGeom prst="ellipse">
-            <a:avLst/>
-          </a:prstGeom>
-          <a:ln>
-            <a:noFill/>
-          </a:ln>
-        </p:spPr>
-        <p:style>
-          <a:lnRef idx="2">
-            <a:schemeClr val="accent1">
-              <a:shade val="50000"/>
-            </a:schemeClr>
-          </a:lnRef>
-          <a:fillRef idx="1">
-            <a:schemeClr val="accent1"/>
-          </a:fillRef>
-          <a:effectRef idx="0">
-            <a:schemeClr val="accent1"/>
-          </a:effectRef>
-          <a:fontRef idx="minor">
-            <a:schemeClr val="lt1"/>
-          </a:fontRef>
-        </p:style>
-        <p:txBody>
-          <a:bodyPr rtlCol="0" anchor="ctr"/>
-          <a:lstStyle/>
-          <a:p>
-            <a:pPr algn="ctr"/>
-            <a:endParaRPr kumimoji="1" lang="zh-CN" altLang="en-US"/>
-          </a:p>
-        </p:txBody>
-      </p:sp>
-      <p:sp>
-        <p:nvSpPr>
-          <p:cNvPr id="15" name="椭圆 14"/>
-          <p:cNvSpPr/>
-          <p:nvPr/>
-        </p:nvSpPr>
-        <p:spPr>
-          <a:xfrm>
-            <a:off x="2782645" y="3508033"/>
-            <a:ext cx="179294" cy="179294"/>
-          </a:xfrm>
-          <a:prstGeom prst="ellipse">
-            <a:avLst/>
-          </a:prstGeom>
-          <a:ln>
-            <a:noFill/>
-          </a:ln>
-        </p:spPr>
-        <p:style>
-          <a:lnRef idx="2">
-            <a:schemeClr val="accent1">
-              <a:shade val="50000"/>
-            </a:schemeClr>
-          </a:lnRef>
-          <a:fillRef idx="1">
-            <a:schemeClr val="accent1"/>
-          </a:fillRef>
-          <a:effectRef idx="0">
-            <a:schemeClr val="accent1"/>
-          </a:effectRef>
-          <a:fontRef idx="minor">
-            <a:schemeClr val="lt1"/>
-          </a:fontRef>
-        </p:style>
-        <p:txBody>
-          <a:bodyPr rtlCol="0" anchor="ctr"/>
-          <a:lstStyle/>
-          <a:p>
-            <a:pPr algn="ctr"/>
-            <a:endParaRPr kumimoji="1" lang="zh-CN" altLang="en-US"/>
-          </a:p>
-        </p:txBody>
-      </p:sp>
-      <p:sp>
-        <p:nvSpPr>
-          <p:cNvPr id="16" name="椭圆 15"/>
-          <p:cNvSpPr/>
-          <p:nvPr/>
-        </p:nvSpPr>
-        <p:spPr>
-          <a:xfrm>
-            <a:off x="3110755" y="3508033"/>
-            <a:ext cx="179294" cy="179294"/>
-          </a:xfrm>
-          <a:prstGeom prst="ellipse">
-            <a:avLst/>
-          </a:prstGeom>
-          <a:ln>
-            <a:noFill/>
-          </a:ln>
-        </p:spPr>
-        <p:style>
-          <a:lnRef idx="2">
-            <a:schemeClr val="accent1">
-              <a:shade val="50000"/>
-            </a:schemeClr>
-          </a:lnRef>
-          <a:fillRef idx="1">
-            <a:schemeClr val="accent1"/>
-          </a:fillRef>
-          <a:effectRef idx="0">
-            <a:schemeClr val="accent1"/>
-          </a:effectRef>
-          <a:fontRef idx="minor">
-            <a:schemeClr val="lt1"/>
-          </a:fontRef>
-        </p:style>
-        <p:txBody>
-          <a:bodyPr rtlCol="0" anchor="ctr"/>
-          <a:lstStyle/>
-          <a:p>
-            <a:pPr algn="ctr"/>
-            <a:endParaRPr kumimoji="1" lang="zh-CN" altLang="en-US"/>
-          </a:p>
-        </p:txBody>
-      </p:sp>
-      <p:sp>
-        <p:nvSpPr>
-          <p:cNvPr id="17" name="椭圆 16"/>
-          <p:cNvSpPr/>
-          <p:nvPr/>
-        </p:nvSpPr>
-        <p:spPr>
-          <a:xfrm>
-            <a:off x="3438865" y="3508033"/>
-            <a:ext cx="179294" cy="179294"/>
-          </a:xfrm>
-          <a:prstGeom prst="ellipse">
-            <a:avLst/>
-          </a:prstGeom>
-          <a:ln>
-            <a:noFill/>
-          </a:ln>
-        </p:spPr>
-        <p:style>
-          <a:lnRef idx="2">
-            <a:schemeClr val="accent1">
-              <a:shade val="50000"/>
-            </a:schemeClr>
-          </a:lnRef>
-          <a:fillRef idx="1">
-            <a:schemeClr val="accent1"/>
-          </a:fillRef>
-          <a:effectRef idx="0">
-            <a:schemeClr val="accent1"/>
-          </a:effectRef>
-          <a:fontRef idx="minor">
-            <a:schemeClr val="lt1"/>
-          </a:fontRef>
-        </p:style>
-        <p:txBody>
-          <a:bodyPr rtlCol="0" anchor="ctr"/>
-          <a:lstStyle/>
-          <a:p>
-            <a:pPr algn="ctr"/>
-            <a:endParaRPr kumimoji="1" lang="zh-CN" altLang="en-US"/>
-          </a:p>
-        </p:txBody>
-      </p:sp>
-      <p:sp>
-        <p:nvSpPr>
-          <p:cNvPr id="18" name="椭圆 17"/>
-          <p:cNvSpPr/>
-          <p:nvPr/>
-        </p:nvSpPr>
-        <p:spPr>
-          <a:xfrm>
-            <a:off x="3747250" y="3164778"/>
-            <a:ext cx="179294" cy="179294"/>
-          </a:xfrm>
-          <a:prstGeom prst="ellipse">
-            <a:avLst/>
-          </a:prstGeom>
-          <a:ln>
-            <a:noFill/>
-          </a:ln>
-        </p:spPr>
-        <p:style>
-          <a:lnRef idx="2">
-            <a:schemeClr val="accent1">
-              <a:shade val="50000"/>
-            </a:schemeClr>
-          </a:lnRef>
-          <a:fillRef idx="1">
-            <a:schemeClr val="accent1"/>
-          </a:fillRef>
-          <a:effectRef idx="0">
-            <a:schemeClr val="accent1"/>
-          </a:effectRef>
-          <a:fontRef idx="minor">
-            <a:schemeClr val="lt1"/>
-          </a:fontRef>
-        </p:style>
-        <p:txBody>
-          <a:bodyPr rtlCol="0" anchor="ctr"/>
-          <a:lstStyle/>
-          <a:p>
-            <a:pPr algn="ctr"/>
-            <a:endParaRPr kumimoji="1" lang="zh-CN" altLang="en-US"/>
-          </a:p>
-        </p:txBody>
-      </p:sp>
-      <p:sp>
-        <p:nvSpPr>
-          <p:cNvPr id="19" name="椭圆 18"/>
-          <p:cNvSpPr/>
-          <p:nvPr/>
-        </p:nvSpPr>
-        <p:spPr>
-          <a:xfrm>
-            <a:off x="3745458" y="2846765"/>
-            <a:ext cx="179294" cy="179294"/>
-          </a:xfrm>
-          <a:prstGeom prst="ellipse">
-            <a:avLst/>
-          </a:prstGeom>
-          <a:solidFill>
-            <a:schemeClr val="accent4">
-              <a:lumMod val="60000"/>
-              <a:lumOff val="40000"/>
-            </a:schemeClr>
-          </a:solidFill>
-          <a:ln>
-            <a:noFill/>
-          </a:ln>
-        </p:spPr>
-        <p:style>
-          <a:lnRef idx="2">
-            <a:schemeClr val="accent1">
-              <a:shade val="50000"/>
-            </a:schemeClr>
-          </a:lnRef>
-          <a:fillRef idx="1">
-            <a:schemeClr val="accent1"/>
-          </a:fillRef>
-          <a:effectRef idx="0">
-            <a:schemeClr val="accent1"/>
-          </a:effectRef>
-          <a:fontRef idx="minor">
-            <a:schemeClr val="lt1"/>
-          </a:fontRef>
-        </p:style>
-        <p:txBody>
-          <a:bodyPr rtlCol="0" anchor="ctr"/>
-          <a:lstStyle/>
-          <a:p>
-            <a:pPr algn="ctr"/>
-            <a:endParaRPr kumimoji="1" lang="zh-CN" altLang="en-US"/>
-          </a:p>
-        </p:txBody>
-      </p:sp>
-    </p:spTree>
-    <p:extLst>
-      <p:ext uri="{BB962C8B-B14F-4D97-AF65-F5344CB8AC3E}">
-        <p14:creationId xmlns:p14="http://schemas.microsoft.com/office/powerpoint/2010/main" val="1562872327"/>
       </p:ext>
     </p:extLst>
   </p:cSld>
@@ -15806,9 +15823,6 @@
           <a:prstGeom prst="ellipse">
             <a:avLst/>
           </a:prstGeom>
-          <a:solidFill>
-            <a:srgbClr val="00B0F0"/>
-          </a:solidFill>
           <a:ln>
             <a:noFill/>
           </a:ln>
@@ -15852,9 +15866,6 @@
           <a:prstGeom prst="ellipse">
             <a:avLst/>
           </a:prstGeom>
-          <a:solidFill>
-            <a:srgbClr val="00B0F0"/>
-          </a:solidFill>
           <a:ln>
             <a:noFill/>
           </a:ln>
@@ -15898,9 +15909,6 @@
           <a:prstGeom prst="ellipse">
             <a:avLst/>
           </a:prstGeom>
-          <a:solidFill>
-            <a:srgbClr val="00B0F0"/>
-          </a:solidFill>
           <a:ln>
             <a:noFill/>
           </a:ln>
@@ -16154,7 +16162,7 @@
     </p:spTree>
     <p:extLst>
       <p:ext uri="{BB962C8B-B14F-4D97-AF65-F5344CB8AC3E}">
-        <p14:creationId xmlns:p14="http://schemas.microsoft.com/office/powerpoint/2010/main" val="1322713432"/>
+        <p14:creationId xmlns:p14="http://schemas.microsoft.com/office/powerpoint/2010/main" val="1562872327"/>
       </p:ext>
     </p:extLst>
   </p:cSld>
@@ -16689,9 +16697,6 @@
           <a:prstGeom prst="ellipse">
             <a:avLst/>
           </a:prstGeom>
-          <a:solidFill>
-            <a:srgbClr val="7030A0"/>
-          </a:solidFill>
           <a:ln>
             <a:noFill/>
           </a:ln>
@@ -16735,9 +16740,6 @@
           <a:prstGeom prst="ellipse">
             <a:avLst/>
           </a:prstGeom>
-          <a:solidFill>
-            <a:srgbClr val="7030A0"/>
-          </a:solidFill>
           <a:ln>
             <a:noFill/>
           </a:ln>
@@ -16781,9 +16783,6 @@
           <a:prstGeom prst="ellipse">
             <a:avLst/>
           </a:prstGeom>
-          <a:solidFill>
-            <a:srgbClr val="7030A0"/>
-          </a:solidFill>
           <a:ln>
             <a:noFill/>
           </a:ln>
@@ -16827,9 +16826,6 @@
           <a:prstGeom prst="ellipse">
             <a:avLst/>
           </a:prstGeom>
-          <a:solidFill>
-            <a:srgbClr val="7030A0"/>
-          </a:solidFill>
           <a:ln>
             <a:noFill/>
           </a:ln>
@@ -16911,7 +16907,7 @@
     </p:spTree>
     <p:extLst>
       <p:ext uri="{BB962C8B-B14F-4D97-AF65-F5344CB8AC3E}">
-        <p14:creationId xmlns:p14="http://schemas.microsoft.com/office/powerpoint/2010/main" val="1654646175"/>
+        <p14:creationId xmlns:p14="http://schemas.microsoft.com/office/powerpoint/2010/main" val="1322713432"/>
       </p:ext>
     </p:extLst>
   </p:cSld>
@@ -17155,7 +17151,7 @@
         </p:nvSpPr>
         <p:spPr>
           <a:xfrm>
-            <a:off x="2761128" y="3177399"/>
+            <a:off x="2761128" y="2846765"/>
             <a:ext cx="179294" cy="179294"/>
           </a:xfrm>
           <a:prstGeom prst="ellipse">
@@ -17204,7 +17200,7 @@
         </p:nvSpPr>
         <p:spPr>
           <a:xfrm>
-            <a:off x="3089238" y="3177399"/>
+            <a:off x="3089238" y="2846765"/>
             <a:ext cx="179294" cy="179294"/>
           </a:xfrm>
           <a:prstGeom prst="ellipse">
@@ -17253,7 +17249,7 @@
         </p:nvSpPr>
         <p:spPr>
           <a:xfrm>
-            <a:off x="3417348" y="3177399"/>
+            <a:off x="3417348" y="2846765"/>
             <a:ext cx="179294" cy="179294"/>
           </a:xfrm>
           <a:prstGeom prst="ellipse">
@@ -17302,7 +17298,7 @@
         </p:nvSpPr>
         <p:spPr>
           <a:xfrm>
-            <a:off x="2762924" y="3177399"/>
+            <a:off x="2762924" y="3164778"/>
             <a:ext cx="179294" cy="179294"/>
           </a:xfrm>
           <a:prstGeom prst="ellipse">
@@ -17348,7 +17344,7 @@
         </p:nvSpPr>
         <p:spPr>
           <a:xfrm>
-            <a:off x="2158705" y="3177399"/>
+            <a:off x="3091033" y="3164778"/>
             <a:ext cx="179294" cy="179294"/>
           </a:xfrm>
           <a:prstGeom prst="ellipse">
@@ -17394,7 +17390,7 @@
         </p:nvSpPr>
         <p:spPr>
           <a:xfrm>
-            <a:off x="5857540" y="3177399"/>
+            <a:off x="3419142" y="3164778"/>
             <a:ext cx="179294" cy="179294"/>
           </a:xfrm>
           <a:prstGeom prst="ellipse">
@@ -17440,7 +17436,7 @@
         </p:nvSpPr>
         <p:spPr>
           <a:xfrm>
-            <a:off x="2549564" y="3177399"/>
+            <a:off x="2782645" y="3508033"/>
             <a:ext cx="179294" cy="179294"/>
           </a:xfrm>
           <a:prstGeom prst="ellipse">
@@ -17486,7 +17482,7 @@
         </p:nvSpPr>
         <p:spPr>
           <a:xfrm>
-            <a:off x="3935507" y="3177399"/>
+            <a:off x="3110755" y="3508033"/>
             <a:ext cx="179294" cy="179294"/>
           </a:xfrm>
           <a:prstGeom prst="ellipse">
@@ -17532,7 +17528,7 @@
         </p:nvSpPr>
         <p:spPr>
           <a:xfrm>
-            <a:off x="4263617" y="3177399"/>
+            <a:off x="3438865" y="3508033"/>
             <a:ext cx="179294" cy="179294"/>
           </a:xfrm>
           <a:prstGeom prst="ellipse">
@@ -17578,7 +17574,7 @@
         </p:nvSpPr>
         <p:spPr>
           <a:xfrm>
-            <a:off x="4787154" y="3177399"/>
+            <a:off x="3747250" y="3164778"/>
             <a:ext cx="179294" cy="179294"/>
           </a:xfrm>
           <a:prstGeom prst="ellipse">
@@ -17624,7 +17620,7 @@
         </p:nvSpPr>
         <p:spPr>
           <a:xfrm>
-            <a:off x="5143950" y="3177399"/>
+            <a:off x="3745458" y="2846765"/>
             <a:ext cx="179294" cy="179294"/>
           </a:xfrm>
           <a:prstGeom prst="ellipse">
@@ -17668,7 +17664,7 @@
     </p:spTree>
     <p:extLst>
       <p:ext uri="{BB962C8B-B14F-4D97-AF65-F5344CB8AC3E}">
-        <p14:creationId xmlns:p14="http://schemas.microsoft.com/office/powerpoint/2010/main" val="40910369"/>
+        <p14:creationId xmlns:p14="http://schemas.microsoft.com/office/powerpoint/2010/main" val="1654646175"/>
       </p:ext>
     </p:extLst>
   </p:cSld>
@@ -17961,7 +17957,7 @@
         </p:nvSpPr>
         <p:spPr>
           <a:xfrm>
-            <a:off x="3089238" y="4701397"/>
+            <a:off x="3089238" y="3177399"/>
             <a:ext cx="179294" cy="179294"/>
           </a:xfrm>
           <a:prstGeom prst="ellipse">
@@ -18010,7 +18006,7 @@
         </p:nvSpPr>
         <p:spPr>
           <a:xfrm>
-            <a:off x="3417348" y="3464268"/>
+            <a:off x="3417348" y="3177399"/>
             <a:ext cx="179294" cy="179294"/>
           </a:xfrm>
           <a:prstGeom prst="ellipse">
@@ -18059,7 +18055,7 @@
         </p:nvSpPr>
         <p:spPr>
           <a:xfrm>
-            <a:off x="2762924" y="2836742"/>
+            <a:off x="2762924" y="3177399"/>
             <a:ext cx="179294" cy="179294"/>
           </a:xfrm>
           <a:prstGeom prst="ellipse">
@@ -18197,7 +18193,7 @@
         </p:nvSpPr>
         <p:spPr>
           <a:xfrm>
-            <a:off x="2549564" y="3912504"/>
+            <a:off x="2549564" y="3177399"/>
             <a:ext cx="179294" cy="179294"/>
           </a:xfrm>
           <a:prstGeom prst="ellipse">
@@ -18243,7 +18239,7 @@
         </p:nvSpPr>
         <p:spPr>
           <a:xfrm>
-            <a:off x="3935507" y="2478154"/>
+            <a:off x="3935507" y="3177399"/>
             <a:ext cx="179294" cy="179294"/>
           </a:xfrm>
           <a:prstGeom prst="ellipse">
@@ -18335,7 +18331,7 @@
         </p:nvSpPr>
         <p:spPr>
           <a:xfrm>
-            <a:off x="4787154" y="3822857"/>
+            <a:off x="4787154" y="3177399"/>
             <a:ext cx="179294" cy="179294"/>
           </a:xfrm>
           <a:prstGeom prst="ellipse">
@@ -18381,7 +18377,7 @@
         </p:nvSpPr>
         <p:spPr>
           <a:xfrm>
-            <a:off x="5143950" y="2890530"/>
+            <a:off x="5143950" y="3177399"/>
             <a:ext cx="179294" cy="179294"/>
           </a:xfrm>
           <a:prstGeom prst="ellipse">
@@ -18425,7 +18421,7 @@
     </p:spTree>
     <p:extLst>
       <p:ext uri="{BB962C8B-B14F-4D97-AF65-F5344CB8AC3E}">
-        <p14:creationId xmlns:p14="http://schemas.microsoft.com/office/powerpoint/2010/main" val="146379900"/>
+        <p14:creationId xmlns:p14="http://schemas.microsoft.com/office/powerpoint/2010/main" val="40910369"/>
       </p:ext>
     </p:extLst>
   </p:cSld>
@@ -18713,6 +18709,763 @@
       <p:sp>
         <p:nvSpPr>
           <p:cNvPr id="8" name="椭圆 7"/>
+          <p:cNvSpPr/>
+          <p:nvPr/>
+        </p:nvSpPr>
+        <p:spPr>
+          <a:xfrm>
+            <a:off x="3089238" y="4701397"/>
+            <a:ext cx="179294" cy="179294"/>
+          </a:xfrm>
+          <a:prstGeom prst="ellipse">
+            <a:avLst/>
+          </a:prstGeom>
+          <a:solidFill>
+            <a:schemeClr val="accent4">
+              <a:lumMod val="60000"/>
+              <a:lumOff val="40000"/>
+            </a:schemeClr>
+          </a:solidFill>
+          <a:ln>
+            <a:noFill/>
+          </a:ln>
+        </p:spPr>
+        <p:style>
+          <a:lnRef idx="2">
+            <a:schemeClr val="accent1">
+              <a:shade val="50000"/>
+            </a:schemeClr>
+          </a:lnRef>
+          <a:fillRef idx="1">
+            <a:schemeClr val="accent1"/>
+          </a:fillRef>
+          <a:effectRef idx="0">
+            <a:schemeClr val="accent1"/>
+          </a:effectRef>
+          <a:fontRef idx="minor">
+            <a:schemeClr val="lt1"/>
+          </a:fontRef>
+        </p:style>
+        <p:txBody>
+          <a:bodyPr rtlCol="0" anchor="ctr"/>
+          <a:lstStyle/>
+          <a:p>
+            <a:pPr algn="ctr"/>
+            <a:endParaRPr kumimoji="1" lang="zh-CN" altLang="en-US"/>
+          </a:p>
+        </p:txBody>
+      </p:sp>
+      <p:sp>
+        <p:nvSpPr>
+          <p:cNvPr id="11" name="椭圆 10"/>
+          <p:cNvSpPr/>
+          <p:nvPr/>
+        </p:nvSpPr>
+        <p:spPr>
+          <a:xfrm>
+            <a:off x="3417348" y="3464268"/>
+            <a:ext cx="179294" cy="179294"/>
+          </a:xfrm>
+          <a:prstGeom prst="ellipse">
+            <a:avLst/>
+          </a:prstGeom>
+          <a:solidFill>
+            <a:schemeClr val="accent4">
+              <a:lumMod val="60000"/>
+              <a:lumOff val="40000"/>
+            </a:schemeClr>
+          </a:solidFill>
+          <a:ln>
+            <a:noFill/>
+          </a:ln>
+        </p:spPr>
+        <p:style>
+          <a:lnRef idx="2">
+            <a:schemeClr val="accent1">
+              <a:shade val="50000"/>
+            </a:schemeClr>
+          </a:lnRef>
+          <a:fillRef idx="1">
+            <a:schemeClr val="accent1"/>
+          </a:fillRef>
+          <a:effectRef idx="0">
+            <a:schemeClr val="accent1"/>
+          </a:effectRef>
+          <a:fontRef idx="minor">
+            <a:schemeClr val="lt1"/>
+          </a:fontRef>
+        </p:style>
+        <p:txBody>
+          <a:bodyPr rtlCol="0" anchor="ctr"/>
+          <a:lstStyle/>
+          <a:p>
+            <a:pPr algn="ctr"/>
+            <a:endParaRPr kumimoji="1" lang="zh-CN" altLang="en-US"/>
+          </a:p>
+        </p:txBody>
+      </p:sp>
+      <p:sp>
+        <p:nvSpPr>
+          <p:cNvPr id="12" name="椭圆 11"/>
+          <p:cNvSpPr/>
+          <p:nvPr/>
+        </p:nvSpPr>
+        <p:spPr>
+          <a:xfrm>
+            <a:off x="2762924" y="2836742"/>
+            <a:ext cx="179294" cy="179294"/>
+          </a:xfrm>
+          <a:prstGeom prst="ellipse">
+            <a:avLst/>
+          </a:prstGeom>
+          <a:solidFill>
+            <a:srgbClr val="00B0F0"/>
+          </a:solidFill>
+          <a:ln>
+            <a:noFill/>
+          </a:ln>
+        </p:spPr>
+        <p:style>
+          <a:lnRef idx="2">
+            <a:schemeClr val="accent1">
+              <a:shade val="50000"/>
+            </a:schemeClr>
+          </a:lnRef>
+          <a:fillRef idx="1">
+            <a:schemeClr val="accent1"/>
+          </a:fillRef>
+          <a:effectRef idx="0">
+            <a:schemeClr val="accent1"/>
+          </a:effectRef>
+          <a:fontRef idx="minor">
+            <a:schemeClr val="lt1"/>
+          </a:fontRef>
+        </p:style>
+        <p:txBody>
+          <a:bodyPr rtlCol="0" anchor="ctr"/>
+          <a:lstStyle/>
+          <a:p>
+            <a:pPr algn="ctr"/>
+            <a:endParaRPr kumimoji="1" lang="zh-CN" altLang="en-US"/>
+          </a:p>
+        </p:txBody>
+      </p:sp>
+      <p:sp>
+        <p:nvSpPr>
+          <p:cNvPr id="13" name="椭圆 12"/>
+          <p:cNvSpPr/>
+          <p:nvPr/>
+        </p:nvSpPr>
+        <p:spPr>
+          <a:xfrm>
+            <a:off x="2158705" y="3177399"/>
+            <a:ext cx="179294" cy="179294"/>
+          </a:xfrm>
+          <a:prstGeom prst="ellipse">
+            <a:avLst/>
+          </a:prstGeom>
+          <a:solidFill>
+            <a:srgbClr val="00B0F0"/>
+          </a:solidFill>
+          <a:ln>
+            <a:noFill/>
+          </a:ln>
+        </p:spPr>
+        <p:style>
+          <a:lnRef idx="2">
+            <a:schemeClr val="accent1">
+              <a:shade val="50000"/>
+            </a:schemeClr>
+          </a:lnRef>
+          <a:fillRef idx="1">
+            <a:schemeClr val="accent1"/>
+          </a:fillRef>
+          <a:effectRef idx="0">
+            <a:schemeClr val="accent1"/>
+          </a:effectRef>
+          <a:fontRef idx="minor">
+            <a:schemeClr val="lt1"/>
+          </a:fontRef>
+        </p:style>
+        <p:txBody>
+          <a:bodyPr rtlCol="0" anchor="ctr"/>
+          <a:lstStyle/>
+          <a:p>
+            <a:pPr algn="ctr"/>
+            <a:endParaRPr kumimoji="1" lang="zh-CN" altLang="en-US"/>
+          </a:p>
+        </p:txBody>
+      </p:sp>
+      <p:sp>
+        <p:nvSpPr>
+          <p:cNvPr id="14" name="椭圆 13"/>
+          <p:cNvSpPr/>
+          <p:nvPr/>
+        </p:nvSpPr>
+        <p:spPr>
+          <a:xfrm>
+            <a:off x="5857540" y="3177399"/>
+            <a:ext cx="179294" cy="179294"/>
+          </a:xfrm>
+          <a:prstGeom prst="ellipse">
+            <a:avLst/>
+          </a:prstGeom>
+          <a:solidFill>
+            <a:srgbClr val="00B0F0"/>
+          </a:solidFill>
+          <a:ln>
+            <a:noFill/>
+          </a:ln>
+        </p:spPr>
+        <p:style>
+          <a:lnRef idx="2">
+            <a:schemeClr val="accent1">
+              <a:shade val="50000"/>
+            </a:schemeClr>
+          </a:lnRef>
+          <a:fillRef idx="1">
+            <a:schemeClr val="accent1"/>
+          </a:fillRef>
+          <a:effectRef idx="0">
+            <a:schemeClr val="accent1"/>
+          </a:effectRef>
+          <a:fontRef idx="minor">
+            <a:schemeClr val="lt1"/>
+          </a:fontRef>
+        </p:style>
+        <p:txBody>
+          <a:bodyPr rtlCol="0" anchor="ctr"/>
+          <a:lstStyle/>
+          <a:p>
+            <a:pPr algn="ctr"/>
+            <a:endParaRPr kumimoji="1" lang="zh-CN" altLang="en-US"/>
+          </a:p>
+        </p:txBody>
+      </p:sp>
+      <p:sp>
+        <p:nvSpPr>
+          <p:cNvPr id="15" name="椭圆 14"/>
+          <p:cNvSpPr/>
+          <p:nvPr/>
+        </p:nvSpPr>
+        <p:spPr>
+          <a:xfrm>
+            <a:off x="2549564" y="3912504"/>
+            <a:ext cx="179294" cy="179294"/>
+          </a:xfrm>
+          <a:prstGeom prst="ellipse">
+            <a:avLst/>
+          </a:prstGeom>
+          <a:solidFill>
+            <a:srgbClr val="7030A0"/>
+          </a:solidFill>
+          <a:ln>
+            <a:noFill/>
+          </a:ln>
+        </p:spPr>
+        <p:style>
+          <a:lnRef idx="2">
+            <a:schemeClr val="accent1">
+              <a:shade val="50000"/>
+            </a:schemeClr>
+          </a:lnRef>
+          <a:fillRef idx="1">
+            <a:schemeClr val="accent1"/>
+          </a:fillRef>
+          <a:effectRef idx="0">
+            <a:schemeClr val="accent1"/>
+          </a:effectRef>
+          <a:fontRef idx="minor">
+            <a:schemeClr val="lt1"/>
+          </a:fontRef>
+        </p:style>
+        <p:txBody>
+          <a:bodyPr rtlCol="0" anchor="ctr"/>
+          <a:lstStyle/>
+          <a:p>
+            <a:pPr algn="ctr"/>
+            <a:endParaRPr kumimoji="1" lang="zh-CN" altLang="en-US"/>
+          </a:p>
+        </p:txBody>
+      </p:sp>
+      <p:sp>
+        <p:nvSpPr>
+          <p:cNvPr id="16" name="椭圆 15"/>
+          <p:cNvSpPr/>
+          <p:nvPr/>
+        </p:nvSpPr>
+        <p:spPr>
+          <a:xfrm>
+            <a:off x="3935507" y="2478154"/>
+            <a:ext cx="179294" cy="179294"/>
+          </a:xfrm>
+          <a:prstGeom prst="ellipse">
+            <a:avLst/>
+          </a:prstGeom>
+          <a:solidFill>
+            <a:srgbClr val="7030A0"/>
+          </a:solidFill>
+          <a:ln>
+            <a:noFill/>
+          </a:ln>
+        </p:spPr>
+        <p:style>
+          <a:lnRef idx="2">
+            <a:schemeClr val="accent1">
+              <a:shade val="50000"/>
+            </a:schemeClr>
+          </a:lnRef>
+          <a:fillRef idx="1">
+            <a:schemeClr val="accent1"/>
+          </a:fillRef>
+          <a:effectRef idx="0">
+            <a:schemeClr val="accent1"/>
+          </a:effectRef>
+          <a:fontRef idx="minor">
+            <a:schemeClr val="lt1"/>
+          </a:fontRef>
+        </p:style>
+        <p:txBody>
+          <a:bodyPr rtlCol="0" anchor="ctr"/>
+          <a:lstStyle/>
+          <a:p>
+            <a:pPr algn="ctr"/>
+            <a:endParaRPr kumimoji="1" lang="zh-CN" altLang="en-US"/>
+          </a:p>
+        </p:txBody>
+      </p:sp>
+      <p:sp>
+        <p:nvSpPr>
+          <p:cNvPr id="17" name="椭圆 16"/>
+          <p:cNvSpPr/>
+          <p:nvPr/>
+        </p:nvSpPr>
+        <p:spPr>
+          <a:xfrm>
+            <a:off x="4263617" y="3177399"/>
+            <a:ext cx="179294" cy="179294"/>
+          </a:xfrm>
+          <a:prstGeom prst="ellipse">
+            <a:avLst/>
+          </a:prstGeom>
+          <a:solidFill>
+            <a:srgbClr val="7030A0"/>
+          </a:solidFill>
+          <a:ln>
+            <a:noFill/>
+          </a:ln>
+        </p:spPr>
+        <p:style>
+          <a:lnRef idx="2">
+            <a:schemeClr val="accent1">
+              <a:shade val="50000"/>
+            </a:schemeClr>
+          </a:lnRef>
+          <a:fillRef idx="1">
+            <a:schemeClr val="accent1"/>
+          </a:fillRef>
+          <a:effectRef idx="0">
+            <a:schemeClr val="accent1"/>
+          </a:effectRef>
+          <a:fontRef idx="minor">
+            <a:schemeClr val="lt1"/>
+          </a:fontRef>
+        </p:style>
+        <p:txBody>
+          <a:bodyPr rtlCol="0" anchor="ctr"/>
+          <a:lstStyle/>
+          <a:p>
+            <a:pPr algn="ctr"/>
+            <a:endParaRPr kumimoji="1" lang="zh-CN" altLang="en-US"/>
+          </a:p>
+        </p:txBody>
+      </p:sp>
+      <p:sp>
+        <p:nvSpPr>
+          <p:cNvPr id="18" name="椭圆 17"/>
+          <p:cNvSpPr/>
+          <p:nvPr/>
+        </p:nvSpPr>
+        <p:spPr>
+          <a:xfrm>
+            <a:off x="4787154" y="3822857"/>
+            <a:ext cx="179294" cy="179294"/>
+          </a:xfrm>
+          <a:prstGeom prst="ellipse">
+            <a:avLst/>
+          </a:prstGeom>
+          <a:solidFill>
+            <a:srgbClr val="7030A0"/>
+          </a:solidFill>
+          <a:ln>
+            <a:noFill/>
+          </a:ln>
+        </p:spPr>
+        <p:style>
+          <a:lnRef idx="2">
+            <a:schemeClr val="accent1">
+              <a:shade val="50000"/>
+            </a:schemeClr>
+          </a:lnRef>
+          <a:fillRef idx="1">
+            <a:schemeClr val="accent1"/>
+          </a:fillRef>
+          <a:effectRef idx="0">
+            <a:schemeClr val="accent1"/>
+          </a:effectRef>
+          <a:fontRef idx="minor">
+            <a:schemeClr val="lt1"/>
+          </a:fontRef>
+        </p:style>
+        <p:txBody>
+          <a:bodyPr rtlCol="0" anchor="ctr"/>
+          <a:lstStyle/>
+          <a:p>
+            <a:pPr algn="ctr"/>
+            <a:endParaRPr kumimoji="1" lang="zh-CN" altLang="en-US"/>
+          </a:p>
+        </p:txBody>
+      </p:sp>
+      <p:sp>
+        <p:nvSpPr>
+          <p:cNvPr id="19" name="椭圆 18"/>
+          <p:cNvSpPr/>
+          <p:nvPr/>
+        </p:nvSpPr>
+        <p:spPr>
+          <a:xfrm>
+            <a:off x="5143950" y="2890530"/>
+            <a:ext cx="179294" cy="179294"/>
+          </a:xfrm>
+          <a:prstGeom prst="ellipse">
+            <a:avLst/>
+          </a:prstGeom>
+          <a:solidFill>
+            <a:schemeClr val="accent4">
+              <a:lumMod val="60000"/>
+              <a:lumOff val="40000"/>
+            </a:schemeClr>
+          </a:solidFill>
+          <a:ln>
+            <a:noFill/>
+          </a:ln>
+        </p:spPr>
+        <p:style>
+          <a:lnRef idx="2">
+            <a:schemeClr val="accent1">
+              <a:shade val="50000"/>
+            </a:schemeClr>
+          </a:lnRef>
+          <a:fillRef idx="1">
+            <a:schemeClr val="accent1"/>
+          </a:fillRef>
+          <a:effectRef idx="0">
+            <a:schemeClr val="accent1"/>
+          </a:effectRef>
+          <a:fontRef idx="minor">
+            <a:schemeClr val="lt1"/>
+          </a:fontRef>
+        </p:style>
+        <p:txBody>
+          <a:bodyPr rtlCol="0" anchor="ctr"/>
+          <a:lstStyle/>
+          <a:p>
+            <a:pPr algn="ctr"/>
+            <a:endParaRPr kumimoji="1" lang="zh-CN" altLang="en-US"/>
+          </a:p>
+        </p:txBody>
+      </p:sp>
+    </p:spTree>
+    <p:extLst>
+      <p:ext uri="{BB962C8B-B14F-4D97-AF65-F5344CB8AC3E}">
+        <p14:creationId xmlns:p14="http://schemas.microsoft.com/office/powerpoint/2010/main" val="146379900"/>
+      </p:ext>
+    </p:extLst>
+  </p:cSld>
+  <p:clrMapOvr>
+    <a:masterClrMapping/>
+  </p:clrMapOvr>
+  <mc:AlternateContent xmlns:mc="http://schemas.openxmlformats.org/markup-compatibility/2006">
+    <mc:Choice xmlns:p159="http://schemas.microsoft.com/office/powerpoint/2015/09/main" Requires="p159">
+      <p:transition xmlns:p14="http://schemas.microsoft.com/office/powerpoint/2010/main" spd="slow" p14:dur="2000" advClick="0">
+        <p159:morph option="byObject"/>
+      </p:transition>
+    </mc:Choice>
+    <mc:Fallback>
+      <p:transition spd="slow" advClick="0">
+        <p:fade/>
+      </p:transition>
+    </mc:Fallback>
+  </mc:AlternateContent>
+  <p:timing>
+    <p:tnLst>
+      <p:par>
+        <p:cTn id="1" dur="indefinite" restart="never" nodeType="tmRoot"/>
+      </p:par>
+    </p:tnLst>
+  </p:timing>
+</p:sld>
+</file>
+
+<file path=ppt/slides/slide27.xml><?xml version="1.0" encoding="utf-8"?>
+<p:sld xmlns:a="http://schemas.openxmlformats.org/drawingml/2006/main" xmlns:r="http://schemas.openxmlformats.org/officeDocument/2006/relationships" xmlns:p="http://schemas.openxmlformats.org/presentationml/2006/main">
+  <p:cSld>
+    <p:spTree>
+      <p:nvGrpSpPr>
+        <p:cNvPr id="1" name=""/>
+        <p:cNvGrpSpPr/>
+        <p:nvPr/>
+      </p:nvGrpSpPr>
+      <p:grpSpPr>
+        <a:xfrm>
+          <a:off x="0" y="0"/>
+          <a:ext cx="0" cy="0"/>
+          <a:chOff x="0" y="0"/>
+          <a:chExt cx="0" cy="0"/>
+        </a:xfrm>
+      </p:grpSpPr>
+      <p:sp>
+        <p:nvSpPr>
+          <p:cNvPr id="2" name="标题 1"/>
+          <p:cNvSpPr>
+            <a:spLocks noGrp="1"/>
+          </p:cNvSpPr>
+          <p:nvPr>
+            <p:ph type="title"/>
+          </p:nvPr>
+        </p:nvSpPr>
+        <p:spPr/>
+        <p:txBody>
+          <a:bodyPr/>
+          <a:lstStyle/>
+          <a:p>
+            <a:r>
+              <a:rPr kumimoji="1" lang="en-US" altLang="zh-CN" b="1" dirty="0">
+                <a:solidFill>
+                  <a:schemeClr val="tx1">
+                    <a:lumMod val="65000"/>
+                    <a:lumOff val="35000"/>
+                  </a:schemeClr>
+                </a:solidFill>
+              </a:rPr>
+              <a:t>Animated</a:t>
+            </a:r>
+            <a:r>
+              <a:rPr kumimoji="1" lang="en-US" altLang="zh-CN" dirty="0" smtClean="0"/>
+              <a:t> </a:t>
+            </a:r>
+            <a:r>
+              <a:rPr kumimoji="1" lang="en-US" altLang="zh-CN" b="1" dirty="0">
+                <a:solidFill>
+                  <a:schemeClr val="tx1">
+                    <a:lumMod val="65000"/>
+                    <a:lumOff val="35000"/>
+                  </a:schemeClr>
+                </a:solidFill>
+              </a:rPr>
+              <a:t>transition</a:t>
+            </a:r>
+            <a:endParaRPr kumimoji="1" lang="zh-CN" altLang="en-US" b="1" dirty="0">
+              <a:solidFill>
+                <a:schemeClr val="tx1">
+                  <a:lumMod val="65000"/>
+                  <a:lumOff val="35000"/>
+                </a:schemeClr>
+              </a:solidFill>
+            </a:endParaRPr>
+          </a:p>
+        </p:txBody>
+      </p:sp>
+      <p:sp>
+        <p:nvSpPr>
+          <p:cNvPr id="4" name="幻灯片编号占位符 3"/>
+          <p:cNvSpPr>
+            <a:spLocks noGrp="1"/>
+          </p:cNvSpPr>
+          <p:nvPr>
+            <p:ph type="sldNum" sz="quarter" idx="12"/>
+          </p:nvPr>
+        </p:nvSpPr>
+        <p:spPr/>
+        <p:txBody>
+          <a:bodyPr/>
+          <a:lstStyle/>
+          <a:p>
+            <a:fld id="{1545DBC7-0E7E-5249-BF19-8815E0EED612}" type="slidenum">
+              <a:rPr kumimoji="1" lang="zh-CN" altLang="en-US" smtClean="0"/>
+              <a:t>27</a:t>
+            </a:fld>
+            <a:endParaRPr kumimoji="1" lang="zh-CN" altLang="en-US"/>
+          </a:p>
+        </p:txBody>
+      </p:sp>
+      <p:sp>
+        <p:nvSpPr>
+          <p:cNvPr id="5" name="矩形 4"/>
+          <p:cNvSpPr/>
+          <p:nvPr/>
+        </p:nvSpPr>
+        <p:spPr>
+          <a:xfrm>
+            <a:off x="838200" y="1260764"/>
+            <a:ext cx="7550727" cy="83127"/>
+          </a:xfrm>
+          <a:prstGeom prst="rect">
+            <a:avLst/>
+          </a:prstGeom>
+          <a:solidFill>
+            <a:schemeClr val="accent1">
+              <a:lumMod val="60000"/>
+              <a:lumOff val="40000"/>
+            </a:schemeClr>
+          </a:solidFill>
+          <a:ln>
+            <a:noFill/>
+          </a:ln>
+        </p:spPr>
+        <p:style>
+          <a:lnRef idx="2">
+            <a:schemeClr val="accent1">
+              <a:shade val="50000"/>
+            </a:schemeClr>
+          </a:lnRef>
+          <a:fillRef idx="1">
+            <a:schemeClr val="accent1"/>
+          </a:fillRef>
+          <a:effectRef idx="0">
+            <a:schemeClr val="accent1"/>
+          </a:effectRef>
+          <a:fontRef idx="minor">
+            <a:schemeClr val="lt1"/>
+          </a:fontRef>
+        </p:style>
+        <p:txBody>
+          <a:bodyPr rtlCol="0" anchor="ctr"/>
+          <a:lstStyle/>
+          <a:p>
+            <a:pPr algn="ctr"/>
+            <a:endParaRPr kumimoji="1" lang="zh-CN" altLang="en-US"/>
+          </a:p>
+        </p:txBody>
+      </p:sp>
+      <p:cxnSp>
+        <p:nvCxnSpPr>
+          <p:cNvPr id="9" name="直线箭头连接符 8"/>
+          <p:cNvCxnSpPr/>
+          <p:nvPr/>
+        </p:nvCxnSpPr>
+        <p:spPr>
+          <a:xfrm flipV="1">
+            <a:off x="1792939" y="2043950"/>
+            <a:ext cx="0" cy="3101788"/>
+          </a:xfrm>
+          <a:prstGeom prst="straightConnector1">
+            <a:avLst/>
+          </a:prstGeom>
+          <a:ln w="38100">
+            <a:tailEnd type="triangle"/>
+          </a:ln>
+        </p:spPr>
+        <p:style>
+          <a:lnRef idx="1">
+            <a:schemeClr val="accent1"/>
+          </a:lnRef>
+          <a:fillRef idx="0">
+            <a:schemeClr val="accent1"/>
+          </a:fillRef>
+          <a:effectRef idx="0">
+            <a:schemeClr val="accent1"/>
+          </a:effectRef>
+          <a:fontRef idx="minor">
+            <a:schemeClr val="tx1"/>
+          </a:fontRef>
+        </p:style>
+      </p:cxnSp>
+      <p:cxnSp>
+        <p:nvCxnSpPr>
+          <p:cNvPr id="10" name="直线箭头连接符 9"/>
+          <p:cNvCxnSpPr/>
+          <p:nvPr/>
+        </p:nvCxnSpPr>
+        <p:spPr>
+          <a:xfrm flipV="1">
+            <a:off x="1801906" y="5127812"/>
+            <a:ext cx="5334000" cy="0"/>
+          </a:xfrm>
+          <a:prstGeom prst="straightConnector1">
+            <a:avLst/>
+          </a:prstGeom>
+          <a:ln w="38100">
+            <a:tailEnd type="triangle"/>
+          </a:ln>
+        </p:spPr>
+        <p:style>
+          <a:lnRef idx="1">
+            <a:schemeClr val="accent1"/>
+          </a:lnRef>
+          <a:fillRef idx="0">
+            <a:schemeClr val="accent1"/>
+          </a:fillRef>
+          <a:effectRef idx="0">
+            <a:schemeClr val="accent1"/>
+          </a:effectRef>
+          <a:fontRef idx="minor">
+            <a:schemeClr val="tx1"/>
+          </a:fontRef>
+        </p:style>
+      </p:cxnSp>
+      <p:sp>
+        <p:nvSpPr>
+          <p:cNvPr id="7" name="椭圆 6"/>
+          <p:cNvSpPr/>
+          <p:nvPr/>
+        </p:nvSpPr>
+        <p:spPr>
+          <a:xfrm>
+            <a:off x="2761128" y="3177399"/>
+            <a:ext cx="179294" cy="179294"/>
+          </a:xfrm>
+          <a:prstGeom prst="ellipse">
+            <a:avLst/>
+          </a:prstGeom>
+          <a:solidFill>
+            <a:schemeClr val="accent4">
+              <a:lumMod val="60000"/>
+              <a:lumOff val="40000"/>
+            </a:schemeClr>
+          </a:solidFill>
+          <a:ln>
+            <a:noFill/>
+          </a:ln>
+        </p:spPr>
+        <p:style>
+          <a:lnRef idx="2">
+            <a:schemeClr val="accent1">
+              <a:shade val="50000"/>
+            </a:schemeClr>
+          </a:lnRef>
+          <a:fillRef idx="1">
+            <a:schemeClr val="accent1"/>
+          </a:fillRef>
+          <a:effectRef idx="0">
+            <a:schemeClr val="accent1"/>
+          </a:effectRef>
+          <a:fontRef idx="minor">
+            <a:schemeClr val="lt1"/>
+          </a:fontRef>
+        </p:style>
+        <p:txBody>
+          <a:bodyPr rtlCol="0" anchor="ctr"/>
+          <a:lstStyle/>
+          <a:p>
+            <a:pPr algn="ctr"/>
+            <a:endParaRPr kumimoji="1" lang="zh-CN" altLang="en-US"/>
+          </a:p>
+        </p:txBody>
+      </p:sp>
+      <p:sp>
+        <p:nvSpPr>
+          <p:cNvPr id="8" name="椭圆 7"/>
           <p:cNvSpPr>
             <a:spLocks noChangeAspect="1"/>
           </p:cNvSpPr>
@@ -19227,7 +19980,7 @@
 </p:sld>
 </file>
 
-<file path=ppt/slides/slide27.xml><?xml version="1.0" encoding="utf-8"?>
+<file path=ppt/slides/slide28.xml><?xml version="1.0" encoding="utf-8"?>
 <p:sld xmlns:a="http://schemas.openxmlformats.org/drawingml/2006/main" xmlns:r="http://schemas.openxmlformats.org/officeDocument/2006/relationships" xmlns:p="http://schemas.openxmlformats.org/presentationml/2006/main">
   <p:cSld>
     <p:spTree>
@@ -19792,7 +20545,7 @@
           <a:p>
             <a:fld id="{1545DBC7-0E7E-5249-BF19-8815E0EED612}" type="slidenum">
               <a:rPr kumimoji="1" lang="zh-CN" altLang="en-US" smtClean="0"/>
-              <a:t>27</a:t>
+              <a:t>28</a:t>
             </a:fld>
             <a:endParaRPr kumimoji="1" lang="zh-CN" altLang="en-US"/>
           </a:p>
@@ -20496,7 +21249,7 @@
 </p:sld>
 </file>
 
-<file path=ppt/slides/slide28.xml><?xml version="1.0" encoding="utf-8"?>
+<file path=ppt/slides/slide29.xml><?xml version="1.0" encoding="utf-8"?>
 <p:sld xmlns:a="http://schemas.openxmlformats.org/drawingml/2006/main" xmlns:r="http://schemas.openxmlformats.org/officeDocument/2006/relationships" xmlns:p="http://schemas.openxmlformats.org/presentationml/2006/main">
   <p:cSld>
     <p:spTree>
@@ -21069,7 +21822,7 @@
           <a:p>
             <a:fld id="{1545DBC7-0E7E-5249-BF19-8815E0EED612}" type="slidenum">
               <a:rPr kumimoji="1" lang="zh-CN" altLang="en-US" smtClean="0"/>
-              <a:t>28</a:t>
+              <a:t>29</a:t>
             </a:fld>
             <a:endParaRPr kumimoji="1" lang="zh-CN" altLang="en-US"/>
           </a:p>
@@ -21836,7 +22589,321 @@
 </p:sld>
 </file>
 
-<file path=ppt/slides/slide29.xml><?xml version="1.0" encoding="utf-8"?>
+<file path=ppt/slides/slide3.xml><?xml version="1.0" encoding="utf-8"?>
+<p:sld xmlns:a="http://schemas.openxmlformats.org/drawingml/2006/main" xmlns:r="http://schemas.openxmlformats.org/officeDocument/2006/relationships" xmlns:p="http://schemas.openxmlformats.org/presentationml/2006/main">
+  <p:cSld>
+    <p:spTree>
+      <p:nvGrpSpPr>
+        <p:cNvPr id="1" name=""/>
+        <p:cNvGrpSpPr/>
+        <p:nvPr/>
+      </p:nvGrpSpPr>
+      <p:grpSpPr>
+        <a:xfrm>
+          <a:off x="0" y="0"/>
+          <a:ext cx="0" cy="0"/>
+          <a:chOff x="0" y="0"/>
+          <a:chExt cx="0" cy="0"/>
+        </a:xfrm>
+      </p:grpSpPr>
+      <p:pic>
+        <p:nvPicPr>
+          <p:cNvPr id="5" name="图片 4"/>
+          <p:cNvPicPr>
+            <a:picLocks noChangeAspect="1"/>
+          </p:cNvPicPr>
+          <p:nvPr/>
+        </p:nvPicPr>
+        <p:blipFill>
+          <a:blip r:embed="rId2"/>
+          <a:stretch>
+            <a:fillRect/>
+          </a:stretch>
+        </p:blipFill>
+        <p:spPr>
+          <a:xfrm>
+            <a:off x="7232073" y="1690688"/>
+            <a:ext cx="5006253" cy="3337502"/>
+          </a:xfrm>
+          <a:prstGeom prst="rect">
+            <a:avLst/>
+          </a:prstGeom>
+        </p:spPr>
+      </p:pic>
+      <p:sp>
+        <p:nvSpPr>
+          <p:cNvPr id="2" name="标题 1"/>
+          <p:cNvSpPr>
+            <a:spLocks noGrp="1"/>
+          </p:cNvSpPr>
+          <p:nvPr>
+            <p:ph type="title"/>
+          </p:nvPr>
+        </p:nvSpPr>
+        <p:spPr/>
+        <p:txBody>
+          <a:bodyPr>
+            <a:normAutofit/>
+          </a:bodyPr>
+          <a:lstStyle/>
+          <a:p>
+            <a:r>
+              <a:rPr kumimoji="1" lang="en-US" altLang="zh-CN" b="1" dirty="0">
+                <a:solidFill>
+                  <a:schemeClr val="tx1">
+                    <a:lumMod val="65000"/>
+                    <a:lumOff val="35000"/>
+                  </a:schemeClr>
+                </a:solidFill>
+              </a:rPr>
+              <a:t>Motivation </a:t>
+            </a:r>
+            <a:endParaRPr kumimoji="1" lang="zh-CN" altLang="en-US" b="1" dirty="0">
+              <a:solidFill>
+                <a:schemeClr val="tx1">
+                  <a:lumMod val="65000"/>
+                  <a:lumOff val="35000"/>
+                </a:schemeClr>
+              </a:solidFill>
+            </a:endParaRPr>
+          </a:p>
+        </p:txBody>
+      </p:sp>
+      <p:sp>
+        <p:nvSpPr>
+          <p:cNvPr id="3" name="内容占位符 2"/>
+          <p:cNvSpPr>
+            <a:spLocks noGrp="1"/>
+          </p:cNvSpPr>
+          <p:nvPr>
+            <p:ph idx="1"/>
+          </p:nvPr>
+        </p:nvSpPr>
+        <p:spPr>
+          <a:xfrm>
+            <a:off x="838199" y="1451550"/>
+            <a:ext cx="7253377" cy="4351338"/>
+          </a:xfrm>
+        </p:spPr>
+        <p:txBody>
+          <a:bodyPr/>
+          <a:lstStyle/>
+          <a:p>
+            <a:pPr marL="0" indent="0">
+              <a:buNone/>
+            </a:pPr>
+            <a:r>
+              <a:rPr kumimoji="1" lang="en-US" altLang="zh-CN" sz="3600" dirty="0" smtClean="0"/>
+              <a:t>Advanced visualization technology</a:t>
+            </a:r>
+            <a:endParaRPr kumimoji="1" lang="zh-CN" altLang="en-US" sz="3600" dirty="0" smtClean="0"/>
+          </a:p>
+          <a:p>
+            <a:r>
+              <a:rPr kumimoji="1" lang="en-US" altLang="zh-CN" dirty="0">
+                <a:solidFill>
+                  <a:schemeClr val="tx1">
+                    <a:lumMod val="65000"/>
+                    <a:lumOff val="35000"/>
+                  </a:schemeClr>
+                </a:solidFill>
+              </a:rPr>
+              <a:t>overwhelming information harm the </a:t>
+            </a:r>
+            <a:r>
+              <a:rPr kumimoji="1" lang="en-US" altLang="zh-CN" b="1" dirty="0">
+                <a:solidFill>
+                  <a:schemeClr val="tx1">
+                    <a:lumMod val="65000"/>
+                    <a:lumOff val="35000"/>
+                  </a:schemeClr>
+                </a:solidFill>
+              </a:rPr>
+              <a:t>understandability </a:t>
+            </a:r>
+            <a:r>
+              <a:rPr kumimoji="1" lang="en-US" altLang="zh-CN" dirty="0">
+                <a:solidFill>
+                  <a:schemeClr val="tx1">
+                    <a:lumMod val="65000"/>
+                    <a:lumOff val="35000"/>
+                  </a:schemeClr>
+                </a:solidFill>
+              </a:rPr>
+              <a:t>and</a:t>
+            </a:r>
+            <a:r>
+              <a:rPr kumimoji="1" lang="en-US" altLang="zh-CN" b="1" dirty="0">
+                <a:solidFill>
+                  <a:schemeClr val="tx1">
+                    <a:lumMod val="65000"/>
+                    <a:lumOff val="35000"/>
+                  </a:schemeClr>
+                </a:solidFill>
+              </a:rPr>
+              <a:t> memorability </a:t>
+            </a:r>
+          </a:p>
+          <a:p>
+            <a:r>
+              <a:rPr kumimoji="1" lang="en-US" altLang="zh-CN" dirty="0">
+                <a:solidFill>
+                  <a:schemeClr val="tx1">
+                    <a:lumMod val="65000"/>
+                    <a:lumOff val="35000"/>
+                  </a:schemeClr>
+                </a:solidFill>
+              </a:rPr>
+              <a:t>Difficult to </a:t>
+            </a:r>
+            <a:r>
+              <a:rPr kumimoji="1" lang="en-US" altLang="zh-CN" b="1" dirty="0">
+                <a:solidFill>
+                  <a:schemeClr val="tx1">
+                    <a:lumMod val="65000"/>
+                    <a:lumOff val="35000"/>
+                  </a:schemeClr>
+                </a:solidFill>
+              </a:rPr>
+              <a:t>present</a:t>
+            </a:r>
+            <a:r>
+              <a:rPr kumimoji="1" lang="en-US" altLang="zh-CN" dirty="0">
+                <a:solidFill>
+                  <a:schemeClr val="tx1">
+                    <a:lumMod val="65000"/>
+                    <a:lumOff val="35000"/>
+                  </a:schemeClr>
+                </a:solidFill>
+              </a:rPr>
+              <a:t>, especially for novice</a:t>
+            </a:r>
+          </a:p>
+          <a:p>
+            <a:r>
+              <a:rPr kumimoji="1" lang="en-US" altLang="zh-CN" b="1" dirty="0">
+                <a:solidFill>
+                  <a:schemeClr val="tx1">
+                    <a:lumMod val="65000"/>
+                    <a:lumOff val="35000"/>
+                  </a:schemeClr>
+                </a:solidFill>
+              </a:rPr>
+              <a:t>Little exposure </a:t>
+            </a:r>
+            <a:r>
+              <a:rPr kumimoji="1" lang="en-US" altLang="zh-CN" dirty="0">
+                <a:solidFill>
+                  <a:schemeClr val="tx1">
+                    <a:lumMod val="65000"/>
+                    <a:lumOff val="35000"/>
+                  </a:schemeClr>
+                </a:solidFill>
+              </a:rPr>
+              <a:t>outside visual community due to relatively long study period</a:t>
+            </a:r>
+          </a:p>
+          <a:p>
+            <a:pPr marL="0" indent="0">
+              <a:buNone/>
+            </a:pPr>
+            <a:endParaRPr kumimoji="1" lang="zh-CN" altLang="en-US" dirty="0"/>
+          </a:p>
+        </p:txBody>
+      </p:sp>
+      <p:sp>
+        <p:nvSpPr>
+          <p:cNvPr id="4" name="幻灯片编号占位符 3"/>
+          <p:cNvSpPr>
+            <a:spLocks noGrp="1"/>
+          </p:cNvSpPr>
+          <p:nvPr>
+            <p:ph type="sldNum" sz="quarter" idx="12"/>
+          </p:nvPr>
+        </p:nvSpPr>
+        <p:spPr/>
+        <p:txBody>
+          <a:bodyPr/>
+          <a:lstStyle/>
+          <a:p>
+            <a:fld id="{1545DBC7-0E7E-5249-BF19-8815E0EED612}" type="slidenum">
+              <a:rPr kumimoji="1" lang="zh-CN" altLang="en-US" smtClean="0"/>
+              <a:t>3</a:t>
+            </a:fld>
+            <a:endParaRPr kumimoji="1" lang="zh-CN" altLang="en-US"/>
+          </a:p>
+        </p:txBody>
+      </p:sp>
+      <p:sp>
+        <p:nvSpPr>
+          <p:cNvPr id="7" name="矩形 6"/>
+          <p:cNvSpPr/>
+          <p:nvPr/>
+        </p:nvSpPr>
+        <p:spPr>
+          <a:xfrm>
+            <a:off x="838200" y="1260764"/>
+            <a:ext cx="7550727" cy="83127"/>
+          </a:xfrm>
+          <a:prstGeom prst="rect">
+            <a:avLst/>
+          </a:prstGeom>
+          <a:solidFill>
+            <a:schemeClr val="accent1">
+              <a:lumMod val="60000"/>
+              <a:lumOff val="40000"/>
+            </a:schemeClr>
+          </a:solidFill>
+          <a:ln>
+            <a:noFill/>
+          </a:ln>
+        </p:spPr>
+        <p:style>
+          <a:lnRef idx="2">
+            <a:schemeClr val="accent1">
+              <a:shade val="50000"/>
+            </a:schemeClr>
+          </a:lnRef>
+          <a:fillRef idx="1">
+            <a:schemeClr val="accent1"/>
+          </a:fillRef>
+          <a:effectRef idx="0">
+            <a:schemeClr val="accent1"/>
+          </a:effectRef>
+          <a:fontRef idx="minor">
+            <a:schemeClr val="lt1"/>
+          </a:fontRef>
+        </p:style>
+        <p:txBody>
+          <a:bodyPr rtlCol="0" anchor="ctr"/>
+          <a:lstStyle/>
+          <a:p>
+            <a:pPr algn="ctr"/>
+            <a:endParaRPr kumimoji="1" lang="zh-CN" altLang="en-US"/>
+          </a:p>
+        </p:txBody>
+      </p:sp>
+    </p:spTree>
+    <p:extLst>
+      <p:ext uri="{BB962C8B-B14F-4D97-AF65-F5344CB8AC3E}">
+        <p14:creationId xmlns:p14="http://schemas.microsoft.com/office/powerpoint/2010/main" val="2046166221"/>
+      </p:ext>
+    </p:extLst>
+  </p:cSld>
+  <p:clrMapOvr>
+    <a:masterClrMapping/>
+  </p:clrMapOvr>
+  <p:timing>
+    <p:tnLst>
+      <p:par>
+        <p:cTn id="1" dur="indefinite" restart="never" nodeType="tmRoot"/>
+      </p:par>
+    </p:tnLst>
+  </p:timing>
+</p:sld>
+</file>
+
+<file path=ppt/slides/slide30.xml><?xml version="1.0" encoding="utf-8"?>
 <p:sld xmlns:a="http://schemas.openxmlformats.org/drawingml/2006/main" xmlns:r="http://schemas.openxmlformats.org/officeDocument/2006/relationships" xmlns:p="http://schemas.openxmlformats.org/presentationml/2006/main">
   <p:cSld>
     <p:spTree>
@@ -22405,7 +23472,7 @@
           <a:p>
             <a:fld id="{1545DBC7-0E7E-5249-BF19-8815E0EED612}" type="slidenum">
               <a:rPr kumimoji="1" lang="zh-CN" altLang="en-US" smtClean="0"/>
-              <a:t>29</a:t>
+              <a:t>30</a:t>
             </a:fld>
             <a:endParaRPr kumimoji="1" lang="zh-CN" altLang="en-US"/>
           </a:p>
@@ -23361,321 +24428,7 @@
 </p:sld>
 </file>
 
-<file path=ppt/slides/slide3.xml><?xml version="1.0" encoding="utf-8"?>
-<p:sld xmlns:a="http://schemas.openxmlformats.org/drawingml/2006/main" xmlns:r="http://schemas.openxmlformats.org/officeDocument/2006/relationships" xmlns:p="http://schemas.openxmlformats.org/presentationml/2006/main">
-  <p:cSld>
-    <p:spTree>
-      <p:nvGrpSpPr>
-        <p:cNvPr id="1" name=""/>
-        <p:cNvGrpSpPr/>
-        <p:nvPr/>
-      </p:nvGrpSpPr>
-      <p:grpSpPr>
-        <a:xfrm>
-          <a:off x="0" y="0"/>
-          <a:ext cx="0" cy="0"/>
-          <a:chOff x="0" y="0"/>
-          <a:chExt cx="0" cy="0"/>
-        </a:xfrm>
-      </p:grpSpPr>
-      <p:pic>
-        <p:nvPicPr>
-          <p:cNvPr id="5" name="图片 4"/>
-          <p:cNvPicPr>
-            <a:picLocks noChangeAspect="1"/>
-          </p:cNvPicPr>
-          <p:nvPr/>
-        </p:nvPicPr>
-        <p:blipFill>
-          <a:blip r:embed="rId2"/>
-          <a:stretch>
-            <a:fillRect/>
-          </a:stretch>
-        </p:blipFill>
-        <p:spPr>
-          <a:xfrm>
-            <a:off x="7232073" y="1690688"/>
-            <a:ext cx="5006253" cy="3337502"/>
-          </a:xfrm>
-          <a:prstGeom prst="rect">
-            <a:avLst/>
-          </a:prstGeom>
-        </p:spPr>
-      </p:pic>
-      <p:sp>
-        <p:nvSpPr>
-          <p:cNvPr id="2" name="标题 1"/>
-          <p:cNvSpPr>
-            <a:spLocks noGrp="1"/>
-          </p:cNvSpPr>
-          <p:nvPr>
-            <p:ph type="title"/>
-          </p:nvPr>
-        </p:nvSpPr>
-        <p:spPr/>
-        <p:txBody>
-          <a:bodyPr>
-            <a:normAutofit/>
-          </a:bodyPr>
-          <a:lstStyle/>
-          <a:p>
-            <a:r>
-              <a:rPr kumimoji="1" lang="en-US" altLang="zh-CN" b="1" dirty="0">
-                <a:solidFill>
-                  <a:schemeClr val="tx1">
-                    <a:lumMod val="65000"/>
-                    <a:lumOff val="35000"/>
-                  </a:schemeClr>
-                </a:solidFill>
-              </a:rPr>
-              <a:t>Motivation </a:t>
-            </a:r>
-            <a:endParaRPr kumimoji="1" lang="zh-CN" altLang="en-US" b="1" dirty="0">
-              <a:solidFill>
-                <a:schemeClr val="tx1">
-                  <a:lumMod val="65000"/>
-                  <a:lumOff val="35000"/>
-                </a:schemeClr>
-              </a:solidFill>
-            </a:endParaRPr>
-          </a:p>
-        </p:txBody>
-      </p:sp>
-      <p:sp>
-        <p:nvSpPr>
-          <p:cNvPr id="3" name="内容占位符 2"/>
-          <p:cNvSpPr>
-            <a:spLocks noGrp="1"/>
-          </p:cNvSpPr>
-          <p:nvPr>
-            <p:ph idx="1"/>
-          </p:nvPr>
-        </p:nvSpPr>
-        <p:spPr>
-          <a:xfrm>
-            <a:off x="838199" y="1451550"/>
-            <a:ext cx="7253377" cy="4351338"/>
-          </a:xfrm>
-        </p:spPr>
-        <p:txBody>
-          <a:bodyPr/>
-          <a:lstStyle/>
-          <a:p>
-            <a:pPr marL="0" indent="0">
-              <a:buNone/>
-            </a:pPr>
-            <a:r>
-              <a:rPr kumimoji="1" lang="en-US" altLang="zh-CN" sz="3600" dirty="0" smtClean="0"/>
-              <a:t>Advanced visualization technology</a:t>
-            </a:r>
-            <a:endParaRPr kumimoji="1" lang="zh-CN" altLang="en-US" sz="3600" dirty="0" smtClean="0"/>
-          </a:p>
-          <a:p>
-            <a:r>
-              <a:rPr kumimoji="1" lang="en-US" altLang="zh-CN" dirty="0">
-                <a:solidFill>
-                  <a:schemeClr val="tx1">
-                    <a:lumMod val="65000"/>
-                    <a:lumOff val="35000"/>
-                  </a:schemeClr>
-                </a:solidFill>
-              </a:rPr>
-              <a:t>overwhelming information harm the </a:t>
-            </a:r>
-            <a:r>
-              <a:rPr kumimoji="1" lang="en-US" altLang="zh-CN" b="1" dirty="0">
-                <a:solidFill>
-                  <a:schemeClr val="tx1">
-                    <a:lumMod val="65000"/>
-                    <a:lumOff val="35000"/>
-                  </a:schemeClr>
-                </a:solidFill>
-              </a:rPr>
-              <a:t>understandability </a:t>
-            </a:r>
-            <a:r>
-              <a:rPr kumimoji="1" lang="en-US" altLang="zh-CN" dirty="0">
-                <a:solidFill>
-                  <a:schemeClr val="tx1">
-                    <a:lumMod val="65000"/>
-                    <a:lumOff val="35000"/>
-                  </a:schemeClr>
-                </a:solidFill>
-              </a:rPr>
-              <a:t>and</a:t>
-            </a:r>
-            <a:r>
-              <a:rPr kumimoji="1" lang="en-US" altLang="zh-CN" b="1" dirty="0">
-                <a:solidFill>
-                  <a:schemeClr val="tx1">
-                    <a:lumMod val="65000"/>
-                    <a:lumOff val="35000"/>
-                  </a:schemeClr>
-                </a:solidFill>
-              </a:rPr>
-              <a:t> memorability </a:t>
-            </a:r>
-          </a:p>
-          <a:p>
-            <a:r>
-              <a:rPr kumimoji="1" lang="en-US" altLang="zh-CN" dirty="0">
-                <a:solidFill>
-                  <a:schemeClr val="tx1">
-                    <a:lumMod val="65000"/>
-                    <a:lumOff val="35000"/>
-                  </a:schemeClr>
-                </a:solidFill>
-              </a:rPr>
-              <a:t>Difficult to </a:t>
-            </a:r>
-            <a:r>
-              <a:rPr kumimoji="1" lang="en-US" altLang="zh-CN" b="1" dirty="0">
-                <a:solidFill>
-                  <a:schemeClr val="tx1">
-                    <a:lumMod val="65000"/>
-                    <a:lumOff val="35000"/>
-                  </a:schemeClr>
-                </a:solidFill>
-              </a:rPr>
-              <a:t>present</a:t>
-            </a:r>
-            <a:r>
-              <a:rPr kumimoji="1" lang="en-US" altLang="zh-CN" dirty="0">
-                <a:solidFill>
-                  <a:schemeClr val="tx1">
-                    <a:lumMod val="65000"/>
-                    <a:lumOff val="35000"/>
-                  </a:schemeClr>
-                </a:solidFill>
-              </a:rPr>
-              <a:t>, especially for novice</a:t>
-            </a:r>
-          </a:p>
-          <a:p>
-            <a:r>
-              <a:rPr kumimoji="1" lang="en-US" altLang="zh-CN" b="1" dirty="0">
-                <a:solidFill>
-                  <a:schemeClr val="tx1">
-                    <a:lumMod val="65000"/>
-                    <a:lumOff val="35000"/>
-                  </a:schemeClr>
-                </a:solidFill>
-              </a:rPr>
-              <a:t>Little exposure </a:t>
-            </a:r>
-            <a:r>
-              <a:rPr kumimoji="1" lang="en-US" altLang="zh-CN" dirty="0">
-                <a:solidFill>
-                  <a:schemeClr val="tx1">
-                    <a:lumMod val="65000"/>
-                    <a:lumOff val="35000"/>
-                  </a:schemeClr>
-                </a:solidFill>
-              </a:rPr>
-              <a:t>outside visual community due to relatively long study period</a:t>
-            </a:r>
-          </a:p>
-          <a:p>
-            <a:pPr marL="0" indent="0">
-              <a:buNone/>
-            </a:pPr>
-            <a:endParaRPr kumimoji="1" lang="zh-CN" altLang="en-US" dirty="0"/>
-          </a:p>
-        </p:txBody>
-      </p:sp>
-      <p:sp>
-        <p:nvSpPr>
-          <p:cNvPr id="4" name="幻灯片编号占位符 3"/>
-          <p:cNvSpPr>
-            <a:spLocks noGrp="1"/>
-          </p:cNvSpPr>
-          <p:nvPr>
-            <p:ph type="sldNum" sz="quarter" idx="12"/>
-          </p:nvPr>
-        </p:nvSpPr>
-        <p:spPr/>
-        <p:txBody>
-          <a:bodyPr/>
-          <a:lstStyle/>
-          <a:p>
-            <a:fld id="{1545DBC7-0E7E-5249-BF19-8815E0EED612}" type="slidenum">
-              <a:rPr kumimoji="1" lang="zh-CN" altLang="en-US" smtClean="0"/>
-              <a:t>3</a:t>
-            </a:fld>
-            <a:endParaRPr kumimoji="1" lang="zh-CN" altLang="en-US"/>
-          </a:p>
-        </p:txBody>
-      </p:sp>
-      <p:sp>
-        <p:nvSpPr>
-          <p:cNvPr id="7" name="矩形 6"/>
-          <p:cNvSpPr/>
-          <p:nvPr/>
-        </p:nvSpPr>
-        <p:spPr>
-          <a:xfrm>
-            <a:off x="838200" y="1260764"/>
-            <a:ext cx="7550727" cy="83127"/>
-          </a:xfrm>
-          <a:prstGeom prst="rect">
-            <a:avLst/>
-          </a:prstGeom>
-          <a:solidFill>
-            <a:schemeClr val="accent1">
-              <a:lumMod val="60000"/>
-              <a:lumOff val="40000"/>
-            </a:schemeClr>
-          </a:solidFill>
-          <a:ln>
-            <a:noFill/>
-          </a:ln>
-        </p:spPr>
-        <p:style>
-          <a:lnRef idx="2">
-            <a:schemeClr val="accent1">
-              <a:shade val="50000"/>
-            </a:schemeClr>
-          </a:lnRef>
-          <a:fillRef idx="1">
-            <a:schemeClr val="accent1"/>
-          </a:fillRef>
-          <a:effectRef idx="0">
-            <a:schemeClr val="accent1"/>
-          </a:effectRef>
-          <a:fontRef idx="minor">
-            <a:schemeClr val="lt1"/>
-          </a:fontRef>
-        </p:style>
-        <p:txBody>
-          <a:bodyPr rtlCol="0" anchor="ctr"/>
-          <a:lstStyle/>
-          <a:p>
-            <a:pPr algn="ctr"/>
-            <a:endParaRPr kumimoji="1" lang="zh-CN" altLang="en-US"/>
-          </a:p>
-        </p:txBody>
-      </p:sp>
-    </p:spTree>
-    <p:extLst>
-      <p:ext uri="{BB962C8B-B14F-4D97-AF65-F5344CB8AC3E}">
-        <p14:creationId xmlns:p14="http://schemas.microsoft.com/office/powerpoint/2010/main" val="2046166221"/>
-      </p:ext>
-    </p:extLst>
-  </p:cSld>
-  <p:clrMapOvr>
-    <a:masterClrMapping/>
-  </p:clrMapOvr>
-  <p:timing>
-    <p:tnLst>
-      <p:par>
-        <p:cTn id="1" dur="indefinite" restart="never" nodeType="tmRoot"/>
-      </p:par>
-    </p:tnLst>
-  </p:timing>
-</p:sld>
-</file>
-
-<file path=ppt/slides/slide30.xml><?xml version="1.0" encoding="utf-8"?>
+<file path=ppt/slides/slide31.xml><?xml version="1.0" encoding="utf-8"?>
 <p:sld xmlns:a="http://schemas.openxmlformats.org/drawingml/2006/main" xmlns:r="http://schemas.openxmlformats.org/officeDocument/2006/relationships" xmlns:p="http://schemas.openxmlformats.org/presentationml/2006/main">
   <p:cSld>
     <p:spTree>
@@ -24244,7 +24997,7 @@
           <a:p>
             <a:fld id="{1545DBC7-0E7E-5249-BF19-8815E0EED612}" type="slidenum">
               <a:rPr kumimoji="1" lang="zh-CN" altLang="en-US" smtClean="0"/>
-              <a:t>30</a:t>
+              <a:t>31</a:t>
             </a:fld>
             <a:endParaRPr kumimoji="1" lang="zh-CN" altLang="en-US"/>
           </a:p>
@@ -25090,7 +25843,7 @@
 </p:sld>
 </file>
 
-<file path=ppt/slides/slide31.xml><?xml version="1.0" encoding="utf-8"?>
+<file path=ppt/slides/slide32.xml><?xml version="1.0" encoding="utf-8"?>
 <p:sld xmlns:a="http://schemas.openxmlformats.org/drawingml/2006/main" xmlns:r="http://schemas.openxmlformats.org/officeDocument/2006/relationships" xmlns:p="http://schemas.openxmlformats.org/presentationml/2006/main">
   <p:cSld>
     <p:spTree>
@@ -25262,7 +26015,7 @@
           <a:p>
             <a:fld id="{1545DBC7-0E7E-5249-BF19-8815E0EED612}" type="slidenum">
               <a:rPr kumimoji="1" lang="zh-CN" altLang="en-US" smtClean="0"/>
-              <a:t>31</a:t>
+              <a:t>32</a:t>
             </a:fld>
             <a:endParaRPr kumimoji="1" lang="zh-CN" altLang="en-US" dirty="0"/>
           </a:p>
@@ -25969,7 +26722,570 @@
 </p:sld>
 </file>
 
-<file path=ppt/slides/slide32.xml><?xml version="1.0" encoding="utf-8"?>
+<file path=ppt/slides/slide33.xml><?xml version="1.0" encoding="utf-8"?>
+<p:sld xmlns:a="http://schemas.openxmlformats.org/drawingml/2006/main" xmlns:r="http://schemas.openxmlformats.org/officeDocument/2006/relationships" xmlns:p="http://schemas.openxmlformats.org/presentationml/2006/main">
+  <p:cSld>
+    <p:spTree>
+      <p:nvGrpSpPr>
+        <p:cNvPr id="1" name=""/>
+        <p:cNvGrpSpPr/>
+        <p:nvPr/>
+      </p:nvGrpSpPr>
+      <p:grpSpPr>
+        <a:xfrm>
+          <a:off x="0" y="0"/>
+          <a:ext cx="0" cy="0"/>
+          <a:chOff x="0" y="0"/>
+          <a:chExt cx="0" cy="0"/>
+        </a:xfrm>
+      </p:grpSpPr>
+      <p:sp>
+        <p:nvSpPr>
+          <p:cNvPr id="2" name="标题 1"/>
+          <p:cNvSpPr>
+            <a:spLocks noGrp="1"/>
+          </p:cNvSpPr>
+          <p:nvPr>
+            <p:ph type="title"/>
+          </p:nvPr>
+        </p:nvSpPr>
+        <p:spPr/>
+        <p:txBody>
+          <a:bodyPr/>
+          <a:lstStyle/>
+          <a:p>
+            <a:endParaRPr kumimoji="1" lang="zh-CN" altLang="en-US" dirty="0"/>
+          </a:p>
+        </p:txBody>
+      </p:sp>
+      <p:sp>
+        <p:nvSpPr>
+          <p:cNvPr id="3" name="内容占位符 2"/>
+          <p:cNvSpPr>
+            <a:spLocks noGrp="1"/>
+          </p:cNvSpPr>
+          <p:nvPr>
+            <p:ph idx="1"/>
+          </p:nvPr>
+        </p:nvSpPr>
+        <p:spPr/>
+        <p:txBody>
+          <a:bodyPr>
+            <a:normAutofit fontScale="62500" lnSpcReduction="20000"/>
+          </a:bodyPr>
+          <a:lstStyle/>
+          <a:p>
+            <a:r>
+              <a:rPr kumimoji="1" lang="en-US" altLang="zh-CN" dirty="0" smtClean="0"/>
+              <a:t>Hypothesis</a:t>
+            </a:r>
+          </a:p>
+          <a:p>
+            <a:pPr marL="457200" lvl="1" indent="0">
+              <a:buNone/>
+            </a:pPr>
+            <a:r>
+              <a:rPr kumimoji="1" lang="en-US" altLang="zh-CN" dirty="0" smtClean="0"/>
+              <a:t>observe</a:t>
+            </a:r>
+          </a:p>
+          <a:p>
+            <a:r>
+              <a:rPr kumimoji="1" lang="en-US" altLang="zh-CN" dirty="0" smtClean="0"/>
+              <a:t>Validate</a:t>
+            </a:r>
+          </a:p>
+          <a:p>
+            <a:pPr marL="457200" lvl="1" indent="0">
+              <a:buNone/>
+            </a:pPr>
+            <a:r>
+              <a:rPr kumimoji="1" lang="en-US" altLang="zh-CN" dirty="0" smtClean="0"/>
+              <a:t>User study: eye tracking</a:t>
+            </a:r>
+          </a:p>
+          <a:p>
+            <a:pPr marL="457200" lvl="1" indent="0">
+              <a:buNone/>
+            </a:pPr>
+            <a:r>
+              <a:rPr kumimoji="1" lang="zh-CN" altLang="en-US" dirty="0" smtClean="0"/>
+              <a:t>问卷</a:t>
+            </a:r>
+            <a:endParaRPr kumimoji="1" lang="en-US" altLang="zh-CN" dirty="0" smtClean="0"/>
+          </a:p>
+          <a:p>
+            <a:pPr marL="457200" lvl="1" indent="0">
+              <a:buNone/>
+            </a:pPr>
+            <a:r>
+              <a:rPr kumimoji="1" lang="en-US" altLang="zh-CN" dirty="0" smtClean="0"/>
+              <a:t>think aloud</a:t>
+            </a:r>
+          </a:p>
+          <a:p>
+            <a:pPr marL="457200" lvl="1" indent="0">
+              <a:buNone/>
+            </a:pPr>
+            <a:endParaRPr kumimoji="1" lang="en-US" altLang="zh-CN" dirty="0" smtClean="0"/>
+          </a:p>
+          <a:p>
+            <a:pPr marL="0" indent="0">
+              <a:buNone/>
+            </a:pPr>
+            <a:r>
+              <a:rPr kumimoji="1" lang="en-US" altLang="zh-CN" dirty="0" smtClean="0"/>
+              <a:t>Contribution:</a:t>
+            </a:r>
+          </a:p>
+          <a:p>
+            <a:pPr marL="457200" lvl="1" indent="0">
+              <a:buNone/>
+            </a:pPr>
+            <a:r>
+              <a:rPr kumimoji="1" lang="en-US" altLang="zh-CN" dirty="0" smtClean="0"/>
+              <a:t>Decompose algorithm: spatial-&gt;temporal</a:t>
+            </a:r>
+          </a:p>
+          <a:p>
+            <a:pPr marL="457200" lvl="1" indent="0">
+              <a:buNone/>
+            </a:pPr>
+            <a:r>
+              <a:rPr kumimoji="1" lang="en-US" altLang="zh-CN" dirty="0" smtClean="0"/>
+              <a:t>Logical flow: common bonding</a:t>
+            </a:r>
+          </a:p>
+          <a:p>
+            <a:pPr marL="457200" lvl="1" indent="0">
+              <a:buNone/>
+            </a:pPr>
+            <a:r>
+              <a:rPr kumimoji="1" lang="en-US" altLang="zh-CN" dirty="0" smtClean="0"/>
+              <a:t>Component </a:t>
+            </a:r>
+          </a:p>
+          <a:p>
+            <a:pPr marL="457200" lvl="1" indent="0">
+              <a:buNone/>
+            </a:pPr>
+            <a:r>
+              <a:rPr kumimoji="1" lang="en-US" altLang="zh-CN" dirty="0"/>
+              <a:t>Extensive framework:</a:t>
+            </a:r>
+          </a:p>
+          <a:p>
+            <a:pPr marL="914400" lvl="2" indent="0">
+              <a:buNone/>
+            </a:pPr>
+            <a:r>
+              <a:rPr kumimoji="1" lang="en-US" altLang="zh-CN" dirty="0"/>
+              <a:t>Semi-auto</a:t>
+            </a:r>
+          </a:p>
+          <a:p>
+            <a:pPr marL="914400" lvl="2" indent="0">
+              <a:buNone/>
+            </a:pPr>
+            <a:r>
+              <a:rPr kumimoji="1" lang="en-US" altLang="zh-CN" dirty="0"/>
+              <a:t>Template:</a:t>
+            </a:r>
+          </a:p>
+          <a:p>
+            <a:pPr marL="457200" lvl="1" indent="0">
+              <a:buNone/>
+            </a:pPr>
+            <a:endParaRPr kumimoji="1" lang="en-US" altLang="zh-CN" dirty="0"/>
+          </a:p>
+          <a:p>
+            <a:pPr marL="0" indent="0">
+              <a:buNone/>
+            </a:pPr>
+            <a:r>
+              <a:rPr kumimoji="1" lang="en-US" altLang="zh-CN" dirty="0" smtClean="0"/>
+              <a:t>Open frame work: template in template</a:t>
+            </a:r>
+          </a:p>
+          <a:p>
+            <a:pPr marL="0" indent="0">
+              <a:buNone/>
+            </a:pPr>
+            <a:r>
+              <a:rPr kumimoji="1" lang="en-US" altLang="zh-CN" dirty="0" smtClean="0"/>
+              <a:t>Build in quiz/ repetition: multiple channel, text</a:t>
+            </a:r>
+          </a:p>
+        </p:txBody>
+      </p:sp>
+      <p:sp>
+        <p:nvSpPr>
+          <p:cNvPr id="4" name="幻灯片编号占位符 3"/>
+          <p:cNvSpPr>
+            <a:spLocks noGrp="1"/>
+          </p:cNvSpPr>
+          <p:nvPr>
+            <p:ph type="sldNum" sz="quarter" idx="12"/>
+          </p:nvPr>
+        </p:nvSpPr>
+        <p:spPr/>
+        <p:txBody>
+          <a:bodyPr/>
+          <a:lstStyle/>
+          <a:p>
+            <a:fld id="{1545DBC7-0E7E-5249-BF19-8815E0EED612}" type="slidenum">
+              <a:rPr kumimoji="1" lang="zh-CN" altLang="en-US" smtClean="0"/>
+              <a:t>33</a:t>
+            </a:fld>
+            <a:endParaRPr kumimoji="1" lang="zh-CN" altLang="en-US"/>
+          </a:p>
+        </p:txBody>
+      </p:sp>
+    </p:spTree>
+    <p:extLst>
+      <p:ext uri="{BB962C8B-B14F-4D97-AF65-F5344CB8AC3E}">
+        <p14:creationId xmlns:p14="http://schemas.microsoft.com/office/powerpoint/2010/main" val="241725430"/>
+      </p:ext>
+    </p:extLst>
+  </p:cSld>
+  <p:clrMapOvr>
+    <a:masterClrMapping/>
+  </p:clrMapOvr>
+  <p:timing>
+    <p:tnLst>
+      <p:par>
+        <p:cTn id="1" dur="indefinite" restart="never" nodeType="tmRoot"/>
+      </p:par>
+    </p:tnLst>
+  </p:timing>
+</p:sld>
+</file>
+
+<file path=ppt/slides/slide34.xml><?xml version="1.0" encoding="utf-8"?>
+<p:sld xmlns:a="http://schemas.openxmlformats.org/drawingml/2006/main" xmlns:r="http://schemas.openxmlformats.org/officeDocument/2006/relationships" xmlns:p="http://schemas.openxmlformats.org/presentationml/2006/main">
+  <p:cSld>
+    <p:spTree>
+      <p:nvGrpSpPr>
+        <p:cNvPr id="1" name=""/>
+        <p:cNvGrpSpPr/>
+        <p:nvPr/>
+      </p:nvGrpSpPr>
+      <p:grpSpPr>
+        <a:xfrm>
+          <a:off x="0" y="0"/>
+          <a:ext cx="0" cy="0"/>
+          <a:chOff x="0" y="0"/>
+          <a:chExt cx="0" cy="0"/>
+        </a:xfrm>
+      </p:grpSpPr>
+      <p:sp>
+        <p:nvSpPr>
+          <p:cNvPr id="2" name="标题 1"/>
+          <p:cNvSpPr>
+            <a:spLocks noGrp="1"/>
+          </p:cNvSpPr>
+          <p:nvPr>
+            <p:ph type="title"/>
+          </p:nvPr>
+        </p:nvSpPr>
+        <p:spPr/>
+        <p:txBody>
+          <a:bodyPr/>
+          <a:lstStyle/>
+          <a:p>
+            <a:endParaRPr kumimoji="1" lang="zh-CN" altLang="en-US" dirty="0"/>
+          </a:p>
+        </p:txBody>
+      </p:sp>
+      <p:sp>
+        <p:nvSpPr>
+          <p:cNvPr id="3" name="内容占位符 2"/>
+          <p:cNvSpPr>
+            <a:spLocks noGrp="1"/>
+          </p:cNvSpPr>
+          <p:nvPr>
+            <p:ph idx="1"/>
+          </p:nvPr>
+        </p:nvSpPr>
+        <p:spPr/>
+        <p:txBody>
+          <a:bodyPr/>
+          <a:lstStyle/>
+          <a:p>
+            <a:r>
+              <a:rPr kumimoji="1" lang="en-US" altLang="zh-CN" dirty="0" smtClean="0"/>
+              <a:t>Hypothesis --&gt; validation</a:t>
+            </a:r>
+          </a:p>
+          <a:p>
+            <a:r>
+              <a:rPr kumimoji="1" lang="en-US" altLang="zh-CN" dirty="0" smtClean="0"/>
+              <a:t>Automatic detect and decompose, build-in and user edit</a:t>
+            </a:r>
+          </a:p>
+          <a:p>
+            <a:r>
+              <a:rPr kumimoji="1" lang="en-US" altLang="zh-CN" dirty="0" smtClean="0"/>
+              <a:t>Build in: pre defined template</a:t>
+            </a:r>
+          </a:p>
+          <a:p>
+            <a:r>
+              <a:rPr kumimoji="1" lang="en-US" altLang="zh-CN" dirty="0" smtClean="0"/>
+              <a:t>Not build in: coordinate, mark, channel, layout, </a:t>
+            </a:r>
+            <a:r>
+              <a:rPr kumimoji="1" lang="en-US" altLang="zh-CN" dirty="0" err="1" smtClean="0"/>
+              <a:t>alg</a:t>
+            </a:r>
+            <a:r>
+              <a:rPr kumimoji="1" lang="en-US" altLang="zh-CN" dirty="0" smtClean="0"/>
+              <a:t>, example, quiz</a:t>
+            </a:r>
+          </a:p>
+          <a:p>
+            <a:r>
+              <a:rPr kumimoji="1" lang="en-US" altLang="zh-CN" dirty="0" smtClean="0"/>
+              <a:t>Familiar, build-in </a:t>
+            </a:r>
+            <a:r>
+              <a:rPr kumimoji="1" lang="en-US" altLang="zh-CN" dirty="0" smtClean="0">
+                <a:sym typeface="Wingdings"/>
+              </a:rPr>
+              <a:t></a:t>
+            </a:r>
+            <a:r>
+              <a:rPr kumimoji="1" lang="en-US" altLang="zh-CN" dirty="0" err="1" smtClean="0">
+                <a:sym typeface="Wingdings"/>
+              </a:rPr>
+              <a:t>unfamilar</a:t>
+            </a:r>
+            <a:r>
+              <a:rPr kumimoji="1" lang="en-US" altLang="zh-CN" dirty="0" smtClean="0">
+                <a:sym typeface="Wingdings"/>
+              </a:rPr>
+              <a:t>, </a:t>
+            </a:r>
+          </a:p>
+          <a:p>
+            <a:r>
+              <a:rPr kumimoji="1" lang="en-US" altLang="zh-CN" dirty="0" smtClean="0">
+                <a:sym typeface="Wingdings"/>
+              </a:rPr>
+              <a:t>Logic flow: </a:t>
+            </a:r>
+          </a:p>
+          <a:p>
+            <a:pPr lvl="1"/>
+            <a:r>
+              <a:rPr kumimoji="1" lang="en-US" altLang="zh-CN" dirty="0" smtClean="0">
+                <a:sym typeface="Wingdings"/>
+              </a:rPr>
+              <a:t>overview, 1,2,3; 1,2,1+2, 3;</a:t>
+            </a:r>
+          </a:p>
+          <a:p>
+            <a:r>
+              <a:rPr kumimoji="1" lang="en-US" altLang="zh-CN" dirty="0" smtClean="0">
+                <a:sym typeface="Wingdings"/>
+              </a:rPr>
+              <a:t>Tool: text, transition, highlight</a:t>
+            </a:r>
+          </a:p>
+        </p:txBody>
+      </p:sp>
+      <p:sp>
+        <p:nvSpPr>
+          <p:cNvPr id="4" name="幻灯片编号占位符 3"/>
+          <p:cNvSpPr>
+            <a:spLocks noGrp="1"/>
+          </p:cNvSpPr>
+          <p:nvPr>
+            <p:ph type="sldNum" sz="quarter" idx="12"/>
+          </p:nvPr>
+        </p:nvSpPr>
+        <p:spPr/>
+        <p:txBody>
+          <a:bodyPr/>
+          <a:lstStyle/>
+          <a:p>
+            <a:fld id="{1545DBC7-0E7E-5249-BF19-8815E0EED612}" type="slidenum">
+              <a:rPr kumimoji="1" lang="zh-CN" altLang="en-US" smtClean="0"/>
+              <a:t>34</a:t>
+            </a:fld>
+            <a:endParaRPr kumimoji="1" lang="zh-CN" altLang="en-US"/>
+          </a:p>
+        </p:txBody>
+      </p:sp>
+    </p:spTree>
+    <p:extLst>
+      <p:ext uri="{BB962C8B-B14F-4D97-AF65-F5344CB8AC3E}">
+        <p14:creationId xmlns:p14="http://schemas.microsoft.com/office/powerpoint/2010/main" val="926644640"/>
+      </p:ext>
+    </p:extLst>
+  </p:cSld>
+  <p:clrMapOvr>
+    <a:masterClrMapping/>
+  </p:clrMapOvr>
+  <p:timing>
+    <p:tnLst>
+      <p:par>
+        <p:cTn id="1" dur="indefinite" restart="never" nodeType="tmRoot"/>
+      </p:par>
+    </p:tnLst>
+  </p:timing>
+</p:sld>
+</file>
+
+<file path=ppt/slides/slide35.xml><?xml version="1.0" encoding="utf-8"?>
+<p:sld xmlns:a="http://schemas.openxmlformats.org/drawingml/2006/main" xmlns:r="http://schemas.openxmlformats.org/officeDocument/2006/relationships" xmlns:p="http://schemas.openxmlformats.org/presentationml/2006/main">
+  <p:cSld>
+    <p:spTree>
+      <p:nvGrpSpPr>
+        <p:cNvPr id="1" name=""/>
+        <p:cNvGrpSpPr/>
+        <p:nvPr/>
+      </p:nvGrpSpPr>
+      <p:grpSpPr>
+        <a:xfrm>
+          <a:off x="0" y="0"/>
+          <a:ext cx="0" cy="0"/>
+          <a:chOff x="0" y="0"/>
+          <a:chExt cx="0" cy="0"/>
+        </a:xfrm>
+      </p:grpSpPr>
+      <p:sp>
+        <p:nvSpPr>
+          <p:cNvPr id="2" name="标题 1"/>
+          <p:cNvSpPr>
+            <a:spLocks noGrp="1"/>
+          </p:cNvSpPr>
+          <p:nvPr>
+            <p:ph type="title"/>
+          </p:nvPr>
+        </p:nvSpPr>
+        <p:spPr/>
+        <p:txBody>
+          <a:bodyPr/>
+          <a:lstStyle/>
+          <a:p>
+            <a:r>
+              <a:rPr kumimoji="1" lang="en-US" altLang="zh-CN" dirty="0" smtClean="0"/>
+              <a:t>contribution</a:t>
+            </a:r>
+            <a:endParaRPr kumimoji="1" lang="zh-CN" altLang="en-US" dirty="0"/>
+          </a:p>
+        </p:txBody>
+      </p:sp>
+      <p:sp>
+        <p:nvSpPr>
+          <p:cNvPr id="3" name="内容占位符 2"/>
+          <p:cNvSpPr>
+            <a:spLocks noGrp="1"/>
+          </p:cNvSpPr>
+          <p:nvPr>
+            <p:ph idx="1"/>
+          </p:nvPr>
+        </p:nvSpPr>
+        <p:spPr/>
+        <p:txBody>
+          <a:bodyPr/>
+          <a:lstStyle/>
+          <a:p>
+            <a:r>
+              <a:rPr kumimoji="1" lang="en-US" altLang="zh-CN" dirty="0" smtClean="0"/>
+              <a:t>Observation, hypothesis, principle</a:t>
+            </a:r>
+          </a:p>
+          <a:p>
+            <a:r>
+              <a:rPr kumimoji="1" lang="en-US" altLang="zh-CN" dirty="0" err="1" smtClean="0"/>
+              <a:t>Attomic</a:t>
+            </a:r>
+            <a:r>
+              <a:rPr kumimoji="1" lang="en-US" altLang="zh-CN" dirty="0"/>
+              <a:t> </a:t>
+            </a:r>
+            <a:r>
+              <a:rPr kumimoji="1" lang="en-US" altLang="zh-CN" dirty="0" smtClean="0"/>
+              <a:t>visual component encoding</a:t>
+            </a:r>
+          </a:p>
+          <a:p>
+            <a:r>
+              <a:rPr kumimoji="1" lang="en-US" altLang="zh-CN" dirty="0" smtClean="0"/>
+              <a:t>Logic path: </a:t>
+            </a:r>
+          </a:p>
+          <a:p>
+            <a:r>
+              <a:rPr kumimoji="1" lang="en-US" altLang="zh-CN" dirty="0" smtClean="0"/>
+              <a:t>Tool: transition, high </a:t>
+            </a:r>
+            <a:r>
+              <a:rPr kumimoji="1" lang="en-US" altLang="zh-CN" dirty="0" err="1" smtClean="0"/>
+              <a:t>tlight</a:t>
+            </a:r>
+            <a:r>
+              <a:rPr kumimoji="1" lang="en-US" altLang="zh-CN" dirty="0" smtClean="0"/>
+              <a:t>, extensive</a:t>
+            </a:r>
+          </a:p>
+          <a:p>
+            <a:r>
+              <a:rPr kumimoji="1" lang="en-US" altLang="zh-CN" dirty="0" smtClean="0"/>
+              <a:t>Extensive tool: other vis, online data analysis tool, save time</a:t>
+            </a:r>
+          </a:p>
+          <a:p>
+            <a:endParaRPr kumimoji="1" lang="zh-CN" altLang="en-US" dirty="0"/>
+          </a:p>
+        </p:txBody>
+      </p:sp>
+      <p:sp>
+        <p:nvSpPr>
+          <p:cNvPr id="4" name="幻灯片编号占位符 3"/>
+          <p:cNvSpPr>
+            <a:spLocks noGrp="1"/>
+          </p:cNvSpPr>
+          <p:nvPr>
+            <p:ph type="sldNum" sz="quarter" idx="12"/>
+          </p:nvPr>
+        </p:nvSpPr>
+        <p:spPr/>
+        <p:txBody>
+          <a:bodyPr/>
+          <a:lstStyle/>
+          <a:p>
+            <a:fld id="{1545DBC7-0E7E-5249-BF19-8815E0EED612}" type="slidenum">
+              <a:rPr kumimoji="1" lang="zh-CN" altLang="en-US" smtClean="0"/>
+              <a:t>35</a:t>
+            </a:fld>
+            <a:endParaRPr kumimoji="1" lang="zh-CN" altLang="en-US"/>
+          </a:p>
+        </p:txBody>
+      </p:sp>
+    </p:spTree>
+    <p:extLst>
+      <p:ext uri="{BB962C8B-B14F-4D97-AF65-F5344CB8AC3E}">
+        <p14:creationId xmlns:p14="http://schemas.microsoft.com/office/powerpoint/2010/main" val="596004501"/>
+      </p:ext>
+    </p:extLst>
+  </p:cSld>
+  <p:clrMapOvr>
+    <a:masterClrMapping/>
+  </p:clrMapOvr>
+  <p:timing>
+    <p:tnLst>
+      <p:par>
+        <p:cTn id="1" dur="indefinite" restart="never" nodeType="tmRoot"/>
+      </p:par>
+    </p:tnLst>
+  </p:timing>
+</p:sld>
+</file>
+
+<file path=ppt/slides/slide36.xml><?xml version="1.0" encoding="utf-8"?>
 <p:sld xmlns:a="http://schemas.openxmlformats.org/drawingml/2006/main" xmlns:r="http://schemas.openxmlformats.org/officeDocument/2006/relationships" xmlns:p="http://schemas.openxmlformats.org/presentationml/2006/main">
   <p:cSld>
     <p:spTree>
@@ -26549,7 +27865,7 @@
           <a:p>
             <a:fld id="{1545DBC7-0E7E-5249-BF19-8815E0EED612}" type="slidenum">
               <a:rPr kumimoji="1" lang="zh-CN" altLang="en-US" smtClean="0"/>
-              <a:t>32</a:t>
+              <a:t>36</a:t>
             </a:fld>
             <a:endParaRPr kumimoji="1" lang="zh-CN" altLang="en-US"/>
           </a:p>
@@ -27483,7 +28799,7 @@
 </p:sld>
 </file>
 
-<file path=ppt/slides/slide33.xml><?xml version="1.0" encoding="utf-8"?>
+<file path=ppt/slides/slide37.xml><?xml version="1.0" encoding="utf-8"?>
 <p:sld xmlns:a="http://schemas.openxmlformats.org/drawingml/2006/main" xmlns:r="http://schemas.openxmlformats.org/officeDocument/2006/relationships" xmlns:p="http://schemas.openxmlformats.org/presentationml/2006/main">
   <p:cSld>
     <p:spTree>
@@ -27588,7 +28904,7 @@
           <a:p>
             <a:fld id="{1545DBC7-0E7E-5249-BF19-8815E0EED612}" type="slidenum">
               <a:rPr kumimoji="1" lang="zh-CN" altLang="en-US" smtClean="0"/>
-              <a:t>33</a:t>
+              <a:t>37</a:t>
             </a:fld>
             <a:endParaRPr kumimoji="1" lang="zh-CN" altLang="en-US"/>
           </a:p>
@@ -27701,7 +29017,7 @@
 </p:sld>
 </file>
 
-<file path=ppt/slides/slide34.xml><?xml version="1.0" encoding="utf-8"?>
+<file path=ppt/slides/slide38.xml><?xml version="1.0" encoding="utf-8"?>
 <p:sld xmlns:a="http://schemas.openxmlformats.org/drawingml/2006/main" xmlns:r="http://schemas.openxmlformats.org/officeDocument/2006/relationships" xmlns:p="http://schemas.openxmlformats.org/presentationml/2006/main">
   <p:cSld>
     <p:spTree>
@@ -27806,7 +29122,7 @@
           <a:p>
             <a:fld id="{1545DBC7-0E7E-5249-BF19-8815E0EED612}" type="slidenum">
               <a:rPr kumimoji="1" lang="zh-CN" altLang="en-US" smtClean="0"/>
-              <a:t>34</a:t>
+              <a:t>38</a:t>
             </a:fld>
             <a:endParaRPr kumimoji="1" lang="zh-CN" altLang="en-US"/>
           </a:p>
@@ -27919,7 +29235,7 @@
 </p:sld>
 </file>
 
-<file path=ppt/slides/slide35.xml><?xml version="1.0" encoding="utf-8"?>
+<file path=ppt/slides/slide39.xml><?xml version="1.0" encoding="utf-8"?>
 <p:sld xmlns:a="http://schemas.openxmlformats.org/drawingml/2006/main" xmlns:r="http://schemas.openxmlformats.org/officeDocument/2006/relationships" xmlns:p="http://schemas.openxmlformats.org/presentationml/2006/main">
   <p:cSld>
     <p:spTree>
@@ -28116,7 +29432,7 @@
           <a:p>
             <a:fld id="{1545DBC7-0E7E-5249-BF19-8815E0EED612}" type="slidenum">
               <a:rPr kumimoji="1" lang="zh-CN" altLang="en-US" smtClean="0"/>
-              <a:t>35</a:t>
+              <a:t>39</a:t>
             </a:fld>
             <a:endParaRPr kumimoji="1" lang="zh-CN" altLang="en-US"/>
           </a:p>
@@ -28188,7 +29504,260 @@
 </p:sld>
 </file>
 
-<file path=ppt/slides/slide36.xml><?xml version="1.0" encoding="utf-8"?>
+<file path=ppt/slides/slide4.xml><?xml version="1.0" encoding="utf-8"?>
+<p:sld xmlns:a="http://schemas.openxmlformats.org/drawingml/2006/main" xmlns:r="http://schemas.openxmlformats.org/officeDocument/2006/relationships" xmlns:p="http://schemas.openxmlformats.org/presentationml/2006/main">
+  <p:cSld>
+    <p:spTree>
+      <p:nvGrpSpPr>
+        <p:cNvPr id="1" name=""/>
+        <p:cNvGrpSpPr/>
+        <p:nvPr/>
+      </p:nvGrpSpPr>
+      <p:grpSpPr>
+        <a:xfrm>
+          <a:off x="0" y="0"/>
+          <a:ext cx="0" cy="0"/>
+          <a:chOff x="0" y="0"/>
+          <a:chExt cx="0" cy="0"/>
+        </a:xfrm>
+      </p:grpSpPr>
+      <p:pic>
+        <p:nvPicPr>
+          <p:cNvPr id="5" name="图片 4"/>
+          <p:cNvPicPr>
+            <a:picLocks noChangeAspect="1"/>
+          </p:cNvPicPr>
+          <p:nvPr/>
+        </p:nvPicPr>
+        <p:blipFill>
+          <a:blip r:embed="rId2"/>
+          <a:stretch>
+            <a:fillRect/>
+          </a:stretch>
+        </p:blipFill>
+        <p:spPr>
+          <a:xfrm>
+            <a:off x="7232073" y="1690688"/>
+            <a:ext cx="5006253" cy="3337502"/>
+          </a:xfrm>
+          <a:prstGeom prst="rect">
+            <a:avLst/>
+          </a:prstGeom>
+        </p:spPr>
+      </p:pic>
+      <p:sp>
+        <p:nvSpPr>
+          <p:cNvPr id="2" name="标题 1"/>
+          <p:cNvSpPr>
+            <a:spLocks noGrp="1"/>
+          </p:cNvSpPr>
+          <p:nvPr>
+            <p:ph type="title"/>
+          </p:nvPr>
+        </p:nvSpPr>
+        <p:spPr/>
+        <p:txBody>
+          <a:bodyPr>
+            <a:normAutofit/>
+          </a:bodyPr>
+          <a:lstStyle/>
+          <a:p>
+            <a:r>
+              <a:rPr kumimoji="1" lang="en-US" altLang="zh-CN" b="1" dirty="0">
+                <a:solidFill>
+                  <a:schemeClr val="tx1">
+                    <a:lumMod val="65000"/>
+                    <a:lumOff val="35000"/>
+                  </a:schemeClr>
+                </a:solidFill>
+              </a:rPr>
+              <a:t>Motivation </a:t>
+            </a:r>
+            <a:endParaRPr kumimoji="1" lang="zh-CN" altLang="en-US" b="1" dirty="0">
+              <a:solidFill>
+                <a:schemeClr val="tx1">
+                  <a:lumMod val="65000"/>
+                  <a:lumOff val="35000"/>
+                </a:schemeClr>
+              </a:solidFill>
+            </a:endParaRPr>
+          </a:p>
+        </p:txBody>
+      </p:sp>
+      <p:sp>
+        <p:nvSpPr>
+          <p:cNvPr id="3" name="内容占位符 2"/>
+          <p:cNvSpPr>
+            <a:spLocks noGrp="1"/>
+          </p:cNvSpPr>
+          <p:nvPr>
+            <p:ph idx="1"/>
+          </p:nvPr>
+        </p:nvSpPr>
+        <p:spPr>
+          <a:xfrm>
+            <a:off x="838199" y="1451550"/>
+            <a:ext cx="7253377" cy="4351338"/>
+          </a:xfrm>
+        </p:spPr>
+        <p:txBody>
+          <a:bodyPr/>
+          <a:lstStyle/>
+          <a:p>
+            <a:pPr marL="0" indent="0">
+              <a:buNone/>
+            </a:pPr>
+            <a:r>
+              <a:rPr kumimoji="1" lang="en-US" altLang="zh-CN" sz="3600" dirty="0" smtClean="0"/>
+              <a:t>Good examples are </a:t>
+            </a:r>
+            <a:r>
+              <a:rPr kumimoji="1" lang="en-US" altLang="zh-CN" sz="3600" dirty="0" err="1" smtClean="0"/>
+              <a:t>aviable</a:t>
+            </a:r>
+            <a:r>
+              <a:rPr kumimoji="1" lang="en-US" altLang="zh-CN" sz="3600" dirty="0" smtClean="0"/>
+              <a:t> </a:t>
+            </a:r>
+          </a:p>
+          <a:p>
+            <a:pPr marL="0" indent="0">
+              <a:buNone/>
+            </a:pPr>
+            <a:endParaRPr kumimoji="1" lang="en-US" altLang="zh-CN" sz="3600" dirty="0">
+              <a:solidFill>
+                <a:schemeClr val="tx1">
+                  <a:lumMod val="65000"/>
+                  <a:lumOff val="35000"/>
+                </a:schemeClr>
+              </a:solidFill>
+            </a:endParaRPr>
+          </a:p>
+          <a:p>
+            <a:pPr marL="0" indent="0">
+              <a:buNone/>
+            </a:pPr>
+            <a:r>
+              <a:rPr kumimoji="1" lang="en-US" altLang="zh-CN" sz="3600" dirty="0" smtClean="0">
+                <a:solidFill>
+                  <a:schemeClr val="tx1">
+                    <a:lumMod val="65000"/>
+                    <a:lumOff val="35000"/>
+                  </a:schemeClr>
+                </a:solidFill>
+              </a:rPr>
+              <a:t>But not principle</a:t>
+            </a:r>
+            <a:endParaRPr kumimoji="1" lang="en-US" altLang="zh-CN" dirty="0">
+              <a:solidFill>
+                <a:schemeClr val="tx1">
+                  <a:lumMod val="65000"/>
+                  <a:lumOff val="35000"/>
+                </a:schemeClr>
+              </a:solidFill>
+            </a:endParaRPr>
+          </a:p>
+          <a:p>
+            <a:pPr marL="0" indent="0">
+              <a:buNone/>
+            </a:pPr>
+            <a:endParaRPr kumimoji="1" lang="zh-CN" altLang="en-US" dirty="0"/>
+          </a:p>
+        </p:txBody>
+      </p:sp>
+      <p:sp>
+        <p:nvSpPr>
+          <p:cNvPr id="4" name="幻灯片编号占位符 3"/>
+          <p:cNvSpPr>
+            <a:spLocks noGrp="1"/>
+          </p:cNvSpPr>
+          <p:nvPr>
+            <p:ph type="sldNum" sz="quarter" idx="12"/>
+          </p:nvPr>
+        </p:nvSpPr>
+        <p:spPr/>
+        <p:txBody>
+          <a:bodyPr/>
+          <a:lstStyle/>
+          <a:p>
+            <a:fld id="{1545DBC7-0E7E-5249-BF19-8815E0EED612}" type="slidenum">
+              <a:rPr kumimoji="1" lang="zh-CN" altLang="en-US" smtClean="0"/>
+              <a:t>4</a:t>
+            </a:fld>
+            <a:endParaRPr kumimoji="1" lang="zh-CN" altLang="en-US"/>
+          </a:p>
+        </p:txBody>
+      </p:sp>
+      <p:sp>
+        <p:nvSpPr>
+          <p:cNvPr id="7" name="矩形 6"/>
+          <p:cNvSpPr/>
+          <p:nvPr/>
+        </p:nvSpPr>
+        <p:spPr>
+          <a:xfrm>
+            <a:off x="838200" y="1260764"/>
+            <a:ext cx="7550727" cy="83127"/>
+          </a:xfrm>
+          <a:prstGeom prst="rect">
+            <a:avLst/>
+          </a:prstGeom>
+          <a:solidFill>
+            <a:schemeClr val="accent1">
+              <a:lumMod val="60000"/>
+              <a:lumOff val="40000"/>
+            </a:schemeClr>
+          </a:solidFill>
+          <a:ln>
+            <a:noFill/>
+          </a:ln>
+        </p:spPr>
+        <p:style>
+          <a:lnRef idx="2">
+            <a:schemeClr val="accent1">
+              <a:shade val="50000"/>
+            </a:schemeClr>
+          </a:lnRef>
+          <a:fillRef idx="1">
+            <a:schemeClr val="accent1"/>
+          </a:fillRef>
+          <a:effectRef idx="0">
+            <a:schemeClr val="accent1"/>
+          </a:effectRef>
+          <a:fontRef idx="minor">
+            <a:schemeClr val="lt1"/>
+          </a:fontRef>
+        </p:style>
+        <p:txBody>
+          <a:bodyPr rtlCol="0" anchor="ctr"/>
+          <a:lstStyle/>
+          <a:p>
+            <a:pPr algn="ctr"/>
+            <a:endParaRPr kumimoji="1" lang="zh-CN" altLang="en-US"/>
+          </a:p>
+        </p:txBody>
+      </p:sp>
+    </p:spTree>
+    <p:extLst>
+      <p:ext uri="{BB962C8B-B14F-4D97-AF65-F5344CB8AC3E}">
+        <p14:creationId xmlns:p14="http://schemas.microsoft.com/office/powerpoint/2010/main" val="304577997"/>
+      </p:ext>
+    </p:extLst>
+  </p:cSld>
+  <p:clrMapOvr>
+    <a:masterClrMapping/>
+  </p:clrMapOvr>
+  <p:timing>
+    <p:tnLst>
+      <p:par>
+        <p:cTn id="1" dur="indefinite" restart="never" nodeType="tmRoot"/>
+      </p:par>
+    </p:tnLst>
+  </p:timing>
+</p:sld>
+</file>
+
+<file path=ppt/slides/slide40.xml><?xml version="1.0" encoding="utf-8"?>
 <p:sld xmlns:a="http://schemas.openxmlformats.org/drawingml/2006/main" xmlns:r="http://schemas.openxmlformats.org/officeDocument/2006/relationships" xmlns:p="http://schemas.openxmlformats.org/presentationml/2006/main">
   <p:cSld>
     <p:spTree>
@@ -28300,7 +29869,7 @@
           <a:p>
             <a:fld id="{1545DBC7-0E7E-5249-BF19-8815E0EED612}" type="slidenum">
               <a:rPr kumimoji="1" lang="zh-CN" altLang="en-US" smtClean="0"/>
-              <a:t>36</a:t>
+              <a:t>40</a:t>
             </a:fld>
             <a:endParaRPr kumimoji="1" lang="zh-CN" altLang="en-US"/>
           </a:p>
@@ -28891,7 +30460,7 @@
 </p:sld>
 </file>
 
-<file path=ppt/slides/slide37.xml><?xml version="1.0" encoding="utf-8"?>
+<file path=ppt/slides/slide41.xml><?xml version="1.0" encoding="utf-8"?>
 <p:sld xmlns:a="http://schemas.openxmlformats.org/drawingml/2006/main" xmlns:r="http://schemas.openxmlformats.org/officeDocument/2006/relationships" xmlns:p="http://schemas.openxmlformats.org/presentationml/2006/main">
   <p:cSld>
     <p:spTree>
@@ -29107,7 +30676,7 @@
           <a:p>
             <a:fld id="{1545DBC7-0E7E-5249-BF19-8815E0EED612}" type="slidenum">
               <a:rPr kumimoji="1" lang="zh-CN" altLang="en-US" smtClean="0"/>
-              <a:t>37</a:t>
+              <a:t>41</a:t>
             </a:fld>
             <a:endParaRPr kumimoji="1" lang="zh-CN" altLang="en-US"/>
           </a:p>
@@ -29133,7 +30702,7 @@
 </p:sld>
 </file>
 
-<file path=ppt/slides/slide38.xml><?xml version="1.0" encoding="utf-8"?>
+<file path=ppt/slides/slide42.xml><?xml version="1.0" encoding="utf-8"?>
 <p:sld xmlns:a="http://schemas.openxmlformats.org/drawingml/2006/main" xmlns:r="http://schemas.openxmlformats.org/officeDocument/2006/relationships" xmlns:p="http://schemas.openxmlformats.org/presentationml/2006/main">
   <p:cSld>
     <p:spTree>
@@ -29876,7 +31445,7 @@
           <a:p>
             <a:fld id="{1545DBC7-0E7E-5249-BF19-8815E0EED612}" type="slidenum">
               <a:rPr kumimoji="1" lang="zh-CN" altLang="en-US" smtClean="0"/>
-              <a:t>38</a:t>
+              <a:t>42</a:t>
             </a:fld>
             <a:endParaRPr kumimoji="1" lang="zh-CN" altLang="en-US"/>
           </a:p>
@@ -29902,7 +31471,7 @@
 </p:sld>
 </file>
 
-<file path=ppt/slides/slide39.xml><?xml version="1.0" encoding="utf-8"?>
+<file path=ppt/slides/slide43.xml><?xml version="1.0" encoding="utf-8"?>
 <p:sld xmlns:a="http://schemas.openxmlformats.org/drawingml/2006/main" xmlns:r="http://schemas.openxmlformats.org/officeDocument/2006/relationships" xmlns:p="http://schemas.openxmlformats.org/presentationml/2006/main">
   <p:cSld>
     <p:spTree>
@@ -30414,7 +31983,7 @@
           <a:p>
             <a:fld id="{1545DBC7-0E7E-5249-BF19-8815E0EED612}" type="slidenum">
               <a:rPr kumimoji="1" lang="zh-CN" altLang="en-US" smtClean="0"/>
-              <a:t>39</a:t>
+              <a:t>43</a:t>
             </a:fld>
             <a:endParaRPr kumimoji="1" lang="zh-CN" altLang="en-US"/>
           </a:p>
@@ -30440,7 +32009,7 @@
 </p:sld>
 </file>
 
-<file path=ppt/slides/slide4.xml><?xml version="1.0" encoding="utf-8"?>
+<file path=ppt/slides/slide5.xml><?xml version="1.0" encoding="utf-8"?>
 <p:sld xmlns:a="http://schemas.openxmlformats.org/drawingml/2006/main" xmlns:r="http://schemas.openxmlformats.org/officeDocument/2006/relationships" xmlns:p="http://schemas.openxmlformats.org/presentationml/2006/main">
   <p:cSld>
     <p:spTree>
@@ -30590,7 +32159,7 @@
           <a:p>
             <a:fld id="{1545DBC7-0E7E-5249-BF19-8815E0EED612}" type="slidenum">
               <a:rPr kumimoji="1" lang="zh-CN" altLang="en-US" smtClean="0"/>
-              <a:t>4</a:t>
+              <a:t>5</a:t>
             </a:fld>
             <a:endParaRPr kumimoji="1" lang="zh-CN" altLang="en-US"/>
           </a:p>
@@ -31622,7 +33191,7 @@
 </p:sld>
 </file>
 
-<file path=ppt/slides/slide5.xml><?xml version="1.0" encoding="utf-8"?>
+<file path=ppt/slides/slide6.xml><?xml version="1.0" encoding="utf-8"?>
 <p:sld xmlns:a="http://schemas.openxmlformats.org/drawingml/2006/main" xmlns:r="http://schemas.openxmlformats.org/officeDocument/2006/relationships" xmlns:p="http://schemas.openxmlformats.org/presentationml/2006/main">
   <p:cSld>
     <p:spTree>
@@ -31886,7 +33455,7 @@
           <a:p>
             <a:fld id="{1545DBC7-0E7E-5249-BF19-8815E0EED612}" type="slidenum">
               <a:rPr kumimoji="1" lang="zh-CN" altLang="en-US" smtClean="0"/>
-              <a:t>5</a:t>
+              <a:t>6</a:t>
             </a:fld>
             <a:endParaRPr kumimoji="1" lang="zh-CN" altLang="en-US"/>
           </a:p>
@@ -31896,203 +33465,6 @@
     <p:extLst>
       <p:ext uri="{BB962C8B-B14F-4D97-AF65-F5344CB8AC3E}">
         <p14:creationId xmlns:p14="http://schemas.microsoft.com/office/powerpoint/2010/main" val="694893939"/>
-      </p:ext>
-    </p:extLst>
-  </p:cSld>
-  <p:clrMapOvr>
-    <a:masterClrMapping/>
-  </p:clrMapOvr>
-  <p:timing>
-    <p:tnLst>
-      <p:par>
-        <p:cTn id="1" dur="indefinite" restart="never" nodeType="tmRoot"/>
-      </p:par>
-    </p:tnLst>
-  </p:timing>
-</p:sld>
-</file>
-
-<file path=ppt/slides/slide6.xml><?xml version="1.0" encoding="utf-8"?>
-<p:sld xmlns:a="http://schemas.openxmlformats.org/drawingml/2006/main" xmlns:r="http://schemas.openxmlformats.org/officeDocument/2006/relationships" xmlns:p="http://schemas.openxmlformats.org/presentationml/2006/main">
-  <p:cSld>
-    <p:spTree>
-      <p:nvGrpSpPr>
-        <p:cNvPr id="1" name=""/>
-        <p:cNvGrpSpPr/>
-        <p:nvPr/>
-      </p:nvGrpSpPr>
-      <p:grpSpPr>
-        <a:xfrm>
-          <a:off x="0" y="0"/>
-          <a:ext cx="0" cy="0"/>
-          <a:chOff x="0" y="0"/>
-          <a:chExt cx="0" cy="0"/>
-        </a:xfrm>
-      </p:grpSpPr>
-      <p:sp>
-        <p:nvSpPr>
-          <p:cNvPr id="2" name="标题 1"/>
-          <p:cNvSpPr>
-            <a:spLocks noGrp="1"/>
-          </p:cNvSpPr>
-          <p:nvPr>
-            <p:ph type="title"/>
-          </p:nvPr>
-        </p:nvSpPr>
-        <p:spPr/>
-        <p:txBody>
-          <a:bodyPr>
-            <a:normAutofit/>
-          </a:bodyPr>
-          <a:lstStyle/>
-          <a:p>
-            <a:r>
-              <a:rPr kumimoji="1" lang="en-US" altLang="zh-CN" b="1" dirty="0">
-                <a:solidFill>
-                  <a:schemeClr val="tx1">
-                    <a:lumMod val="65000"/>
-                    <a:lumOff val="35000"/>
-                  </a:schemeClr>
-                </a:solidFill>
-              </a:rPr>
-              <a:t>Related works</a:t>
-            </a:r>
-            <a:endParaRPr kumimoji="1" lang="zh-CN" altLang="en-US" b="1" dirty="0">
-              <a:solidFill>
-                <a:schemeClr val="tx1">
-                  <a:lumMod val="65000"/>
-                  <a:lumOff val="35000"/>
-                </a:schemeClr>
-              </a:solidFill>
-            </a:endParaRPr>
-          </a:p>
-        </p:txBody>
-      </p:sp>
-      <p:sp>
-        <p:nvSpPr>
-          <p:cNvPr id="3" name="内容占位符 2"/>
-          <p:cNvSpPr>
-            <a:spLocks noGrp="1"/>
-          </p:cNvSpPr>
-          <p:nvPr>
-            <p:ph idx="1"/>
-          </p:nvPr>
-        </p:nvSpPr>
-        <p:spPr>
-          <a:xfrm>
-            <a:off x="838200" y="1828800"/>
-            <a:ext cx="9220200" cy="4350326"/>
-          </a:xfrm>
-        </p:spPr>
-        <p:txBody>
-          <a:bodyPr>
-            <a:normAutofit/>
-          </a:bodyPr>
-          <a:lstStyle/>
-          <a:p>
-            <a:r>
-              <a:rPr kumimoji="1" lang="en-US" altLang="zh-CN" sz="3200" dirty="0"/>
-              <a:t>Narrative techniques: sequence &amp; attention guidance</a:t>
-            </a:r>
-          </a:p>
-          <a:p>
-            <a:r>
-              <a:rPr kumimoji="1" lang="en-US" altLang="zh-CN" sz="3200" dirty="0" smtClean="0"/>
-              <a:t>Authoring tools for narrative visualization</a:t>
-            </a:r>
-          </a:p>
-          <a:p>
-            <a:r>
-              <a:rPr kumimoji="1" lang="en-US" altLang="zh-CN" sz="3200" dirty="0" smtClean="0"/>
-              <a:t>Tools for understanding visualization</a:t>
-            </a:r>
-            <a:endParaRPr lang="en-US" altLang="zh-CN" sz="2000" dirty="0">
-              <a:solidFill>
-                <a:schemeClr val="tx1">
-                  <a:lumMod val="65000"/>
-                  <a:lumOff val="35000"/>
-                </a:schemeClr>
-              </a:solidFill>
-            </a:endParaRPr>
-          </a:p>
-        </p:txBody>
-      </p:sp>
-      <p:sp>
-        <p:nvSpPr>
-          <p:cNvPr id="6" name="幻灯片编号占位符 5"/>
-          <p:cNvSpPr>
-            <a:spLocks noGrp="1"/>
-          </p:cNvSpPr>
-          <p:nvPr>
-            <p:ph type="sldNum" sz="quarter" idx="12"/>
-          </p:nvPr>
-        </p:nvSpPr>
-        <p:spPr/>
-        <p:txBody>
-          <a:bodyPr/>
-          <a:lstStyle/>
-          <a:p>
-            <a:fld id="{1545DBC7-0E7E-5249-BF19-8815E0EED612}" type="slidenum">
-              <a:rPr kumimoji="1" lang="zh-CN" altLang="en-US" smtClean="0"/>
-              <a:t>6</a:t>
-            </a:fld>
-            <a:endParaRPr kumimoji="1" lang="zh-CN" altLang="en-US"/>
-          </a:p>
-        </p:txBody>
-      </p:sp>
-      <p:sp>
-        <p:nvSpPr>
-          <p:cNvPr id="5" name="矩形 4"/>
-          <p:cNvSpPr/>
-          <p:nvPr/>
-        </p:nvSpPr>
-        <p:spPr>
-          <a:xfrm>
-            <a:off x="838200" y="1260764"/>
-            <a:ext cx="7550727" cy="83127"/>
-          </a:xfrm>
-          <a:prstGeom prst="rect">
-            <a:avLst/>
-          </a:prstGeom>
-          <a:solidFill>
-            <a:schemeClr val="accent1">
-              <a:lumMod val="60000"/>
-              <a:lumOff val="40000"/>
-            </a:schemeClr>
-          </a:solidFill>
-          <a:ln>
-            <a:noFill/>
-          </a:ln>
-        </p:spPr>
-        <p:style>
-          <a:lnRef idx="2">
-            <a:schemeClr val="accent1">
-              <a:shade val="50000"/>
-            </a:schemeClr>
-          </a:lnRef>
-          <a:fillRef idx="1">
-            <a:schemeClr val="accent1"/>
-          </a:fillRef>
-          <a:effectRef idx="0">
-            <a:schemeClr val="accent1"/>
-          </a:effectRef>
-          <a:fontRef idx="minor">
-            <a:schemeClr val="lt1"/>
-          </a:fontRef>
-        </p:style>
-        <p:txBody>
-          <a:bodyPr rtlCol="0" anchor="ctr"/>
-          <a:lstStyle/>
-          <a:p>
-            <a:pPr algn="ctr"/>
-            <a:endParaRPr kumimoji="1" lang="zh-CN" altLang="en-US"/>
-          </a:p>
-        </p:txBody>
-      </p:sp>
-    </p:spTree>
-    <p:extLst>
-      <p:ext uri="{BB962C8B-B14F-4D97-AF65-F5344CB8AC3E}">
-        <p14:creationId xmlns:p14="http://schemas.microsoft.com/office/powerpoint/2010/main" val="688823814"/>
       </p:ext>
     </p:extLst>
   </p:cSld>
@@ -32138,11 +33510,13 @@
         </p:nvSpPr>
         <p:spPr/>
         <p:txBody>
-          <a:bodyPr/>
-          <a:lstStyle/>
-          <a:p>
-            <a:r>
-              <a:rPr kumimoji="1" lang="en-US" altLang="zh-CN" b="1" dirty="0" smtClean="0">
+          <a:bodyPr>
+            <a:normAutofit/>
+          </a:bodyPr>
+          <a:lstStyle/>
+          <a:p>
+            <a:r>
+              <a:rPr kumimoji="1" lang="en-US" altLang="zh-CN" b="1" dirty="0">
                 <a:solidFill>
                   <a:schemeClr val="tx1">
                     <a:lumMod val="65000"/>
@@ -32150,7 +33524,7 @@
                   </a:schemeClr>
                 </a:solidFill>
               </a:rPr>
-              <a:t>Related Works</a:t>
+              <a:t>Related works</a:t>
             </a:r>
             <a:endParaRPr kumimoji="1" lang="zh-CN" altLang="en-US" b="1" dirty="0">
               <a:solidFill>
@@ -32163,211 +33537,87 @@
           </a:p>
         </p:txBody>
       </p:sp>
-      <p:graphicFrame>
-        <p:nvGraphicFramePr>
-          <p:cNvPr id="9" name="内容占位符 8"/>
-          <p:cNvGraphicFramePr>
-            <a:graphicFrameLocks noGrp="1"/>
-          </p:cNvGraphicFramePr>
+      <p:sp>
+        <p:nvSpPr>
+          <p:cNvPr id="3" name="内容占位符 2"/>
+          <p:cNvSpPr>
+            <a:spLocks noGrp="1"/>
+          </p:cNvSpPr>
           <p:nvPr>
             <p:ph idx="1"/>
-            <p:extLst>
-              <p:ext uri="{D42A27DB-BD31-4B8C-83A1-F6EECF244321}">
-                <p14:modId xmlns:p14="http://schemas.microsoft.com/office/powerpoint/2010/main" val="2040179076"/>
-              </p:ext>
-            </p:extLst>
           </p:nvPr>
-        </p:nvGraphicFramePr>
-        <p:xfrm>
-          <a:off x="838200" y="2088858"/>
-          <a:ext cx="10515600" cy="1112520"/>
-        </p:xfrm>
-        <a:graphic>
-          <a:graphicData uri="http://schemas.openxmlformats.org/drawingml/2006/table">
-            <a:tbl>
-              <a:tblPr firstRow="1" bandRow="1">
-                <a:tableStyleId>{5C22544A-7EE6-4342-B048-85BDC9FD1C3A}</a:tableStyleId>
-              </a:tblPr>
-              <a:tblGrid>
-                <a:gridCol w="3505200"/>
-                <a:gridCol w="3505200"/>
-                <a:gridCol w="3505200"/>
-              </a:tblGrid>
-              <a:tr h="370840">
-                <a:tc>
-                  <a:txBody>
-                    <a:bodyPr/>
-                    <a:lstStyle/>
-                    <a:p>
-                      <a:r>
-                        <a:rPr lang="en-US" altLang="zh-CN" dirty="0" smtClean="0"/>
-                        <a:t>Paper</a:t>
-                      </a:r>
-                      <a:endParaRPr lang="zh-CN" altLang="en-US" dirty="0"/>
-                    </a:p>
-                  </a:txBody>
-                  <a:tcPr/>
-                </a:tc>
-                <a:tc>
-                  <a:txBody>
-                    <a:bodyPr/>
-                    <a:lstStyle/>
-                    <a:p>
-                      <a:r>
-                        <a:rPr lang="en-US" altLang="zh-CN" dirty="0" smtClean="0"/>
-                        <a:t>Useful Content</a:t>
-                      </a:r>
-                      <a:endParaRPr lang="zh-CN" altLang="en-US" dirty="0"/>
-                    </a:p>
-                  </a:txBody>
-                  <a:tcPr/>
-                </a:tc>
-                <a:tc>
-                  <a:txBody>
-                    <a:bodyPr/>
-                    <a:lstStyle/>
-                    <a:p>
-                      <a:r>
-                        <a:rPr lang="en-US" altLang="zh-CN" dirty="0" smtClean="0"/>
-                        <a:t>But</a:t>
-                      </a:r>
-                      <a:r>
-                        <a:rPr lang="is-IS" altLang="zh-CN" dirty="0" smtClean="0"/>
-                        <a:t>…..</a:t>
-                      </a:r>
-                      <a:endParaRPr lang="zh-CN" altLang="en-US" dirty="0"/>
-                    </a:p>
-                  </a:txBody>
-                  <a:tcPr/>
-                </a:tc>
-              </a:tr>
-              <a:tr h="370840">
-                <a:tc>
-                  <a:txBody>
-                    <a:bodyPr/>
-                    <a:lstStyle/>
-                    <a:p>
-                      <a:endParaRPr lang="zh-CN" altLang="en-US"/>
-                    </a:p>
-                  </a:txBody>
-                  <a:tcPr/>
-                </a:tc>
-                <a:tc>
-                  <a:txBody>
-                    <a:bodyPr/>
-                    <a:lstStyle/>
-                    <a:p>
-                      <a:endParaRPr lang="zh-CN" altLang="en-US"/>
-                    </a:p>
-                  </a:txBody>
-                  <a:tcPr/>
-                </a:tc>
-                <a:tc>
-                  <a:txBody>
-                    <a:bodyPr/>
-                    <a:lstStyle/>
-                    <a:p>
-                      <a:endParaRPr lang="zh-CN" altLang="en-US"/>
-                    </a:p>
-                  </a:txBody>
-                  <a:tcPr/>
-                </a:tc>
-              </a:tr>
-              <a:tr h="370840">
-                <a:tc>
-                  <a:txBody>
-                    <a:bodyPr/>
-                    <a:lstStyle/>
-                    <a:p>
-                      <a:endParaRPr lang="zh-CN" altLang="en-US"/>
-                    </a:p>
-                  </a:txBody>
-                  <a:tcPr/>
-                </a:tc>
-                <a:tc>
-                  <a:txBody>
-                    <a:bodyPr/>
-                    <a:lstStyle/>
-                    <a:p>
-                      <a:endParaRPr lang="zh-CN" altLang="en-US"/>
-                    </a:p>
-                  </a:txBody>
-                  <a:tcPr/>
-                </a:tc>
-                <a:tc>
-                  <a:txBody>
-                    <a:bodyPr/>
-                    <a:lstStyle/>
-                    <a:p>
-                      <a:endParaRPr lang="zh-CN" altLang="en-US" dirty="0"/>
-                    </a:p>
-                  </a:txBody>
-                  <a:tcPr/>
-                </a:tc>
-              </a:tr>
-            </a:tbl>
-          </a:graphicData>
-        </a:graphic>
-      </p:graphicFrame>
-      <p:sp>
-        <p:nvSpPr>
-          <p:cNvPr id="10" name="文本框 9"/>
-          <p:cNvSpPr txBox="1"/>
-          <p:nvPr/>
         </p:nvSpPr>
         <p:spPr>
           <a:xfrm>
-            <a:off x="838200" y="1614639"/>
-            <a:ext cx="3934691" cy="584775"/>
+            <a:off x="838200" y="1828800"/>
+            <a:ext cx="9220200" cy="4350326"/>
           </a:xfrm>
-          <a:prstGeom prst="rect">
-            <a:avLst/>
-          </a:prstGeom>
-          <a:noFill/>
         </p:spPr>
         <p:txBody>
-          <a:bodyPr wrap="square" rtlCol="0">
-            <a:spAutoFit/>
+          <a:bodyPr>
+            <a:normAutofit/>
           </a:bodyPr>
           <a:lstStyle/>
           <a:p>
             <a:r>
-              <a:rPr kumimoji="1" lang="en-US" altLang="zh-CN" sz="3200" dirty="0" smtClean="0">
-                <a:solidFill>
-                  <a:schemeClr val="tx1">
-                    <a:lumMod val="65000"/>
-                    <a:lumOff val="35000"/>
-                  </a:schemeClr>
-                </a:solidFill>
-                <a:latin typeface="Bradley Hand" charset="0"/>
-                <a:ea typeface="Bradley Hand" charset="0"/>
-                <a:cs typeface="Bradley Hand" charset="0"/>
-              </a:rPr>
-              <a:t>Narrative techniques</a:t>
-            </a:r>
-            <a:endParaRPr kumimoji="1" lang="zh-CN" altLang="en-US" sz="3200" dirty="0">
+              <a:rPr kumimoji="1" lang="en-US" altLang="zh-CN" sz="3200" dirty="0"/>
+              <a:t>Narrative techniques: sequence &amp; attention guidance</a:t>
+            </a:r>
+          </a:p>
+          <a:p>
+            <a:r>
+              <a:rPr kumimoji="1" lang="en-US" altLang="zh-CN" sz="3200" dirty="0" smtClean="0"/>
+              <a:t>Authoring tools for narrative visualization</a:t>
+            </a:r>
+          </a:p>
+          <a:p>
+            <a:r>
+              <a:rPr kumimoji="1" lang="en-US" altLang="zh-CN" sz="3200" dirty="0" smtClean="0"/>
+              <a:t>Tools for understanding visualization</a:t>
+            </a:r>
+            <a:endParaRPr lang="en-US" altLang="zh-CN" sz="2000" dirty="0">
               <a:solidFill>
                 <a:schemeClr val="tx1">
                   <a:lumMod val="65000"/>
                   <a:lumOff val="35000"/>
                 </a:schemeClr>
               </a:solidFill>
-              <a:latin typeface="Bradley Hand" charset="0"/>
-              <a:ea typeface="Bradley Hand" charset="0"/>
-              <a:cs typeface="Bradley Hand" charset="0"/>
             </a:endParaRPr>
           </a:p>
         </p:txBody>
       </p:sp>
       <p:sp>
         <p:nvSpPr>
-          <p:cNvPr id="11" name="矩形 10"/>
+          <p:cNvPr id="6" name="幻灯片编号占位符 5"/>
+          <p:cNvSpPr>
+            <a:spLocks noGrp="1"/>
+          </p:cNvSpPr>
+          <p:nvPr>
+            <p:ph type="sldNum" sz="quarter" idx="12"/>
+          </p:nvPr>
+        </p:nvSpPr>
+        <p:spPr/>
+        <p:txBody>
+          <a:bodyPr/>
+          <a:lstStyle/>
+          <a:p>
+            <a:fld id="{1545DBC7-0E7E-5249-BF19-8815E0EED612}" type="slidenum">
+              <a:rPr kumimoji="1" lang="zh-CN" altLang="en-US" smtClean="0"/>
+              <a:t>7</a:t>
+            </a:fld>
+            <a:endParaRPr kumimoji="1" lang="zh-CN" altLang="en-US"/>
+          </a:p>
+        </p:txBody>
+      </p:sp>
+      <p:sp>
+        <p:nvSpPr>
+          <p:cNvPr id="5" name="矩形 4"/>
           <p:cNvSpPr/>
           <p:nvPr/>
         </p:nvSpPr>
         <p:spPr>
           <a:xfrm>
-            <a:off x="838200" y="1222664"/>
+            <a:off x="838200" y="1260764"/>
             <a:ext cx="7550727" cy="83127"/>
           </a:xfrm>
           <a:prstGeom prst="rect">
@@ -32411,7 +33661,7 @@
     </p:spTree>
     <p:extLst>
       <p:ext uri="{BB962C8B-B14F-4D97-AF65-F5344CB8AC3E}">
-        <p14:creationId xmlns:p14="http://schemas.microsoft.com/office/powerpoint/2010/main" val="675574196"/>
+        <p14:creationId xmlns:p14="http://schemas.microsoft.com/office/powerpoint/2010/main" val="688823814"/>
       </p:ext>
     </p:extLst>
   </p:cSld>
@@ -32492,14 +33742,14 @@
             <p:ph idx="1"/>
             <p:extLst>
               <p:ext uri="{D42A27DB-BD31-4B8C-83A1-F6EECF244321}">
-                <p14:modId xmlns:p14="http://schemas.microsoft.com/office/powerpoint/2010/main" val="1654958156"/>
+                <p14:modId xmlns:p14="http://schemas.microsoft.com/office/powerpoint/2010/main" val="1895971326"/>
               </p:ext>
             </p:extLst>
           </p:nvPr>
         </p:nvGraphicFramePr>
         <p:xfrm>
-          <a:off x="838200" y="2088858"/>
-          <a:ext cx="10515600" cy="1112520"/>
+          <a:off x="838200" y="1899871"/>
+          <a:ext cx="10515600" cy="4913762"/>
         </p:xfrm>
         <a:graphic>
           <a:graphicData uri="http://schemas.openxmlformats.org/drawingml/2006/table">
@@ -32508,21 +33758,22 @@
                 <a:tableStyleId>{5C22544A-7EE6-4342-B048-85BDC9FD1C3A}</a:tableStyleId>
               </a:tblPr>
               <a:tblGrid>
-                <a:gridCol w="3505200"/>
-                <a:gridCol w="3505200"/>
-                <a:gridCol w="3505200"/>
+                <a:gridCol w="2628900"/>
+                <a:gridCol w="2628900"/>
+                <a:gridCol w="2628900"/>
+                <a:gridCol w="2628900"/>
               </a:tblGrid>
-              <a:tr h="370840">
+              <a:tr h="311282">
                 <a:tc>
                   <a:txBody>
                     <a:bodyPr/>
                     <a:lstStyle/>
                     <a:p>
                       <a:r>
-                        <a:rPr lang="en-US" altLang="zh-CN" dirty="0" smtClean="0"/>
-                        <a:t>Paper</a:t>
+                        <a:rPr lang="en-US" altLang="zh-CN" sz="800" dirty="0" smtClean="0"/>
+                        <a:t>logic</a:t>
                       </a:r>
-                      <a:endParaRPr lang="zh-CN" altLang="en-US" dirty="0"/>
+                      <a:endParaRPr lang="zh-CN" altLang="en-US" sz="800" dirty="0"/>
                     </a:p>
                   </a:txBody>
                   <a:tcPr/>
@@ -32533,10 +33784,10 @@
                     <a:lstStyle/>
                     <a:p>
                       <a:r>
-                        <a:rPr lang="en-US" altLang="zh-CN" dirty="0" smtClean="0"/>
-                        <a:t>Useful Content</a:t>
+                        <a:rPr lang="en-US" altLang="zh-CN" sz="800" dirty="0" smtClean="0"/>
+                        <a:t>Paper</a:t>
                       </a:r>
-                      <a:endParaRPr lang="zh-CN" altLang="en-US" dirty="0"/>
+                      <a:endParaRPr lang="zh-CN" altLang="en-US" sz="800" dirty="0"/>
                     </a:p>
                   </a:txBody>
                   <a:tcPr/>
@@ -32547,26 +33798,10 @@
                     <a:lstStyle/>
                     <a:p>
                       <a:r>
-                        <a:rPr lang="en-US" altLang="zh-CN" dirty="0" smtClean="0"/>
-                        <a:t>But</a:t>
+                        <a:rPr lang="en-US" altLang="zh-CN" sz="800" dirty="0" smtClean="0"/>
+                        <a:t>Useful Content</a:t>
                       </a:r>
-                      <a:r>
-                        <a:rPr lang="is-IS" altLang="zh-CN" dirty="0" smtClean="0"/>
-                        <a:t>…..</a:t>
-                      </a:r>
-                      <a:endParaRPr lang="zh-CN" altLang="en-US" dirty="0"/>
-                    </a:p>
-                  </a:txBody>
-                  <a:tcPr/>
-                </a:tc>
-              </a:tr>
-              <a:tr h="370840">
-                <a:tc>
-                  <a:txBody>
-                    <a:bodyPr/>
-                    <a:lstStyle/>
-                    <a:p>
-                      <a:endParaRPr lang="zh-CN" altLang="en-US"/>
+                      <a:endParaRPr lang="zh-CN" altLang="en-US" sz="800" dirty="0"/>
                     </a:p>
                   </a:txBody>
                   <a:tcPr/>
@@ -32576,7 +33811,27 @@
                     <a:bodyPr/>
                     <a:lstStyle/>
                     <a:p>
-                      <a:endParaRPr lang="zh-CN" altLang="en-US"/>
+                      <a:r>
+                        <a:rPr lang="en-US" altLang="zh-CN" sz="800" dirty="0" smtClean="0"/>
+                        <a:t>But</a:t>
+                      </a:r>
+                      <a:r>
+                        <a:rPr lang="is-IS" altLang="zh-CN" sz="800" dirty="0" smtClean="0"/>
+                        <a:t>…..</a:t>
+                      </a:r>
+                      <a:endParaRPr lang="zh-CN" altLang="en-US" sz="800" dirty="0"/>
+                    </a:p>
+                  </a:txBody>
+                  <a:tcPr/>
+                </a:tc>
+              </a:tr>
+              <a:tr h="286720">
+                <a:tc>
+                  <a:txBody>
+                    <a:bodyPr/>
+                    <a:lstStyle/>
+                    <a:p>
+                      <a:endParaRPr lang="zh-CN" altLang="en-US" sz="800" dirty="0"/>
                     </a:p>
                   </a:txBody>
                   <a:tcPr/>
@@ -32586,19 +33841,37 @@
                     <a:bodyPr/>
                     <a:lstStyle/>
                     <a:p>
-                      <a:endParaRPr lang="zh-CN" altLang="en-US"/>
+                      <a:pPr marL="0" marR="0" indent="0" algn="l" defTabSz="914400" rtl="0" eaLnBrk="1" fontAlgn="auto" latinLnBrk="0" hangingPunct="1">
+                        <a:lnSpc>
+                          <a:spcPct val="100000"/>
+                        </a:lnSpc>
+                        <a:spcBef>
+                          <a:spcPts val="0"/>
+                        </a:spcBef>
+                        <a:spcAft>
+                          <a:spcPts val="0"/>
+                        </a:spcAft>
+                        <a:buClrTx/>
+                        <a:buSzTx/>
+                        <a:buFontTx/>
+                        <a:buNone/>
+                        <a:tabLst/>
+                        <a:defRPr/>
+                      </a:pPr>
+                      <a:r>
+                        <a:rPr lang="en-US" altLang="zh-CN" sz="800" kern="1200" dirty="0" smtClean="0">
+                          <a:solidFill>
+                            <a:schemeClr val="dk1"/>
+                          </a:solidFill>
+                          <a:latin typeface="+mn-lt"/>
+                          <a:ea typeface="+mn-ea"/>
+                          <a:cs typeface="+mn-cs"/>
+                        </a:rPr>
+                        <a:t>Visual Narrative Structure </a:t>
+                      </a:r>
                     </a:p>
-                  </a:txBody>
-                  <a:tcPr/>
-                </a:tc>
-              </a:tr>
-              <a:tr h="370840">
-                <a:tc>
-                  <a:txBody>
-                    <a:bodyPr/>
-                    <a:lstStyle/>
                     <a:p>
-                      <a:endParaRPr lang="zh-CN" altLang="en-US"/>
+                      <a:endParaRPr lang="zh-CN" altLang="en-US" sz="800" dirty="0"/>
                     </a:p>
                   </a:txBody>
                   <a:tcPr/>
@@ -32608,7 +33881,15 @@
                     <a:bodyPr/>
                     <a:lstStyle/>
                     <a:p>
-                      <a:endParaRPr lang="zh-CN" altLang="en-US"/>
+                      <a:r>
+                        <a:rPr lang="en-US" altLang="zh-CN" sz="800" dirty="0" smtClean="0"/>
+                        <a:t>Out</a:t>
+                      </a:r>
+                      <a:r>
+                        <a:rPr lang="en-US" altLang="zh-CN" sz="800" baseline="0" dirty="0" smtClean="0"/>
+                        <a:t>line a narrative grammar of sequential images to explain how people make meaning of it. Such structure also permeate films and verbal discourse , </a:t>
+                      </a:r>
+                      <a:endParaRPr lang="zh-CN" altLang="en-US" sz="800" dirty="0"/>
                     </a:p>
                   </a:txBody>
                   <a:tcPr/>
@@ -32618,7 +33899,406 @@
                     <a:bodyPr/>
                     <a:lstStyle/>
                     <a:p>
-                      <a:endParaRPr lang="zh-CN" altLang="en-US" dirty="0"/>
+                      <a:endParaRPr lang="zh-CN" altLang="en-US" sz="800" dirty="0"/>
+                    </a:p>
+                  </a:txBody>
+                  <a:tcPr/>
+                </a:tc>
+              </a:tr>
+              <a:tr h="690790">
+                <a:tc>
+                  <a:txBody>
+                    <a:bodyPr/>
+                    <a:lstStyle/>
+                    <a:p>
+                      <a:endParaRPr lang="zh-CN" altLang="en-US" sz="800" dirty="0"/>
+                    </a:p>
+                  </a:txBody>
+                  <a:tcPr/>
+                </a:tc>
+                <a:tc>
+                  <a:txBody>
+                    <a:bodyPr/>
+                    <a:lstStyle/>
+                    <a:p>
+                      <a:r>
+                        <a:rPr lang="en-US" altLang="zh-CN" sz="800" dirty="0" smtClean="0"/>
+                        <a:t>A Deeper Understanding of Sequence in Narrative Visualization</a:t>
+                      </a:r>
+                      <a:endParaRPr lang="zh-CN" altLang="en-US" sz="800" dirty="0"/>
+                    </a:p>
+                  </a:txBody>
+                  <a:tcPr/>
+                </a:tc>
+                <a:tc>
+                  <a:txBody>
+                    <a:bodyPr/>
+                    <a:lstStyle/>
+                    <a:p>
+                      <a:r>
+                        <a:rPr lang="en-US" altLang="zh-CN" sz="800" dirty="0" smtClean="0"/>
+                        <a:t>A taxonomy of</a:t>
+                      </a:r>
+                      <a:r>
+                        <a:rPr lang="en-US" altLang="zh-CN" sz="800" baseline="0" dirty="0" smtClean="0"/>
+                        <a:t> the transition (logic ) between visualizations</a:t>
+                      </a:r>
+                    </a:p>
+                    <a:p>
+                      <a:endParaRPr lang="en-US" altLang="zh-CN" sz="800" baseline="0" dirty="0" smtClean="0"/>
+                    </a:p>
+                    <a:p>
+                      <a:pPr marL="0" marR="0" indent="0" algn="l" defTabSz="914400" rtl="0" eaLnBrk="1" fontAlgn="auto" latinLnBrk="0" hangingPunct="1">
+                        <a:lnSpc>
+                          <a:spcPct val="100000"/>
+                        </a:lnSpc>
+                        <a:spcBef>
+                          <a:spcPts val="0"/>
+                        </a:spcBef>
+                        <a:spcAft>
+                          <a:spcPts val="0"/>
+                        </a:spcAft>
+                        <a:buClrTx/>
+                        <a:buSzTx/>
+                        <a:buFontTx/>
+                        <a:buNone/>
+                        <a:tabLst/>
+                        <a:defRPr/>
+                      </a:pPr>
+                      <a:r>
+                        <a:rPr lang="en-US" altLang="zh-CN" sz="800" kern="1200" dirty="0" smtClean="0">
+                          <a:solidFill>
+                            <a:schemeClr val="dk1"/>
+                          </a:solidFill>
+                          <a:latin typeface="+mn-lt"/>
+                          <a:ea typeface="+mn-ea"/>
+                          <a:cs typeface="+mn-cs"/>
+                        </a:rPr>
+                        <a:t>Algorithmically Identifying Effective Sequences based on data attributes</a:t>
+                      </a:r>
+                    </a:p>
+                    <a:p>
+                      <a:endParaRPr lang="zh-CN" altLang="en-US" sz="800" dirty="0"/>
+                    </a:p>
+                  </a:txBody>
+                  <a:tcPr/>
+                </a:tc>
+                <a:tc>
+                  <a:txBody>
+                    <a:bodyPr/>
+                    <a:lstStyle/>
+                    <a:p>
+                      <a:endParaRPr lang="zh-CN" altLang="en-US" sz="800"/>
+                    </a:p>
+                  </a:txBody>
+                  <a:tcPr/>
+                </a:tc>
+              </a:tr>
+              <a:tr h="588451">
+                <a:tc>
+                  <a:txBody>
+                    <a:bodyPr/>
+                    <a:lstStyle/>
+                    <a:p>
+                      <a:endParaRPr lang="zh-CN" altLang="en-US" sz="800" dirty="0"/>
+                    </a:p>
+                  </a:txBody>
+                  <a:tcPr/>
+                </a:tc>
+                <a:tc>
+                  <a:txBody>
+                    <a:bodyPr/>
+                    <a:lstStyle/>
+                    <a:p>
+                      <a:r>
+                        <a:rPr lang="en-US" altLang="zh-CN" sz="800" dirty="0" smtClean="0"/>
+                        <a:t>Timelines Revisited: A Design Space and Considerations for Expressive Storytelling</a:t>
+                      </a:r>
+                      <a:endParaRPr lang="zh-CN" altLang="en-US" sz="800" dirty="0"/>
+                    </a:p>
+                  </a:txBody>
+                  <a:tcPr/>
+                </a:tc>
+                <a:tc>
+                  <a:txBody>
+                    <a:bodyPr/>
+                    <a:lstStyle/>
+                    <a:p>
+                      <a:pPr marL="0" marR="0" indent="0" algn="l" defTabSz="914400" rtl="0" eaLnBrk="1" fontAlgn="auto" latinLnBrk="0" hangingPunct="1">
+                        <a:lnSpc>
+                          <a:spcPct val="100000"/>
+                        </a:lnSpc>
+                        <a:spcBef>
+                          <a:spcPts val="0"/>
+                        </a:spcBef>
+                        <a:spcAft>
+                          <a:spcPts val="0"/>
+                        </a:spcAft>
+                        <a:buClrTx/>
+                        <a:buSzTx/>
+                        <a:buFontTx/>
+                        <a:buNone/>
+                        <a:tabLst/>
+                        <a:defRPr/>
+                      </a:pPr>
+                      <a:r>
+                        <a:rPr lang="en-US" altLang="zh-CN" sz="800" kern="1200" dirty="0" smtClean="0">
+                          <a:solidFill>
+                            <a:schemeClr val="dk1"/>
+                          </a:solidFill>
+                          <a:effectLst/>
+                          <a:latin typeface="+mn-lt"/>
+                          <a:ea typeface="+mn-ea"/>
+                          <a:cs typeface="+mn-cs"/>
+                        </a:rPr>
+                        <a:t>a design space ( representation, scale, and layout ) and considerations for presenting timeline stories with the aim of balancing expressiveness and effectiveness. </a:t>
+                      </a:r>
+                      <a:endParaRPr lang="en-US" altLang="zh-CN" sz="800" dirty="0" smtClean="0"/>
+                    </a:p>
+                    <a:p>
+                      <a:endParaRPr lang="zh-CN" altLang="en-US" sz="800" dirty="0"/>
+                    </a:p>
+                  </a:txBody>
+                  <a:tcPr/>
+                </a:tc>
+                <a:tc>
+                  <a:txBody>
+                    <a:bodyPr/>
+                    <a:lstStyle/>
+                    <a:p>
+                      <a:endParaRPr lang="zh-CN" altLang="en-US" sz="800" dirty="0"/>
+                    </a:p>
+                  </a:txBody>
+                  <a:tcPr/>
+                </a:tc>
+              </a:tr>
+              <a:tr h="308889">
+                <a:tc>
+                  <a:txBody>
+                    <a:bodyPr/>
+                    <a:lstStyle/>
+                    <a:p>
+                      <a:endParaRPr lang="zh-CN" altLang="en-US" sz="800" kern="1200" dirty="0">
+                        <a:solidFill>
+                          <a:schemeClr val="dk1"/>
+                        </a:solidFill>
+                        <a:latin typeface="+mn-lt"/>
+                        <a:ea typeface="+mn-ea"/>
+                        <a:cs typeface="+mn-cs"/>
+                      </a:endParaRPr>
+                    </a:p>
+                  </a:txBody>
+                  <a:tcPr/>
+                </a:tc>
+                <a:tc>
+                  <a:txBody>
+                    <a:bodyPr/>
+                    <a:lstStyle/>
+                    <a:p>
+                      <a:r>
+                        <a:rPr lang="en-US" altLang="zh-CN" sz="800" kern="1200" dirty="0" smtClean="0">
+                          <a:solidFill>
+                            <a:schemeClr val="dk1"/>
+                          </a:solidFill>
+                          <a:latin typeface="+mn-lt"/>
+                          <a:ea typeface="+mn-ea"/>
+                          <a:cs typeface="+mn-cs"/>
+                        </a:rPr>
+                        <a:t>Understanding Data Videos: Looking at Narrative Visualization </a:t>
+                      </a:r>
+                      <a:r>
+                        <a:rPr lang="en-US" altLang="zh-CN" sz="1000" u="sng" kern="1200" dirty="0" smtClean="0">
+                          <a:solidFill>
+                            <a:schemeClr val="dk1"/>
+                          </a:solidFill>
+                          <a:latin typeface="+mn-lt"/>
+                          <a:ea typeface="+mn-ea"/>
+                          <a:cs typeface="+mn-cs"/>
+                        </a:rPr>
+                        <a:t>through the Cinematography Lens</a:t>
+                      </a:r>
+                      <a:endParaRPr lang="zh-CN" altLang="en-US" sz="1000" u="sng" kern="1200" dirty="0">
+                        <a:solidFill>
+                          <a:schemeClr val="dk1"/>
+                        </a:solidFill>
+                        <a:latin typeface="+mn-lt"/>
+                        <a:ea typeface="+mn-ea"/>
+                        <a:cs typeface="+mn-cs"/>
+                      </a:endParaRPr>
+                    </a:p>
+                  </a:txBody>
+                  <a:tcPr/>
+                </a:tc>
+                <a:tc>
+                  <a:txBody>
+                    <a:bodyPr/>
+                    <a:lstStyle/>
+                    <a:p>
+                      <a:r>
+                        <a:rPr lang="en-US" altLang="zh-CN" sz="800" kern="1200" dirty="0" smtClean="0">
+                          <a:solidFill>
+                            <a:schemeClr val="dk1"/>
+                          </a:solidFill>
+                          <a:latin typeface="+mn-lt"/>
+                          <a:ea typeface="+mn-ea"/>
+                          <a:cs typeface="+mn-cs"/>
+                        </a:rPr>
+                        <a:t> narrative structure of data video</a:t>
+                      </a:r>
+                    </a:p>
+                    <a:p>
+                      <a:r>
+                        <a:rPr lang="en-US" altLang="zh-CN" sz="800" kern="1200" dirty="0" smtClean="0">
+                          <a:solidFill>
+                            <a:schemeClr val="dk1"/>
+                          </a:solidFill>
+                          <a:latin typeface="+mn-lt"/>
+                          <a:ea typeface="+mn-ea"/>
+                          <a:cs typeface="+mn-cs"/>
+                        </a:rPr>
+                        <a:t>described the wide range of patterns used in data videos </a:t>
+                      </a:r>
+                    </a:p>
+                    <a:p>
+                      <a:r>
+                        <a:rPr lang="en-US" altLang="zh-CN" sz="800" kern="1200" dirty="0" smtClean="0">
+                          <a:solidFill>
+                            <a:schemeClr val="dk1"/>
+                          </a:solidFill>
+                          <a:latin typeface="+mn-lt"/>
+                          <a:ea typeface="+mn-ea"/>
+                          <a:cs typeface="+mn-cs"/>
+                        </a:rPr>
+                        <a:t>knowledge on the composition of narrative visualizations, identifying what makes them compelling or memorable </a:t>
+                      </a:r>
+                    </a:p>
+                    <a:p>
+                      <a:endParaRPr lang="zh-CN" altLang="en-US" sz="800" kern="1200" dirty="0">
+                        <a:solidFill>
+                          <a:schemeClr val="dk1"/>
+                        </a:solidFill>
+                        <a:latin typeface="+mn-lt"/>
+                        <a:ea typeface="+mn-ea"/>
+                        <a:cs typeface="+mn-cs"/>
+                      </a:endParaRPr>
+                    </a:p>
+                  </a:txBody>
+                  <a:tcPr/>
+                </a:tc>
+                <a:tc>
+                  <a:txBody>
+                    <a:bodyPr/>
+                    <a:lstStyle/>
+                    <a:p>
+                      <a:endParaRPr lang="zh-CN" altLang="en-US" sz="800" kern="1200" dirty="0">
+                        <a:solidFill>
+                          <a:schemeClr val="dk1"/>
+                        </a:solidFill>
+                        <a:latin typeface="+mn-lt"/>
+                        <a:ea typeface="+mn-ea"/>
+                        <a:cs typeface="+mn-cs"/>
+                      </a:endParaRPr>
+                    </a:p>
+                  </a:txBody>
+                  <a:tcPr/>
+                </a:tc>
+              </a:tr>
+              <a:tr h="382199">
+                <a:tc>
+                  <a:txBody>
+                    <a:bodyPr/>
+                    <a:lstStyle/>
+                    <a:p>
+                      <a:endParaRPr lang="zh-CN" altLang="en-US" sz="800" kern="1200" dirty="0">
+                        <a:solidFill>
+                          <a:schemeClr val="dk1"/>
+                        </a:solidFill>
+                        <a:latin typeface="+mn-lt"/>
+                        <a:ea typeface="+mn-ea"/>
+                        <a:cs typeface="+mn-cs"/>
+                      </a:endParaRPr>
+                    </a:p>
+                  </a:txBody>
+                  <a:tcPr/>
+                </a:tc>
+                <a:tc>
+                  <a:txBody>
+                    <a:bodyPr/>
+                    <a:lstStyle/>
+                    <a:p>
+                      <a:r>
+                        <a:rPr lang="en-US" altLang="zh-CN" sz="1200" kern="1200" dirty="0" smtClean="0">
+                          <a:solidFill>
+                            <a:schemeClr val="dk1"/>
+                          </a:solidFill>
+                          <a:latin typeface="+mn-lt"/>
+                          <a:ea typeface="+mn-ea"/>
+                          <a:cs typeface="+mn-cs"/>
+                        </a:rPr>
+                        <a:t>A Practical Iterative Framework for Qualitative Data Analysis</a:t>
+                      </a:r>
+                      <a:endParaRPr lang="zh-CN" altLang="en-US" sz="1200" kern="1200" dirty="0">
+                        <a:solidFill>
+                          <a:schemeClr val="dk1"/>
+                        </a:solidFill>
+                        <a:latin typeface="+mn-lt"/>
+                        <a:ea typeface="+mn-ea"/>
+                        <a:cs typeface="+mn-cs"/>
+                      </a:endParaRPr>
+                    </a:p>
+                  </a:txBody>
+                  <a:tcPr/>
+                </a:tc>
+                <a:tc>
+                  <a:txBody>
+                    <a:bodyPr/>
+                    <a:lstStyle/>
+                    <a:p>
+                      <a:pPr marL="0" marR="0" indent="0" algn="l" defTabSz="914400" rtl="0" eaLnBrk="1" fontAlgn="auto" latinLnBrk="0" hangingPunct="1">
+                        <a:lnSpc>
+                          <a:spcPct val="100000"/>
+                        </a:lnSpc>
+                        <a:spcBef>
+                          <a:spcPts val="0"/>
+                        </a:spcBef>
+                        <a:spcAft>
+                          <a:spcPts val="0"/>
+                        </a:spcAft>
+                        <a:buClrTx/>
+                        <a:buSzTx/>
+                        <a:buFontTx/>
+                        <a:buNone/>
+                        <a:tabLst/>
+                        <a:defRPr/>
+                      </a:pPr>
+                      <a:r>
+                        <a:rPr lang="en-US" altLang="zh-CN" sz="1200" kern="1200" dirty="0" smtClean="0">
+                          <a:solidFill>
+                            <a:schemeClr val="dk1"/>
+                          </a:solidFill>
+                          <a:latin typeface="+mn-lt"/>
+                          <a:ea typeface="+mn-ea"/>
+                          <a:cs typeface="+mn-cs"/>
+                        </a:rPr>
+                        <a:t>a loop-like pattern of multiple rounds of revisiting the data as additional questions emerge, new connections are unearthed, and more complex formulations develop along with a deepening understanding of the material. </a:t>
+                      </a:r>
+                    </a:p>
+                  </a:txBody>
+                  <a:tcPr/>
+                </a:tc>
+                <a:tc>
+                  <a:txBody>
+                    <a:bodyPr/>
+                    <a:lstStyle/>
+                    <a:p>
+                      <a:endParaRPr lang="zh-CN" altLang="en-US" sz="1200" kern="1200" dirty="0">
+                        <a:solidFill>
+                          <a:schemeClr val="dk1"/>
+                        </a:solidFill>
+                        <a:latin typeface="+mn-lt"/>
+                        <a:ea typeface="+mn-ea"/>
+                        <a:cs typeface="+mn-cs"/>
+                      </a:endParaRPr>
                     </a:p>
                   </a:txBody>
                   <a:tcPr/>
@@ -32636,8 +34316,8 @@
         </p:nvSpPr>
         <p:spPr>
           <a:xfrm>
-            <a:off x="838200" y="1588212"/>
-            <a:ext cx="9112623" cy="584775"/>
+            <a:off x="737839" y="1315096"/>
+            <a:ext cx="8187267" cy="584775"/>
           </a:xfrm>
           <a:prstGeom prst="rect">
             <a:avLst/>
@@ -32651,7 +34331,7 @@
           <a:lstStyle/>
           <a:p>
             <a:r>
-              <a:rPr kumimoji="1" lang="en-US" altLang="zh-CN" sz="3200" dirty="0">
+              <a:rPr kumimoji="1" lang="en-US" altLang="zh-CN" sz="3200" dirty="0" smtClean="0">
                 <a:solidFill>
                   <a:schemeClr val="tx1">
                     <a:lumMod val="65000"/>
@@ -32662,7 +34342,21 @@
                 <a:ea typeface="Bradley Hand" charset="0"/>
                 <a:cs typeface="Bradley Hand" charset="0"/>
               </a:rPr>
-              <a:t>Authoring tools for narrative visualization</a:t>
+              <a:t>Logic sequence </a:t>
+            </a:r>
+            <a:r>
+              <a:rPr kumimoji="1" lang="en-US" altLang="zh-CN" sz="3200" dirty="0" smtClean="0">
+                <a:solidFill>
+                  <a:schemeClr val="tx1">
+                    <a:lumMod val="65000"/>
+                    <a:lumOff val="35000"/>
+                  </a:schemeClr>
+                </a:solidFill>
+                <a:latin typeface="Bradley Hand" charset="0"/>
+                <a:ea typeface="Bradley Hand" charset="0"/>
+                <a:cs typeface="Bradley Hand" charset="0"/>
+              </a:rPr>
+              <a:t>for narratives</a:t>
             </a:r>
             <a:endParaRPr kumimoji="1" lang="zh-CN" altLang="en-US" sz="3200" dirty="0">
               <a:solidFill>
@@ -32680,7 +34374,7 @@
       </p:sp>
       <p:sp>
         <p:nvSpPr>
-          <p:cNvPr id="5" name="矩形 4"/>
+          <p:cNvPr id="11" name="矩形 10"/>
           <p:cNvSpPr/>
           <p:nvPr/>
         </p:nvSpPr>
@@ -32727,10 +34421,46 @@
           </a:p>
         </p:txBody>
       </p:sp>
+      <p:sp>
+        <p:nvSpPr>
+          <p:cNvPr id="3" name="文本框 2"/>
+          <p:cNvSpPr txBox="1"/>
+          <p:nvPr/>
+        </p:nvSpPr>
+        <p:spPr>
+          <a:xfrm>
+            <a:off x="3048150" y="101347"/>
+            <a:ext cx="9143850" cy="646331"/>
+          </a:xfrm>
+          <a:prstGeom prst="rect">
+            <a:avLst/>
+          </a:prstGeom>
+          <a:noFill/>
+        </p:spPr>
+        <p:txBody>
+          <a:bodyPr wrap="none" rtlCol="0">
+            <a:spAutoFit/>
+          </a:bodyPr>
+          <a:lstStyle/>
+          <a:p>
+            <a:r>
+              <a:rPr kumimoji="1" lang="en-US" altLang="zh-CN" dirty="0" smtClean="0"/>
+              <a:t>In other field</a:t>
+            </a:r>
+          </a:p>
+          <a:p>
+            <a:r>
+              <a:rPr kumimoji="1" lang="en-US" altLang="zh-CN" dirty="0" smtClean="0"/>
+              <a:t>And people apply it in visual community, develop it based on the data attribute</a:t>
+            </a:r>
+            <a:endParaRPr kumimoji="1" lang="zh-CN" altLang="en-US" dirty="0"/>
+          </a:p>
+        </p:txBody>
+      </p:sp>
     </p:spTree>
     <p:extLst>
       <p:ext uri="{BB962C8B-B14F-4D97-AF65-F5344CB8AC3E}">
-        <p14:creationId xmlns:p14="http://schemas.microsoft.com/office/powerpoint/2010/main" val="638770320"/>
+        <p14:creationId xmlns:p14="http://schemas.microsoft.com/office/powerpoint/2010/main" val="675574196"/>
       </p:ext>
     </p:extLst>
   </p:cSld>
@@ -32811,14 +34541,14 @@
             <p:ph idx="1"/>
             <p:extLst>
               <p:ext uri="{D42A27DB-BD31-4B8C-83A1-F6EECF244321}">
-                <p14:modId xmlns:p14="http://schemas.microsoft.com/office/powerpoint/2010/main" val="149717357"/>
+                <p14:modId xmlns:p14="http://schemas.microsoft.com/office/powerpoint/2010/main" val="244309695"/>
               </p:ext>
             </p:extLst>
           </p:nvPr>
         </p:nvGraphicFramePr>
         <p:xfrm>
           <a:off x="838200" y="2088858"/>
-          <a:ext cx="10515600" cy="1930400"/>
+          <a:ext cx="10515600" cy="3942080"/>
         </p:xfrm>
         <a:graphic>
           <a:graphicData uri="http://schemas.openxmlformats.org/drawingml/2006/table">
@@ -32886,10 +34616,10 @@
                     <a:lstStyle/>
                     <a:p>
                       <a:r>
-                        <a:rPr lang="en-US" altLang="zh-CN" dirty="0" smtClean="0"/>
+                        <a:rPr lang="en-US" altLang="zh-CN" sz="1200" dirty="0" smtClean="0"/>
                         <a:t>Learning Visualizations by Analogy: Promoting Visual Literacy through Visualization Morphing</a:t>
                       </a:r>
-                      <a:endParaRPr lang="zh-CN" altLang="en-US" dirty="0"/>
+                      <a:endParaRPr lang="zh-CN" altLang="en-US" sz="1200" dirty="0"/>
                     </a:p>
                   </a:txBody>
                   <a:tcPr/>
@@ -32900,26 +34630,26 @@
                     <a:lstStyle/>
                     <a:p>
                       <a:r>
-                        <a:rPr lang="en-US" altLang="zh-CN" dirty="0" smtClean="0"/>
+                        <a:rPr lang="en-US" altLang="zh-CN" sz="1200" dirty="0" smtClean="0"/>
                         <a:t>Morphing from familiar </a:t>
                       </a:r>
                       <a:r>
-                        <a:rPr lang="en-US" altLang="zh-CN" dirty="0" err="1" smtClean="0"/>
+                        <a:rPr lang="en-US" altLang="zh-CN" sz="1200" dirty="0" err="1" smtClean="0"/>
                         <a:t>vis</a:t>
                       </a:r>
                       <a:r>
-                        <a:rPr lang="en-US" altLang="zh-CN" dirty="0" smtClean="0"/>
+                        <a:rPr lang="en-US" altLang="zh-CN" sz="1200" dirty="0" smtClean="0"/>
                         <a:t> to unfamiliar </a:t>
                       </a:r>
                       <a:r>
-                        <a:rPr lang="en-US" altLang="zh-CN" dirty="0" err="1" smtClean="0"/>
+                        <a:rPr lang="en-US" altLang="zh-CN" sz="1200" dirty="0" err="1" smtClean="0"/>
                         <a:t>vis</a:t>
                       </a:r>
                       <a:r>
-                        <a:rPr lang="en-US" altLang="zh-CN" dirty="0" smtClean="0"/>
+                        <a:rPr lang="en-US" altLang="zh-CN" sz="1200" dirty="0" smtClean="0"/>
                         <a:t> </a:t>
                       </a:r>
-                      <a:endParaRPr lang="zh-CN" altLang="en-US" dirty="0"/>
+                      <a:endParaRPr lang="zh-CN" altLang="en-US" sz="1200" dirty="0"/>
                     </a:p>
                   </a:txBody>
                   <a:tcPr/>
@@ -32930,16 +34660,16 @@
                     <a:lstStyle/>
                     <a:p>
                       <a:r>
-                        <a:rPr lang="en-US" altLang="zh-CN" smtClean="0"/>
+                        <a:rPr lang="en-US" altLang="zh-CN" sz="1200" smtClean="0"/>
                         <a:t>A theory</a:t>
                       </a:r>
                       <a:r>
-                        <a:rPr lang="en-US" altLang="zh-CN" baseline="0" smtClean="0"/>
+                        <a:rPr lang="en-US" altLang="zh-CN" sz="1200" baseline="0" smtClean="0"/>
                         <a:t>, not a tool</a:t>
                       </a:r>
                     </a:p>
                     <a:p>
-                      <a:endParaRPr lang="zh-CN" altLang="en-US" dirty="0"/>
+                      <a:endParaRPr lang="zh-CN" altLang="en-US" sz="1200" dirty="0"/>
                     </a:p>
                   </a:txBody>
                   <a:tcPr/>
@@ -32951,7 +34681,11 @@
                     <a:bodyPr/>
                     <a:lstStyle/>
                     <a:p>
-                      <a:endParaRPr lang="zh-CN" altLang="en-US"/>
+                      <a:r>
+                        <a:rPr lang="en-US" altLang="zh-CN" sz="1200" dirty="0" smtClean="0"/>
+                        <a:t>Visualizing data with motion</a:t>
+                      </a:r>
+                      <a:endParaRPr lang="zh-CN" altLang="en-US" sz="1200" dirty="0"/>
                     </a:p>
                   </a:txBody>
                   <a:tcPr/>
@@ -32961,7 +34695,26 @@
                     <a:bodyPr/>
                     <a:lstStyle/>
                     <a:p>
-                      <a:endParaRPr lang="zh-CN" altLang="en-US"/>
+                      <a:r>
+                        <a:rPr lang="en-US" altLang="zh-CN" sz="1200" dirty="0" smtClean="0"/>
+                        <a:t>Results suggest that a coherent flicker difference of at least 120 </a:t>
+                      </a:r>
+                      <a:r>
+                        <a:rPr lang="en-US" altLang="zh-CN" sz="1200" dirty="0" err="1" smtClean="0"/>
+                        <a:t>msec</a:t>
+                      </a:r>
+                      <a:r>
+                        <a:rPr lang="en-US" altLang="zh-CN" sz="1200" dirty="0" smtClean="0"/>
+                        <a:t>, a di- </a:t>
+                      </a:r>
+                      <a:r>
+                        <a:rPr lang="en-US" altLang="zh-CN" sz="1200" dirty="0" err="1" smtClean="0"/>
+                        <a:t>rection</a:t>
+                      </a:r>
+                      <a:r>
+                        <a:rPr lang="en-US" altLang="zh-CN" sz="1200" dirty="0" smtClean="0"/>
+                        <a:t> difference of at least 20◦, and a velocity difference at least 0.43◦ of subtended visual angle are needed to distinguish between different values of the three properties. </a:t>
+                      </a:r>
                     </a:p>
                   </a:txBody>
                   <a:tcPr/>
@@ -32971,7 +34724,175 @@
                     <a:bodyPr/>
                     <a:lstStyle/>
                     <a:p>
-                      <a:endParaRPr lang="zh-CN" altLang="en-US" dirty="0"/>
+                      <a:endParaRPr lang="zh-CN" altLang="en-US" sz="1200" dirty="0"/>
+                    </a:p>
+                  </a:txBody>
+                  <a:tcPr/>
+                </a:tc>
+              </a:tr>
+              <a:tr h="370840">
+                <a:tc>
+                  <a:txBody>
+                    <a:bodyPr/>
+                    <a:lstStyle/>
+                    <a:p>
+                      <a:r>
+                        <a:rPr lang="en-US" altLang="zh-CN" sz="1200" dirty="0" smtClean="0"/>
+                        <a:t>Graph Diaries: Animated Transitions and Temporal Navigation for Dynamic Networks</a:t>
+                      </a:r>
+                      <a:endParaRPr lang="zh-CN" altLang="en-US" sz="1200" dirty="0"/>
+                    </a:p>
+                  </a:txBody>
+                  <a:tcPr/>
+                </a:tc>
+                <a:tc>
+                  <a:txBody>
+                    <a:bodyPr/>
+                    <a:lstStyle/>
+                    <a:p>
+                      <a:r>
+                        <a:rPr lang="en-US" altLang="zh-CN" sz="1200" dirty="0" smtClean="0"/>
+                        <a:t>Dynamic network,</a:t>
+                      </a:r>
+                      <a:r>
+                        <a:rPr lang="en-US" altLang="zh-CN" sz="1200" baseline="0" dirty="0" smtClean="0"/>
+                        <a:t> </a:t>
+                      </a:r>
+                      <a:r>
+                        <a:rPr lang="en-US" altLang="zh-CN" sz="1200" baseline="0" dirty="0" err="1" smtClean="0"/>
+                        <a:t>highligh</a:t>
+                      </a:r>
+                      <a:r>
+                        <a:rPr lang="en-US" altLang="zh-CN" sz="1200" baseline="0" dirty="0" smtClean="0"/>
+                        <a:t> what is changed every step</a:t>
+                      </a:r>
+                      <a:endParaRPr lang="zh-CN" altLang="en-US" sz="1200" dirty="0"/>
+                    </a:p>
+                  </a:txBody>
+                  <a:tcPr/>
+                </a:tc>
+                <a:tc>
+                  <a:txBody>
+                    <a:bodyPr/>
+                    <a:lstStyle/>
+                    <a:p>
+                      <a:endParaRPr lang="zh-CN" altLang="en-US" sz="1200" dirty="0"/>
+                    </a:p>
+                  </a:txBody>
+                  <a:tcPr/>
+                </a:tc>
+              </a:tr>
+              <a:tr h="370840">
+                <a:tc>
+                  <a:txBody>
+                    <a:bodyPr/>
+                    <a:lstStyle/>
+                    <a:p>
+                      <a:r>
+                        <a:rPr lang="en-US" altLang="zh-CN" sz="1200" dirty="0" smtClean="0"/>
+                        <a:t>Attractive Flicker:</a:t>
+                      </a:r>
+                      <a:r>
+                        <a:rPr lang="en-US" altLang="zh-CN" sz="1200" baseline="0" dirty="0" smtClean="0"/>
+                        <a:t> </a:t>
+                      </a:r>
+                      <a:r>
+                        <a:rPr lang="en-US" altLang="zh-CN" sz="1200" dirty="0" smtClean="0"/>
+                        <a:t>Guiding Attention in Dynamic Narrative Visualizations</a:t>
+                      </a:r>
+                      <a:endParaRPr lang="zh-CN" altLang="en-US" sz="1200" dirty="0"/>
+                    </a:p>
+                  </a:txBody>
+                  <a:tcPr/>
+                </a:tc>
+                <a:tc>
+                  <a:txBody>
+                    <a:bodyPr/>
+                    <a:lstStyle/>
+                    <a:p>
+                      <a:endParaRPr lang="zh-CN" altLang="en-US" sz="1200" dirty="0"/>
+                    </a:p>
+                  </a:txBody>
+                  <a:tcPr/>
+                </a:tc>
+                <a:tc>
+                  <a:txBody>
+                    <a:bodyPr/>
+                    <a:lstStyle/>
+                    <a:p>
+                      <a:endParaRPr lang="zh-CN" altLang="en-US" sz="1200" dirty="0"/>
+                    </a:p>
+                  </a:txBody>
+                  <a:tcPr/>
+                </a:tc>
+              </a:tr>
+              <a:tr h="370840">
+                <a:tc>
+                  <a:txBody>
+                    <a:bodyPr/>
+                    <a:lstStyle/>
+                    <a:p>
+                      <a:r>
+                        <a:rPr lang="en-US" altLang="zh-CN" sz="1200" dirty="0" smtClean="0"/>
+                        <a:t>Effectiveness of Animation in Trend Visualization</a:t>
+                      </a:r>
+                      <a:endParaRPr lang="zh-CN" altLang="en-US" sz="1200" dirty="0"/>
+                    </a:p>
+                  </a:txBody>
+                  <a:tcPr/>
+                </a:tc>
+                <a:tc>
+                  <a:txBody>
+                    <a:bodyPr/>
+                    <a:lstStyle/>
+                    <a:p>
+                      <a:endParaRPr lang="zh-CN" altLang="en-US" sz="1200" dirty="0"/>
+                    </a:p>
+                  </a:txBody>
+                  <a:tcPr/>
+                </a:tc>
+                <a:tc>
+                  <a:txBody>
+                    <a:bodyPr/>
+                    <a:lstStyle/>
+                    <a:p>
+                      <a:endParaRPr lang="zh-CN" altLang="en-US" sz="1200" dirty="0"/>
+                    </a:p>
+                  </a:txBody>
+                  <a:tcPr/>
+                </a:tc>
+              </a:tr>
+              <a:tr h="370840">
+                <a:tc>
+                  <a:txBody>
+                    <a:bodyPr/>
+                    <a:lstStyle/>
+                    <a:p>
+                      <a:r>
+                        <a:rPr lang="en-US" altLang="zh-CN" sz="1200" smtClean="0"/>
+                        <a:t>Visual Sedimentation</a:t>
+                      </a:r>
+                      <a:endParaRPr lang="zh-CN" altLang="en-US" sz="1200" dirty="0"/>
+                    </a:p>
+                  </a:txBody>
+                  <a:tcPr/>
+                </a:tc>
+                <a:tc>
+                  <a:txBody>
+                    <a:bodyPr/>
+                    <a:lstStyle/>
+                    <a:p>
+                      <a:endParaRPr lang="zh-CN" altLang="en-US" sz="1200" dirty="0"/>
+                    </a:p>
+                  </a:txBody>
+                  <a:tcPr/>
+                </a:tc>
+                <a:tc>
+                  <a:txBody>
+                    <a:bodyPr/>
+                    <a:lstStyle/>
+                    <a:p>
+                      <a:endParaRPr lang="zh-CN" altLang="en-US" sz="1200" dirty="0"/>
                     </a:p>
                   </a:txBody>
                   <a:tcPr/>
@@ -33004,7 +34925,7 @@
           <a:lstStyle/>
           <a:p>
             <a:r>
-              <a:rPr kumimoji="1" lang="en-US" altLang="zh-CN" sz="3200" dirty="0">
+              <a:rPr kumimoji="1" lang="en-US" altLang="zh-CN" sz="3200" dirty="0" smtClean="0">
                 <a:solidFill>
                   <a:schemeClr val="tx1">
                     <a:lumMod val="65000"/>
@@ -33015,63 +34936,7 @@
                 <a:ea typeface="Bradley Hand" charset="0"/>
                 <a:cs typeface="Bradley Hand" charset="0"/>
               </a:rPr>
-              <a:t>For a better </a:t>
-            </a:r>
-            <a:r>
-              <a:rPr kumimoji="1" lang="en-US" altLang="zh-CN" sz="3200">
-                <a:solidFill>
-                  <a:schemeClr val="tx1">
-                    <a:lumMod val="65000"/>
-                    <a:lumOff val="35000"/>
-                  </a:schemeClr>
-                </a:solidFill>
-                <a:latin typeface="Bradley Hand" charset="0"/>
-                <a:ea typeface="Bradley Hand" charset="0"/>
-                <a:cs typeface="Bradley Hand" charset="0"/>
-              </a:rPr>
-              <a:t>understanding </a:t>
-            </a:r>
-            <a:r>
-              <a:rPr kumimoji="1" lang="en-US" altLang="zh-CN" sz="3200" smtClean="0">
-                <a:solidFill>
-                  <a:schemeClr val="tx1">
-                    <a:lumMod val="65000"/>
-                    <a:lumOff val="35000"/>
-                  </a:schemeClr>
-                </a:solidFill>
-                <a:latin typeface="Bradley Hand" charset="0"/>
-                <a:ea typeface="Bradley Hand" charset="0"/>
-                <a:cs typeface="Bradley Hand" charset="0"/>
-              </a:rPr>
-              <a:t>towards </a:t>
-            </a:r>
-            <a:r>
-              <a:rPr kumimoji="1" lang="en-US" altLang="zh-CN" sz="3200" dirty="0" err="1">
-                <a:solidFill>
-                  <a:schemeClr val="tx1">
-                    <a:lumMod val="65000"/>
-                    <a:lumOff val="35000"/>
-                  </a:schemeClr>
-                </a:solidFill>
-                <a:latin typeface="Bradley Hand" charset="0"/>
-                <a:ea typeface="Bradley Hand" charset="0"/>
-                <a:cs typeface="Bradley Hand" charset="0"/>
-              </a:rPr>
-              <a:t>infovis</a:t>
-            </a:r>
-            <a:r>
-              <a:rPr kumimoji="1" lang="en-US" altLang="zh-CN" sz="3200" dirty="0">
-                <a:solidFill>
-                  <a:schemeClr val="tx1">
-                    <a:lumMod val="65000"/>
-                    <a:lumOff val="35000"/>
-                  </a:schemeClr>
-                </a:solidFill>
-                <a:latin typeface="Bradley Hand" charset="0"/>
-                <a:ea typeface="Bradley Hand" charset="0"/>
-                <a:cs typeface="Bradley Hand" charset="0"/>
-              </a:rPr>
-              <a:t> </a:t>
+              <a:t>Animation in data visualization</a:t>
             </a:r>
             <a:endParaRPr kumimoji="1" lang="zh-CN" altLang="en-US" sz="3200" dirty="0">
               <a:solidFill>
@@ -33133,6 +34998,42 @@
           <a:p>
             <a:pPr algn="ctr"/>
             <a:endParaRPr kumimoji="1" lang="zh-CN" altLang="en-US"/>
+          </a:p>
+        </p:txBody>
+      </p:sp>
+      <p:sp>
+        <p:nvSpPr>
+          <p:cNvPr id="3" name="文本框 2"/>
+          <p:cNvSpPr txBox="1"/>
+          <p:nvPr/>
+        </p:nvSpPr>
+        <p:spPr>
+          <a:xfrm>
+            <a:off x="4919383" y="345717"/>
+            <a:ext cx="7725192" cy="646331"/>
+          </a:xfrm>
+          <a:prstGeom prst="rect">
+            <a:avLst/>
+          </a:prstGeom>
+          <a:noFill/>
+        </p:spPr>
+        <p:txBody>
+          <a:bodyPr wrap="none" rtlCol="0">
+            <a:spAutoFit/>
+          </a:bodyPr>
+          <a:lstStyle/>
+          <a:p>
+            <a:r>
+              <a:rPr kumimoji="1" lang="en-US" altLang="zh-CN" dirty="0" smtClean="0"/>
+              <a:t>For attention guidance: focus + context, zoom in </a:t>
+            </a:r>
+          </a:p>
+          <a:p>
+            <a:r>
+              <a:rPr kumimoji="1" lang="en-US" altLang="zh-CN" dirty="0" smtClean="0"/>
+              <a:t>For better understanding: morphing, highlight dynamic step by step</a:t>
+            </a:r>
+            <a:endParaRPr kumimoji="1" lang="zh-CN" altLang="en-US" dirty="0"/>
           </a:p>
         </p:txBody>
       </p:sp>

--- a/Narvis.pptx
+++ b/Narvis.pptx
@@ -6,10 +6,10 @@
     <p:sldMasterId id="2147483709" r:id="rId2"/>
   </p:sldMasterIdLst>
   <p:notesMasterIdLst>
-    <p:notesMasterId r:id="rId46"/>
+    <p:notesMasterId r:id="rId47"/>
   </p:notesMasterIdLst>
   <p:handoutMasterIdLst>
-    <p:handoutMasterId r:id="rId47"/>
+    <p:handoutMasterId r:id="rId48"/>
   </p:handoutMasterIdLst>
   <p:sldIdLst>
     <p:sldId id="256" r:id="rId3"/>
@@ -50,11 +50,12 @@
     <p:sldId id="332" r:id="rId38"/>
     <p:sldId id="306" r:id="rId39"/>
     <p:sldId id="311" r:id="rId40"/>
-    <p:sldId id="312" r:id="rId41"/>
-    <p:sldId id="305" r:id="rId42"/>
-    <p:sldId id="266" r:id="rId43"/>
-    <p:sldId id="307" r:id="rId44"/>
-    <p:sldId id="308" r:id="rId45"/>
+    <p:sldId id="337" r:id="rId41"/>
+    <p:sldId id="312" r:id="rId42"/>
+    <p:sldId id="305" r:id="rId43"/>
+    <p:sldId id="266" r:id="rId44"/>
+    <p:sldId id="307" r:id="rId45"/>
+    <p:sldId id="308" r:id="rId46"/>
   </p:sldIdLst>
   <p:sldSz cx="12192000" cy="6858000"/>
   <p:notesSz cx="6858000" cy="9144000"/>
@@ -246,7 +247,7 @@
           <a:p>
             <a:fld id="{443858A2-55BF-2C48-836C-9750CBD4BED0}" type="datetimeFigureOut">
               <a:rPr kumimoji="1" lang="zh-CN" altLang="en-US" smtClean="0"/>
-              <a:t>17/1/20</a:t>
+              <a:t>17/2/4</a:t>
             </a:fld>
             <a:endParaRPr kumimoji="1" lang="zh-CN" altLang="en-US"/>
           </a:p>
@@ -411,7 +412,7 @@
           <a:p>
             <a:fld id="{B5F94621-51FD-5749-98D5-3A90791A2D21}" type="datetimeFigureOut">
               <a:rPr kumimoji="1" lang="zh-CN" altLang="en-US" smtClean="0"/>
-              <a:t>17/1/20</a:t>
+              <a:t>17/2/4</a:t>
             </a:fld>
             <a:endParaRPr kumimoji="1" lang="zh-CN" altLang="en-US"/>
           </a:p>
@@ -810,7 +811,7 @@
           <a:p>
             <a:fld id="{150B7BC7-98FD-3C49-9FC3-A2795803F5E6}" type="datetime1">
               <a:rPr kumimoji="1" lang="zh-CN" altLang="en-US" smtClean="0"/>
-              <a:t>17/1/20</a:t>
+              <a:t>17/2/4</a:t>
             </a:fld>
             <a:endParaRPr kumimoji="1" lang="zh-CN" altLang="en-US"/>
           </a:p>
@@ -1063,7 +1064,7 @@
           <a:p>
             <a:fld id="{CC380C00-CAB4-C74A-BDD7-C81DDD38C284}" type="datetime1">
               <a:rPr kumimoji="1" lang="zh-CN" altLang="en-US" smtClean="0"/>
-              <a:t>17/1/20</a:t>
+              <a:t>17/2/4</a:t>
             </a:fld>
             <a:endParaRPr kumimoji="1" lang="zh-CN" altLang="en-US"/>
           </a:p>
@@ -1233,7 +1234,7 @@
           <a:p>
             <a:fld id="{38D9227C-DE6E-0F4F-A2F2-155A3A66B90F}" type="datetime1">
               <a:rPr kumimoji="1" lang="zh-CN" altLang="en-US" smtClean="0"/>
-              <a:t>17/1/20</a:t>
+              <a:t>17/2/4</a:t>
             </a:fld>
             <a:endParaRPr kumimoji="1" lang="zh-CN" altLang="en-US"/>
           </a:p>
@@ -1413,7 +1414,7 @@
           <a:p>
             <a:fld id="{B9985D23-A70C-9B4F-989F-9D71039383C4}" type="datetime1">
               <a:rPr kumimoji="1" lang="zh-CN" altLang="en-US" smtClean="0"/>
-              <a:t>17/1/20</a:t>
+              <a:t>17/2/4</a:t>
             </a:fld>
             <a:endParaRPr kumimoji="1" lang="zh-CN" altLang="en-US"/>
           </a:p>
@@ -1605,7 +1606,7 @@
           <a:p>
             <a:fld id="{B27B4A42-A954-EE44-AAEF-7D5108DEFC1A}" type="datetimeFigureOut">
               <a:rPr kumimoji="1" lang="zh-CN" altLang="en-US" smtClean="0"/>
-              <a:t>17/1/20</a:t>
+              <a:t>17/2/4</a:t>
             </a:fld>
             <a:endParaRPr kumimoji="1" lang="zh-CN" altLang="en-US"/>
           </a:p>
@@ -1775,7 +1776,7 @@
           <a:p>
             <a:fld id="{B27B4A42-A954-EE44-AAEF-7D5108DEFC1A}" type="datetimeFigureOut">
               <a:rPr kumimoji="1" lang="zh-CN" altLang="en-US" smtClean="0"/>
-              <a:t>17/1/20</a:t>
+              <a:t>17/2/4</a:t>
             </a:fld>
             <a:endParaRPr kumimoji="1" lang="zh-CN" altLang="en-US"/>
           </a:p>
@@ -2021,7 +2022,7 @@
           <a:p>
             <a:fld id="{B27B4A42-A954-EE44-AAEF-7D5108DEFC1A}" type="datetimeFigureOut">
               <a:rPr kumimoji="1" lang="zh-CN" altLang="en-US" smtClean="0"/>
-              <a:t>17/1/20</a:t>
+              <a:t>17/2/4</a:t>
             </a:fld>
             <a:endParaRPr kumimoji="1" lang="zh-CN" altLang="en-US"/>
           </a:p>
@@ -2253,7 +2254,7 @@
           <a:p>
             <a:fld id="{B27B4A42-A954-EE44-AAEF-7D5108DEFC1A}" type="datetimeFigureOut">
               <a:rPr kumimoji="1" lang="zh-CN" altLang="en-US" smtClean="0"/>
-              <a:t>17/1/20</a:t>
+              <a:t>17/2/4</a:t>
             </a:fld>
             <a:endParaRPr kumimoji="1" lang="zh-CN" altLang="en-US"/>
           </a:p>
@@ -2620,7 +2621,7 @@
           <a:p>
             <a:fld id="{B27B4A42-A954-EE44-AAEF-7D5108DEFC1A}" type="datetimeFigureOut">
               <a:rPr kumimoji="1" lang="zh-CN" altLang="en-US" smtClean="0"/>
-              <a:t>17/1/20</a:t>
+              <a:t>17/2/4</a:t>
             </a:fld>
             <a:endParaRPr kumimoji="1" lang="zh-CN" altLang="en-US"/>
           </a:p>
@@ -2738,7 +2739,7 @@
           <a:p>
             <a:fld id="{B27B4A42-A954-EE44-AAEF-7D5108DEFC1A}" type="datetimeFigureOut">
               <a:rPr kumimoji="1" lang="zh-CN" altLang="en-US" smtClean="0"/>
-              <a:t>17/1/20</a:t>
+              <a:t>17/2/4</a:t>
             </a:fld>
             <a:endParaRPr kumimoji="1" lang="zh-CN" altLang="en-US"/>
           </a:p>
@@ -2833,7 +2834,7 @@
           <a:p>
             <a:fld id="{B27B4A42-A954-EE44-AAEF-7D5108DEFC1A}" type="datetimeFigureOut">
               <a:rPr kumimoji="1" lang="zh-CN" altLang="en-US" smtClean="0"/>
-              <a:t>17/1/20</a:t>
+              <a:t>17/2/4</a:t>
             </a:fld>
             <a:endParaRPr kumimoji="1" lang="zh-CN" altLang="en-US"/>
           </a:p>
@@ -3003,7 +3004,7 @@
           <a:p>
             <a:fld id="{D55AAE34-6359-744D-BC35-89DA1C5B13DE}" type="datetime1">
               <a:rPr kumimoji="1" lang="zh-CN" altLang="en-US" smtClean="0"/>
-              <a:t>17/1/20</a:t>
+              <a:t>17/2/4</a:t>
             </a:fld>
             <a:endParaRPr kumimoji="1" lang="zh-CN" altLang="en-US"/>
           </a:p>
@@ -3280,7 +3281,7 @@
           <a:p>
             <a:fld id="{B27B4A42-A954-EE44-AAEF-7D5108DEFC1A}" type="datetimeFigureOut">
               <a:rPr kumimoji="1" lang="zh-CN" altLang="en-US" smtClean="0"/>
-              <a:t>17/1/20</a:t>
+              <a:t>17/2/4</a:t>
             </a:fld>
             <a:endParaRPr kumimoji="1" lang="zh-CN" altLang="en-US"/>
           </a:p>
@@ -3533,7 +3534,7 @@
           <a:p>
             <a:fld id="{B27B4A42-A954-EE44-AAEF-7D5108DEFC1A}" type="datetimeFigureOut">
               <a:rPr kumimoji="1" lang="zh-CN" altLang="en-US" smtClean="0"/>
-              <a:t>17/1/20</a:t>
+              <a:t>17/2/4</a:t>
             </a:fld>
             <a:endParaRPr kumimoji="1" lang="zh-CN" altLang="en-US"/>
           </a:p>
@@ -3703,7 +3704,7 @@
           <a:p>
             <a:fld id="{B27B4A42-A954-EE44-AAEF-7D5108DEFC1A}" type="datetimeFigureOut">
               <a:rPr kumimoji="1" lang="zh-CN" altLang="en-US" smtClean="0"/>
-              <a:t>17/1/20</a:t>
+              <a:t>17/2/4</a:t>
             </a:fld>
             <a:endParaRPr kumimoji="1" lang="zh-CN" altLang="en-US"/>
           </a:p>
@@ -3883,7 +3884,7 @@
           <a:p>
             <a:fld id="{B27B4A42-A954-EE44-AAEF-7D5108DEFC1A}" type="datetimeFigureOut">
               <a:rPr kumimoji="1" lang="zh-CN" altLang="en-US" smtClean="0"/>
-              <a:t>17/1/20</a:t>
+              <a:t>17/2/4</a:t>
             </a:fld>
             <a:endParaRPr kumimoji="1" lang="zh-CN" altLang="en-US"/>
           </a:p>
@@ -4001,7 +4002,7 @@
           <a:p>
             <a:fld id="{C53E54FB-BA27-1F4C-9706-1922E69725B9}" type="datetime1">
               <a:rPr kumimoji="1" lang="zh-CN" altLang="en-US" smtClean="0"/>
-              <a:t>17/1/20</a:t>
+              <a:t>17/2/4</a:t>
             </a:fld>
             <a:endParaRPr kumimoji="1" lang="zh-CN" altLang="en-US"/>
           </a:p>
@@ -4247,7 +4248,7 @@
           <a:p>
             <a:fld id="{7794D1E6-E6DB-C745-B7BD-F989C79BA60C}" type="datetime1">
               <a:rPr kumimoji="1" lang="zh-CN" altLang="en-US" smtClean="0"/>
-              <a:t>17/1/20</a:t>
+              <a:t>17/2/4</a:t>
             </a:fld>
             <a:endParaRPr kumimoji="1" lang="zh-CN" altLang="en-US"/>
           </a:p>
@@ -4479,7 +4480,7 @@
           <a:p>
             <a:fld id="{6675E66D-3E23-DF44-A6AF-1683435DC4E0}" type="datetime1">
               <a:rPr kumimoji="1" lang="zh-CN" altLang="en-US" smtClean="0"/>
-              <a:t>17/1/20</a:t>
+              <a:t>17/2/4</a:t>
             </a:fld>
             <a:endParaRPr kumimoji="1" lang="zh-CN" altLang="en-US"/>
           </a:p>
@@ -4846,7 +4847,7 @@
           <a:p>
             <a:fld id="{1CAA1A57-8905-7947-928F-09BDF6812BD8}" type="datetime1">
               <a:rPr kumimoji="1" lang="zh-CN" altLang="en-US" smtClean="0"/>
-              <a:t>17/1/20</a:t>
+              <a:t>17/2/4</a:t>
             </a:fld>
             <a:endParaRPr kumimoji="1" lang="zh-CN" altLang="en-US"/>
           </a:p>
@@ -4964,7 +4965,7 @@
           <a:p>
             <a:fld id="{FD60AEA6-2870-784A-8E2A-6789ED476D01}" type="datetime1">
               <a:rPr kumimoji="1" lang="zh-CN" altLang="en-US" smtClean="0"/>
-              <a:t>17/1/20</a:t>
+              <a:t>17/2/4</a:t>
             </a:fld>
             <a:endParaRPr kumimoji="1" lang="zh-CN" altLang="en-US"/>
           </a:p>
@@ -5059,7 +5060,7 @@
           <a:p>
             <a:fld id="{0E6BAA90-BB51-7A46-B03C-34354C9F8470}" type="datetime1">
               <a:rPr kumimoji="1" lang="zh-CN" altLang="en-US" smtClean="0"/>
-              <a:t>17/1/20</a:t>
+              <a:t>17/2/4</a:t>
             </a:fld>
             <a:endParaRPr kumimoji="1" lang="zh-CN" altLang="en-US"/>
           </a:p>
@@ -5336,7 +5337,7 @@
           <a:p>
             <a:fld id="{A4927ADE-8048-A946-AB10-30849AE8F7D4}" type="datetime1">
               <a:rPr kumimoji="1" lang="zh-CN" altLang="en-US" smtClean="0"/>
-              <a:t>17/1/20</a:t>
+              <a:t>17/2/4</a:t>
             </a:fld>
             <a:endParaRPr kumimoji="1" lang="zh-CN" altLang="en-US"/>
           </a:p>
@@ -5549,7 +5550,7 @@
           <a:p>
             <a:fld id="{C53E54FB-BA27-1F4C-9706-1922E69725B9}" type="datetime1">
               <a:rPr kumimoji="1" lang="zh-CN" altLang="en-US" smtClean="0"/>
-              <a:t>17/1/20</a:t>
+              <a:t>17/2/4</a:t>
             </a:fld>
             <a:endParaRPr kumimoji="1" lang="zh-CN" altLang="en-US"/>
           </a:p>
@@ -6096,7 +6097,7 @@
           <a:p>
             <a:fld id="{B27B4A42-A954-EE44-AAEF-7D5108DEFC1A}" type="datetimeFigureOut">
               <a:rPr kumimoji="1" lang="zh-CN" altLang="en-US" smtClean="0"/>
-              <a:t>17/1/20</a:t>
+              <a:t>17/2/4</a:t>
             </a:fld>
             <a:endParaRPr kumimoji="1" lang="zh-CN" altLang="en-US"/>
           </a:p>
@@ -13280,11 +13281,7 @@
             </a:r>
             <a:r>
               <a:rPr kumimoji="1" lang="en-US" altLang="zh-CN" dirty="0" smtClean="0"/>
-              <a:t>ark </a:t>
-            </a:r>
-            <a:r>
-              <a:rPr kumimoji="1" lang="en-US" altLang="zh-CN" dirty="0" smtClean="0"/>
-              <a:t>C</a:t>
+              <a:t>ark C</a:t>
             </a:r>
             <a:endParaRPr kumimoji="1" lang="zh-CN" altLang="en-US" dirty="0"/>
           </a:p>
@@ -13787,7 +13784,6 @@
               <a:rPr kumimoji="1" lang="en-US" altLang="zh-CN" dirty="0" smtClean="0"/>
               <a:t>mark: </a:t>
             </a:r>
-            <a:endParaRPr kumimoji="1" lang="en-US" altLang="zh-CN" dirty="0" smtClean="0"/>
           </a:p>
           <a:p>
             <a:pPr marL="0" indent="0">
@@ -13821,7 +13817,6 @@
               <a:rPr kumimoji="1" lang="en-US" altLang="zh-CN" dirty="0" smtClean="0"/>
               <a:t>channel: </a:t>
             </a:r>
-            <a:endParaRPr kumimoji="1" lang="en-US" altLang="zh-CN" dirty="0" smtClean="0"/>
           </a:p>
           <a:p>
             <a:pPr marL="0" indent="0">
@@ -13962,11 +13957,11 @@
   <p:clrMapOvr>
     <a:masterClrMapping/>
   </p:clrMapOvr>
-  <mc:AlternateContent xmlns:mc="http://schemas.openxmlformats.org/markup-compatibility/2006">
-    <mc:Choice xmlns:p14="http://schemas.microsoft.com/office/powerpoint/2010/main" Requires="p14">
+  <mc:AlternateContent xmlns:mc="http://schemas.openxmlformats.org/markup-compatibility/2006" xmlns:p14="http://schemas.microsoft.com/office/powerpoint/2010/main">
+    <mc:Choice Requires="p14">
       <p:transition p14:dur="0" advClick="0"/>
     </mc:Choice>
-    <mc:Fallback>
+    <mc:Fallback xmlns="">
       <p:transition advClick="0"/>
     </mc:Fallback>
   </mc:AlternateContent>
@@ -14558,11 +14553,11 @@
   <p:clrMapOvr>
     <a:masterClrMapping/>
   </p:clrMapOvr>
-  <mc:AlternateContent xmlns:mc="http://schemas.openxmlformats.org/markup-compatibility/2006">
-    <mc:Choice xmlns:p14="http://schemas.microsoft.com/office/powerpoint/2010/main" Requires="p14">
+  <mc:AlternateContent xmlns:mc="http://schemas.openxmlformats.org/markup-compatibility/2006" xmlns:p14="http://schemas.microsoft.com/office/powerpoint/2010/main">
+    <mc:Choice Requires="p14">
       <p:transition p14:dur="0" advClick="0"/>
     </mc:Choice>
-    <mc:Fallback>
+    <mc:Fallback xmlns="">
       <p:transition advClick="0"/>
     </mc:Fallback>
   </mc:AlternateContent>
@@ -15433,13 +15428,13 @@
   <p:clrMapOvr>
     <a:masterClrMapping/>
   </p:clrMapOvr>
-  <mc:AlternateContent xmlns:mc="http://schemas.openxmlformats.org/markup-compatibility/2006">
-    <mc:Choice xmlns:p159="http://schemas.microsoft.com/office/powerpoint/2015/09/main" Requires="p159">
+  <mc:AlternateContent xmlns:mc="http://schemas.openxmlformats.org/markup-compatibility/2006" xmlns:p159="http://schemas.microsoft.com/office/powerpoint/2015/09/main">
+    <mc:Choice Requires="p159">
       <p:transition xmlns:p14="http://schemas.microsoft.com/office/powerpoint/2010/main" spd="slow" p14:dur="2000" advClick="0">
         <p159:morph option="byObject"/>
       </p:transition>
     </mc:Choice>
-    <mc:Fallback>
+    <mc:Fallback xmlns="">
       <p:transition spd="slow" advClick="0">
         <p:fade/>
       </p:transition>
@@ -16169,13 +16164,13 @@
   <p:clrMapOvr>
     <a:masterClrMapping/>
   </p:clrMapOvr>
-  <mc:AlternateContent xmlns:mc="http://schemas.openxmlformats.org/markup-compatibility/2006">
-    <mc:Choice xmlns:p159="http://schemas.microsoft.com/office/powerpoint/2015/09/main" Requires="p159">
+  <mc:AlternateContent xmlns:mc="http://schemas.openxmlformats.org/markup-compatibility/2006" xmlns:p159="http://schemas.microsoft.com/office/powerpoint/2015/09/main">
+    <mc:Choice Requires="p159">
       <p:transition xmlns:p14="http://schemas.microsoft.com/office/powerpoint/2010/main" spd="slow" p14:dur="2000" advClick="0">
         <p159:morph option="byObject"/>
       </p:transition>
     </mc:Choice>
-    <mc:Fallback>
+    <mc:Fallback xmlns="">
       <p:transition spd="slow" advClick="0">
         <p:fade/>
       </p:transition>
@@ -16914,13 +16909,13 @@
   <p:clrMapOvr>
     <a:masterClrMapping/>
   </p:clrMapOvr>
-  <mc:AlternateContent xmlns:mc="http://schemas.openxmlformats.org/markup-compatibility/2006">
-    <mc:Choice xmlns:p159="http://schemas.microsoft.com/office/powerpoint/2015/09/main" Requires="p159">
+  <mc:AlternateContent xmlns:mc="http://schemas.openxmlformats.org/markup-compatibility/2006" xmlns:p159="http://schemas.microsoft.com/office/powerpoint/2015/09/main">
+    <mc:Choice Requires="p159">
       <p:transition xmlns:p14="http://schemas.microsoft.com/office/powerpoint/2010/main" spd="slow" p14:dur="2000" advClick="0">
         <p159:morph option="byObject"/>
       </p:transition>
     </mc:Choice>
-    <mc:Fallback>
+    <mc:Fallback xmlns="">
       <p:transition spd="slow" advClick="0">
         <p:fade/>
       </p:transition>
@@ -17671,13 +17666,13 @@
   <p:clrMapOvr>
     <a:masterClrMapping/>
   </p:clrMapOvr>
-  <mc:AlternateContent xmlns:mc="http://schemas.openxmlformats.org/markup-compatibility/2006">
-    <mc:Choice xmlns:p159="http://schemas.microsoft.com/office/powerpoint/2015/09/main" Requires="p159">
+  <mc:AlternateContent xmlns:mc="http://schemas.openxmlformats.org/markup-compatibility/2006" xmlns:p159="http://schemas.microsoft.com/office/powerpoint/2015/09/main">
+    <mc:Choice Requires="p159">
       <p:transition xmlns:p14="http://schemas.microsoft.com/office/powerpoint/2010/main" spd="slow" p14:dur="2000" advClick="0">
         <p159:morph option="byObject"/>
       </p:transition>
     </mc:Choice>
-    <mc:Fallback>
+    <mc:Fallback xmlns="">
       <p:transition spd="slow" advClick="0">
         <p:fade/>
       </p:transition>
@@ -18428,13 +18423,13 @@
   <p:clrMapOvr>
     <a:masterClrMapping/>
   </p:clrMapOvr>
-  <mc:AlternateContent xmlns:mc="http://schemas.openxmlformats.org/markup-compatibility/2006">
-    <mc:Choice xmlns:p159="http://schemas.microsoft.com/office/powerpoint/2015/09/main" Requires="p159">
+  <mc:AlternateContent xmlns:mc="http://schemas.openxmlformats.org/markup-compatibility/2006" xmlns:p159="http://schemas.microsoft.com/office/powerpoint/2015/09/main">
+    <mc:Choice Requires="p159">
       <p:transition xmlns:p14="http://schemas.microsoft.com/office/powerpoint/2010/main" spd="slow" p14:dur="2000" advClick="0">
         <p159:morph option="byObject"/>
       </p:transition>
     </mc:Choice>
-    <mc:Fallback>
+    <mc:Fallback xmlns="">
       <p:transition spd="slow" advClick="0">
         <p:fade/>
       </p:transition>
@@ -19185,13 +19180,13 @@
   <p:clrMapOvr>
     <a:masterClrMapping/>
   </p:clrMapOvr>
-  <mc:AlternateContent xmlns:mc="http://schemas.openxmlformats.org/markup-compatibility/2006">
-    <mc:Choice xmlns:p159="http://schemas.microsoft.com/office/powerpoint/2015/09/main" Requires="p159">
+  <mc:AlternateContent xmlns:mc="http://schemas.openxmlformats.org/markup-compatibility/2006" xmlns:p159="http://schemas.microsoft.com/office/powerpoint/2015/09/main">
+    <mc:Choice Requires="p159">
       <p:transition xmlns:p14="http://schemas.microsoft.com/office/powerpoint/2010/main" spd="slow" p14:dur="2000" advClick="0">
         <p159:morph option="byObject"/>
       </p:transition>
     </mc:Choice>
-    <mc:Fallback>
+    <mc:Fallback xmlns="">
       <p:transition spd="slow" advClick="0">
         <p:fade/>
       </p:transition>
@@ -19958,13 +19953,13 @@
   <p:clrMapOvr>
     <a:masterClrMapping/>
   </p:clrMapOvr>
-  <mc:AlternateContent xmlns:mc="http://schemas.openxmlformats.org/markup-compatibility/2006">
-    <mc:Choice xmlns:p159="http://schemas.microsoft.com/office/powerpoint/2015/09/main" Requires="p159">
+  <mc:AlternateContent xmlns:mc="http://schemas.openxmlformats.org/markup-compatibility/2006" xmlns:p159="http://schemas.microsoft.com/office/powerpoint/2015/09/main">
+    <mc:Choice Requires="p159">
       <p:transition xmlns:p14="http://schemas.microsoft.com/office/powerpoint/2010/main" spd="slow" p14:dur="2000" advClick="0">
         <p159:morph option="byObject"/>
       </p:transition>
     </mc:Choice>
-    <mc:Fallback>
+    <mc:Fallback xmlns="">
       <p:transition spd="slow" advClick="0">
         <p:fade/>
       </p:transition>
@@ -22567,13 +22562,13 @@
   <p:clrMapOvr>
     <a:masterClrMapping/>
   </p:clrMapOvr>
-  <mc:AlternateContent xmlns:mc="http://schemas.openxmlformats.org/markup-compatibility/2006">
-    <mc:Choice xmlns:p159="http://schemas.microsoft.com/office/powerpoint/2015/09/main" Requires="p159">
+  <mc:AlternateContent xmlns:mc="http://schemas.openxmlformats.org/markup-compatibility/2006" xmlns:p159="http://schemas.microsoft.com/office/powerpoint/2015/09/main">
+    <mc:Choice Requires="p159">
       <p:transition xmlns:p14="http://schemas.microsoft.com/office/powerpoint/2010/main" spd="slow" p14:dur="2000">
         <p159:morph option="byObject"/>
       </p:transition>
     </mc:Choice>
-    <mc:Fallback>
+    <mc:Fallback xmlns="">
       <p:transition spd="slow">
         <p:fade/>
       </p:transition>
@@ -22950,13 +22945,6 @@
               </a:rPr>
               <a:t>Blur </a:t>
             </a:r>
-            <a:endParaRPr kumimoji="1" lang="en-US" altLang="zh-CN" dirty="0">
-              <a:solidFill>
-                <a:schemeClr val="bg2">
-                  <a:lumMod val="50000"/>
-                </a:schemeClr>
-              </a:solidFill>
-            </a:endParaRPr>
           </a:p>
           <a:p>
             <a:r>
@@ -24475,13 +24463,6 @@
               </a:rPr>
               <a:t>Blur </a:t>
             </a:r>
-            <a:endParaRPr kumimoji="1" lang="en-US" altLang="zh-CN" dirty="0">
-              <a:solidFill>
-                <a:schemeClr val="bg2">
-                  <a:lumMod val="50000"/>
-                </a:schemeClr>
-              </a:solidFill>
-            </a:endParaRPr>
           </a:p>
           <a:p>
             <a:r>
@@ -25890,13 +25871,6 @@
               </a:rPr>
               <a:t>Blur </a:t>
             </a:r>
-            <a:endParaRPr kumimoji="1" lang="en-US" altLang="zh-CN" dirty="0">
-              <a:solidFill>
-                <a:schemeClr val="bg2">
-                  <a:lumMod val="50000"/>
-                </a:schemeClr>
-              </a:solidFill>
-            </a:endParaRPr>
           </a:p>
           <a:p>
             <a:r>
@@ -26558,13 +26532,13 @@
   <p:clrMapOvr>
     <a:masterClrMapping/>
   </p:clrMapOvr>
-  <mc:AlternateContent xmlns:mc="http://schemas.openxmlformats.org/markup-compatibility/2006">
-    <mc:Choice xmlns:p159="http://schemas.microsoft.com/office/powerpoint/2015/09/main" Requires="p159">
+  <mc:AlternateContent xmlns:mc="http://schemas.openxmlformats.org/markup-compatibility/2006" xmlns:p159="http://schemas.microsoft.com/office/powerpoint/2015/09/main">
+    <mc:Choice Requires="p159">
       <p:transition xmlns:p14="http://schemas.microsoft.com/office/powerpoint/2010/main" spd="slow" p14:dur="2000">
         <p159:morph option="byObject"/>
       </p:transition>
     </mc:Choice>
-    <mc:Fallback>
+    <mc:Fallback xmlns="">
       <p:transition spd="slow">
         <p:fade/>
       </p:transition>
@@ -27332,13 +27306,6 @@
               </a:rPr>
               <a:t>Blur </a:t>
             </a:r>
-            <a:endParaRPr kumimoji="1" lang="en-US" altLang="zh-CN" dirty="0">
-              <a:solidFill>
-                <a:schemeClr val="bg2">
-                  <a:lumMod val="50000"/>
-                </a:schemeClr>
-              </a:solidFill>
-            </a:endParaRPr>
           </a:p>
           <a:p>
             <a:r>
@@ -28878,12 +28845,99 @@
             <p:ph idx="1"/>
           </p:nvPr>
         </p:nvSpPr>
-        <p:spPr/>
+        <p:spPr>
+          <a:xfrm>
+            <a:off x="838200" y="2239529"/>
+            <a:ext cx="10515600" cy="3937433"/>
+          </a:xfrm>
+        </p:spPr>
         <p:txBody>
           <a:bodyPr/>
           <a:lstStyle/>
           <a:p>
-            <a:endParaRPr kumimoji="1" lang="zh-CN" altLang="en-US"/>
+            <a:pPr lvl="0"/>
+            <a:r>
+              <a:rPr kumimoji="1" lang="en-US" altLang="zh-CN" dirty="0">
+                <a:solidFill>
+                  <a:schemeClr val="bg2">
+                    <a:lumMod val="50000"/>
+                  </a:schemeClr>
+                </a:solidFill>
+              </a:rPr>
+              <a:t>The relationship between channels of a mark: </a:t>
+            </a:r>
+            <a:endParaRPr kumimoji="1" lang="en-US" altLang="zh-CN" dirty="0">
+              <a:solidFill>
+                <a:schemeClr val="bg2">
+                  <a:lumMod val="50000"/>
+                </a:schemeClr>
+              </a:solidFill>
+            </a:endParaRPr>
+          </a:p>
+          <a:p>
+            <a:pPr lvl="1"/>
+            <a:r>
+              <a:rPr kumimoji="1" lang="en-US" altLang="zh-CN" dirty="0" smtClean="0">
+                <a:solidFill>
+                  <a:schemeClr val="bg2">
+                    <a:lumMod val="50000"/>
+                  </a:schemeClr>
+                </a:solidFill>
+              </a:rPr>
+              <a:t>Unrelated </a:t>
+            </a:r>
+            <a:r>
+              <a:rPr kumimoji="1" lang="en-US" altLang="zh-CN" dirty="0" smtClean="0">
+                <a:solidFill>
+                  <a:schemeClr val="bg2">
+                    <a:lumMod val="50000"/>
+                  </a:schemeClr>
+                </a:solidFill>
+                <a:sym typeface="Wingdings"/>
+              </a:rPr>
+              <a:t> simple to complicated</a:t>
+            </a:r>
+            <a:endParaRPr kumimoji="1" lang="en-US" altLang="zh-CN" dirty="0" smtClean="0">
+              <a:solidFill>
+                <a:schemeClr val="bg2">
+                  <a:lumMod val="50000"/>
+                </a:schemeClr>
+              </a:solidFill>
+            </a:endParaRPr>
+          </a:p>
+          <a:p>
+            <a:pPr lvl="1"/>
+            <a:r>
+              <a:rPr kumimoji="1" lang="en-US" altLang="zh-CN" dirty="0" smtClean="0">
+                <a:solidFill>
+                  <a:schemeClr val="bg2">
+                    <a:lumMod val="50000"/>
+                  </a:schemeClr>
+                </a:solidFill>
+              </a:rPr>
+              <a:t>logic dependency </a:t>
+            </a:r>
+            <a:r>
+              <a:rPr kumimoji="1" lang="en-US" altLang="zh-CN" dirty="0" smtClean="0">
+                <a:solidFill>
+                  <a:schemeClr val="bg2">
+                    <a:lumMod val="50000"/>
+                  </a:schemeClr>
+                </a:solidFill>
+                <a:sym typeface="Wingdings"/>
+              </a:rPr>
+              <a:t> flow the logic</a:t>
+            </a:r>
+            <a:endParaRPr kumimoji="1" lang="zh-CN" altLang="zh-CN" dirty="0">
+              <a:solidFill>
+                <a:schemeClr val="bg2">
+                  <a:lumMod val="50000"/>
+                </a:schemeClr>
+              </a:solidFill>
+            </a:endParaRPr>
+          </a:p>
+          <a:p>
+            <a:endParaRPr kumimoji="1" lang="zh-CN" altLang="en-US" dirty="0"/>
           </a:p>
         </p:txBody>
       </p:sp>
@@ -28907,44 +28961,6 @@
               <a:t>37</a:t>
             </a:fld>
             <a:endParaRPr kumimoji="1" lang="zh-CN" altLang="en-US"/>
-          </a:p>
-        </p:txBody>
-      </p:sp>
-      <p:sp>
-        <p:nvSpPr>
-          <p:cNvPr id="5" name="文本框 4"/>
-          <p:cNvSpPr txBox="1"/>
-          <p:nvPr/>
-        </p:nvSpPr>
-        <p:spPr>
-          <a:xfrm>
-            <a:off x="838200" y="1257162"/>
-            <a:ext cx="4849091" cy="523220"/>
-          </a:xfrm>
-          <a:prstGeom prst="rect">
-            <a:avLst/>
-          </a:prstGeom>
-          <a:noFill/>
-        </p:spPr>
-        <p:txBody>
-          <a:bodyPr wrap="square" rtlCol="0">
-            <a:spAutoFit/>
-          </a:bodyPr>
-          <a:lstStyle/>
-          <a:p>
-            <a:r>
-              <a:rPr kumimoji="1" lang="en-US" altLang="zh-CN" sz="2800" dirty="0" smtClean="0">
-                <a:latin typeface="Bradley Hand" charset="0"/>
-                <a:ea typeface="Bradley Hand" charset="0"/>
-                <a:cs typeface="Bradley Hand" charset="0"/>
-              </a:rPr>
-              <a:t>summarize from paper</a:t>
-            </a:r>
-            <a:endParaRPr kumimoji="1" lang="zh-CN" altLang="en-US" sz="2800" dirty="0">
-              <a:latin typeface="Bradley Hand" charset="0"/>
-              <a:ea typeface="Bradley Hand" charset="0"/>
-              <a:cs typeface="Bradley Hand" charset="0"/>
-            </a:endParaRPr>
           </a:p>
         </p:txBody>
       </p:sp>
@@ -29096,12 +29112,61 @@
             <p:ph idx="1"/>
           </p:nvPr>
         </p:nvSpPr>
-        <p:spPr/>
+        <p:spPr>
+          <a:xfrm>
+            <a:off x="838200" y="2232325"/>
+            <a:ext cx="10515600" cy="3944637"/>
+          </a:xfrm>
+        </p:spPr>
         <p:txBody>
           <a:bodyPr/>
           <a:lstStyle/>
           <a:p>
-            <a:endParaRPr kumimoji="1" lang="zh-CN" altLang="en-US"/>
+            <a:pPr lvl="0"/>
+            <a:r>
+              <a:rPr kumimoji="1" lang="en-US" altLang="zh-CN" dirty="0">
+                <a:solidFill>
+                  <a:schemeClr val="bg2">
+                    <a:lumMod val="50000"/>
+                  </a:schemeClr>
+                </a:solidFill>
+              </a:rPr>
+              <a:t>The relationship between the atomics of one visual unit:</a:t>
+            </a:r>
+          </a:p>
+          <a:p>
+            <a:pPr lvl="1"/>
+            <a:r>
+              <a:rPr kumimoji="1" lang="en-US" altLang="zh-CN" dirty="0">
+                <a:solidFill>
+                  <a:schemeClr val="bg2">
+                    <a:lumMod val="50000"/>
+                  </a:schemeClr>
+                </a:solidFill>
+              </a:rPr>
+              <a:t>logic dependency </a:t>
+            </a:r>
+            <a:r>
+              <a:rPr kumimoji="1" lang="en-US" altLang="zh-CN" dirty="0">
+                <a:solidFill>
+                  <a:schemeClr val="bg2">
+                    <a:lumMod val="50000"/>
+                  </a:schemeClr>
+                </a:solidFill>
+                <a:sym typeface="Wingdings"/>
+              </a:rPr>
+              <a:t> flow the logic</a:t>
+            </a:r>
+            <a:endParaRPr kumimoji="1" lang="zh-CN" altLang="zh-CN" dirty="0">
+              <a:solidFill>
+                <a:schemeClr val="bg2">
+                  <a:lumMod val="50000"/>
+                </a:schemeClr>
+              </a:solidFill>
+            </a:endParaRPr>
+          </a:p>
+          <a:p>
+            <a:endParaRPr kumimoji="1" lang="zh-CN" altLang="en-US" dirty="0"/>
           </a:p>
         </p:txBody>
       </p:sp>
@@ -29125,44 +29190,6 @@
               <a:t>38</a:t>
             </a:fld>
             <a:endParaRPr kumimoji="1" lang="zh-CN" altLang="en-US"/>
-          </a:p>
-        </p:txBody>
-      </p:sp>
-      <p:sp>
-        <p:nvSpPr>
-          <p:cNvPr id="5" name="文本框 4"/>
-          <p:cNvSpPr txBox="1"/>
-          <p:nvPr/>
-        </p:nvSpPr>
-        <p:spPr>
-          <a:xfrm>
-            <a:off x="838200" y="1257162"/>
-            <a:ext cx="4849091" cy="523220"/>
-          </a:xfrm>
-          <a:prstGeom prst="rect">
-            <a:avLst/>
-          </a:prstGeom>
-          <a:noFill/>
-        </p:spPr>
-        <p:txBody>
-          <a:bodyPr wrap="square" rtlCol="0">
-            <a:spAutoFit/>
-          </a:bodyPr>
-          <a:lstStyle/>
-          <a:p>
-            <a:r>
-              <a:rPr kumimoji="1" lang="en-US" altLang="zh-CN" sz="2800" dirty="0" smtClean="0">
-                <a:latin typeface="Bradley Hand" charset="0"/>
-                <a:ea typeface="Bradley Hand" charset="0"/>
-                <a:cs typeface="Bradley Hand" charset="0"/>
-              </a:rPr>
-              <a:t>summarize from video</a:t>
-            </a:r>
-            <a:endParaRPr kumimoji="1" lang="zh-CN" altLang="en-US" sz="2800" dirty="0">
-              <a:latin typeface="Bradley Hand" charset="0"/>
-              <a:ea typeface="Bradley Hand" charset="0"/>
-              <a:cs typeface="Bradley Hand" charset="0"/>
-            </a:endParaRPr>
           </a:p>
         </p:txBody>
       </p:sp>
@@ -29316,101 +29343,73 @@
         </p:nvSpPr>
         <p:spPr>
           <a:xfrm>
-            <a:off x="838200" y="2582725"/>
-            <a:ext cx="10515600" cy="3594238"/>
+            <a:off x="838200" y="2017985"/>
+            <a:ext cx="10515600" cy="4158977"/>
           </a:xfrm>
         </p:spPr>
         <p:txBody>
           <a:bodyPr/>
           <a:lstStyle/>
           <a:p>
-            <a:r>
-              <a:rPr kumimoji="1" lang="en-US" altLang="zh-CN" dirty="0" smtClean="0"/>
-              <a:t>Coordinate</a:t>
-            </a:r>
-          </a:p>
-          <a:p>
-            <a:r>
-              <a:rPr kumimoji="1" lang="en-US" altLang="zh-CN" dirty="0" smtClean="0"/>
-              <a:t>Marks:</a:t>
-            </a:r>
-          </a:p>
-          <a:p>
-            <a:pPr marL="457200" lvl="1" indent="0">
-              <a:buNone/>
-            </a:pPr>
-            <a:r>
-              <a:rPr kumimoji="1" lang="en-US" altLang="zh-CN" dirty="0" smtClean="0"/>
-              <a:t>Node</a:t>
-            </a:r>
-            <a:r>
-              <a:rPr kumimoji="1" lang="en-US" altLang="zh-CN" dirty="0" smtClean="0">
-                <a:sym typeface="Wingdings"/>
+            <a:pPr lvl="0"/>
+            <a:r>
+              <a:rPr kumimoji="1" lang="en-US" altLang="zh-CN" dirty="0">
+                <a:solidFill>
+                  <a:schemeClr val="bg2">
+                    <a:lumMod val="50000"/>
+                  </a:schemeClr>
+                </a:solidFill>
               </a:rPr>
-              <a:t> lines area</a:t>
-            </a:r>
-          </a:p>
-          <a:p>
-            <a:pPr marL="457200" lvl="1" indent="0">
-              <a:buNone/>
-            </a:pPr>
-            <a:r>
-              <a:rPr kumimoji="1" lang="en-US" altLang="zh-CN" dirty="0" smtClean="0">
-                <a:sym typeface="Wingdings"/>
+              <a:t>The relationship between visual units: </a:t>
+            </a:r>
+          </a:p>
+          <a:p>
+            <a:pPr lvl="1"/>
+            <a:r>
+              <a:rPr kumimoji="1" lang="en-US" altLang="zh-CN" dirty="0">
+                <a:solidFill>
+                  <a:schemeClr val="bg2">
+                    <a:lumMod val="50000"/>
+                  </a:schemeClr>
+                </a:solidFill>
               </a:rPr>
-              <a:t>What about glyph and text?</a:t>
-            </a:r>
-          </a:p>
-          <a:p>
-            <a:pPr marL="457200" lvl="1" indent="0">
-              <a:buNone/>
-            </a:pPr>
-            <a:r>
-              <a:rPr kumimoji="1" lang="en-US" altLang="zh-CN" dirty="0" smtClean="0">
-                <a:sym typeface="Wingdings"/>
+              <a:t>share same visual encoding;</a:t>
+            </a:r>
+          </a:p>
+          <a:p>
+            <a:pPr lvl="1"/>
+            <a:r>
+              <a:rPr kumimoji="1" lang="en-US" altLang="zh-CN" dirty="0">
+                <a:solidFill>
+                  <a:schemeClr val="bg2">
+                    <a:lumMod val="50000"/>
+                  </a:schemeClr>
+                </a:solidFill>
               </a:rPr>
-              <a:t>If polar coordinate: middle to </a:t>
-            </a:r>
-            <a:r>
-              <a:rPr kumimoji="1" lang="en-US" altLang="zh-CN" dirty="0" err="1" smtClean="0">
-                <a:sym typeface="Wingdings"/>
+              <a:t>logic dependency; </a:t>
+            </a:r>
+          </a:p>
+          <a:p>
+            <a:pPr lvl="1"/>
+            <a:r>
+              <a:rPr kumimoji="1" lang="en-US" altLang="zh-CN" dirty="0">
+                <a:solidFill>
+                  <a:schemeClr val="bg2">
+                    <a:lumMod val="50000"/>
+                  </a:schemeClr>
+                </a:solidFill>
               </a:rPr>
-              <a:t>outsier</a:t>
-            </a:r>
-            <a:endParaRPr kumimoji="1" lang="en-US" altLang="zh-CN" dirty="0" smtClean="0"/>
-          </a:p>
-          <a:p>
-            <a:r>
-              <a:rPr kumimoji="1" lang="en-US" altLang="zh-CN" dirty="0" smtClean="0"/>
-              <a:t>Channels:</a:t>
-            </a:r>
-          </a:p>
-          <a:p>
-            <a:pPr marL="457200" lvl="1" indent="0">
-              <a:buNone/>
-            </a:pPr>
-            <a:r>
-              <a:rPr kumimoji="1" lang="en-US" altLang="zh-CN" dirty="0" smtClean="0"/>
-              <a:t>Color</a:t>
-            </a:r>
-            <a:r>
-              <a:rPr kumimoji="1" lang="en-US" altLang="zh-CN" dirty="0" smtClean="0">
-                <a:sym typeface="Wingdings"/>
-              </a:rPr>
-              <a:t></a:t>
-            </a:r>
-            <a:r>
-              <a:rPr kumimoji="1" lang="en-US" altLang="zh-CN" dirty="0">
-                <a:sym typeface="Wingdings"/>
-              </a:rPr>
-              <a:t> </a:t>
-            </a:r>
-            <a:r>
-              <a:rPr kumimoji="1" lang="en-US" altLang="zh-CN" dirty="0" smtClean="0">
-                <a:sym typeface="Wingdings"/>
-              </a:rPr>
-              <a:t>Position Size</a:t>
-            </a:r>
+              <a:t>unrelated</a:t>
+            </a:r>
+            <a:endParaRPr kumimoji="1" lang="zh-CN" altLang="zh-CN" dirty="0">
+              <a:solidFill>
+                <a:schemeClr val="bg2">
+                  <a:lumMod val="50000"/>
+                </a:schemeClr>
+              </a:solidFill>
+            </a:endParaRPr>
+          </a:p>
+          <a:p>
             <a:endParaRPr kumimoji="1" lang="zh-CN" altLang="en-US" dirty="0"/>
           </a:p>
         </p:txBody>
@@ -29440,54 +29439,57 @@
       </p:sp>
       <p:sp>
         <p:nvSpPr>
-          <p:cNvPr id="5" name="文本框 4"/>
-          <p:cNvSpPr txBox="1"/>
+          <p:cNvPr id="6" name="矩形 5"/>
+          <p:cNvSpPr/>
           <p:nvPr/>
         </p:nvSpPr>
         <p:spPr>
           <a:xfrm>
-            <a:off x="838200" y="1518772"/>
-            <a:ext cx="4849091" cy="584775"/>
+            <a:off x="838200" y="1257162"/>
+            <a:ext cx="7550727" cy="83127"/>
           </a:xfrm>
           <a:prstGeom prst="rect">
             <a:avLst/>
           </a:prstGeom>
-          <a:noFill/>
+          <a:solidFill>
+            <a:schemeClr val="accent1">
+              <a:lumMod val="60000"/>
+              <a:lumOff val="40000"/>
+            </a:schemeClr>
+          </a:solidFill>
+          <a:ln>
+            <a:noFill/>
+          </a:ln>
         </p:spPr>
-        <p:txBody>
-          <a:bodyPr wrap="square" rtlCol="0">
-            <a:spAutoFit/>
-          </a:bodyPr>
-          <a:lstStyle/>
-          <a:p>
-            <a:r>
-              <a:rPr kumimoji="1" lang="en-US" altLang="zh-CN" sz="3200" dirty="0">
-                <a:latin typeface="Bradley Hand" charset="0"/>
-                <a:ea typeface="Bradley Hand" charset="0"/>
-                <a:cs typeface="Bradley Hand" charset="0"/>
-              </a:rPr>
-              <a:t>L</a:t>
-            </a:r>
-            <a:r>
-              <a:rPr kumimoji="1" lang="en-US" altLang="zh-CN" sz="3200" dirty="0" smtClean="0">
-                <a:latin typeface="Bradley Hand" charset="0"/>
-                <a:ea typeface="Bradley Hand" charset="0"/>
-                <a:cs typeface="Bradley Hand" charset="0"/>
-              </a:rPr>
-              <a:t>ogical</a:t>
-            </a:r>
-            <a:endParaRPr kumimoji="1" lang="zh-CN" altLang="en-US" sz="3200" dirty="0">
-              <a:latin typeface="Bradley Hand" charset="0"/>
-              <a:ea typeface="Bradley Hand" charset="0"/>
-              <a:cs typeface="Bradley Hand" charset="0"/>
-            </a:endParaRPr>
+        <p:style>
+          <a:lnRef idx="2">
+            <a:schemeClr val="accent1">
+              <a:shade val="50000"/>
+            </a:schemeClr>
+          </a:lnRef>
+          <a:fillRef idx="1">
+            <a:schemeClr val="accent1"/>
+          </a:fillRef>
+          <a:effectRef idx="0">
+            <a:schemeClr val="accent1"/>
+          </a:effectRef>
+          <a:fontRef idx="minor">
+            <a:schemeClr val="lt1"/>
+          </a:fontRef>
+        </p:style>
+        <p:txBody>
+          <a:bodyPr rtlCol="0" anchor="ctr"/>
+          <a:lstStyle/>
+          <a:p>
+            <a:pPr algn="ctr"/>
+            <a:endParaRPr kumimoji="1" lang="zh-CN" altLang="en-US"/>
           </a:p>
         </p:txBody>
       </p:sp>
     </p:spTree>
     <p:extLst>
       <p:ext uri="{BB962C8B-B14F-4D97-AF65-F5344CB8AC3E}">
-        <p14:creationId xmlns:p14="http://schemas.microsoft.com/office/powerpoint/2010/main" val="673618033"/>
+        <p14:creationId xmlns:p14="http://schemas.microsoft.com/office/powerpoint/2010/main" val="1681113520"/>
       </p:ext>
     </p:extLst>
   </p:cSld>
@@ -29798,6 +29800,287 @@
                   </a:schemeClr>
                 </a:solidFill>
               </a:rPr>
+              <a:t>Narrative</a:t>
+            </a:r>
+            <a:r>
+              <a:rPr kumimoji="1" lang="en-US" altLang="zh-CN" dirty="0" smtClean="0"/>
+              <a:t> </a:t>
+            </a:r>
+            <a:r>
+              <a:rPr kumimoji="1" lang="en-US" altLang="zh-CN" b="1" dirty="0">
+                <a:solidFill>
+                  <a:schemeClr val="tx1">
+                    <a:lumMod val="65000"/>
+                    <a:lumOff val="35000"/>
+                  </a:schemeClr>
+                </a:solidFill>
+              </a:rPr>
+              <a:t>sequence</a:t>
+            </a:r>
+            <a:endParaRPr kumimoji="1" lang="zh-CN" altLang="en-US" b="1" dirty="0">
+              <a:solidFill>
+                <a:schemeClr val="tx1">
+                  <a:lumMod val="65000"/>
+                  <a:lumOff val="35000"/>
+                </a:schemeClr>
+              </a:solidFill>
+            </a:endParaRPr>
+          </a:p>
+        </p:txBody>
+      </p:sp>
+      <p:sp>
+        <p:nvSpPr>
+          <p:cNvPr id="3" name="内容占位符 2"/>
+          <p:cNvSpPr>
+            <a:spLocks noGrp="1"/>
+          </p:cNvSpPr>
+          <p:nvPr>
+            <p:ph idx="1"/>
+          </p:nvPr>
+        </p:nvSpPr>
+        <p:spPr>
+          <a:xfrm>
+            <a:off x="838200" y="2226400"/>
+            <a:ext cx="10515600" cy="3594238"/>
+          </a:xfrm>
+        </p:spPr>
+        <p:txBody>
+          <a:bodyPr>
+            <a:normAutofit/>
+          </a:bodyPr>
+          <a:lstStyle/>
+          <a:p>
+            <a:r>
+              <a:rPr kumimoji="1" lang="en-US" altLang="zh-CN" dirty="0" smtClean="0"/>
+              <a:t>Introduction, data type</a:t>
+            </a:r>
+          </a:p>
+          <a:p>
+            <a:r>
+              <a:rPr kumimoji="1" lang="en-US" altLang="zh-CN" dirty="0" smtClean="0"/>
+              <a:t>Coordinate</a:t>
+            </a:r>
+          </a:p>
+          <a:p>
+            <a:r>
+              <a:rPr kumimoji="1" lang="en-US" altLang="zh-CN" dirty="0" smtClean="0"/>
+              <a:t>Basic visual units decomposition</a:t>
+            </a:r>
+            <a:endParaRPr kumimoji="1" lang="en-US" altLang="zh-CN" dirty="0" smtClean="0"/>
+          </a:p>
+          <a:p>
+            <a:r>
+              <a:rPr kumimoji="1" lang="en-US" altLang="zh-CN" dirty="0" smtClean="0"/>
+              <a:t>For each visual unit</a:t>
+            </a:r>
+            <a:r>
+              <a:rPr kumimoji="1" lang="en-US" altLang="zh-CN" dirty="0" smtClean="0"/>
+              <a:t>:</a:t>
+            </a:r>
+            <a:endParaRPr kumimoji="1" lang="en-US" altLang="zh-CN" dirty="0" smtClean="0"/>
+          </a:p>
+          <a:p>
+            <a:pPr marL="457200" lvl="1" indent="0">
+              <a:buNone/>
+            </a:pPr>
+            <a:r>
+              <a:rPr kumimoji="1" lang="en-US" altLang="zh-CN" dirty="0" smtClean="0"/>
+              <a:t>Markers: Node</a:t>
+            </a:r>
+            <a:r>
+              <a:rPr kumimoji="1" lang="en-US" altLang="zh-CN" dirty="0" smtClean="0">
+                <a:sym typeface="Wingdings"/>
+              </a:rPr>
+              <a:t> lines </a:t>
+            </a:r>
+            <a:r>
+              <a:rPr kumimoji="1" lang="en-US" altLang="zh-CN" dirty="0" smtClean="0">
+                <a:sym typeface="Wingdings"/>
+              </a:rPr>
+              <a:t>area </a:t>
+            </a:r>
+            <a:r>
+              <a:rPr kumimoji="1" lang="en-US" altLang="zh-CN" dirty="0" smtClean="0"/>
+              <a:t>Channels</a:t>
+            </a:r>
+            <a:r>
+              <a:rPr kumimoji="1" lang="en-US" altLang="zh-CN" dirty="0" smtClean="0"/>
+              <a:t>:</a:t>
+            </a:r>
+          </a:p>
+          <a:p>
+            <a:pPr marL="457200" lvl="1" indent="0">
+              <a:buNone/>
+            </a:pPr>
+            <a:r>
+              <a:rPr kumimoji="1" lang="en-US" altLang="zh-CN" dirty="0" smtClean="0"/>
+              <a:t>Nodes: Color</a:t>
+            </a:r>
+            <a:r>
+              <a:rPr kumimoji="1" lang="en-US" altLang="zh-CN" dirty="0" smtClean="0">
+                <a:sym typeface="Wingdings"/>
+              </a:rPr>
+              <a:t></a:t>
+            </a:r>
+            <a:r>
+              <a:rPr kumimoji="1" lang="en-US" altLang="zh-CN" dirty="0">
+                <a:sym typeface="Wingdings"/>
+              </a:rPr>
+              <a:t> </a:t>
+            </a:r>
+            <a:r>
+              <a:rPr kumimoji="1" lang="en-US" altLang="zh-CN" dirty="0" smtClean="0">
+                <a:sym typeface="Wingdings"/>
+              </a:rPr>
+              <a:t>Position </a:t>
+            </a:r>
+            <a:r>
+              <a:rPr kumimoji="1" lang="en-US" altLang="zh-CN" dirty="0" smtClean="0">
+                <a:sym typeface="Wingdings"/>
+              </a:rPr>
+              <a:t>Size</a:t>
+            </a:r>
+          </a:p>
+          <a:p>
+            <a:r>
+              <a:rPr kumimoji="1" lang="en-US" altLang="zh-CN" dirty="0" smtClean="0">
+                <a:solidFill>
+                  <a:srgbClr val="FF0000"/>
+                </a:solidFill>
+                <a:sym typeface="Wingdings"/>
+              </a:rPr>
+              <a:t>Algorithm to insert reminder, quiz, example</a:t>
+            </a:r>
+            <a:endParaRPr kumimoji="1" lang="zh-CN" altLang="en-US" dirty="0">
+              <a:solidFill>
+                <a:srgbClr val="FF0000"/>
+              </a:solidFill>
+            </a:endParaRPr>
+          </a:p>
+        </p:txBody>
+      </p:sp>
+      <p:sp>
+        <p:nvSpPr>
+          <p:cNvPr id="4" name="幻灯片编号占位符 3"/>
+          <p:cNvSpPr>
+            <a:spLocks noGrp="1"/>
+          </p:cNvSpPr>
+          <p:nvPr>
+            <p:ph type="sldNum" sz="quarter" idx="12"/>
+          </p:nvPr>
+        </p:nvSpPr>
+        <p:spPr/>
+        <p:txBody>
+          <a:bodyPr/>
+          <a:lstStyle/>
+          <a:p>
+            <a:fld id="{1545DBC7-0E7E-5249-BF19-8815E0EED612}" type="slidenum">
+              <a:rPr kumimoji="1" lang="zh-CN" altLang="en-US" smtClean="0"/>
+              <a:t>40</a:t>
+            </a:fld>
+            <a:endParaRPr kumimoji="1" lang="zh-CN" altLang="en-US"/>
+          </a:p>
+        </p:txBody>
+      </p:sp>
+      <p:sp>
+        <p:nvSpPr>
+          <p:cNvPr id="5" name="文本框 4"/>
+          <p:cNvSpPr txBox="1"/>
+          <p:nvPr/>
+        </p:nvSpPr>
+        <p:spPr>
+          <a:xfrm>
+            <a:off x="838200" y="1518772"/>
+            <a:ext cx="4849091" cy="584775"/>
+          </a:xfrm>
+          <a:prstGeom prst="rect">
+            <a:avLst/>
+          </a:prstGeom>
+          <a:noFill/>
+        </p:spPr>
+        <p:txBody>
+          <a:bodyPr wrap="square" rtlCol="0">
+            <a:spAutoFit/>
+          </a:bodyPr>
+          <a:lstStyle/>
+          <a:p>
+            <a:r>
+              <a:rPr kumimoji="1" lang="en-US" altLang="zh-CN" sz="3200" dirty="0" smtClean="0">
+                <a:latin typeface="Bradley Hand" charset="0"/>
+                <a:ea typeface="Bradley Hand" charset="0"/>
+                <a:cs typeface="Bradley Hand" charset="0"/>
+              </a:rPr>
+              <a:t>Overall Logical</a:t>
+            </a:r>
+            <a:endParaRPr kumimoji="1" lang="zh-CN" altLang="en-US" sz="3200" dirty="0">
+              <a:latin typeface="Bradley Hand" charset="0"/>
+              <a:ea typeface="Bradley Hand" charset="0"/>
+              <a:cs typeface="Bradley Hand" charset="0"/>
+            </a:endParaRPr>
+          </a:p>
+        </p:txBody>
+      </p:sp>
+    </p:spTree>
+    <p:extLst>
+      <p:ext uri="{BB962C8B-B14F-4D97-AF65-F5344CB8AC3E}">
+        <p14:creationId xmlns:p14="http://schemas.microsoft.com/office/powerpoint/2010/main" val="673618033"/>
+      </p:ext>
+    </p:extLst>
+  </p:cSld>
+  <p:clrMapOvr>
+    <a:masterClrMapping/>
+  </p:clrMapOvr>
+  <p:timing>
+    <p:tnLst>
+      <p:par>
+        <p:cTn id="1" dur="indefinite" restart="never" nodeType="tmRoot"/>
+      </p:par>
+    </p:tnLst>
+  </p:timing>
+</p:sld>
+</file>
+
+<file path=ppt/slides/slide41.xml><?xml version="1.0" encoding="utf-8"?>
+<p:sld xmlns:a="http://schemas.openxmlformats.org/drawingml/2006/main" xmlns:r="http://schemas.openxmlformats.org/officeDocument/2006/relationships" xmlns:p="http://schemas.openxmlformats.org/presentationml/2006/main">
+  <p:cSld>
+    <p:spTree>
+      <p:nvGrpSpPr>
+        <p:cNvPr id="1" name=""/>
+        <p:cNvGrpSpPr/>
+        <p:nvPr/>
+      </p:nvGrpSpPr>
+      <p:grpSpPr>
+        <a:xfrm>
+          <a:off x="0" y="0"/>
+          <a:ext cx="0" cy="0"/>
+          <a:chOff x="0" y="0"/>
+          <a:chExt cx="0" cy="0"/>
+        </a:xfrm>
+      </p:grpSpPr>
+      <p:sp>
+        <p:nvSpPr>
+          <p:cNvPr id="2" name="标题 1"/>
+          <p:cNvSpPr>
+            <a:spLocks noGrp="1"/>
+          </p:cNvSpPr>
+          <p:nvPr>
+            <p:ph type="title"/>
+          </p:nvPr>
+        </p:nvSpPr>
+        <p:spPr/>
+        <p:txBody>
+          <a:bodyPr/>
+          <a:lstStyle/>
+          <a:p>
+            <a:r>
+              <a:rPr kumimoji="1" lang="en-US" altLang="zh-CN" b="1" dirty="0">
+                <a:solidFill>
+                  <a:schemeClr val="tx1">
+                    <a:lumMod val="65000"/>
+                    <a:lumOff val="35000"/>
+                  </a:schemeClr>
+                </a:solidFill>
+              </a:rPr>
               <a:t>UI</a:t>
             </a:r>
             <a:r>
@@ -29869,7 +30152,7 @@
           <a:p>
             <a:fld id="{1545DBC7-0E7E-5249-BF19-8815E0EED612}" type="slidenum">
               <a:rPr kumimoji="1" lang="zh-CN" altLang="en-US" smtClean="0"/>
-              <a:t>40</a:t>
+              <a:t>41</a:t>
             </a:fld>
             <a:endParaRPr kumimoji="1" lang="zh-CN" altLang="en-US"/>
           </a:p>
@@ -30460,7 +30743,7 @@
 </p:sld>
 </file>
 
-<file path=ppt/slides/slide41.xml><?xml version="1.0" encoding="utf-8"?>
+<file path=ppt/slides/slide42.xml><?xml version="1.0" encoding="utf-8"?>
 <p:sld xmlns:a="http://schemas.openxmlformats.org/drawingml/2006/main" xmlns:r="http://schemas.openxmlformats.org/officeDocument/2006/relationships" xmlns:p="http://schemas.openxmlformats.org/presentationml/2006/main">
   <p:cSld>
     <p:spTree>
@@ -30676,7 +30959,7 @@
           <a:p>
             <a:fld id="{1545DBC7-0E7E-5249-BF19-8815E0EED612}" type="slidenum">
               <a:rPr kumimoji="1" lang="zh-CN" altLang="en-US" smtClean="0"/>
-              <a:t>41</a:t>
+              <a:t>42</a:t>
             </a:fld>
             <a:endParaRPr kumimoji="1" lang="zh-CN" altLang="en-US"/>
           </a:p>
@@ -30702,7 +30985,7 @@
 </p:sld>
 </file>
 
-<file path=ppt/slides/slide42.xml><?xml version="1.0" encoding="utf-8"?>
+<file path=ppt/slides/slide43.xml><?xml version="1.0" encoding="utf-8"?>
 <p:sld xmlns:a="http://schemas.openxmlformats.org/drawingml/2006/main" xmlns:r="http://schemas.openxmlformats.org/officeDocument/2006/relationships" xmlns:p="http://schemas.openxmlformats.org/presentationml/2006/main">
   <p:cSld>
     <p:spTree>
@@ -31445,7 +31728,7 @@
           <a:p>
             <a:fld id="{1545DBC7-0E7E-5249-BF19-8815E0EED612}" type="slidenum">
               <a:rPr kumimoji="1" lang="zh-CN" altLang="en-US" smtClean="0"/>
-              <a:t>42</a:t>
+              <a:t>43</a:t>
             </a:fld>
             <a:endParaRPr kumimoji="1" lang="zh-CN" altLang="en-US"/>
           </a:p>
@@ -31471,7 +31754,7 @@
 </p:sld>
 </file>
 
-<file path=ppt/slides/slide43.xml><?xml version="1.0" encoding="utf-8"?>
+<file path=ppt/slides/slide44.xml><?xml version="1.0" encoding="utf-8"?>
 <p:sld xmlns:a="http://schemas.openxmlformats.org/drawingml/2006/main" xmlns:r="http://schemas.openxmlformats.org/officeDocument/2006/relationships" xmlns:p="http://schemas.openxmlformats.org/presentationml/2006/main">
   <p:cSld>
     <p:spTree>
@@ -31983,7 +32266,7 @@
           <a:p>
             <a:fld id="{1545DBC7-0E7E-5249-BF19-8815E0EED612}" type="slidenum">
               <a:rPr kumimoji="1" lang="zh-CN" altLang="en-US" smtClean="0"/>
-              <a:t>43</a:t>
+              <a:t>44</a:t>
             </a:fld>
             <a:endParaRPr kumimoji="1" lang="zh-CN" altLang="en-US"/>
           </a:p>
@@ -34342,21 +34625,7 @@
                 <a:ea typeface="Bradley Hand" charset="0"/>
                 <a:cs typeface="Bradley Hand" charset="0"/>
               </a:rPr>
-              <a:t>Logic sequence </a:t>
-            </a:r>
-            <a:r>
-              <a:rPr kumimoji="1" lang="en-US" altLang="zh-CN" sz="3200" dirty="0" smtClean="0">
-                <a:solidFill>
-                  <a:schemeClr val="tx1">
-                    <a:lumMod val="65000"/>
-                    <a:lumOff val="35000"/>
-                  </a:schemeClr>
-                </a:solidFill>
-                <a:latin typeface="Bradley Hand" charset="0"/>
-                <a:ea typeface="Bradley Hand" charset="0"/>
-                <a:cs typeface="Bradley Hand" charset="0"/>
-              </a:rPr>
-              <a:t>for narratives</a:t>
+              <a:t>Logic sequence for narratives</a:t>
             </a:r>
             <a:endParaRPr kumimoji="1" lang="zh-CN" altLang="en-US" sz="3200" dirty="0">
               <a:solidFill>

--- a/Narvis.pptx
+++ b/Narvis.pptx
@@ -6,10 +6,10 @@
     <p:sldMasterId id="2147483709" r:id="rId2"/>
   </p:sldMasterIdLst>
   <p:notesMasterIdLst>
-    <p:notesMasterId r:id="rId47"/>
+    <p:notesMasterId r:id="rId48"/>
   </p:notesMasterIdLst>
   <p:handoutMasterIdLst>
-    <p:handoutMasterId r:id="rId48"/>
+    <p:handoutMasterId r:id="rId49"/>
   </p:handoutMasterIdLst>
   <p:sldIdLst>
     <p:sldId id="256" r:id="rId3"/>
@@ -48,14 +48,15 @@
     <p:sldId id="334" r:id="rId36"/>
     <p:sldId id="335" r:id="rId37"/>
     <p:sldId id="332" r:id="rId38"/>
-    <p:sldId id="306" r:id="rId39"/>
-    <p:sldId id="311" r:id="rId40"/>
-    <p:sldId id="337" r:id="rId41"/>
-    <p:sldId id="312" r:id="rId42"/>
-    <p:sldId id="305" r:id="rId43"/>
-    <p:sldId id="266" r:id="rId44"/>
-    <p:sldId id="307" r:id="rId45"/>
-    <p:sldId id="308" r:id="rId46"/>
+    <p:sldId id="312" r:id="rId39"/>
+    <p:sldId id="306" r:id="rId40"/>
+    <p:sldId id="311" r:id="rId41"/>
+    <p:sldId id="338" r:id="rId42"/>
+    <p:sldId id="337" r:id="rId43"/>
+    <p:sldId id="305" r:id="rId44"/>
+    <p:sldId id="266" r:id="rId45"/>
+    <p:sldId id="307" r:id="rId46"/>
+    <p:sldId id="308" r:id="rId47"/>
   </p:sldIdLst>
   <p:sldSz cx="12192000" cy="6858000"/>
   <p:notesSz cx="6858000" cy="9144000"/>
@@ -247,7 +248,7 @@
           <a:p>
             <a:fld id="{443858A2-55BF-2C48-836C-9750CBD4BED0}" type="datetimeFigureOut">
               <a:rPr kumimoji="1" lang="zh-CN" altLang="en-US" smtClean="0"/>
-              <a:t>17/2/4</a:t>
+              <a:t>17/2/5</a:t>
             </a:fld>
             <a:endParaRPr kumimoji="1" lang="zh-CN" altLang="en-US"/>
           </a:p>
@@ -412,7 +413,7 @@
           <a:p>
             <a:fld id="{B5F94621-51FD-5749-98D5-3A90791A2D21}" type="datetimeFigureOut">
               <a:rPr kumimoji="1" lang="zh-CN" altLang="en-US" smtClean="0"/>
-              <a:t>17/2/4</a:t>
+              <a:t>17/2/5</a:t>
             </a:fld>
             <a:endParaRPr kumimoji="1" lang="zh-CN" altLang="en-US"/>
           </a:p>
@@ -811,7 +812,7 @@
           <a:p>
             <a:fld id="{150B7BC7-98FD-3C49-9FC3-A2795803F5E6}" type="datetime1">
               <a:rPr kumimoji="1" lang="zh-CN" altLang="en-US" smtClean="0"/>
-              <a:t>17/2/4</a:t>
+              <a:t>17/2/5</a:t>
             </a:fld>
             <a:endParaRPr kumimoji="1" lang="zh-CN" altLang="en-US"/>
           </a:p>
@@ -1064,7 +1065,7 @@
           <a:p>
             <a:fld id="{CC380C00-CAB4-C74A-BDD7-C81DDD38C284}" type="datetime1">
               <a:rPr kumimoji="1" lang="zh-CN" altLang="en-US" smtClean="0"/>
-              <a:t>17/2/4</a:t>
+              <a:t>17/2/5</a:t>
             </a:fld>
             <a:endParaRPr kumimoji="1" lang="zh-CN" altLang="en-US"/>
           </a:p>
@@ -1234,7 +1235,7 @@
           <a:p>
             <a:fld id="{38D9227C-DE6E-0F4F-A2F2-155A3A66B90F}" type="datetime1">
               <a:rPr kumimoji="1" lang="zh-CN" altLang="en-US" smtClean="0"/>
-              <a:t>17/2/4</a:t>
+              <a:t>17/2/5</a:t>
             </a:fld>
             <a:endParaRPr kumimoji="1" lang="zh-CN" altLang="en-US"/>
           </a:p>
@@ -1414,7 +1415,7 @@
           <a:p>
             <a:fld id="{B9985D23-A70C-9B4F-989F-9D71039383C4}" type="datetime1">
               <a:rPr kumimoji="1" lang="zh-CN" altLang="en-US" smtClean="0"/>
-              <a:t>17/2/4</a:t>
+              <a:t>17/2/5</a:t>
             </a:fld>
             <a:endParaRPr kumimoji="1" lang="zh-CN" altLang="en-US"/>
           </a:p>
@@ -1606,7 +1607,7 @@
           <a:p>
             <a:fld id="{B27B4A42-A954-EE44-AAEF-7D5108DEFC1A}" type="datetimeFigureOut">
               <a:rPr kumimoji="1" lang="zh-CN" altLang="en-US" smtClean="0"/>
-              <a:t>17/2/4</a:t>
+              <a:t>17/2/5</a:t>
             </a:fld>
             <a:endParaRPr kumimoji="1" lang="zh-CN" altLang="en-US"/>
           </a:p>
@@ -1776,7 +1777,7 @@
           <a:p>
             <a:fld id="{B27B4A42-A954-EE44-AAEF-7D5108DEFC1A}" type="datetimeFigureOut">
               <a:rPr kumimoji="1" lang="zh-CN" altLang="en-US" smtClean="0"/>
-              <a:t>17/2/4</a:t>
+              <a:t>17/2/5</a:t>
             </a:fld>
             <a:endParaRPr kumimoji="1" lang="zh-CN" altLang="en-US"/>
           </a:p>
@@ -2022,7 +2023,7 @@
           <a:p>
             <a:fld id="{B27B4A42-A954-EE44-AAEF-7D5108DEFC1A}" type="datetimeFigureOut">
               <a:rPr kumimoji="1" lang="zh-CN" altLang="en-US" smtClean="0"/>
-              <a:t>17/2/4</a:t>
+              <a:t>17/2/5</a:t>
             </a:fld>
             <a:endParaRPr kumimoji="1" lang="zh-CN" altLang="en-US"/>
           </a:p>
@@ -2254,7 +2255,7 @@
           <a:p>
             <a:fld id="{B27B4A42-A954-EE44-AAEF-7D5108DEFC1A}" type="datetimeFigureOut">
               <a:rPr kumimoji="1" lang="zh-CN" altLang="en-US" smtClean="0"/>
-              <a:t>17/2/4</a:t>
+              <a:t>17/2/5</a:t>
             </a:fld>
             <a:endParaRPr kumimoji="1" lang="zh-CN" altLang="en-US"/>
           </a:p>
@@ -2621,7 +2622,7 @@
           <a:p>
             <a:fld id="{B27B4A42-A954-EE44-AAEF-7D5108DEFC1A}" type="datetimeFigureOut">
               <a:rPr kumimoji="1" lang="zh-CN" altLang="en-US" smtClean="0"/>
-              <a:t>17/2/4</a:t>
+              <a:t>17/2/5</a:t>
             </a:fld>
             <a:endParaRPr kumimoji="1" lang="zh-CN" altLang="en-US"/>
           </a:p>
@@ -2739,7 +2740,7 @@
           <a:p>
             <a:fld id="{B27B4A42-A954-EE44-AAEF-7D5108DEFC1A}" type="datetimeFigureOut">
               <a:rPr kumimoji="1" lang="zh-CN" altLang="en-US" smtClean="0"/>
-              <a:t>17/2/4</a:t>
+              <a:t>17/2/5</a:t>
             </a:fld>
             <a:endParaRPr kumimoji="1" lang="zh-CN" altLang="en-US"/>
           </a:p>
@@ -2834,7 +2835,7 @@
           <a:p>
             <a:fld id="{B27B4A42-A954-EE44-AAEF-7D5108DEFC1A}" type="datetimeFigureOut">
               <a:rPr kumimoji="1" lang="zh-CN" altLang="en-US" smtClean="0"/>
-              <a:t>17/2/4</a:t>
+              <a:t>17/2/5</a:t>
             </a:fld>
             <a:endParaRPr kumimoji="1" lang="zh-CN" altLang="en-US"/>
           </a:p>
@@ -3004,7 +3005,7 @@
           <a:p>
             <a:fld id="{D55AAE34-6359-744D-BC35-89DA1C5B13DE}" type="datetime1">
               <a:rPr kumimoji="1" lang="zh-CN" altLang="en-US" smtClean="0"/>
-              <a:t>17/2/4</a:t>
+              <a:t>17/2/5</a:t>
             </a:fld>
             <a:endParaRPr kumimoji="1" lang="zh-CN" altLang="en-US"/>
           </a:p>
@@ -3281,7 +3282,7 @@
           <a:p>
             <a:fld id="{B27B4A42-A954-EE44-AAEF-7D5108DEFC1A}" type="datetimeFigureOut">
               <a:rPr kumimoji="1" lang="zh-CN" altLang="en-US" smtClean="0"/>
-              <a:t>17/2/4</a:t>
+              <a:t>17/2/5</a:t>
             </a:fld>
             <a:endParaRPr kumimoji="1" lang="zh-CN" altLang="en-US"/>
           </a:p>
@@ -3534,7 +3535,7 @@
           <a:p>
             <a:fld id="{B27B4A42-A954-EE44-AAEF-7D5108DEFC1A}" type="datetimeFigureOut">
               <a:rPr kumimoji="1" lang="zh-CN" altLang="en-US" smtClean="0"/>
-              <a:t>17/2/4</a:t>
+              <a:t>17/2/5</a:t>
             </a:fld>
             <a:endParaRPr kumimoji="1" lang="zh-CN" altLang="en-US"/>
           </a:p>
@@ -3704,7 +3705,7 @@
           <a:p>
             <a:fld id="{B27B4A42-A954-EE44-AAEF-7D5108DEFC1A}" type="datetimeFigureOut">
               <a:rPr kumimoji="1" lang="zh-CN" altLang="en-US" smtClean="0"/>
-              <a:t>17/2/4</a:t>
+              <a:t>17/2/5</a:t>
             </a:fld>
             <a:endParaRPr kumimoji="1" lang="zh-CN" altLang="en-US"/>
           </a:p>
@@ -3884,7 +3885,7 @@
           <a:p>
             <a:fld id="{B27B4A42-A954-EE44-AAEF-7D5108DEFC1A}" type="datetimeFigureOut">
               <a:rPr kumimoji="1" lang="zh-CN" altLang="en-US" smtClean="0"/>
-              <a:t>17/2/4</a:t>
+              <a:t>17/2/5</a:t>
             </a:fld>
             <a:endParaRPr kumimoji="1" lang="zh-CN" altLang="en-US"/>
           </a:p>
@@ -4002,7 +4003,7 @@
           <a:p>
             <a:fld id="{C53E54FB-BA27-1F4C-9706-1922E69725B9}" type="datetime1">
               <a:rPr kumimoji="1" lang="zh-CN" altLang="en-US" smtClean="0"/>
-              <a:t>17/2/4</a:t>
+              <a:t>17/2/5</a:t>
             </a:fld>
             <a:endParaRPr kumimoji="1" lang="zh-CN" altLang="en-US"/>
           </a:p>
@@ -4248,7 +4249,7 @@
           <a:p>
             <a:fld id="{7794D1E6-E6DB-C745-B7BD-F989C79BA60C}" type="datetime1">
               <a:rPr kumimoji="1" lang="zh-CN" altLang="en-US" smtClean="0"/>
-              <a:t>17/2/4</a:t>
+              <a:t>17/2/5</a:t>
             </a:fld>
             <a:endParaRPr kumimoji="1" lang="zh-CN" altLang="en-US"/>
           </a:p>
@@ -4480,7 +4481,7 @@
           <a:p>
             <a:fld id="{6675E66D-3E23-DF44-A6AF-1683435DC4E0}" type="datetime1">
               <a:rPr kumimoji="1" lang="zh-CN" altLang="en-US" smtClean="0"/>
-              <a:t>17/2/4</a:t>
+              <a:t>17/2/5</a:t>
             </a:fld>
             <a:endParaRPr kumimoji="1" lang="zh-CN" altLang="en-US"/>
           </a:p>
@@ -4847,7 +4848,7 @@
           <a:p>
             <a:fld id="{1CAA1A57-8905-7947-928F-09BDF6812BD8}" type="datetime1">
               <a:rPr kumimoji="1" lang="zh-CN" altLang="en-US" smtClean="0"/>
-              <a:t>17/2/4</a:t>
+              <a:t>17/2/5</a:t>
             </a:fld>
             <a:endParaRPr kumimoji="1" lang="zh-CN" altLang="en-US"/>
           </a:p>
@@ -4965,7 +4966,7 @@
           <a:p>
             <a:fld id="{FD60AEA6-2870-784A-8E2A-6789ED476D01}" type="datetime1">
               <a:rPr kumimoji="1" lang="zh-CN" altLang="en-US" smtClean="0"/>
-              <a:t>17/2/4</a:t>
+              <a:t>17/2/5</a:t>
             </a:fld>
             <a:endParaRPr kumimoji="1" lang="zh-CN" altLang="en-US"/>
           </a:p>
@@ -5060,7 +5061,7 @@
           <a:p>
             <a:fld id="{0E6BAA90-BB51-7A46-B03C-34354C9F8470}" type="datetime1">
               <a:rPr kumimoji="1" lang="zh-CN" altLang="en-US" smtClean="0"/>
-              <a:t>17/2/4</a:t>
+              <a:t>17/2/5</a:t>
             </a:fld>
             <a:endParaRPr kumimoji="1" lang="zh-CN" altLang="en-US"/>
           </a:p>
@@ -5337,7 +5338,7 @@
           <a:p>
             <a:fld id="{A4927ADE-8048-A946-AB10-30849AE8F7D4}" type="datetime1">
               <a:rPr kumimoji="1" lang="zh-CN" altLang="en-US" smtClean="0"/>
-              <a:t>17/2/4</a:t>
+              <a:t>17/2/5</a:t>
             </a:fld>
             <a:endParaRPr kumimoji="1" lang="zh-CN" altLang="en-US"/>
           </a:p>
@@ -5550,7 +5551,7 @@
           <a:p>
             <a:fld id="{C53E54FB-BA27-1F4C-9706-1922E69725B9}" type="datetime1">
               <a:rPr kumimoji="1" lang="zh-CN" altLang="en-US" smtClean="0"/>
-              <a:t>17/2/4</a:t>
+              <a:t>17/2/5</a:t>
             </a:fld>
             <a:endParaRPr kumimoji="1" lang="zh-CN" altLang="en-US"/>
           </a:p>
@@ -6097,7 +6098,7 @@
           <a:p>
             <a:fld id="{B27B4A42-A954-EE44-AAEF-7D5108DEFC1A}" type="datetimeFigureOut">
               <a:rPr kumimoji="1" lang="zh-CN" altLang="en-US" smtClean="0"/>
-              <a:t>17/2/4</a:t>
+              <a:t>17/2/5</a:t>
             </a:fld>
             <a:endParaRPr kumimoji="1" lang="zh-CN" altLang="en-US"/>
           </a:p>
@@ -28847,97 +28848,100 @@
         </p:nvSpPr>
         <p:spPr>
           <a:xfrm>
-            <a:off x="838200" y="2239529"/>
-            <a:ext cx="10515600" cy="3937433"/>
+            <a:off x="838200" y="2226400"/>
+            <a:ext cx="10515600" cy="3594238"/>
           </a:xfrm>
         </p:spPr>
         <p:txBody>
-          <a:bodyPr/>
-          <a:lstStyle/>
-          <a:p>
-            <a:pPr lvl="0"/>
+          <a:bodyPr>
+            <a:normAutofit/>
+          </a:bodyPr>
+          <a:lstStyle/>
+          <a:p>
+            <a:r>
+              <a:rPr kumimoji="1" lang="en-US" altLang="zh-CN" dirty="0" smtClean="0"/>
+              <a:t>Introduction, data type</a:t>
+            </a:r>
+          </a:p>
+          <a:p>
+            <a:r>
+              <a:rPr kumimoji="1" lang="en-US" altLang="zh-CN" dirty="0" smtClean="0"/>
+              <a:t>Coordinate</a:t>
+            </a:r>
+          </a:p>
+          <a:p>
+            <a:r>
+              <a:rPr kumimoji="1" lang="en-US" altLang="zh-CN" dirty="0" smtClean="0"/>
+              <a:t>Basic visual units decomposition</a:t>
+            </a:r>
+          </a:p>
+          <a:p>
+            <a:r>
+              <a:rPr kumimoji="1" lang="en-US" altLang="zh-CN" dirty="0" smtClean="0"/>
+              <a:t>For each visual unit:</a:t>
+            </a:r>
+          </a:p>
+          <a:p>
+            <a:pPr marL="457200" lvl="1" indent="0">
+              <a:buNone/>
+            </a:pPr>
+            <a:r>
+              <a:rPr kumimoji="1" lang="en-US" altLang="zh-CN" dirty="0" smtClean="0"/>
+              <a:t>Markers: Node</a:t>
+            </a:r>
+            <a:r>
+              <a:rPr kumimoji="1" lang="en-US" altLang="zh-CN" dirty="0" smtClean="0">
+                <a:sym typeface="Wingdings"/>
+              </a:rPr>
+              <a:t> lines area </a:t>
+            </a:r>
+            <a:r>
+              <a:rPr kumimoji="1" lang="en-US" altLang="zh-CN" dirty="0" smtClean="0"/>
+              <a:t>Channels:</a:t>
+            </a:r>
+          </a:p>
+          <a:p>
+            <a:pPr marL="457200" lvl="1" indent="0">
+              <a:buNone/>
+            </a:pPr>
+            <a:r>
+              <a:rPr kumimoji="1" lang="en-US" altLang="zh-CN" dirty="0" smtClean="0"/>
+              <a:t>Nodes: Color</a:t>
+            </a:r>
+            <a:r>
+              <a:rPr kumimoji="1" lang="en-US" altLang="zh-CN" dirty="0" smtClean="0">
+                <a:sym typeface="Wingdings"/>
+              </a:rPr>
+              <a:t></a:t>
+            </a:r>
             <a:r>
               <a:rPr kumimoji="1" lang="en-US" altLang="zh-CN" dirty="0">
-                <a:solidFill>
-                  <a:schemeClr val="bg2">
-                    <a:lumMod val="50000"/>
-                  </a:schemeClr>
-                </a:solidFill>
+                <a:sym typeface="Wingdings"/>
               </a:rPr>
-              <a:t>The relationship between channels of a mark: </a:t>
-            </a:r>
-            <a:endParaRPr kumimoji="1" lang="en-US" altLang="zh-CN" dirty="0">
-              <a:solidFill>
-                <a:schemeClr val="bg2">
-                  <a:lumMod val="50000"/>
-                </a:schemeClr>
-              </a:solidFill>
-            </a:endParaRPr>
-          </a:p>
-          <a:p>
-            <a:pPr lvl="1"/>
+              <a:t> </a:t>
+            </a:r>
+            <a:r>
+              <a:rPr kumimoji="1" lang="en-US" altLang="zh-CN" dirty="0" smtClean="0">
+                <a:sym typeface="Wingdings"/>
+              </a:rPr>
+              <a:t>Position Size</a:t>
+            </a:r>
+          </a:p>
+          <a:p>
             <a:r>
               <a:rPr kumimoji="1" lang="en-US" altLang="zh-CN" dirty="0" smtClean="0">
                 <a:solidFill>
-                  <a:schemeClr val="bg2">
-                    <a:lumMod val="50000"/>
-                  </a:schemeClr>
-                </a:solidFill>
-              </a:rPr>
-              <a:t>Unrelated </a:t>
-            </a:r>
-            <a:r>
-              <a:rPr kumimoji="1" lang="en-US" altLang="zh-CN" dirty="0" smtClean="0">
-                <a:solidFill>
-                  <a:schemeClr val="bg2">
-                    <a:lumMod val="50000"/>
-                  </a:schemeClr>
+                  <a:srgbClr val="FF0000"/>
                 </a:solidFill>
                 <a:sym typeface="Wingdings"/>
               </a:rPr>
-              <a:t> simple to complicated</a:t>
-            </a:r>
-            <a:endParaRPr kumimoji="1" lang="en-US" altLang="zh-CN" dirty="0" smtClean="0">
+              <a:t>Algorithm to insert reminder, quiz, example</a:t>
+            </a:r>
+            <a:endParaRPr kumimoji="1" lang="zh-CN" altLang="en-US" dirty="0">
               <a:solidFill>
-                <a:schemeClr val="bg2">
-                  <a:lumMod val="50000"/>
-                </a:schemeClr>
+                <a:srgbClr val="FF0000"/>
               </a:solidFill>
             </a:endParaRPr>
-          </a:p>
-          <a:p>
-            <a:pPr lvl="1"/>
-            <a:r>
-              <a:rPr kumimoji="1" lang="en-US" altLang="zh-CN" dirty="0" smtClean="0">
-                <a:solidFill>
-                  <a:schemeClr val="bg2">
-                    <a:lumMod val="50000"/>
-                  </a:schemeClr>
-                </a:solidFill>
-              </a:rPr>
-              <a:t>logic dependency </a:t>
-            </a:r>
-            <a:r>
-              <a:rPr kumimoji="1" lang="en-US" altLang="zh-CN" dirty="0" smtClean="0">
-                <a:solidFill>
-                  <a:schemeClr val="bg2">
-                    <a:lumMod val="50000"/>
-                  </a:schemeClr>
-                </a:solidFill>
-                <a:sym typeface="Wingdings"/>
-              </a:rPr>
-              <a:t> flow the logic</a:t>
-            </a:r>
-            <a:endParaRPr kumimoji="1" lang="zh-CN" altLang="zh-CN" dirty="0">
-              <a:solidFill>
-                <a:schemeClr val="bg2">
-                  <a:lumMod val="50000"/>
-                </a:schemeClr>
-              </a:solidFill>
-            </a:endParaRPr>
-          </a:p>
-          <a:p>
-            <a:endParaRPr kumimoji="1" lang="zh-CN" altLang="en-US" dirty="0"/>
           </a:p>
         </p:txBody>
       </p:sp>
@@ -28966,57 +28970,46 @@
       </p:sp>
       <p:sp>
         <p:nvSpPr>
-          <p:cNvPr id="6" name="矩形 5"/>
-          <p:cNvSpPr/>
+          <p:cNvPr id="5" name="文本框 4"/>
+          <p:cNvSpPr txBox="1"/>
           <p:nvPr/>
         </p:nvSpPr>
         <p:spPr>
           <a:xfrm>
-            <a:off x="0" y="1260764"/>
-            <a:ext cx="7550727" cy="83127"/>
+            <a:off x="838200" y="1518772"/>
+            <a:ext cx="4849091" cy="584775"/>
           </a:xfrm>
           <a:prstGeom prst="rect">
             <a:avLst/>
           </a:prstGeom>
-          <a:solidFill>
-            <a:schemeClr val="accent1">
-              <a:lumMod val="60000"/>
-              <a:lumOff val="40000"/>
-            </a:schemeClr>
-          </a:solidFill>
-          <a:ln>
-            <a:noFill/>
-          </a:ln>
+          <a:noFill/>
         </p:spPr>
-        <p:style>
-          <a:lnRef idx="2">
-            <a:schemeClr val="accent1">
-              <a:shade val="50000"/>
-            </a:schemeClr>
-          </a:lnRef>
-          <a:fillRef idx="1">
-            <a:schemeClr val="accent1"/>
-          </a:fillRef>
-          <a:effectRef idx="0">
-            <a:schemeClr val="accent1"/>
-          </a:effectRef>
-          <a:fontRef idx="minor">
-            <a:schemeClr val="lt1"/>
-          </a:fontRef>
-        </p:style>
-        <p:txBody>
-          <a:bodyPr rtlCol="0" anchor="ctr"/>
-          <a:lstStyle/>
-          <a:p>
-            <a:pPr algn="ctr"/>
-            <a:endParaRPr kumimoji="1" lang="zh-CN" altLang="en-US"/>
+        <p:txBody>
+          <a:bodyPr wrap="square" rtlCol="0">
+            <a:spAutoFit/>
+          </a:bodyPr>
+          <a:lstStyle/>
+          <a:p>
+            <a:r>
+              <a:rPr kumimoji="1" lang="en-US" altLang="zh-CN" sz="3200" dirty="0" smtClean="0">
+                <a:latin typeface="Bradley Hand" charset="0"/>
+                <a:ea typeface="Bradley Hand" charset="0"/>
+                <a:cs typeface="Bradley Hand" charset="0"/>
+              </a:rPr>
+              <a:t>Overall Logical</a:t>
+            </a:r>
+            <a:endParaRPr kumimoji="1" lang="zh-CN" altLang="en-US" sz="3200" dirty="0">
+              <a:latin typeface="Bradley Hand" charset="0"/>
+              <a:ea typeface="Bradley Hand" charset="0"/>
+              <a:cs typeface="Bradley Hand" charset="0"/>
+            </a:endParaRPr>
           </a:p>
         </p:txBody>
       </p:sp>
     </p:spTree>
     <p:extLst>
       <p:ext uri="{BB962C8B-B14F-4D97-AF65-F5344CB8AC3E}">
-        <p14:creationId xmlns:p14="http://schemas.microsoft.com/office/powerpoint/2010/main" val="313757242"/>
+        <p14:creationId xmlns:p14="http://schemas.microsoft.com/office/powerpoint/2010/main" val="673618033"/>
       </p:ext>
     </p:extLst>
   </p:cSld>
@@ -29114,59 +29107,73 @@
         </p:nvSpPr>
         <p:spPr>
           <a:xfrm>
-            <a:off x="838200" y="2232325"/>
-            <a:ext cx="10515600" cy="3944637"/>
+            <a:off x="838200" y="2239529"/>
+            <a:ext cx="10515600" cy="3937433"/>
           </a:xfrm>
         </p:spPr>
         <p:txBody>
-          <a:bodyPr/>
+          <a:bodyPr>
+            <a:normAutofit/>
+          </a:bodyPr>
           <a:lstStyle/>
           <a:p>
             <a:pPr lvl="0"/>
             <a:r>
-              <a:rPr kumimoji="1" lang="en-US" altLang="zh-CN" dirty="0">
-                <a:solidFill>
-                  <a:schemeClr val="bg2">
-                    <a:lumMod val="50000"/>
-                  </a:schemeClr>
-                </a:solidFill>
-              </a:rPr>
-              <a:t>The relationship between the atomics of one visual unit:</a:t>
-            </a:r>
+              <a:rPr lang="en-US" altLang="zh-CN" dirty="0"/>
+              <a:t>a </a:t>
+            </a:r>
+            <a:r>
+              <a:rPr lang="en-US" altLang="zh-CN" dirty="0" err="1"/>
+              <a:t>infovis</a:t>
+            </a:r>
+            <a:r>
+              <a:rPr lang="en-US" altLang="zh-CN" dirty="0"/>
+              <a:t> has 3 levels of structure: </a:t>
+            </a:r>
+            <a:endParaRPr lang="zh-CN" altLang="zh-CN" dirty="0"/>
           </a:p>
           <a:p>
             <a:pPr lvl="1"/>
             <a:r>
-              <a:rPr kumimoji="1" lang="en-US" altLang="zh-CN" dirty="0">
-                <a:solidFill>
-                  <a:schemeClr val="bg2">
-                    <a:lumMod val="50000"/>
-                  </a:schemeClr>
-                </a:solidFill>
-              </a:rPr>
-              <a:t>logic dependency </a:t>
-            </a:r>
-            <a:r>
-              <a:rPr kumimoji="1" lang="en-US" altLang="zh-CN" dirty="0">
-                <a:solidFill>
-                  <a:schemeClr val="bg2">
-                    <a:lumMod val="50000"/>
-                  </a:schemeClr>
-                </a:solidFill>
-                <a:sym typeface="Wingdings"/>
-              </a:rPr>
-              <a:t> flow the logic</a:t>
-            </a:r>
-            <a:endParaRPr kumimoji="1" lang="zh-CN" altLang="zh-CN" dirty="0">
-              <a:solidFill>
-                <a:schemeClr val="bg2">
-                  <a:lumMod val="50000"/>
-                </a:schemeClr>
-              </a:solidFill>
-            </a:endParaRPr>
-          </a:p>
-          <a:p>
-            <a:endParaRPr kumimoji="1" lang="zh-CN" altLang="en-US" dirty="0"/>
+              <a:rPr lang="en-US" altLang="zh-CN" dirty="0"/>
+              <a:t>a visual atomic: the combination of a mark and several channels</a:t>
+            </a:r>
+            <a:endParaRPr lang="zh-CN" altLang="zh-CN" dirty="0"/>
+          </a:p>
+          <a:p>
+            <a:pPr lvl="1"/>
+            <a:r>
+              <a:rPr lang="en-US" altLang="zh-CN" dirty="0"/>
+              <a:t>a visual unit: one or more visual atomics to completely present a data attribute</a:t>
+            </a:r>
+            <a:endParaRPr lang="zh-CN" altLang="zh-CN" dirty="0"/>
+          </a:p>
+          <a:p>
+            <a:pPr lvl="1"/>
+            <a:r>
+              <a:rPr lang="en-US" altLang="zh-CN" dirty="0"/>
+              <a:t>a info vis: the visualization we see. </a:t>
+            </a:r>
+            <a:endParaRPr lang="en-US" altLang="zh-CN" dirty="0"/>
+          </a:p>
+          <a:p>
+            <a:pPr lvl="1"/>
+            <a:endParaRPr lang="en-US" altLang="zh-CN" dirty="0"/>
+          </a:p>
+          <a:p>
+            <a:r>
+              <a:rPr lang="en-US" altLang="zh-CN" dirty="0" smtClean="0"/>
+              <a:t>Logic flow: From </a:t>
+            </a:r>
+            <a:r>
+              <a:rPr lang="en-US" altLang="zh-CN" dirty="0"/>
+              <a:t>familiar to unfamiliar, from simple to </a:t>
+            </a:r>
+            <a:r>
+              <a:rPr lang="en-US" altLang="zh-CN" dirty="0" smtClean="0"/>
+              <a:t>complicate</a:t>
+            </a:r>
+            <a:endParaRPr lang="zh-CN" altLang="zh-CN" dirty="0"/>
           </a:p>
         </p:txBody>
       </p:sp>
@@ -29201,7 +29208,7 @@
         </p:nvSpPr>
         <p:spPr>
           <a:xfrm>
-            <a:off x="838200" y="1257162"/>
+            <a:off x="0" y="1260764"/>
             <a:ext cx="7550727" cy="83127"/>
           </a:xfrm>
           <a:prstGeom prst="rect">
@@ -29245,7 +29252,7 @@
     </p:spTree>
     <p:extLst>
       <p:ext uri="{BB962C8B-B14F-4D97-AF65-F5344CB8AC3E}">
-        <p14:creationId xmlns:p14="http://schemas.microsoft.com/office/powerpoint/2010/main" val="951539767"/>
+        <p14:creationId xmlns:p14="http://schemas.microsoft.com/office/powerpoint/2010/main" val="313757242"/>
       </p:ext>
     </p:extLst>
   </p:cSld>
@@ -29343,8 +29350,8 @@
         </p:nvSpPr>
         <p:spPr>
           <a:xfrm>
-            <a:off x="838200" y="2017985"/>
-            <a:ext cx="10515600" cy="4158977"/>
+            <a:off x="838200" y="2232325"/>
+            <a:ext cx="10515600" cy="3944637"/>
           </a:xfrm>
         </p:spPr>
         <p:txBody>
@@ -29360,11 +29367,18 @@
                   </a:schemeClr>
                 </a:solidFill>
               </a:rPr>
-              <a:t>The relationship between visual units: </a:t>
-            </a:r>
-          </a:p>
-          <a:p>
-            <a:pPr lvl="1"/>
+              <a:t>The relationship between the </a:t>
+            </a:r>
+            <a:r>
+              <a:rPr kumimoji="1" lang="en-US" altLang="zh-CN" dirty="0" smtClean="0">
+                <a:solidFill>
+                  <a:schemeClr val="bg2">
+                    <a:lumMod val="50000"/>
+                  </a:schemeClr>
+                </a:solidFill>
+              </a:rPr>
+              <a:t>channels </a:t>
+            </a:r>
             <a:r>
               <a:rPr kumimoji="1" lang="en-US" altLang="zh-CN" dirty="0">
                 <a:solidFill>
@@ -29373,8 +29387,25 @@
                   </a:schemeClr>
                 </a:solidFill>
               </a:rPr>
-              <a:t>share same visual encoding;</a:t>
-            </a:r>
+              <a:t>of one </a:t>
+            </a:r>
+            <a:r>
+              <a:rPr kumimoji="1" lang="en-US" altLang="zh-CN" dirty="0" smtClean="0">
+                <a:solidFill>
+                  <a:schemeClr val="bg2">
+                    <a:lumMod val="50000"/>
+                  </a:schemeClr>
+                </a:solidFill>
+              </a:rPr>
+              <a:t>visual atomic:</a:t>
+            </a:r>
+            <a:endParaRPr kumimoji="1" lang="en-US" altLang="zh-CN" dirty="0">
+              <a:solidFill>
+                <a:schemeClr val="bg2">
+                  <a:lumMod val="50000"/>
+                </a:schemeClr>
+              </a:solidFill>
+            </a:endParaRPr>
           </a:p>
           <a:p>
             <a:pPr lvl="1"/>
@@ -29386,11 +29417,8 @@
                   </a:schemeClr>
                 </a:solidFill>
               </a:rPr>
-              <a:t>logic dependency; </a:t>
-            </a:r>
-          </a:p>
-          <a:p>
-            <a:pPr lvl="1"/>
+              <a:t>logic dependency </a:t>
+            </a:r>
             <a:r>
               <a:rPr kumimoji="1" lang="en-US" altLang="zh-CN" dirty="0">
                 <a:solidFill>
@@ -29398,8 +29426,9 @@
                     <a:lumMod val="50000"/>
                   </a:schemeClr>
                 </a:solidFill>
+                <a:sym typeface="Wingdings"/>
               </a:rPr>
-              <a:t>unrelated</a:t>
+              <a:t> flow the logic</a:t>
             </a:r>
             <a:endParaRPr kumimoji="1" lang="zh-CN" altLang="zh-CN" dirty="0">
               <a:solidFill>
@@ -29489,7 +29518,7 @@
     </p:spTree>
     <p:extLst>
       <p:ext uri="{BB962C8B-B14F-4D97-AF65-F5344CB8AC3E}">
-        <p14:creationId xmlns:p14="http://schemas.microsoft.com/office/powerpoint/2010/main" val="1681113520"/>
+        <p14:creationId xmlns:p14="http://schemas.microsoft.com/office/powerpoint/2010/main" val="951539767"/>
       </p:ext>
     </p:extLst>
   </p:cSld>
@@ -29840,122 +29869,59 @@
         </p:nvSpPr>
         <p:spPr>
           <a:xfrm>
-            <a:off x="838200" y="2226400"/>
-            <a:ext cx="10515600" cy="3594238"/>
+            <a:off x="838200" y="2232325"/>
+            <a:ext cx="10515600" cy="3944637"/>
           </a:xfrm>
         </p:spPr>
         <p:txBody>
-          <a:bodyPr>
-            <a:normAutofit/>
-          </a:bodyPr>
-          <a:lstStyle/>
-          <a:p>
-            <a:r>
-              <a:rPr kumimoji="1" lang="en-US" altLang="zh-CN" dirty="0" smtClean="0"/>
-              <a:t>Introduction, data type</a:t>
-            </a:r>
-          </a:p>
-          <a:p>
-            <a:r>
-              <a:rPr kumimoji="1" lang="en-US" altLang="zh-CN" dirty="0" smtClean="0"/>
-              <a:t>Coordinate</a:t>
-            </a:r>
-          </a:p>
-          <a:p>
-            <a:r>
-              <a:rPr kumimoji="1" lang="en-US" altLang="zh-CN" dirty="0" smtClean="0"/>
-              <a:t>Basic visual units decomposition</a:t>
-            </a:r>
-            <a:endParaRPr kumimoji="1" lang="en-US" altLang="zh-CN" dirty="0" smtClean="0"/>
-          </a:p>
-          <a:p>
-            <a:r>
-              <a:rPr kumimoji="1" lang="en-US" altLang="zh-CN" dirty="0" smtClean="0"/>
-              <a:t>For each visual unit</a:t>
-            </a:r>
-            <a:r>
-              <a:rPr kumimoji="1" lang="en-US" altLang="zh-CN" dirty="0" smtClean="0"/>
-              <a:t>:</a:t>
-            </a:r>
-            <a:endParaRPr kumimoji="1" lang="en-US" altLang="zh-CN" dirty="0" smtClean="0"/>
-          </a:p>
-          <a:p>
-            <a:pPr marL="457200" lvl="1" indent="0">
-              <a:buNone/>
-            </a:pPr>
-            <a:r>
-              <a:rPr kumimoji="1" lang="en-US" altLang="zh-CN" dirty="0" smtClean="0"/>
-              <a:t>Markers: Node</a:t>
-            </a:r>
-            <a:r>
-              <a:rPr kumimoji="1" lang="en-US" altLang="zh-CN" dirty="0" smtClean="0">
-                <a:sym typeface="Wingdings"/>
+          <a:bodyPr/>
+          <a:lstStyle/>
+          <a:p>
+            <a:pPr lvl="0"/>
+            <a:r>
+              <a:rPr kumimoji="1" lang="en-US" altLang="zh-CN" dirty="0">
+                <a:solidFill>
+                  <a:schemeClr val="bg2">
+                    <a:lumMod val="50000"/>
+                  </a:schemeClr>
+                </a:solidFill>
               </a:rPr>
-              <a:t> lines </a:t>
-            </a:r>
-            <a:r>
-              <a:rPr kumimoji="1" lang="en-US" altLang="zh-CN" dirty="0" smtClean="0">
-                <a:sym typeface="Wingdings"/>
+              <a:t>The relationship between the atomics of one visual unit:</a:t>
+            </a:r>
+          </a:p>
+          <a:p>
+            <a:pPr lvl="1"/>
+            <a:r>
+              <a:rPr kumimoji="1" lang="en-US" altLang="zh-CN" dirty="0">
+                <a:solidFill>
+                  <a:schemeClr val="bg2">
+                    <a:lumMod val="50000"/>
+                  </a:schemeClr>
+                </a:solidFill>
               </a:rPr>
-              <a:t>area </a:t>
-            </a:r>
-            <a:r>
-              <a:rPr kumimoji="1" lang="en-US" altLang="zh-CN" dirty="0" smtClean="0"/>
-              <a:t>Channels</a:t>
-            </a:r>
-            <a:r>
-              <a:rPr kumimoji="1" lang="en-US" altLang="zh-CN" dirty="0" smtClean="0"/>
-              <a:t>:</a:t>
-            </a:r>
-          </a:p>
-          <a:p>
-            <a:pPr marL="457200" lvl="1" indent="0">
-              <a:buNone/>
-            </a:pPr>
-            <a:r>
-              <a:rPr kumimoji="1" lang="en-US" altLang="zh-CN" dirty="0" smtClean="0"/>
-              <a:t>Nodes: Color</a:t>
-            </a:r>
-            <a:r>
-              <a:rPr kumimoji="1" lang="en-US" altLang="zh-CN" dirty="0" smtClean="0">
-                <a:sym typeface="Wingdings"/>
-              </a:rPr>
-              <a:t></a:t>
+              <a:t>logic dependency </a:t>
             </a:r>
             <a:r>
               <a:rPr kumimoji="1" lang="en-US" altLang="zh-CN" dirty="0">
-                <a:sym typeface="Wingdings"/>
-              </a:rPr>
-              <a:t> </a:t>
-            </a:r>
-            <a:r>
-              <a:rPr kumimoji="1" lang="en-US" altLang="zh-CN" dirty="0" smtClean="0">
-                <a:sym typeface="Wingdings"/>
-              </a:rPr>
-              <a:t>Position </a:t>
-            </a:r>
-            <a:r>
-              <a:rPr kumimoji="1" lang="en-US" altLang="zh-CN" dirty="0" smtClean="0">
-                <a:sym typeface="Wingdings"/>
-              </a:rPr>
-              <a:t>Size</a:t>
-            </a:r>
-          </a:p>
-          <a:p>
-            <a:r>
-              <a:rPr kumimoji="1" lang="en-US" altLang="zh-CN" dirty="0" smtClean="0">
                 <a:solidFill>
-                  <a:srgbClr val="FF0000"/>
+                  <a:schemeClr val="bg2">
+                    <a:lumMod val="50000"/>
+                  </a:schemeClr>
                 </a:solidFill>
                 <a:sym typeface="Wingdings"/>
               </a:rPr>
-              <a:t>Algorithm to insert reminder, quiz, example</a:t>
-            </a:r>
-            <a:endParaRPr kumimoji="1" lang="zh-CN" altLang="en-US" dirty="0">
+              <a:t> flow the logic</a:t>
+            </a:r>
+            <a:endParaRPr kumimoji="1" lang="zh-CN" altLang="zh-CN" dirty="0">
               <a:solidFill>
-                <a:srgbClr val="FF0000"/>
+                <a:schemeClr val="bg2">
+                  <a:lumMod val="50000"/>
+                </a:schemeClr>
               </a:solidFill>
             </a:endParaRPr>
+          </a:p>
+          <a:p>
+            <a:endParaRPr kumimoji="1" lang="zh-CN" altLang="en-US" dirty="0"/>
           </a:p>
         </p:txBody>
       </p:sp>
@@ -29984,46 +29950,57 @@
       </p:sp>
       <p:sp>
         <p:nvSpPr>
-          <p:cNvPr id="5" name="文本框 4"/>
-          <p:cNvSpPr txBox="1"/>
+          <p:cNvPr id="6" name="矩形 5"/>
+          <p:cNvSpPr/>
           <p:nvPr/>
         </p:nvSpPr>
         <p:spPr>
           <a:xfrm>
-            <a:off x="838200" y="1518772"/>
-            <a:ext cx="4849091" cy="584775"/>
+            <a:off x="838200" y="1257162"/>
+            <a:ext cx="7550727" cy="83127"/>
           </a:xfrm>
           <a:prstGeom prst="rect">
             <a:avLst/>
           </a:prstGeom>
-          <a:noFill/>
+          <a:solidFill>
+            <a:schemeClr val="accent1">
+              <a:lumMod val="60000"/>
+              <a:lumOff val="40000"/>
+            </a:schemeClr>
+          </a:solidFill>
+          <a:ln>
+            <a:noFill/>
+          </a:ln>
         </p:spPr>
-        <p:txBody>
-          <a:bodyPr wrap="square" rtlCol="0">
-            <a:spAutoFit/>
-          </a:bodyPr>
-          <a:lstStyle/>
-          <a:p>
-            <a:r>
-              <a:rPr kumimoji="1" lang="en-US" altLang="zh-CN" sz="3200" dirty="0" smtClean="0">
-                <a:latin typeface="Bradley Hand" charset="0"/>
-                <a:ea typeface="Bradley Hand" charset="0"/>
-                <a:cs typeface="Bradley Hand" charset="0"/>
-              </a:rPr>
-              <a:t>Overall Logical</a:t>
-            </a:r>
-            <a:endParaRPr kumimoji="1" lang="zh-CN" altLang="en-US" sz="3200" dirty="0">
-              <a:latin typeface="Bradley Hand" charset="0"/>
-              <a:ea typeface="Bradley Hand" charset="0"/>
-              <a:cs typeface="Bradley Hand" charset="0"/>
-            </a:endParaRPr>
+        <p:style>
+          <a:lnRef idx="2">
+            <a:schemeClr val="accent1">
+              <a:shade val="50000"/>
+            </a:schemeClr>
+          </a:lnRef>
+          <a:fillRef idx="1">
+            <a:schemeClr val="accent1"/>
+          </a:fillRef>
+          <a:effectRef idx="0">
+            <a:schemeClr val="accent1"/>
+          </a:effectRef>
+          <a:fontRef idx="minor">
+            <a:schemeClr val="lt1"/>
+          </a:fontRef>
+        </p:style>
+        <p:txBody>
+          <a:bodyPr rtlCol="0" anchor="ctr"/>
+          <a:lstStyle/>
+          <a:p>
+            <a:pPr algn="ctr"/>
+            <a:endParaRPr kumimoji="1" lang="zh-CN" altLang="en-US"/>
           </a:p>
         </p:txBody>
       </p:sp>
     </p:spTree>
     <p:extLst>
       <p:ext uri="{BB962C8B-B14F-4D97-AF65-F5344CB8AC3E}">
-        <p14:creationId xmlns:p14="http://schemas.microsoft.com/office/powerpoint/2010/main" val="673618033"/>
+        <p14:creationId xmlns:p14="http://schemas.microsoft.com/office/powerpoint/2010/main" val="1926319096"/>
       </p:ext>
     </p:extLst>
   </p:cSld>
@@ -30081,6 +30058,250 @@
                   </a:schemeClr>
                 </a:solidFill>
               </a:rPr>
+              <a:t>Narrative</a:t>
+            </a:r>
+            <a:r>
+              <a:rPr kumimoji="1" lang="en-US" altLang="zh-CN" dirty="0" smtClean="0"/>
+              <a:t> </a:t>
+            </a:r>
+            <a:r>
+              <a:rPr kumimoji="1" lang="en-US" altLang="zh-CN" b="1" dirty="0">
+                <a:solidFill>
+                  <a:schemeClr val="tx1">
+                    <a:lumMod val="65000"/>
+                    <a:lumOff val="35000"/>
+                  </a:schemeClr>
+                </a:solidFill>
+              </a:rPr>
+              <a:t>sequence</a:t>
+            </a:r>
+            <a:endParaRPr kumimoji="1" lang="zh-CN" altLang="en-US" b="1" dirty="0">
+              <a:solidFill>
+                <a:schemeClr val="tx1">
+                  <a:lumMod val="65000"/>
+                  <a:lumOff val="35000"/>
+                </a:schemeClr>
+              </a:solidFill>
+            </a:endParaRPr>
+          </a:p>
+        </p:txBody>
+      </p:sp>
+      <p:sp>
+        <p:nvSpPr>
+          <p:cNvPr id="3" name="内容占位符 2"/>
+          <p:cNvSpPr>
+            <a:spLocks noGrp="1"/>
+          </p:cNvSpPr>
+          <p:nvPr>
+            <p:ph idx="1"/>
+          </p:nvPr>
+        </p:nvSpPr>
+        <p:spPr>
+          <a:xfrm>
+            <a:off x="838200" y="2017985"/>
+            <a:ext cx="10515600" cy="4158977"/>
+          </a:xfrm>
+        </p:spPr>
+        <p:txBody>
+          <a:bodyPr/>
+          <a:lstStyle/>
+          <a:p>
+            <a:pPr lvl="0"/>
+            <a:r>
+              <a:rPr kumimoji="1" lang="en-US" altLang="zh-CN" dirty="0">
+                <a:solidFill>
+                  <a:schemeClr val="bg2">
+                    <a:lumMod val="50000"/>
+                  </a:schemeClr>
+                </a:solidFill>
+              </a:rPr>
+              <a:t>The relationship between visual units: </a:t>
+            </a:r>
+          </a:p>
+          <a:p>
+            <a:pPr lvl="1"/>
+            <a:r>
+              <a:rPr kumimoji="1" lang="en-US" altLang="zh-CN" dirty="0">
+                <a:solidFill>
+                  <a:schemeClr val="bg2">
+                    <a:lumMod val="50000"/>
+                  </a:schemeClr>
+                </a:solidFill>
+              </a:rPr>
+              <a:t>share same visual encoding;</a:t>
+            </a:r>
+          </a:p>
+          <a:p>
+            <a:pPr lvl="1"/>
+            <a:r>
+              <a:rPr kumimoji="1" lang="en-US" altLang="zh-CN" dirty="0">
+                <a:solidFill>
+                  <a:schemeClr val="bg2">
+                    <a:lumMod val="50000"/>
+                  </a:schemeClr>
+                </a:solidFill>
+              </a:rPr>
+              <a:t>logic dependency; </a:t>
+            </a:r>
+          </a:p>
+          <a:p>
+            <a:pPr lvl="1"/>
+            <a:r>
+              <a:rPr kumimoji="1" lang="en-US" altLang="zh-CN" dirty="0">
+                <a:solidFill>
+                  <a:schemeClr val="bg2">
+                    <a:lumMod val="50000"/>
+                  </a:schemeClr>
+                </a:solidFill>
+              </a:rPr>
+              <a:t>unrelated</a:t>
+            </a:r>
+            <a:endParaRPr kumimoji="1" lang="zh-CN" altLang="zh-CN" dirty="0">
+              <a:solidFill>
+                <a:schemeClr val="bg2">
+                  <a:lumMod val="50000"/>
+                </a:schemeClr>
+              </a:solidFill>
+            </a:endParaRPr>
+          </a:p>
+          <a:p>
+            <a:endParaRPr kumimoji="1" lang="zh-CN" altLang="en-US" dirty="0"/>
+          </a:p>
+        </p:txBody>
+      </p:sp>
+      <p:sp>
+        <p:nvSpPr>
+          <p:cNvPr id="4" name="幻灯片编号占位符 3"/>
+          <p:cNvSpPr>
+            <a:spLocks noGrp="1"/>
+          </p:cNvSpPr>
+          <p:nvPr>
+            <p:ph type="sldNum" sz="quarter" idx="12"/>
+          </p:nvPr>
+        </p:nvSpPr>
+        <p:spPr/>
+        <p:txBody>
+          <a:bodyPr/>
+          <a:lstStyle/>
+          <a:p>
+            <a:fld id="{1545DBC7-0E7E-5249-BF19-8815E0EED612}" type="slidenum">
+              <a:rPr kumimoji="1" lang="zh-CN" altLang="en-US" smtClean="0"/>
+              <a:t>41</a:t>
+            </a:fld>
+            <a:endParaRPr kumimoji="1" lang="zh-CN" altLang="en-US"/>
+          </a:p>
+        </p:txBody>
+      </p:sp>
+      <p:sp>
+        <p:nvSpPr>
+          <p:cNvPr id="6" name="矩形 5"/>
+          <p:cNvSpPr/>
+          <p:nvPr/>
+        </p:nvSpPr>
+        <p:spPr>
+          <a:xfrm>
+            <a:off x="838200" y="1257162"/>
+            <a:ext cx="7550727" cy="83127"/>
+          </a:xfrm>
+          <a:prstGeom prst="rect">
+            <a:avLst/>
+          </a:prstGeom>
+          <a:solidFill>
+            <a:schemeClr val="accent1">
+              <a:lumMod val="60000"/>
+              <a:lumOff val="40000"/>
+            </a:schemeClr>
+          </a:solidFill>
+          <a:ln>
+            <a:noFill/>
+          </a:ln>
+        </p:spPr>
+        <p:style>
+          <a:lnRef idx="2">
+            <a:schemeClr val="accent1">
+              <a:shade val="50000"/>
+            </a:schemeClr>
+          </a:lnRef>
+          <a:fillRef idx="1">
+            <a:schemeClr val="accent1"/>
+          </a:fillRef>
+          <a:effectRef idx="0">
+            <a:schemeClr val="accent1"/>
+          </a:effectRef>
+          <a:fontRef idx="minor">
+            <a:schemeClr val="lt1"/>
+          </a:fontRef>
+        </p:style>
+        <p:txBody>
+          <a:bodyPr rtlCol="0" anchor="ctr"/>
+          <a:lstStyle/>
+          <a:p>
+            <a:pPr algn="ctr"/>
+            <a:endParaRPr kumimoji="1" lang="zh-CN" altLang="en-US"/>
+          </a:p>
+        </p:txBody>
+      </p:sp>
+    </p:spTree>
+    <p:extLst>
+      <p:ext uri="{BB962C8B-B14F-4D97-AF65-F5344CB8AC3E}">
+        <p14:creationId xmlns:p14="http://schemas.microsoft.com/office/powerpoint/2010/main" val="1681113520"/>
+      </p:ext>
+    </p:extLst>
+  </p:cSld>
+  <p:clrMapOvr>
+    <a:masterClrMapping/>
+  </p:clrMapOvr>
+  <p:timing>
+    <p:tnLst>
+      <p:par>
+        <p:cTn id="1" dur="indefinite" restart="never" nodeType="tmRoot"/>
+      </p:par>
+    </p:tnLst>
+  </p:timing>
+</p:sld>
+</file>
+
+<file path=ppt/slides/slide42.xml><?xml version="1.0" encoding="utf-8"?>
+<p:sld xmlns:a="http://schemas.openxmlformats.org/drawingml/2006/main" xmlns:r="http://schemas.openxmlformats.org/officeDocument/2006/relationships" xmlns:p="http://schemas.openxmlformats.org/presentationml/2006/main">
+  <p:cSld>
+    <p:spTree>
+      <p:nvGrpSpPr>
+        <p:cNvPr id="1" name=""/>
+        <p:cNvGrpSpPr/>
+        <p:nvPr/>
+      </p:nvGrpSpPr>
+      <p:grpSpPr>
+        <a:xfrm>
+          <a:off x="0" y="0"/>
+          <a:ext cx="0" cy="0"/>
+          <a:chOff x="0" y="0"/>
+          <a:chExt cx="0" cy="0"/>
+        </a:xfrm>
+      </p:grpSpPr>
+      <p:sp>
+        <p:nvSpPr>
+          <p:cNvPr id="2" name="标题 1"/>
+          <p:cNvSpPr>
+            <a:spLocks noGrp="1"/>
+          </p:cNvSpPr>
+          <p:nvPr>
+            <p:ph type="title"/>
+          </p:nvPr>
+        </p:nvSpPr>
+        <p:spPr/>
+        <p:txBody>
+          <a:bodyPr/>
+          <a:lstStyle/>
+          <a:p>
+            <a:r>
+              <a:rPr kumimoji="1" lang="en-US" altLang="zh-CN" b="1" dirty="0">
+                <a:solidFill>
+                  <a:schemeClr val="tx1">
+                    <a:lumMod val="65000"/>
+                    <a:lumOff val="35000"/>
+                  </a:schemeClr>
+                </a:solidFill>
+              </a:rPr>
               <a:t>UI</a:t>
             </a:r>
             <a:r>
@@ -30152,7 +30373,7 @@
           <a:p>
             <a:fld id="{1545DBC7-0E7E-5249-BF19-8815E0EED612}" type="slidenum">
               <a:rPr kumimoji="1" lang="zh-CN" altLang="en-US" smtClean="0"/>
-              <a:t>41</a:t>
+              <a:t>42</a:t>
             </a:fld>
             <a:endParaRPr kumimoji="1" lang="zh-CN" altLang="en-US"/>
           </a:p>
@@ -30743,7 +30964,7 @@
 </p:sld>
 </file>
 
-<file path=ppt/slides/slide42.xml><?xml version="1.0" encoding="utf-8"?>
+<file path=ppt/slides/slide43.xml><?xml version="1.0" encoding="utf-8"?>
 <p:sld xmlns:a="http://schemas.openxmlformats.org/drawingml/2006/main" xmlns:r="http://schemas.openxmlformats.org/officeDocument/2006/relationships" xmlns:p="http://schemas.openxmlformats.org/presentationml/2006/main">
   <p:cSld>
     <p:spTree>
@@ -30959,7 +31180,7 @@
           <a:p>
             <a:fld id="{1545DBC7-0E7E-5249-BF19-8815E0EED612}" type="slidenum">
               <a:rPr kumimoji="1" lang="zh-CN" altLang="en-US" smtClean="0"/>
-              <a:t>42</a:t>
+              <a:t>43</a:t>
             </a:fld>
             <a:endParaRPr kumimoji="1" lang="zh-CN" altLang="en-US"/>
           </a:p>
@@ -30985,7 +31206,7 @@
 </p:sld>
 </file>
 
-<file path=ppt/slides/slide43.xml><?xml version="1.0" encoding="utf-8"?>
+<file path=ppt/slides/slide44.xml><?xml version="1.0" encoding="utf-8"?>
 <p:sld xmlns:a="http://schemas.openxmlformats.org/drawingml/2006/main" xmlns:r="http://schemas.openxmlformats.org/officeDocument/2006/relationships" xmlns:p="http://schemas.openxmlformats.org/presentationml/2006/main">
   <p:cSld>
     <p:spTree>
@@ -31728,7 +31949,7 @@
           <a:p>
             <a:fld id="{1545DBC7-0E7E-5249-BF19-8815E0EED612}" type="slidenum">
               <a:rPr kumimoji="1" lang="zh-CN" altLang="en-US" smtClean="0"/>
-              <a:t>43</a:t>
+              <a:t>44</a:t>
             </a:fld>
             <a:endParaRPr kumimoji="1" lang="zh-CN" altLang="en-US"/>
           </a:p>
@@ -31754,7 +31975,7 @@
 </p:sld>
 </file>
 
-<file path=ppt/slides/slide44.xml><?xml version="1.0" encoding="utf-8"?>
+<file path=ppt/slides/slide45.xml><?xml version="1.0" encoding="utf-8"?>
 <p:sld xmlns:a="http://schemas.openxmlformats.org/drawingml/2006/main" xmlns:r="http://schemas.openxmlformats.org/officeDocument/2006/relationships" xmlns:p="http://schemas.openxmlformats.org/presentationml/2006/main">
   <p:cSld>
     <p:spTree>
@@ -32266,7 +32487,7 @@
           <a:p>
             <a:fld id="{1545DBC7-0E7E-5249-BF19-8815E0EED612}" type="slidenum">
               <a:rPr kumimoji="1" lang="zh-CN" altLang="en-US" smtClean="0"/>
-              <a:t>44</a:t>
+              <a:t>45</a:t>
             </a:fld>
             <a:endParaRPr kumimoji="1" lang="zh-CN" altLang="en-US"/>
           </a:p>
